--- a/6. Drawing-with-Loops/6. Drawing-with-Loops.pptx
+++ b/6. Drawing-with-Loops/6. Drawing-with-Loops.pptx
@@ -251,7 +251,7 @@
             <a:fld id="{FE5B4EDC-59C0-49C7-8ADA-5A781B329E02}" type="datetimeFigureOut">
               <a:rPr lang="en-US"/>
               <a:pPr/>
-              <a:t>2/6/2017</a:t>
+              <a:t>2/10/2017</a:t>
             </a:fld>
             <a:endParaRPr dirty="0"/>
           </a:p>
@@ -450,7 +450,7 @@
             <a:fld id="{F2D8D46A-B586-417D-BFBD-8C8FE0AAF762}" type="datetimeFigureOut">
               <a:rPr lang="en-US" smtClean="0"/>
               <a:pPr/>
-              <a:t>2/6/2017</a:t>
+              <a:t>2/10/2017</a:t>
             </a:fld>
             <a:endParaRPr lang="en-US"/>
           </a:p>
@@ -2740,7 +2740,7 @@
             <a:fld id="{055373AC-9AA7-423B-BA00-BA1C74164DBD}" type="datetime1">
               <a:rPr lang="en-US" smtClean="0"/>
               <a:pPr/>
-              <a:t>2/6/2017</a:t>
+              <a:t>2/10/2017</a:t>
             </a:fld>
             <a:endParaRPr lang="en-US" dirty="0"/>
           </a:p>
@@ -4014,7 +4014,7 @@
             <a:fld id="{055373AC-9AA7-423B-BA00-BA1C74164DBD}" type="datetime1">
               <a:rPr lang="en-US" smtClean="0"/>
               <a:pPr/>
-              <a:t>2/6/2017</a:t>
+              <a:t>2/10/2017</a:t>
             </a:fld>
             <a:endParaRPr lang="en-US" dirty="0"/>
           </a:p>
@@ -5567,8 +5567,8 @@
         </p:nvSpPr>
         <p:spPr bwMode="auto">
           <a:xfrm>
-            <a:off x="3083010" y="1997172"/>
-            <a:ext cx="8193002" cy="3893374"/>
+            <a:off x="3083009" y="2261901"/>
+            <a:ext cx="8193002" cy="3133165"/>
           </a:xfrm>
           <a:prstGeom prst="rect">
             <a:avLst/>
@@ -5622,239 +5622,7 @@
                 <a:latin typeface="Consolas" pitchFamily="49" charset="0"/>
                 <a:cs typeface="Consolas" pitchFamily="49" charset="0"/>
               </a:rPr>
-              <a:t>for </a:t>
-            </a:r>
-            <a:r>
-              <a:rPr lang="en-US" sz="2600" b="1" noProof="1">
-                <a:solidFill>
-                  <a:srgbClr val="FBEEDC"/>
-                </a:solidFill>
-                <a:effectLst>
-                  <a:outerShdw blurRad="38100" dist="38100" dir="2700000" algn="tl">
-                    <a:srgbClr val="000000">
-                      <a:alpha val="43137"/>
-                    </a:srgbClr>
-                  </a:outerShdw>
-                </a:effectLst>
-                <a:latin typeface="Consolas" pitchFamily="49" charset="0"/>
-                <a:cs typeface="Consolas" pitchFamily="49" charset="0"/>
-              </a:rPr>
-              <a:t>(var row = </a:t>
-            </a:r>
-            <a:r>
-              <a:rPr lang="en-US" sz="2600" b="1" noProof="1" smtClean="0">
-                <a:solidFill>
-                  <a:srgbClr val="FBEEDC"/>
-                </a:solidFill>
-                <a:effectLst>
-                  <a:outerShdw blurRad="38100" dist="38100" dir="2700000" algn="tl">
-                    <a:srgbClr val="000000">
-                      <a:alpha val="43137"/>
-                    </a:srgbClr>
-                  </a:outerShdw>
-                </a:effectLst>
-                <a:latin typeface="Consolas" pitchFamily="49" charset="0"/>
-                <a:cs typeface="Consolas" pitchFamily="49" charset="0"/>
-              </a:rPr>
-              <a:t>1 </a:t>
-            </a:r>
-            <a:r>
-              <a:rPr lang="en-US" sz="2600" b="1" noProof="1">
-                <a:solidFill>
-                  <a:srgbClr val="FBEEDC"/>
-                </a:solidFill>
-                <a:effectLst>
-                  <a:outerShdw blurRad="38100" dist="38100" dir="2700000" algn="tl">
-                    <a:srgbClr val="000000">
-                      <a:alpha val="43137"/>
-                    </a:srgbClr>
-                  </a:outerShdw>
-                </a:effectLst>
-                <a:latin typeface="Consolas" pitchFamily="49" charset="0"/>
-                <a:cs typeface="Consolas" pitchFamily="49" charset="0"/>
-              </a:rPr>
-              <a:t>row &lt;= </a:t>
-            </a:r>
-            <a:r>
-              <a:rPr lang="en-US" sz="2600" b="1" noProof="1" smtClean="0">
-                <a:solidFill>
-                  <a:srgbClr val="FBEEDC"/>
-                </a:solidFill>
-                <a:effectLst>
-                  <a:outerShdw blurRad="38100" dist="38100" dir="2700000" algn="tl">
-                    <a:srgbClr val="000000">
-                      <a:alpha val="43137"/>
-                    </a:srgbClr>
-                  </a:outerShdw>
-                </a:effectLst>
-                <a:latin typeface="Consolas" pitchFamily="49" charset="0"/>
-                <a:cs typeface="Consolas" pitchFamily="49" charset="0"/>
-              </a:rPr>
-              <a:t>n </a:t>
-            </a:r>
-            <a:r>
-              <a:rPr lang="en-US" sz="2600" b="1" noProof="1">
-                <a:solidFill>
-                  <a:srgbClr val="FBEEDC"/>
-                </a:solidFill>
-                <a:effectLst>
-                  <a:outerShdw blurRad="38100" dist="38100" dir="2700000" algn="tl">
-                    <a:srgbClr val="000000">
-                      <a:alpha val="43137"/>
-                    </a:srgbClr>
-                  </a:outerShdw>
-                </a:effectLst>
-                <a:latin typeface="Consolas" pitchFamily="49" charset="0"/>
-                <a:cs typeface="Consolas" pitchFamily="49" charset="0"/>
-              </a:rPr>
-              <a:t>row++)</a:t>
-            </a:r>
-          </a:p>
-          <a:p>
-            <a:pPr eaLnBrk="0" hangingPunct="0">
-              <a:lnSpc>
-                <a:spcPct val="95000"/>
-              </a:lnSpc>
-              <a:buClr>
-                <a:schemeClr val="accent5">
-                  <a:lumMod val="40000"/>
-                  <a:lumOff val="60000"/>
-                </a:schemeClr>
-              </a:buClr>
-              <a:buSzPct val="70000"/>
-            </a:pPr>
-            <a:r>
-              <a:rPr lang="en-US" sz="2600" b="1" noProof="1">
-                <a:solidFill>
-                  <a:srgbClr val="FBEEDC"/>
-                </a:solidFill>
-                <a:effectLst>
-                  <a:outerShdw blurRad="38100" dist="38100" dir="2700000" algn="tl">
-                    <a:srgbClr val="000000">
-                      <a:alpha val="43137"/>
-                    </a:srgbClr>
-                  </a:outerShdw>
-                </a:effectLst>
-                <a:latin typeface="Consolas" pitchFamily="49" charset="0"/>
-                <a:cs typeface="Consolas" pitchFamily="49" charset="0"/>
-              </a:rPr>
-              <a:t>{</a:t>
-            </a:r>
-          </a:p>
-          <a:p>
-            <a:pPr eaLnBrk="0" hangingPunct="0">
-              <a:lnSpc>
-                <a:spcPct val="95000"/>
-              </a:lnSpc>
-              <a:buClr>
-                <a:schemeClr val="accent5">
-                  <a:lumMod val="40000"/>
-                  <a:lumOff val="60000"/>
-                </a:schemeClr>
-              </a:buClr>
-              <a:buSzPct val="70000"/>
-            </a:pPr>
-            <a:r>
-              <a:rPr lang="en-US" sz="2600" b="1" noProof="1">
-                <a:solidFill>
-                  <a:srgbClr val="FBEEDC"/>
-                </a:solidFill>
-                <a:effectLst>
-                  <a:outerShdw blurRad="38100" dist="38100" dir="2700000" algn="tl">
-                    <a:srgbClr val="000000">
-                      <a:alpha val="43137"/>
-                    </a:srgbClr>
-                  </a:outerShdw>
-                </a:effectLst>
-                <a:latin typeface="Consolas" pitchFamily="49" charset="0"/>
-                <a:cs typeface="Consolas" pitchFamily="49" charset="0"/>
-              </a:rPr>
-              <a:t>    for (var </a:t>
-            </a:r>
-            <a:r>
-              <a:rPr lang="en-US" sz="2600" b="1" noProof="1" smtClean="0">
-                <a:solidFill>
-                  <a:srgbClr val="FBEEDC"/>
-                </a:solidFill>
-                <a:effectLst>
-                  <a:outerShdw blurRad="38100" dist="38100" dir="2700000" algn="tl">
-                    <a:srgbClr val="000000">
-                      <a:alpha val="43137"/>
-                    </a:srgbClr>
-                  </a:outerShdw>
-                </a:effectLst>
-                <a:latin typeface="Consolas" pitchFamily="49" charset="0"/>
-                <a:cs typeface="Consolas" pitchFamily="49" charset="0"/>
-              </a:rPr>
-              <a:t>col </a:t>
-            </a:r>
-            <a:r>
-              <a:rPr lang="en-US" sz="2600" b="1" noProof="1">
-                <a:solidFill>
-                  <a:srgbClr val="FBEEDC"/>
-                </a:solidFill>
-                <a:effectLst>
-                  <a:outerShdw blurRad="38100" dist="38100" dir="2700000" algn="tl">
-                    <a:srgbClr val="000000">
-                      <a:alpha val="43137"/>
-                    </a:srgbClr>
-                  </a:outerShdw>
-                </a:effectLst>
-                <a:latin typeface="Consolas" pitchFamily="49" charset="0"/>
-                <a:cs typeface="Consolas" pitchFamily="49" charset="0"/>
-              </a:rPr>
-              <a:t>= </a:t>
-            </a:r>
-            <a:r>
-              <a:rPr lang="en-US" sz="2600" b="1" noProof="1" smtClean="0">
-                <a:solidFill>
-                  <a:srgbClr val="FBEEDC"/>
-                </a:solidFill>
-                <a:effectLst>
-                  <a:outerShdw blurRad="38100" dist="38100" dir="2700000" algn="tl">
-                    <a:srgbClr val="000000">
-                      <a:alpha val="43137"/>
-                    </a:srgbClr>
-                  </a:outerShdw>
-                </a:effectLst>
-                <a:latin typeface="Consolas" pitchFamily="49" charset="0"/>
-                <a:cs typeface="Consolas" pitchFamily="49" charset="0"/>
-              </a:rPr>
-              <a:t>1 col </a:t>
-            </a:r>
-            <a:r>
-              <a:rPr lang="en-US" sz="2600" b="1" noProof="1">
-                <a:solidFill>
-                  <a:srgbClr val="FBEEDC"/>
-                </a:solidFill>
-                <a:effectLst>
-                  <a:outerShdw blurRad="38100" dist="38100" dir="2700000" algn="tl">
-                    <a:srgbClr val="000000">
-                      <a:alpha val="43137"/>
-                    </a:srgbClr>
-                  </a:outerShdw>
-                </a:effectLst>
-                <a:latin typeface="Consolas" pitchFamily="49" charset="0"/>
-                <a:cs typeface="Consolas" pitchFamily="49" charset="0"/>
-              </a:rPr>
-              <a:t>&lt;= </a:t>
-            </a:r>
-            <a:r>
-              <a:rPr lang="en-US" sz="2600" b="1" noProof="1" smtClean="0">
-                <a:solidFill>
-                  <a:srgbClr val="FBEEDC"/>
-                </a:solidFill>
-                <a:effectLst>
-                  <a:outerShdw blurRad="38100" dist="38100" dir="2700000" algn="tl">
-                    <a:srgbClr val="000000">
-                      <a:alpha val="43137"/>
-                    </a:srgbClr>
-                  </a:outerShdw>
-                </a:effectLst>
-                <a:latin typeface="Consolas" pitchFamily="49" charset="0"/>
-                <a:cs typeface="Consolas" pitchFamily="49" charset="0"/>
-              </a:rPr>
-              <a:t>n-row col++)</a:t>
+              <a:t>for row in range(n):</a:t>
             </a:r>
             <a:endParaRPr lang="en-US" sz="2600" b="1" noProof="1">
               <a:solidFill>
@@ -5899,7 +5667,7 @@
                 <a:latin typeface="Consolas" pitchFamily="49" charset="0"/>
                 <a:cs typeface="Consolas" pitchFamily="49" charset="0"/>
               </a:rPr>
-              <a:t>        </a:t>
+              <a:t>    </a:t>
             </a:r>
             <a:r>
               <a:rPr lang="en-US" sz="2600" b="1" noProof="1" smtClean="0">
@@ -5916,41 +5684,7 @@
                 <a:latin typeface="Consolas" pitchFamily="49" charset="0"/>
                 <a:cs typeface="Consolas" pitchFamily="49" charset="0"/>
               </a:rPr>
-              <a:t>Console.Write</a:t>
-            </a:r>
-            <a:r>
-              <a:rPr lang="en-US" sz="2600" b="1" noProof="1">
-                <a:solidFill>
-                  <a:srgbClr val="FBEEDC"/>
-                </a:solidFill>
-                <a:effectLst>
-                  <a:outerShdw blurRad="38100" dist="38100" dir="2700000" algn="tl">
-                    <a:srgbClr val="000000">
-                      <a:alpha val="43137"/>
-                    </a:srgbClr>
-                  </a:outerShdw>
-                </a:effectLst>
-                <a:latin typeface="Consolas" pitchFamily="49" charset="0"/>
-                <a:cs typeface="Consolas" pitchFamily="49" charset="0"/>
-              </a:rPr>
-              <a:t>(" </a:t>
-            </a:r>
-            <a:r>
-              <a:rPr lang="en-US" sz="2600" b="1" noProof="1" smtClean="0">
-                <a:solidFill>
-                  <a:srgbClr val="FBEEDC"/>
-                </a:solidFill>
-                <a:effectLst>
-                  <a:outerShdw blurRad="38100" dist="38100" dir="2700000" algn="tl">
-                    <a:srgbClr val="000000">
-                      <a:alpha val="43137"/>
-                    </a:srgbClr>
-                  </a:outerShdw>
-                </a:effectLst>
-                <a:latin typeface="Consolas" pitchFamily="49" charset="0"/>
-                <a:cs typeface="Consolas" pitchFamily="49" charset="0"/>
-              </a:rPr>
-              <a:t>")</a:t>
+              <a:t>for col in range(n-row-1):</a:t>
             </a:r>
             <a:endParaRPr lang="en-US" sz="2600" b="1" noProof="1">
               <a:solidFill>
@@ -5995,7 +5729,7 @@
                 <a:latin typeface="Consolas" pitchFamily="49" charset="0"/>
                 <a:cs typeface="Consolas" pitchFamily="49" charset="0"/>
               </a:rPr>
-              <a:t>    </a:t>
+              <a:t>        </a:t>
             </a:r>
             <a:r>
               <a:rPr lang="en-US" sz="2600" b="1" noProof="1" smtClean="0">
@@ -6012,7 +5746,24 @@
                 <a:latin typeface="Consolas" pitchFamily="49" charset="0"/>
                 <a:cs typeface="Consolas" pitchFamily="49" charset="0"/>
               </a:rPr>
-              <a:t>Console.Write("*")</a:t>
+              <a:t>sys.stdout.write</a:t>
+            </a:r>
+            <a:r>
+              <a:rPr lang="en-US" sz="2600" b="1" noProof="1" smtClean="0">
+                <a:solidFill>
+                  <a:srgbClr val="FBEEDC"/>
+                </a:solidFill>
+                <a:effectLst>
+                  <a:outerShdw blurRad="38100" dist="38100" dir="2700000" algn="tl">
+                    <a:srgbClr val="000000">
+                      <a:alpha val="43137"/>
+                    </a:srgbClr>
+                  </a:outerShdw>
+                </a:effectLst>
+                <a:latin typeface="Consolas" pitchFamily="49" charset="0"/>
+                <a:cs typeface="Consolas" pitchFamily="49" charset="0"/>
+              </a:rPr>
+              <a:t>(' ')</a:t>
             </a:r>
             <a:endParaRPr lang="en-US" sz="2600" b="1" noProof="1">
               <a:solidFill>
@@ -6057,7 +5808,7 @@
                 <a:latin typeface="Consolas" pitchFamily="49" charset="0"/>
                 <a:cs typeface="Consolas" pitchFamily="49" charset="0"/>
               </a:rPr>
-              <a:t>    for (var </a:t>
+              <a:t>    </a:t>
             </a:r>
             <a:r>
               <a:rPr lang="en-US" sz="2600" b="1" noProof="1" smtClean="0">
@@ -6074,24 +5825,7 @@
                 <a:latin typeface="Consolas" pitchFamily="49" charset="0"/>
                 <a:cs typeface="Consolas" pitchFamily="49" charset="0"/>
               </a:rPr>
-              <a:t>col </a:t>
-            </a:r>
-            <a:r>
-              <a:rPr lang="en-US" sz="2600" b="1" noProof="1">
-                <a:solidFill>
-                  <a:srgbClr val="FBEEDC"/>
-                </a:solidFill>
-                <a:effectLst>
-                  <a:outerShdw blurRad="38100" dist="38100" dir="2700000" algn="tl">
-                    <a:srgbClr val="000000">
-                      <a:alpha val="43137"/>
-                    </a:srgbClr>
-                  </a:outerShdw>
-                </a:effectLst>
-                <a:latin typeface="Consolas" pitchFamily="49" charset="0"/>
-                <a:cs typeface="Consolas" pitchFamily="49" charset="0"/>
-              </a:rPr>
-              <a:t>= </a:t>
+              <a:t>sys.stdout.write</a:t>
             </a:r>
             <a:r>
               <a:rPr lang="en-US" sz="2600" b="1" noProof="1" smtClean="0">
@@ -6108,41 +5842,7 @@
                 <a:latin typeface="Consolas" pitchFamily="49" charset="0"/>
                 <a:cs typeface="Consolas" pitchFamily="49" charset="0"/>
               </a:rPr>
-              <a:t>1 col </a:t>
-            </a:r>
-            <a:r>
-              <a:rPr lang="en-US" sz="2600" b="1" noProof="1">
-                <a:solidFill>
-                  <a:srgbClr val="FBEEDC"/>
-                </a:solidFill>
-                <a:effectLst>
-                  <a:outerShdw blurRad="38100" dist="38100" dir="2700000" algn="tl">
-                    <a:srgbClr val="000000">
-                      <a:alpha val="43137"/>
-                    </a:srgbClr>
-                  </a:outerShdw>
-                </a:effectLst>
-                <a:latin typeface="Consolas" pitchFamily="49" charset="0"/>
-                <a:cs typeface="Consolas" pitchFamily="49" charset="0"/>
-              </a:rPr>
-              <a:t>&lt; </a:t>
-            </a:r>
-            <a:r>
-              <a:rPr lang="en-US" sz="2600" b="1" noProof="1" smtClean="0">
-                <a:solidFill>
-                  <a:srgbClr val="FBEEDC"/>
-                </a:solidFill>
-                <a:effectLst>
-                  <a:outerShdw blurRad="38100" dist="38100" dir="2700000" algn="tl">
-                    <a:srgbClr val="000000">
-                      <a:alpha val="43137"/>
-                    </a:srgbClr>
-                  </a:outerShdw>
-                </a:effectLst>
-                <a:latin typeface="Consolas" pitchFamily="49" charset="0"/>
-                <a:cs typeface="Consolas" pitchFamily="49" charset="0"/>
-              </a:rPr>
-              <a:t>row col++)</a:t>
+              <a:t>('*')</a:t>
             </a:r>
             <a:endParaRPr lang="en-US" sz="2600" b="1" noProof="1">
               <a:solidFill>
@@ -6173,23 +5873,6 @@
               <a:buSzPct val="70000"/>
             </a:pPr>
             <a:r>
-              <a:rPr lang="en-US" sz="2600" b="1" noProof="1">
-                <a:solidFill>
-                  <a:srgbClr val="FBEEDC"/>
-                </a:solidFill>
-                <a:effectLst>
-                  <a:outerShdw blurRad="38100" dist="38100" dir="2700000" algn="tl">
-                    <a:srgbClr val="000000">
-                      <a:alpha val="43137"/>
-                    </a:srgbClr>
-                  </a:outerShdw>
-                </a:effectLst>
-                <a:latin typeface="Consolas" pitchFamily="49" charset="0"/>
-                <a:cs typeface="Consolas" pitchFamily="49" charset="0"/>
-              </a:rPr>
-              <a:t>        </a:t>
-            </a:r>
-            <a:r>
               <a:rPr lang="en-US" sz="2600" b="1" noProof="1" smtClean="0">
                 <a:solidFill>
                   <a:srgbClr val="FBEEDC"/>
@@ -6204,41 +5887,7 @@
                 <a:latin typeface="Consolas" pitchFamily="49" charset="0"/>
                 <a:cs typeface="Consolas" pitchFamily="49" charset="0"/>
               </a:rPr>
-              <a:t>Console.Write</a:t>
-            </a:r>
-            <a:r>
-              <a:rPr lang="en-US" sz="2600" b="1" noProof="1">
-                <a:solidFill>
-                  <a:srgbClr val="FBEEDC"/>
-                </a:solidFill>
-                <a:effectLst>
-                  <a:outerShdw blurRad="38100" dist="38100" dir="2700000" algn="tl">
-                    <a:srgbClr val="000000">
-                      <a:alpha val="43137"/>
-                    </a:srgbClr>
-                  </a:outerShdw>
-                </a:effectLst>
-                <a:latin typeface="Consolas" pitchFamily="49" charset="0"/>
-                <a:cs typeface="Consolas" pitchFamily="49" charset="0"/>
-              </a:rPr>
-              <a:t>(" </a:t>
-            </a:r>
-            <a:r>
-              <a:rPr lang="en-US" sz="2600" b="1" noProof="1" smtClean="0">
-                <a:solidFill>
-                  <a:srgbClr val="FBEEDC"/>
-                </a:solidFill>
-                <a:effectLst>
-                  <a:outerShdw blurRad="38100" dist="38100" dir="2700000" algn="tl">
-                    <a:srgbClr val="000000">
-                      <a:alpha val="43137"/>
-                    </a:srgbClr>
-                  </a:outerShdw>
-                </a:effectLst>
-                <a:latin typeface="Consolas" pitchFamily="49" charset="0"/>
-                <a:cs typeface="Consolas" pitchFamily="49" charset="0"/>
-              </a:rPr>
-              <a:t>*")</a:t>
+              <a:t>    for col in range(row):</a:t>
             </a:r>
             <a:endParaRPr lang="en-US" sz="2600" b="1" noProof="1">
               <a:solidFill>
@@ -6283,7 +5932,7 @@
                 <a:latin typeface="Consolas" pitchFamily="49" charset="0"/>
                 <a:cs typeface="Consolas" pitchFamily="49" charset="0"/>
               </a:rPr>
-              <a:t>    </a:t>
+              <a:t>        </a:t>
             </a:r>
             <a:r>
               <a:rPr lang="en-US" sz="2600" b="1" noProof="1" smtClean="0">
@@ -6300,7 +5949,24 @@
                 <a:latin typeface="Consolas" pitchFamily="49" charset="0"/>
                 <a:cs typeface="Consolas" pitchFamily="49" charset="0"/>
               </a:rPr>
-              <a:t>Console.WriteLine()</a:t>
+              <a:t>sys.stdout.write</a:t>
+            </a:r>
+            <a:r>
+              <a:rPr lang="en-US" sz="2600" b="1" noProof="1" smtClean="0">
+                <a:solidFill>
+                  <a:srgbClr val="FBEEDC"/>
+                </a:solidFill>
+                <a:effectLst>
+                  <a:outerShdw blurRad="38100" dist="38100" dir="2700000" algn="tl">
+                    <a:srgbClr val="000000">
+                      <a:alpha val="43137"/>
+                    </a:srgbClr>
+                  </a:outerShdw>
+                </a:effectLst>
+                <a:latin typeface="Consolas" pitchFamily="49" charset="0"/>
+                <a:cs typeface="Consolas" pitchFamily="49" charset="0"/>
+              </a:rPr>
+              <a:t>(' *')</a:t>
             </a:r>
             <a:endParaRPr lang="en-US" sz="2600" b="1" noProof="1">
               <a:solidFill>
@@ -6331,6 +5997,23 @@
               <a:buSzPct val="70000"/>
             </a:pPr>
             <a:r>
+              <a:rPr lang="en-US" sz="2600" b="1" noProof="1">
+                <a:solidFill>
+                  <a:srgbClr val="FBEEDC"/>
+                </a:solidFill>
+                <a:effectLst>
+                  <a:outerShdw blurRad="38100" dist="38100" dir="2700000" algn="tl">
+                    <a:srgbClr val="000000">
+                      <a:alpha val="43137"/>
+                    </a:srgbClr>
+                  </a:outerShdw>
+                </a:effectLst>
+                <a:latin typeface="Consolas" pitchFamily="49" charset="0"/>
+                <a:cs typeface="Consolas" pitchFamily="49" charset="0"/>
+              </a:rPr>
+              <a:t>    </a:t>
+            </a:r>
+            <a:r>
               <a:rPr lang="en-US" sz="2600" b="1" noProof="1" smtClean="0">
                 <a:solidFill>
                   <a:srgbClr val="FBEEDC"/>
@@ -6345,8 +6028,39 @@
                 <a:latin typeface="Consolas" pitchFamily="49" charset="0"/>
                 <a:cs typeface="Consolas" pitchFamily="49" charset="0"/>
               </a:rPr>
-              <a:t>}</a:t>
-            </a:r>
+              <a:t>print</a:t>
+            </a:r>
+            <a:r>
+              <a:rPr lang="en-US" sz="2600" b="1" noProof="1" smtClean="0">
+                <a:solidFill>
+                  <a:srgbClr val="FBEEDC"/>
+                </a:solidFill>
+                <a:effectLst>
+                  <a:outerShdw blurRad="38100" dist="38100" dir="2700000" algn="tl">
+                    <a:srgbClr val="000000">
+                      <a:alpha val="43137"/>
+                    </a:srgbClr>
+                  </a:outerShdw>
+                </a:effectLst>
+                <a:latin typeface="Consolas" pitchFamily="49" charset="0"/>
+                <a:cs typeface="Consolas" pitchFamily="49" charset="0"/>
+              </a:rPr>
+              <a:t>()</a:t>
+            </a:r>
+            <a:endParaRPr lang="en-US" sz="2600" b="1" noProof="1" smtClean="0">
+              <a:solidFill>
+                <a:srgbClr val="FBEEDC"/>
+              </a:solidFill>
+              <a:effectLst>
+                <a:outerShdw blurRad="38100" dist="38100" dir="2700000" algn="tl">
+                  <a:srgbClr val="000000">
+                    <a:alpha val="43137"/>
+                  </a:srgbClr>
+                </a:outerShdw>
+              </a:effectLst>
+              <a:latin typeface="Consolas" pitchFamily="49" charset="0"/>
+              <a:cs typeface="Consolas" pitchFamily="49" charset="0"/>
+            </a:endParaRPr>
           </a:p>
           <a:p>
             <a:pPr eaLnBrk="0" hangingPunct="0">
@@ -6362,7 +6076,7 @@
               <a:buSzPct val="70000"/>
             </a:pPr>
             <a:r>
-              <a:rPr lang="en-US" sz="2600" b="1" noProof="1" smtClean="0">
+              <a:rPr lang="en-US" sz="2600" b="1" noProof="1">
                 <a:solidFill>
                   <a:schemeClr val="tx2">
                     <a:lumMod val="75000"/>
@@ -6378,7 +6092,45 @@
                 <a:latin typeface="Consolas" pitchFamily="49" charset="0"/>
                 <a:cs typeface="Consolas" pitchFamily="49" charset="0"/>
               </a:rPr>
-              <a:t>// TODO: </a:t>
+              <a:t>#</a:t>
+            </a:r>
+            <a:r>
+              <a:rPr lang="en-US" sz="2600" b="1" noProof="1" smtClean="0">
+                <a:solidFill>
+                  <a:schemeClr val="tx2">
+                    <a:lumMod val="75000"/>
+                  </a:schemeClr>
+                </a:solidFill>
+                <a:effectLst>
+                  <a:outerShdw blurRad="38100" dist="38100" dir="2700000" algn="tl">
+                    <a:srgbClr val="000000">
+                      <a:alpha val="43137"/>
+                    </a:srgbClr>
+                  </a:outerShdw>
+                </a:effectLst>
+                <a:latin typeface="Consolas" pitchFamily="49" charset="0"/>
+                <a:cs typeface="Consolas" pitchFamily="49" charset="0"/>
+              </a:rPr>
+              <a:t> </a:t>
+            </a:r>
+            <a:r>
+              <a:rPr lang="en-US" sz="2600" b="1" noProof="1" smtClean="0">
+                <a:solidFill>
+                  <a:schemeClr val="tx2">
+                    <a:lumMod val="75000"/>
+                  </a:schemeClr>
+                </a:solidFill>
+                <a:effectLst>
+                  <a:outerShdw blurRad="38100" dist="38100" dir="2700000" algn="tl">
+                    <a:srgbClr val="000000">
+                      <a:alpha val="43137"/>
+                    </a:srgbClr>
+                  </a:outerShdw>
+                </a:effectLst>
+                <a:latin typeface="Consolas" pitchFamily="49" charset="0"/>
+                <a:cs typeface="Consolas" pitchFamily="49" charset="0"/>
+              </a:rPr>
+              <a:t>TODO: </a:t>
             </a:r>
             <a:r>
               <a:rPr lang="en-US" sz="2600" b="1" i="1" noProof="1" smtClean="0">
@@ -8037,7 +7789,7 @@
         <p:spPr bwMode="auto">
           <a:xfrm>
             <a:off x="760414" y="1231310"/>
-            <a:ext cx="10667998" cy="5118362"/>
+            <a:ext cx="10667998" cy="4280760"/>
           </a:xfrm>
           <a:prstGeom prst="rect">
             <a:avLst/>
@@ -8067,23 +7819,6 @@
             <a:r>
               <a:rPr lang="en-US" sz="3000" b="1" noProof="1" smtClean="0">
                 <a:solidFill>
-                  <a:srgbClr val="FBEEE1"/>
-                </a:solidFill>
-                <a:effectLst>
-                  <a:outerShdw blurRad="38100" dist="38100" dir="2700000" algn="tl">
-                    <a:srgbClr val="000000">
-                      <a:alpha val="43137"/>
-                    </a:srgbClr>
-                  </a:outerShdw>
-                </a:effectLst>
-                <a:latin typeface="Consolas" pitchFamily="49" charset="0"/>
-                <a:cs typeface="Consolas" pitchFamily="49" charset="0"/>
-              </a:rPr>
-              <a:t>int </a:t>
-            </a:r>
-            <a:r>
-              <a:rPr lang="en-US" sz="3000" b="1" noProof="1">
-                <a:solidFill>
                   <a:schemeClr val="tx2">
                     <a:lumMod val="75000"/>
                   </a:schemeClr>
@@ -8101,6 +7836,23 @@
               <a:t>n</a:t>
             </a:r>
             <a:r>
+              <a:rPr lang="en-US" sz="3000" b="1" noProof="1" smtClean="0">
+                <a:solidFill>
+                  <a:srgbClr val="FBEEE1"/>
+                </a:solidFill>
+                <a:effectLst>
+                  <a:outerShdw blurRad="38100" dist="38100" dir="2700000" algn="tl">
+                    <a:srgbClr val="000000">
+                      <a:alpha val="43137"/>
+                    </a:srgbClr>
+                  </a:outerShdw>
+                </a:effectLst>
+                <a:latin typeface="Consolas" pitchFamily="49" charset="0"/>
+                <a:cs typeface="Consolas" pitchFamily="49" charset="0"/>
+              </a:rPr>
+              <a:t> </a:t>
+            </a:r>
+            <a:r>
               <a:rPr lang="en-US" sz="3000" b="1" noProof="1">
                 <a:solidFill>
                   <a:srgbClr val="FBEEE1"/>
@@ -8115,7 +7867,7 @@
                 <a:latin typeface="Consolas" pitchFamily="49" charset="0"/>
                 <a:cs typeface="Consolas" pitchFamily="49" charset="0"/>
               </a:rPr>
-              <a:t> = </a:t>
+              <a:t>= </a:t>
             </a:r>
             <a:r>
               <a:rPr lang="en-US" sz="3000" b="1" noProof="1" smtClean="0">
@@ -8168,7 +7920,7 @@
               <a:t>for </a:t>
             </a:r>
             <a:r>
-              <a:rPr lang="en-US" sz="3000" b="1" noProof="1">
+              <a:rPr lang="en-US" sz="3000" b="1" noProof="1" smtClean="0">
                 <a:solidFill>
                   <a:srgbClr val="FBEEE1"/>
                 </a:solidFill>
@@ -8182,94 +7934,7 @@
                 <a:latin typeface="Consolas" pitchFamily="49" charset="0"/>
                 <a:cs typeface="Consolas" pitchFamily="49" charset="0"/>
               </a:rPr>
-              <a:t>(int i = </a:t>
-            </a:r>
-            <a:r>
-              <a:rPr lang="en-US" sz="3000" b="1" noProof="1" smtClean="0">
-                <a:solidFill>
-                  <a:srgbClr val="FBEEE1"/>
-                </a:solidFill>
-                <a:effectLst>
-                  <a:outerShdw blurRad="38100" dist="38100" dir="2700000" algn="tl">
-                    <a:srgbClr val="000000">
-                      <a:alpha val="43137"/>
-                    </a:srgbClr>
-                  </a:outerShdw>
-                </a:effectLst>
-                <a:latin typeface="Consolas" pitchFamily="49" charset="0"/>
-                <a:cs typeface="Consolas" pitchFamily="49" charset="0"/>
-              </a:rPr>
-              <a:t>0 </a:t>
-            </a:r>
-            <a:r>
-              <a:rPr lang="en-US" sz="3000" b="1" noProof="1">
-                <a:solidFill>
-                  <a:srgbClr val="FBEEE1"/>
-                </a:solidFill>
-                <a:effectLst>
-                  <a:outerShdw blurRad="38100" dist="38100" dir="2700000" algn="tl">
-                    <a:srgbClr val="000000">
-                      <a:alpha val="43137"/>
-                    </a:srgbClr>
-                  </a:outerShdw>
-                </a:effectLst>
-                <a:latin typeface="Consolas" pitchFamily="49" charset="0"/>
-                <a:cs typeface="Consolas" pitchFamily="49" charset="0"/>
-              </a:rPr>
-              <a:t>i &lt;= </a:t>
-            </a:r>
-            <a:r>
-              <a:rPr lang="en-US" sz="3000" b="1" noProof="1" smtClean="0">
-                <a:solidFill>
-                  <a:srgbClr val="FBEEE1"/>
-                </a:solidFill>
-                <a:effectLst>
-                  <a:outerShdw blurRad="38100" dist="38100" dir="2700000" algn="tl">
-                    <a:srgbClr val="000000">
-                      <a:alpha val="43137"/>
-                    </a:srgbClr>
-                  </a:outerShdw>
-                </a:effectLst>
-                <a:latin typeface="Consolas" pitchFamily="49" charset="0"/>
-                <a:cs typeface="Consolas" pitchFamily="49" charset="0"/>
-              </a:rPr>
-              <a:t>n </a:t>
-            </a:r>
-            <a:r>
-              <a:rPr lang="en-US" sz="3000" b="1" noProof="1">
-                <a:solidFill>
-                  <a:srgbClr val="FBEEE1"/>
-                </a:solidFill>
-                <a:effectLst>
-                  <a:outerShdw blurRad="38100" dist="38100" dir="2700000" algn="tl">
-                    <a:srgbClr val="000000">
-                      <a:alpha val="43137"/>
-                    </a:srgbClr>
-                  </a:outerShdw>
-                </a:effectLst>
-                <a:latin typeface="Consolas" pitchFamily="49" charset="0"/>
-                <a:cs typeface="Consolas" pitchFamily="49" charset="0"/>
-              </a:rPr>
-              <a:t>i++)</a:t>
-            </a:r>
-          </a:p>
-          <a:p>
-            <a:r>
-              <a:rPr lang="en-US" sz="3000" b="1" noProof="1" smtClean="0">
-                <a:solidFill>
-                  <a:srgbClr val="FBEEE1"/>
-                </a:solidFill>
-                <a:effectLst>
-                  <a:outerShdw blurRad="38100" dist="38100" dir="2700000" algn="tl">
-                    <a:srgbClr val="000000">
-                      <a:alpha val="43137"/>
-                    </a:srgbClr>
-                  </a:outerShdw>
-                </a:effectLst>
-                <a:latin typeface="Consolas" pitchFamily="49" charset="0"/>
-                <a:cs typeface="Consolas" pitchFamily="49" charset="0"/>
-              </a:rPr>
-              <a:t>{</a:t>
+              <a:t>i in range(n+1):</a:t>
             </a:r>
             <a:endParaRPr lang="en-US" sz="3000" b="1" noProof="1">
               <a:solidFill>
@@ -8295,23 +7960,6 @@
             <a:r>
               <a:rPr lang="en-US" sz="3000" b="1" noProof="1" smtClean="0">
                 <a:solidFill>
-                  <a:srgbClr val="FBEEE1"/>
-                </a:solidFill>
-                <a:effectLst>
-                  <a:outerShdw blurRad="38100" dist="38100" dir="2700000" algn="tl">
-                    <a:srgbClr val="000000">
-                      <a:alpha val="43137"/>
-                    </a:srgbClr>
-                  </a:outerShdw>
-                </a:effectLst>
-                <a:latin typeface="Consolas" pitchFamily="49" charset="0"/>
-                <a:cs typeface="Consolas" pitchFamily="49" charset="0"/>
-              </a:rPr>
-              <a:t>   var </a:t>
-            </a:r>
-            <a:r>
-              <a:rPr lang="en-US" sz="3000" b="1" noProof="1" smtClean="0">
-                <a:solidFill>
                   <a:schemeClr val="tx2">
                     <a:lumMod val="75000"/>
                   </a:schemeClr>
@@ -8326,7 +7974,7 @@
                 <a:latin typeface="Consolas" pitchFamily="49" charset="0"/>
                 <a:cs typeface="Consolas" pitchFamily="49" charset="0"/>
               </a:rPr>
-              <a:t>stars</a:t>
+              <a:t>   stars</a:t>
             </a:r>
             <a:r>
               <a:rPr lang="en-US" sz="3000" b="1" noProof="1" smtClean="0">
@@ -8343,10 +7991,10 @@
                 <a:latin typeface="Consolas" pitchFamily="49" charset="0"/>
                 <a:cs typeface="Consolas" pitchFamily="49" charset="0"/>
               </a:rPr>
-              <a:t> = </a:t>
-            </a:r>
-            <a:r>
-              <a:rPr lang="en-US" sz="3000" b="1" noProof="1">
+              <a:t> </a:t>
+            </a:r>
+            <a:r>
+              <a:rPr lang="en-US" sz="3000" b="1" noProof="1" smtClean="0">
                 <a:solidFill>
                   <a:srgbClr val="FBEEE1"/>
                 </a:solidFill>
@@ -8360,7 +8008,7 @@
                 <a:latin typeface="Consolas" pitchFamily="49" charset="0"/>
                 <a:cs typeface="Consolas" pitchFamily="49" charset="0"/>
               </a:rPr>
-              <a:t>new string('*', i</a:t>
+              <a:t>= </a:t>
             </a:r>
             <a:r>
               <a:rPr lang="en-US" sz="3000" b="1" noProof="1" smtClean="0">
@@ -8377,7 +8025,7 @@
                 <a:latin typeface="Consolas" pitchFamily="49" charset="0"/>
                 <a:cs typeface="Consolas" pitchFamily="49" charset="0"/>
               </a:rPr>
-              <a:t>)</a:t>
+              <a:t>'*' * i</a:t>
             </a:r>
             <a:endParaRPr lang="en-US" sz="3000" b="1" noProof="1">
               <a:solidFill>
@@ -8398,23 +8046,6 @@
             <a:r>
               <a:rPr lang="en-US" sz="3000" b="1" noProof="1" smtClean="0">
                 <a:solidFill>
-                  <a:srgbClr val="FBEEE1"/>
-                </a:solidFill>
-                <a:effectLst>
-                  <a:outerShdw blurRad="38100" dist="38100" dir="2700000" algn="tl">
-                    <a:srgbClr val="000000">
-                      <a:alpha val="43137"/>
-                    </a:srgbClr>
-                  </a:outerShdw>
-                </a:effectLst>
-                <a:latin typeface="Consolas" pitchFamily="49" charset="0"/>
-                <a:cs typeface="Consolas" pitchFamily="49" charset="0"/>
-              </a:rPr>
-              <a:t>   var </a:t>
-            </a:r>
-            <a:r>
-              <a:rPr lang="en-US" sz="3000" b="1" noProof="1">
-                <a:solidFill>
                   <a:schemeClr val="tx2">
                     <a:lumMod val="75000"/>
                   </a:schemeClr>
@@ -8429,7 +8060,24 @@
                 <a:latin typeface="Consolas" pitchFamily="49" charset="0"/>
                 <a:cs typeface="Consolas" pitchFamily="49" charset="0"/>
               </a:rPr>
-              <a:t>spaces</a:t>
+              <a:t>   spaces</a:t>
+            </a:r>
+            <a:r>
+              <a:rPr lang="en-US" sz="3000" b="1" noProof="1" smtClean="0">
+                <a:solidFill>
+                  <a:srgbClr val="FBEEE1"/>
+                </a:solidFill>
+                <a:effectLst>
+                  <a:outerShdw blurRad="38100" dist="38100" dir="2700000" algn="tl">
+                    <a:srgbClr val="000000">
+                      <a:alpha val="43137"/>
+                    </a:srgbClr>
+                  </a:outerShdw>
+                </a:effectLst>
+                <a:latin typeface="Consolas" pitchFamily="49" charset="0"/>
+                <a:cs typeface="Consolas" pitchFamily="49" charset="0"/>
+              </a:rPr>
+              <a:t> </a:t>
             </a:r>
             <a:r>
               <a:rPr lang="en-US" sz="3000" b="1" noProof="1">
@@ -8446,7 +8094,7 @@
                 <a:latin typeface="Consolas" pitchFamily="49" charset="0"/>
                 <a:cs typeface="Consolas" pitchFamily="49" charset="0"/>
               </a:rPr>
-              <a:t> = new string(' ', </a:t>
+              <a:t>= </a:t>
             </a:r>
             <a:r>
               <a:rPr lang="en-US" sz="3000" b="1" noProof="1" smtClean="0">
@@ -8463,24 +8111,7 @@
                 <a:latin typeface="Consolas" pitchFamily="49" charset="0"/>
                 <a:cs typeface="Consolas" pitchFamily="49" charset="0"/>
               </a:rPr>
-              <a:t>n - i</a:t>
-            </a:r>
-            <a:r>
-              <a:rPr lang="en-US" sz="3000" b="1" noProof="1" smtClean="0">
-                <a:solidFill>
-                  <a:srgbClr val="FBEEE1"/>
-                </a:solidFill>
-                <a:effectLst>
-                  <a:outerShdw blurRad="38100" dist="38100" dir="2700000" algn="tl">
-                    <a:srgbClr val="000000">
-                      <a:alpha val="43137"/>
-                    </a:srgbClr>
-                  </a:outerShdw>
-                </a:effectLst>
-                <a:latin typeface="Consolas" pitchFamily="49" charset="0"/>
-                <a:cs typeface="Consolas" pitchFamily="49" charset="0"/>
-              </a:rPr>
-              <a:t>)</a:t>
+              <a:t>' ' * (n – i)</a:t>
             </a:r>
             <a:endParaRPr lang="en-US" sz="3000" b="1" noProof="1">
               <a:solidFill>
@@ -8513,24 +8144,7 @@
                 <a:latin typeface="Consolas" pitchFamily="49" charset="0"/>
                 <a:cs typeface="Consolas" pitchFamily="49" charset="0"/>
               </a:rPr>
-              <a:t>   </a:t>
-            </a:r>
-            <a:r>
-              <a:rPr lang="en-US" sz="3000" b="1" noProof="1" smtClean="0">
-                <a:solidFill>
-                  <a:srgbClr val="FBEEE1"/>
-                </a:solidFill>
-                <a:effectLst>
-                  <a:outerShdw blurRad="38100" dist="38100" dir="2700000" algn="tl">
-                    <a:srgbClr val="000000">
-                      <a:alpha val="43137"/>
-                    </a:srgbClr>
-                  </a:outerShdw>
-                </a:effectLst>
-                <a:latin typeface="Consolas" pitchFamily="49" charset="0"/>
-                <a:cs typeface="Consolas" pitchFamily="49" charset="0"/>
-              </a:rPr>
-              <a:t>Console.Write(</a:t>
+              <a:t>   sys.stdout.write(</a:t>
             </a:r>
             <a:r>
               <a:rPr lang="en-US" sz="3000" b="1" noProof="1" smtClean="0">
@@ -8616,7 +8230,7 @@
                 <a:latin typeface="Consolas" pitchFamily="49" charset="0"/>
                 <a:cs typeface="Consolas" pitchFamily="49" charset="0"/>
               </a:rPr>
-              <a:t>Console.Write(</a:t>
+              <a:t>sys.stdout.write(</a:t>
             </a:r>
             <a:r>
               <a:rPr lang="en-US" sz="3000" b="1" noProof="1" smtClean="0">
@@ -8702,7 +8316,7 @@
                 <a:latin typeface="Consolas" pitchFamily="49" charset="0"/>
                 <a:cs typeface="Consolas" pitchFamily="49" charset="0"/>
               </a:rPr>
-              <a:t>Console.Write</a:t>
+              <a:t>sys.stdout.write</a:t>
             </a:r>
             <a:r>
               <a:rPr lang="en-US" sz="3000" b="1" noProof="1" smtClean="0">
@@ -8719,7 +8333,7 @@
                 <a:latin typeface="Consolas" pitchFamily="49" charset="0"/>
                 <a:cs typeface="Consolas" pitchFamily="49" charset="0"/>
               </a:rPr>
-              <a:t>("</a:t>
+              <a:t>('</a:t>
             </a:r>
             <a:r>
               <a:rPr lang="en-US" sz="3000" b="1" noProof="1" smtClean="0">
@@ -8774,7 +8388,7 @@
                 <a:latin typeface="Consolas" pitchFamily="49" charset="0"/>
                 <a:cs typeface="Consolas" pitchFamily="49" charset="0"/>
               </a:rPr>
-              <a:t>")</a:t>
+              <a:t>')</a:t>
             </a:r>
             <a:endParaRPr lang="en-US" sz="3000" b="1" noProof="1">
               <a:solidFill>
@@ -8824,7 +8438,7 @@
                 <a:latin typeface="Consolas" pitchFamily="49" charset="0"/>
                 <a:cs typeface="Consolas" pitchFamily="49" charset="0"/>
               </a:rPr>
-              <a:t>Console.Write(</a:t>
+              <a:t>sys.stdout.write(</a:t>
             </a:r>
             <a:r>
               <a:rPr lang="en-US" sz="3000" b="1" noProof="1" smtClean="0">
@@ -8910,7 +8524,7 @@
                 <a:latin typeface="Consolas" pitchFamily="49" charset="0"/>
                 <a:cs typeface="Consolas" pitchFamily="49" charset="0"/>
               </a:rPr>
-              <a:t>Console.WriteLine(</a:t>
+              <a:t>print(</a:t>
             </a:r>
             <a:r>
               <a:rPr lang="en-US" sz="3000" b="1" noProof="1" smtClean="0">
@@ -8947,44 +8561,6 @@
                 <a:cs typeface="Consolas" pitchFamily="49" charset="0"/>
               </a:rPr>
               <a:t>)</a:t>
-            </a:r>
-            <a:endParaRPr lang="en-US" sz="3000" b="1" noProof="1">
-              <a:solidFill>
-                <a:srgbClr val="FBEEE1"/>
-              </a:solidFill>
-              <a:effectLst>
-                <a:outerShdw blurRad="38100" dist="38100" dir="2700000" algn="tl">
-                  <a:srgbClr val="000000">
-                    <a:alpha val="43137"/>
-                  </a:srgbClr>
-                </a:outerShdw>
-              </a:effectLst>
-              <a:latin typeface="Consolas" pitchFamily="49" charset="0"/>
-              <a:cs typeface="Consolas" pitchFamily="49" charset="0"/>
-            </a:endParaRPr>
-          </a:p>
-          <a:p>
-            <a:pPr>
-              <a:lnSpc>
-                <a:spcPct val="80000"/>
-              </a:lnSpc>
-            </a:pPr>
-            <a:r>
-              <a:rPr lang="en-US" sz="3000" b="1" noProof="1" smtClean="0">
-                <a:solidFill>
-                  <a:srgbClr val="FBEEE1"/>
-                </a:solidFill>
-                <a:effectLst>
-                  <a:outerShdw blurRad="38100" dist="38100" dir="2700000" algn="tl">
-                    <a:srgbClr val="000000">
-                      <a:alpha val="43137"/>
-                    </a:srgbClr>
-                  </a:outerShdw>
-                </a:effectLst>
-                <a:latin typeface="Consolas" pitchFamily="49" charset="0"/>
-                <a:cs typeface="Consolas" pitchFamily="49" charset="0"/>
-              </a:rPr>
-              <a:t>}</a:t>
             </a:r>
             <a:endParaRPr lang="en-US" sz="3000" b="1" noProof="1">
               <a:solidFill>
@@ -11144,7 +10720,7 @@
         <p:spPr bwMode="auto">
           <a:xfrm>
             <a:off x="760414" y="1095208"/>
-            <a:ext cx="10667998" cy="5327200"/>
+            <a:ext cx="10667998" cy="4526981"/>
           </a:xfrm>
           <a:prstGeom prst="rect">
             <a:avLst/>
@@ -11188,46 +10764,10 @@
                 <a:latin typeface="Consolas" pitchFamily="49" charset="0"/>
                 <a:cs typeface="Consolas" pitchFamily="49" charset="0"/>
               </a:rPr>
-              <a:t>// Print the top part</a:t>
-            </a:r>
-          </a:p>
-          <a:p>
-            <a:r>
-              <a:rPr lang="en-US" sz="2600" b="1" noProof="1" smtClean="0">
-                <a:solidFill>
-                  <a:srgbClr val="FBEEE1"/>
-                </a:solidFill>
-                <a:effectLst>
-                  <a:outerShdw blurRad="38100" dist="38100" dir="2700000" algn="tl">
-                    <a:srgbClr val="000000">
-                      <a:alpha val="43137"/>
-                    </a:srgbClr>
-                  </a:outerShdw>
-                </a:effectLst>
-                <a:latin typeface="Consolas" pitchFamily="49" charset="0"/>
-                <a:cs typeface="Consolas" pitchFamily="49" charset="0"/>
-              </a:rPr>
-              <a:t>Console.Write(new </a:t>
-            </a:r>
-            <a:r>
-              <a:rPr lang="en-US" sz="2600" b="1" noProof="1">
-                <a:solidFill>
-                  <a:srgbClr val="FBEEE1"/>
-                </a:solidFill>
-                <a:effectLst>
-                  <a:outerShdw blurRad="38100" dist="38100" dir="2700000" algn="tl">
-                    <a:srgbClr val="000000">
-                      <a:alpha val="43137"/>
-                    </a:srgbClr>
-                  </a:outerShdw>
-                </a:effectLst>
-                <a:latin typeface="Consolas" pitchFamily="49" charset="0"/>
-                <a:cs typeface="Consolas" pitchFamily="49" charset="0"/>
-              </a:rPr>
-              <a:t>string('</a:t>
-            </a:r>
-            <a:r>
-              <a:rPr lang="en-US" sz="2600" b="1" noProof="1">
+              <a:t>#</a:t>
+            </a:r>
+            <a:r>
+              <a:rPr lang="en-US" sz="2600" b="1" i="1" noProof="1" smtClean="0">
                 <a:solidFill>
                   <a:schemeClr val="tx2">
                     <a:lumMod val="75000"/>
@@ -11243,27 +10783,10 @@
                 <a:latin typeface="Consolas" pitchFamily="49" charset="0"/>
                 <a:cs typeface="Consolas" pitchFamily="49" charset="0"/>
               </a:rPr>
-              <a:t>*</a:t>
-            </a:r>
-            <a:r>
-              <a:rPr lang="en-US" sz="2600" b="1" noProof="1">
-                <a:solidFill>
-                  <a:srgbClr val="FBEEE1"/>
-                </a:solidFill>
-                <a:effectLst>
-                  <a:outerShdw blurRad="38100" dist="38100" dir="2700000" algn="tl">
-                    <a:srgbClr val="000000">
-                      <a:alpha val="43137"/>
-                    </a:srgbClr>
-                  </a:outerShdw>
-                </a:effectLst>
-                <a:latin typeface="Consolas" pitchFamily="49" charset="0"/>
-                <a:cs typeface="Consolas" pitchFamily="49" charset="0"/>
-              </a:rPr>
-              <a:t>', </a:t>
-            </a:r>
-            <a:r>
-              <a:rPr lang="en-US" sz="2600" b="1" noProof="1">
+              <a:t> </a:t>
+            </a:r>
+            <a:r>
+              <a:rPr lang="en-US" sz="2600" b="1" i="1" noProof="1">
                 <a:solidFill>
                   <a:schemeClr val="tx2">
                     <a:lumMod val="75000"/>
@@ -11279,6 +10802,80 @@
                 <a:latin typeface="Consolas" pitchFamily="49" charset="0"/>
                 <a:cs typeface="Consolas" pitchFamily="49" charset="0"/>
               </a:rPr>
+              <a:t>Print the top part</a:t>
+            </a:r>
+          </a:p>
+          <a:p>
+            <a:r>
+              <a:rPr lang="en-US" sz="2600" b="1" noProof="1" smtClean="0">
+                <a:solidFill>
+                  <a:srgbClr val="FBEEE1"/>
+                </a:solidFill>
+                <a:effectLst>
+                  <a:outerShdw blurRad="38100" dist="38100" dir="2700000" algn="tl">
+                    <a:srgbClr val="000000">
+                      <a:alpha val="43137"/>
+                    </a:srgbClr>
+                  </a:outerShdw>
+                </a:effectLst>
+                <a:latin typeface="Consolas" pitchFamily="49" charset="0"/>
+                <a:cs typeface="Consolas" pitchFamily="49" charset="0"/>
+              </a:rPr>
+              <a:t>sys.stdout.write('</a:t>
+            </a:r>
+            <a:r>
+              <a:rPr lang="en-US" sz="2600" b="1" noProof="1" smtClean="0">
+                <a:solidFill>
+                  <a:schemeClr val="tx2">
+                    <a:lumMod val="75000"/>
+                  </a:schemeClr>
+                </a:solidFill>
+                <a:effectLst>
+                  <a:outerShdw blurRad="38100" dist="38100" dir="2700000" algn="tl">
+                    <a:srgbClr val="000000">
+                      <a:alpha val="43137"/>
+                    </a:srgbClr>
+                  </a:outerShdw>
+                </a:effectLst>
+                <a:latin typeface="Consolas" pitchFamily="49" charset="0"/>
+                <a:cs typeface="Consolas" pitchFamily="49" charset="0"/>
+              </a:rPr>
+              <a:t>*</a:t>
+            </a:r>
+            <a:r>
+              <a:rPr lang="en-US" sz="2600" b="1" noProof="1" smtClean="0">
+                <a:solidFill>
+                  <a:srgbClr val="FBEEE1"/>
+                </a:solidFill>
+                <a:effectLst>
+                  <a:outerShdw blurRad="38100" dist="38100" dir="2700000" algn="tl">
+                    <a:srgbClr val="000000">
+                      <a:alpha val="43137"/>
+                    </a:srgbClr>
+                  </a:outerShdw>
+                </a:effectLst>
+                <a:latin typeface="Consolas" pitchFamily="49" charset="0"/>
+                <a:cs typeface="Consolas" pitchFamily="49" charset="0"/>
+              </a:rPr>
+              <a:t>' * </a:t>
+            </a:r>
+            <a:r>
+              <a:rPr lang="en-US" sz="2600" b="1" noProof="1">
+                <a:solidFill>
+                  <a:schemeClr val="tx2">
+                    <a:lumMod val="75000"/>
+                  </a:schemeClr>
+                </a:solidFill>
+                <a:effectLst>
+                  <a:outerShdw blurRad="38100" dist="38100" dir="2700000" algn="tl">
+                    <a:srgbClr val="000000">
+                      <a:alpha val="43137"/>
+                    </a:srgbClr>
+                  </a:outerShdw>
+                </a:effectLst>
+                <a:latin typeface="Consolas" pitchFamily="49" charset="0"/>
+                <a:cs typeface="Consolas" pitchFamily="49" charset="0"/>
+              </a:rPr>
               <a:t>2 * n</a:t>
             </a:r>
             <a:r>
@@ -11296,7 +10893,7 @@
                 <a:latin typeface="Consolas" pitchFamily="49" charset="0"/>
                 <a:cs typeface="Consolas" pitchFamily="49" charset="0"/>
               </a:rPr>
-              <a:t>))</a:t>
+              <a:t>)</a:t>
             </a:r>
             <a:endParaRPr lang="en-US" sz="2600" b="1" noProof="1">
               <a:solidFill>
@@ -11329,10 +10926,10 @@
                 <a:latin typeface="Consolas" pitchFamily="49" charset="0"/>
                 <a:cs typeface="Consolas" pitchFamily="49" charset="0"/>
               </a:rPr>
-              <a:t>Console.Write(new </a:t>
-            </a:r>
-            <a:r>
-              <a:rPr lang="en-US" sz="2600" b="1" noProof="1">
+              <a:t>sys.stdout.write</a:t>
+            </a:r>
+            <a:r>
+              <a:rPr lang="en-US" sz="2600" b="1" noProof="1" smtClean="0">
                 <a:solidFill>
                   <a:srgbClr val="FBEEE1"/>
                 </a:solidFill>
@@ -11346,10 +10943,10 @@
                 <a:latin typeface="Consolas" pitchFamily="49" charset="0"/>
                 <a:cs typeface="Consolas" pitchFamily="49" charset="0"/>
               </a:rPr>
-              <a:t>string('</a:t>
-            </a:r>
-            <a:r>
-              <a:rPr lang="en-US" sz="2600" b="1" noProof="1">
+              <a:t>('</a:t>
+            </a:r>
+            <a:r>
+              <a:rPr lang="en-US" sz="2600" b="1" noProof="1" smtClean="0">
                 <a:solidFill>
                   <a:schemeClr val="tx2">
                     <a:lumMod val="75000"/>
@@ -11368,7 +10965,7 @@
               <a:t> </a:t>
             </a:r>
             <a:r>
-              <a:rPr lang="en-US" sz="2600" b="1" noProof="1">
+              <a:rPr lang="en-US" sz="2600" b="1" noProof="1" smtClean="0">
                 <a:solidFill>
                   <a:srgbClr val="FBEEE1"/>
                 </a:solidFill>
@@ -11382,10 +10979,10 @@
                 <a:latin typeface="Consolas" pitchFamily="49" charset="0"/>
                 <a:cs typeface="Consolas" pitchFamily="49" charset="0"/>
               </a:rPr>
-              <a:t>', </a:t>
-            </a:r>
-            <a:r>
-              <a:rPr lang="en-US" sz="2600" b="1" noProof="1">
+              <a:t>' * </a:t>
+            </a:r>
+            <a:r>
+              <a:rPr lang="en-US" sz="2600" b="1" noProof="1" smtClean="0">
                 <a:solidFill>
                   <a:schemeClr val="tx2">
                     <a:lumMod val="75000"/>
@@ -11418,7 +11015,7 @@
                 <a:latin typeface="Consolas" pitchFamily="49" charset="0"/>
                 <a:cs typeface="Consolas" pitchFamily="49" charset="0"/>
               </a:rPr>
-              <a:t>))</a:t>
+              <a:t>)</a:t>
             </a:r>
             <a:endParaRPr lang="en-US" sz="2600" b="1" noProof="1">
               <a:solidFill>
@@ -11451,10 +11048,10 @@
                 <a:latin typeface="Consolas" pitchFamily="49" charset="0"/>
                 <a:cs typeface="Consolas" pitchFamily="49" charset="0"/>
               </a:rPr>
-              <a:t>Console.WriteLine(new </a:t>
-            </a:r>
-            <a:r>
-              <a:rPr lang="en-US" sz="2600" b="1" noProof="1">
+              <a:t>print</a:t>
+            </a:r>
+            <a:r>
+              <a:rPr lang="en-US" sz="2600" b="1" noProof="1" smtClean="0">
                 <a:solidFill>
                   <a:srgbClr val="FBEEE1"/>
                 </a:solidFill>
@@ -11468,10 +11065,10 @@
                 <a:latin typeface="Consolas" pitchFamily="49" charset="0"/>
                 <a:cs typeface="Consolas" pitchFamily="49" charset="0"/>
               </a:rPr>
-              <a:t>string('</a:t>
-            </a:r>
-            <a:r>
-              <a:rPr lang="en-US" sz="2600" b="1" noProof="1">
+              <a:t>('</a:t>
+            </a:r>
+            <a:r>
+              <a:rPr lang="en-US" sz="2600" b="1" noProof="1" smtClean="0">
                 <a:solidFill>
                   <a:schemeClr val="tx2">
                     <a:lumMod val="75000"/>
@@ -11490,7 +11087,7 @@
               <a:t>*</a:t>
             </a:r>
             <a:r>
-              <a:rPr lang="en-US" sz="2600" b="1" noProof="1">
+              <a:rPr lang="en-US" sz="2600" b="1" noProof="1" smtClean="0">
                 <a:solidFill>
                   <a:srgbClr val="FBEEE1"/>
                 </a:solidFill>
@@ -11504,7 +11101,7 @@
                 <a:latin typeface="Consolas" pitchFamily="49" charset="0"/>
                 <a:cs typeface="Consolas" pitchFamily="49" charset="0"/>
               </a:rPr>
-              <a:t>', </a:t>
+              <a:t>' * </a:t>
             </a:r>
             <a:r>
               <a:rPr lang="en-US" sz="2600" b="1" noProof="1">
@@ -11540,7 +11137,7 @@
                 <a:latin typeface="Consolas" pitchFamily="49" charset="0"/>
                 <a:cs typeface="Consolas" pitchFamily="49" charset="0"/>
               </a:rPr>
-              <a:t>))</a:t>
+              <a:t>)</a:t>
             </a:r>
             <a:endParaRPr lang="en-US" sz="2600" b="1" noProof="1" smtClean="0">
               <a:solidFill>
@@ -11581,6 +11178,23 @@
               <a:t>for </a:t>
             </a:r>
             <a:r>
+              <a:rPr lang="nn-NO" sz="2600" b="1" noProof="1" smtClean="0">
+                <a:solidFill>
+                  <a:srgbClr val="FBEEE1"/>
+                </a:solidFill>
+                <a:effectLst>
+                  <a:outerShdw blurRad="38100" dist="38100" dir="2700000" algn="tl">
+                    <a:srgbClr val="000000">
+                      <a:alpha val="43137"/>
+                    </a:srgbClr>
+                  </a:outerShdw>
+                </a:effectLst>
+                <a:latin typeface="Consolas" pitchFamily="49" charset="0"/>
+                <a:cs typeface="Consolas" pitchFamily="49" charset="0"/>
+              </a:rPr>
+              <a:t>i in range(n - 2)</a:t>
+            </a:r>
+            <a:r>
               <a:rPr lang="nn-NO" sz="2600" b="1" noProof="1">
                 <a:solidFill>
                   <a:srgbClr val="FBEEE1"/>
@@ -11595,260 +11209,7 @@
                 <a:latin typeface="Consolas" pitchFamily="49" charset="0"/>
                 <a:cs typeface="Consolas" pitchFamily="49" charset="0"/>
               </a:rPr>
-              <a:t>(int i = </a:t>
-            </a:r>
-            <a:r>
-              <a:rPr lang="nn-NO" sz="2600" b="1" noProof="1" smtClean="0">
-                <a:solidFill>
-                  <a:srgbClr val="FBEEE1"/>
-                </a:solidFill>
-                <a:effectLst>
-                  <a:outerShdw blurRad="38100" dist="38100" dir="2700000" algn="tl">
-                    <a:srgbClr val="000000">
-                      <a:alpha val="43137"/>
-                    </a:srgbClr>
-                  </a:outerShdw>
-                </a:effectLst>
-                <a:latin typeface="Consolas" pitchFamily="49" charset="0"/>
-                <a:cs typeface="Consolas" pitchFamily="49" charset="0"/>
-              </a:rPr>
-              <a:t>0 </a:t>
-            </a:r>
-            <a:r>
-              <a:rPr lang="nn-NO" sz="2600" b="1" noProof="1">
-                <a:solidFill>
-                  <a:srgbClr val="FBEEE1"/>
-                </a:solidFill>
-                <a:effectLst>
-                  <a:outerShdw blurRad="38100" dist="38100" dir="2700000" algn="tl">
-                    <a:srgbClr val="000000">
-                      <a:alpha val="43137"/>
-                    </a:srgbClr>
-                  </a:outerShdw>
-                </a:effectLst>
-                <a:latin typeface="Consolas" pitchFamily="49" charset="0"/>
-                <a:cs typeface="Consolas" pitchFamily="49" charset="0"/>
-              </a:rPr>
-              <a:t>i &lt; </a:t>
-            </a:r>
-            <a:r>
-              <a:rPr lang="nn-NO" sz="2600" b="1" noProof="1">
-                <a:solidFill>
-                  <a:schemeClr val="tx2">
-                    <a:lumMod val="75000"/>
-                  </a:schemeClr>
-                </a:solidFill>
-                <a:effectLst>
-                  <a:outerShdw blurRad="38100" dist="38100" dir="2700000" algn="tl">
-                    <a:srgbClr val="000000">
-                      <a:alpha val="43137"/>
-                    </a:srgbClr>
-                  </a:outerShdw>
-                </a:effectLst>
-                <a:latin typeface="Consolas" pitchFamily="49" charset="0"/>
-                <a:cs typeface="Consolas" pitchFamily="49" charset="0"/>
-              </a:rPr>
-              <a:t>n - </a:t>
-            </a:r>
-            <a:r>
-              <a:rPr lang="nn-NO" sz="2600" b="1" noProof="1" smtClean="0">
-                <a:solidFill>
-                  <a:schemeClr val="tx2">
-                    <a:lumMod val="75000"/>
-                  </a:schemeClr>
-                </a:solidFill>
-                <a:effectLst>
-                  <a:outerShdw blurRad="38100" dist="38100" dir="2700000" algn="tl">
-                    <a:srgbClr val="000000">
-                      <a:alpha val="43137"/>
-                    </a:srgbClr>
-                  </a:outerShdw>
-                </a:effectLst>
-                <a:latin typeface="Consolas" pitchFamily="49" charset="0"/>
-                <a:cs typeface="Consolas" pitchFamily="49" charset="0"/>
-              </a:rPr>
-              <a:t>2</a:t>
-            </a:r>
-            <a:r>
-              <a:rPr lang="nn-NO" sz="2600" b="1" noProof="1" smtClean="0">
-                <a:solidFill>
-                  <a:srgbClr val="FBEEE1"/>
-                </a:solidFill>
-                <a:effectLst>
-                  <a:outerShdw blurRad="38100" dist="38100" dir="2700000" algn="tl">
-                    <a:srgbClr val="000000">
-                      <a:alpha val="43137"/>
-                    </a:srgbClr>
-                  </a:outerShdw>
-                </a:effectLst>
-                <a:latin typeface="Consolas" pitchFamily="49" charset="0"/>
-                <a:cs typeface="Consolas" pitchFamily="49" charset="0"/>
-              </a:rPr>
-              <a:t> </a:t>
-            </a:r>
-            <a:r>
-              <a:rPr lang="nn-NO" sz="2600" b="1" noProof="1">
-                <a:solidFill>
-                  <a:srgbClr val="FBEEE1"/>
-                </a:solidFill>
-                <a:effectLst>
-                  <a:outerShdw blurRad="38100" dist="38100" dir="2700000" algn="tl">
-                    <a:srgbClr val="000000">
-                      <a:alpha val="43137"/>
-                    </a:srgbClr>
-                  </a:outerShdw>
-                </a:effectLst>
-                <a:latin typeface="Consolas" pitchFamily="49" charset="0"/>
-                <a:cs typeface="Consolas" pitchFamily="49" charset="0"/>
-              </a:rPr>
-              <a:t>i</a:t>
-            </a:r>
-            <a:r>
-              <a:rPr lang="nn-NO" sz="2600" b="1" noProof="1" smtClean="0">
-                <a:solidFill>
-                  <a:srgbClr val="FBEEE1"/>
-                </a:solidFill>
-                <a:effectLst>
-                  <a:outerShdw blurRad="38100" dist="38100" dir="2700000" algn="tl">
-                    <a:srgbClr val="000000">
-                      <a:alpha val="43137"/>
-                    </a:srgbClr>
-                  </a:outerShdw>
-                </a:effectLst>
-                <a:latin typeface="Consolas" pitchFamily="49" charset="0"/>
-                <a:cs typeface="Consolas" pitchFamily="49" charset="0"/>
-              </a:rPr>
-              <a:t>++)</a:t>
-            </a:r>
-            <a:br>
-              <a:rPr lang="nn-NO" sz="2600" b="1" noProof="1" smtClean="0">
-                <a:solidFill>
-                  <a:srgbClr val="FBEEE1"/>
-                </a:solidFill>
-                <a:effectLst>
-                  <a:outerShdw blurRad="38100" dist="38100" dir="2700000" algn="tl">
-                    <a:srgbClr val="000000">
-                      <a:alpha val="43137"/>
-                    </a:srgbClr>
-                  </a:outerShdw>
-                </a:effectLst>
-                <a:latin typeface="Consolas" pitchFamily="49" charset="0"/>
-                <a:cs typeface="Consolas" pitchFamily="49" charset="0"/>
-              </a:rPr>
-            </a:br>
-            <a:r>
-              <a:rPr lang="nn-NO" sz="2600" b="1" noProof="1" smtClean="0">
-                <a:solidFill>
-                  <a:srgbClr val="FBEEE1"/>
-                </a:solidFill>
-                <a:effectLst>
-                  <a:outerShdw blurRad="38100" dist="38100" dir="2700000" algn="tl">
-                    <a:srgbClr val="000000">
-                      <a:alpha val="43137"/>
-                    </a:srgbClr>
-                  </a:outerShdw>
-                </a:effectLst>
-                <a:latin typeface="Consolas" pitchFamily="49" charset="0"/>
-                <a:cs typeface="Consolas" pitchFamily="49" charset="0"/>
-              </a:rPr>
-              <a:t>{</a:t>
-            </a:r>
-          </a:p>
-          <a:p>
-            <a:r>
-              <a:rPr lang="en-US" sz="2600" b="1" noProof="1" smtClean="0">
-                <a:solidFill>
-                  <a:schemeClr val="tx2">
-                    <a:lumMod val="75000"/>
-                  </a:schemeClr>
-                </a:solidFill>
-                <a:effectLst>
-                  <a:outerShdw blurRad="38100" dist="38100" dir="2700000" algn="tl">
-                    <a:srgbClr val="000000">
-                      <a:alpha val="43137"/>
-                    </a:srgbClr>
-                  </a:outerShdw>
-                </a:effectLst>
-                <a:latin typeface="Consolas" pitchFamily="49" charset="0"/>
-                <a:cs typeface="Consolas" pitchFamily="49" charset="0"/>
-              </a:rPr>
-              <a:t>   // </a:t>
-            </a:r>
-            <a:r>
-              <a:rPr lang="en-US" sz="2600" b="1" noProof="1">
-                <a:solidFill>
-                  <a:schemeClr val="tx2">
-                    <a:lumMod val="75000"/>
-                  </a:schemeClr>
-                </a:solidFill>
-                <a:effectLst>
-                  <a:outerShdw blurRad="38100" dist="38100" dir="2700000" algn="tl">
-                    <a:srgbClr val="000000">
-                      <a:alpha val="43137"/>
-                    </a:srgbClr>
-                  </a:outerShdw>
-                </a:effectLst>
-                <a:latin typeface="Consolas" pitchFamily="49" charset="0"/>
-                <a:cs typeface="Consolas" pitchFamily="49" charset="0"/>
-              </a:rPr>
-              <a:t>TODO: </a:t>
-            </a:r>
-            <a:r>
-              <a:rPr lang="en-US" sz="2600" b="1" i="1" noProof="1">
-                <a:solidFill>
-                  <a:schemeClr val="tx2">
-                    <a:lumMod val="75000"/>
-                  </a:schemeClr>
-                </a:solidFill>
-                <a:effectLst>
-                  <a:outerShdw blurRad="38100" dist="38100" dir="2700000" algn="tl">
-                    <a:srgbClr val="000000">
-                      <a:alpha val="43137"/>
-                    </a:srgbClr>
-                  </a:outerShdw>
-                </a:effectLst>
-                <a:latin typeface="Consolas" pitchFamily="49" charset="0"/>
-                <a:cs typeface="Consolas" pitchFamily="49" charset="0"/>
-              </a:rPr>
-              <a:t>print the </a:t>
-            </a:r>
-            <a:r>
-              <a:rPr lang="en-US" sz="2600" b="1" i="1" noProof="1" smtClean="0">
-                <a:solidFill>
-                  <a:schemeClr val="tx2">
-                    <a:lumMod val="75000"/>
-                  </a:schemeClr>
-                </a:solidFill>
-                <a:effectLst>
-                  <a:outerShdw blurRad="38100" dist="38100" dir="2700000" algn="tl">
-                    <a:srgbClr val="000000">
-                      <a:alpha val="43137"/>
-                    </a:srgbClr>
-                  </a:outerShdw>
-                </a:effectLst>
-                <a:latin typeface="Consolas" pitchFamily="49" charset="0"/>
-                <a:cs typeface="Consolas" pitchFamily="49" charset="0"/>
-              </a:rPr>
-              <a:t>middle </a:t>
-            </a:r>
-            <a:r>
-              <a:rPr lang="en-US" sz="2600" b="1" i="1" noProof="1" smtClean="0">
-                <a:solidFill>
-                  <a:schemeClr val="tx2">
-                    <a:lumMod val="75000"/>
-                  </a:schemeClr>
-                </a:solidFill>
-                <a:effectLst>
-                  <a:outerShdw blurRad="38100" dist="38100" dir="2700000" algn="tl">
-                    <a:srgbClr val="000000">
-                      <a:alpha val="43137"/>
-                    </a:srgbClr>
-                  </a:outerShdw>
-                </a:effectLst>
-                <a:latin typeface="Consolas" pitchFamily="49" charset="0"/>
-                <a:cs typeface="Consolas" pitchFamily="49" charset="0"/>
-              </a:rPr>
-              <a:t>part</a:t>
+              <a:t>:</a:t>
             </a:r>
             <a:endParaRPr lang="nn-NO" sz="2600" b="1" noProof="1" smtClean="0">
               <a:solidFill>
@@ -11867,21 +11228,118 @@
           </a:p>
           <a:p>
             <a:r>
-              <a:rPr lang="nn-NO" sz="2600" b="1" noProof="1" smtClean="0">
-                <a:solidFill>
-                  <a:srgbClr val="FBEEE1"/>
-                </a:solidFill>
-                <a:effectLst>
-                  <a:outerShdw blurRad="38100" dist="38100" dir="2700000" algn="tl">
-                    <a:srgbClr val="000000">
-                      <a:alpha val="43137"/>
-                    </a:srgbClr>
-                  </a:outerShdw>
-                </a:effectLst>
-                <a:latin typeface="Consolas" pitchFamily="49" charset="0"/>
-                <a:cs typeface="Consolas" pitchFamily="49" charset="0"/>
-              </a:rPr>
-              <a:t>}</a:t>
+              <a:rPr lang="en-US" sz="2600" b="1" noProof="1" smtClean="0">
+                <a:solidFill>
+                  <a:schemeClr val="tx2">
+                    <a:lumMod val="75000"/>
+                  </a:schemeClr>
+                </a:solidFill>
+                <a:effectLst>
+                  <a:outerShdw blurRad="38100" dist="38100" dir="2700000" algn="tl">
+                    <a:srgbClr val="000000">
+                      <a:alpha val="43137"/>
+                    </a:srgbClr>
+                  </a:outerShdw>
+                </a:effectLst>
+                <a:latin typeface="Consolas" pitchFamily="49" charset="0"/>
+                <a:cs typeface="Consolas" pitchFamily="49" charset="0"/>
+              </a:rPr>
+              <a:t>   </a:t>
+            </a:r>
+            <a:r>
+              <a:rPr lang="en-US" sz="2600" b="1" noProof="1">
+                <a:solidFill>
+                  <a:schemeClr val="tx2">
+                    <a:lumMod val="75000"/>
+                  </a:schemeClr>
+                </a:solidFill>
+                <a:effectLst>
+                  <a:outerShdw blurRad="38100" dist="38100" dir="2700000" algn="tl">
+                    <a:srgbClr val="000000">
+                      <a:alpha val="43137"/>
+                    </a:srgbClr>
+                  </a:outerShdw>
+                </a:effectLst>
+                <a:latin typeface="Consolas" pitchFamily="49" charset="0"/>
+                <a:cs typeface="Consolas" pitchFamily="49" charset="0"/>
+              </a:rPr>
+              <a:t>#</a:t>
+            </a:r>
+            <a:r>
+              <a:rPr lang="en-US" sz="2600" b="1" noProof="1" smtClean="0">
+                <a:solidFill>
+                  <a:schemeClr val="tx2">
+                    <a:lumMod val="75000"/>
+                  </a:schemeClr>
+                </a:solidFill>
+                <a:effectLst>
+                  <a:outerShdw blurRad="38100" dist="38100" dir="2700000" algn="tl">
+                    <a:srgbClr val="000000">
+                      <a:alpha val="43137"/>
+                    </a:srgbClr>
+                  </a:outerShdw>
+                </a:effectLst>
+                <a:latin typeface="Consolas" pitchFamily="49" charset="0"/>
+                <a:cs typeface="Consolas" pitchFamily="49" charset="0"/>
+              </a:rPr>
+              <a:t> </a:t>
+            </a:r>
+            <a:r>
+              <a:rPr lang="en-US" sz="2600" b="1" noProof="1">
+                <a:solidFill>
+                  <a:schemeClr val="tx2">
+                    <a:lumMod val="75000"/>
+                  </a:schemeClr>
+                </a:solidFill>
+                <a:effectLst>
+                  <a:outerShdw blurRad="38100" dist="38100" dir="2700000" algn="tl">
+                    <a:srgbClr val="000000">
+                      <a:alpha val="43137"/>
+                    </a:srgbClr>
+                  </a:outerShdw>
+                </a:effectLst>
+                <a:latin typeface="Consolas" pitchFamily="49" charset="0"/>
+                <a:cs typeface="Consolas" pitchFamily="49" charset="0"/>
+              </a:rPr>
+              <a:t>TODO: </a:t>
+            </a:r>
+            <a:r>
+              <a:rPr lang="en-US" sz="2600" b="1" i="1" noProof="1">
+                <a:solidFill>
+                  <a:schemeClr val="tx2">
+                    <a:lumMod val="75000"/>
+                  </a:schemeClr>
+                </a:solidFill>
+                <a:effectLst>
+                  <a:outerShdw blurRad="38100" dist="38100" dir="2700000" algn="tl">
+                    <a:srgbClr val="000000">
+                      <a:alpha val="43137"/>
+                    </a:srgbClr>
+                  </a:outerShdw>
+                </a:effectLst>
+                <a:latin typeface="Consolas" pitchFamily="49" charset="0"/>
+                <a:cs typeface="Consolas" pitchFamily="49" charset="0"/>
+              </a:rPr>
+              <a:t>print the middle </a:t>
+            </a:r>
+            <a:r>
+              <a:rPr lang="en-US" sz="2600" b="1" i="1" noProof="1" smtClean="0">
+                <a:solidFill>
+                  <a:schemeClr val="tx2">
+                    <a:lumMod val="75000"/>
+                  </a:schemeClr>
+                </a:solidFill>
+                <a:effectLst>
+                  <a:outerShdw blurRad="38100" dist="38100" dir="2700000" algn="tl">
+                    <a:srgbClr val="000000">
+                      <a:alpha val="43137"/>
+                    </a:srgbClr>
+                  </a:outerShdw>
+                </a:effectLst>
+                <a:latin typeface="Consolas" pitchFamily="49" charset="0"/>
+                <a:cs typeface="Consolas" pitchFamily="49" charset="0"/>
+              </a:rPr>
+              <a:t>part</a:t>
             </a:r>
             <a:endParaRPr lang="en-US" sz="2600" b="1" noProof="1" smtClean="0">
               <a:solidFill>
@@ -11905,7 +11363,7 @@
               </a:spcBef>
             </a:pPr>
             <a:r>
-              <a:rPr lang="en-US" sz="2600" b="1" i="1" noProof="1" smtClean="0">
+              <a:rPr lang="en-US" sz="2600" b="1" i="1" noProof="1">
                 <a:solidFill>
                   <a:schemeClr val="tx2">
                     <a:lumMod val="75000"/>
@@ -11921,46 +11379,10 @@
                 <a:latin typeface="Consolas" pitchFamily="49" charset="0"/>
                 <a:cs typeface="Consolas" pitchFamily="49" charset="0"/>
               </a:rPr>
-              <a:t>// Print the bottom part</a:t>
-            </a:r>
-          </a:p>
-          <a:p>
-            <a:r>
-              <a:rPr lang="en-US" sz="2600" b="1" noProof="1" smtClean="0">
-                <a:solidFill>
-                  <a:srgbClr val="FBEEE1"/>
-                </a:solidFill>
-                <a:effectLst>
-                  <a:outerShdw blurRad="38100" dist="38100" dir="2700000" algn="tl">
-                    <a:srgbClr val="000000">
-                      <a:alpha val="43137"/>
-                    </a:srgbClr>
-                  </a:outerShdw>
-                </a:effectLst>
-                <a:latin typeface="Consolas" pitchFamily="49" charset="0"/>
-                <a:cs typeface="Consolas" pitchFamily="49" charset="0"/>
-              </a:rPr>
-              <a:t>Console.Write(new </a:t>
-            </a:r>
-            <a:r>
-              <a:rPr lang="en-US" sz="2600" b="1" noProof="1">
-                <a:solidFill>
-                  <a:srgbClr val="FBEEE1"/>
-                </a:solidFill>
-                <a:effectLst>
-                  <a:outerShdw blurRad="38100" dist="38100" dir="2700000" algn="tl">
-                    <a:srgbClr val="000000">
-                      <a:alpha val="43137"/>
-                    </a:srgbClr>
-                  </a:outerShdw>
-                </a:effectLst>
-                <a:latin typeface="Consolas" pitchFamily="49" charset="0"/>
-                <a:cs typeface="Consolas" pitchFamily="49" charset="0"/>
-              </a:rPr>
-              <a:t>string('</a:t>
-            </a:r>
-            <a:r>
-              <a:rPr lang="en-US" sz="2600" b="1" noProof="1">
+              <a:t>#</a:t>
+            </a:r>
+            <a:r>
+              <a:rPr lang="en-US" sz="2600" b="1" i="1" noProof="1" smtClean="0">
                 <a:solidFill>
                   <a:schemeClr val="tx2">
                     <a:lumMod val="75000"/>
@@ -11976,27 +11398,10 @@
                 <a:latin typeface="Consolas" pitchFamily="49" charset="0"/>
                 <a:cs typeface="Consolas" pitchFamily="49" charset="0"/>
               </a:rPr>
-              <a:t>*</a:t>
-            </a:r>
-            <a:r>
-              <a:rPr lang="en-US" sz="2600" b="1" noProof="1">
-                <a:solidFill>
-                  <a:srgbClr val="FBEEE1"/>
-                </a:solidFill>
-                <a:effectLst>
-                  <a:outerShdw blurRad="38100" dist="38100" dir="2700000" algn="tl">
-                    <a:srgbClr val="000000">
-                      <a:alpha val="43137"/>
-                    </a:srgbClr>
-                  </a:outerShdw>
-                </a:effectLst>
-                <a:latin typeface="Consolas" pitchFamily="49" charset="0"/>
-                <a:cs typeface="Consolas" pitchFamily="49" charset="0"/>
-              </a:rPr>
-              <a:t>', </a:t>
-            </a:r>
-            <a:r>
-              <a:rPr lang="en-US" sz="2600" b="1" noProof="1">
+              <a:t> </a:t>
+            </a:r>
+            <a:r>
+              <a:rPr lang="en-US" sz="2600" b="1" i="1" noProof="1" smtClean="0">
                 <a:solidFill>
                   <a:schemeClr val="tx2">
                     <a:lumMod val="75000"/>
@@ -12012,10 +11417,12 @@
                 <a:latin typeface="Consolas" pitchFamily="49" charset="0"/>
                 <a:cs typeface="Consolas" pitchFamily="49" charset="0"/>
               </a:rPr>
-              <a:t>2 * n</a:t>
-            </a:r>
-            <a:r>
-              <a:rPr lang="en-US" sz="2600" b="1" noProof="1" smtClean="0">
+              <a:t>Print the bottom part</a:t>
+            </a:r>
+          </a:p>
+          <a:p>
+            <a:r>
+              <a:rPr lang="en-US" sz="2600" b="1" noProof="1">
                 <a:solidFill>
                   <a:srgbClr val="FBEEE1"/>
                 </a:solidFill>
@@ -12029,57 +11436,7 @@
                 <a:latin typeface="Consolas" pitchFamily="49" charset="0"/>
                 <a:cs typeface="Consolas" pitchFamily="49" charset="0"/>
               </a:rPr>
-              <a:t>))</a:t>
-            </a:r>
-            <a:endParaRPr lang="en-US" sz="2600" b="1" noProof="1">
-              <a:solidFill>
-                <a:srgbClr val="FBEEE1"/>
-              </a:solidFill>
-              <a:effectLst>
-                <a:outerShdw blurRad="38100" dist="38100" dir="2700000" algn="tl">
-                  <a:srgbClr val="000000">
-                    <a:alpha val="43137"/>
-                  </a:srgbClr>
-                </a:outerShdw>
-              </a:effectLst>
-              <a:latin typeface="Consolas" pitchFamily="49" charset="0"/>
-              <a:cs typeface="Consolas" pitchFamily="49" charset="0"/>
-            </a:endParaRPr>
-          </a:p>
-          <a:p>
-            <a:r>
-              <a:rPr lang="en-US" sz="2600" b="1" noProof="1" smtClean="0">
-                <a:solidFill>
-                  <a:srgbClr val="FBEEE1"/>
-                </a:solidFill>
-                <a:effectLst>
-                  <a:outerShdw blurRad="38100" dist="38100" dir="2700000" algn="tl">
-                    <a:srgbClr val="000000">
-                      <a:alpha val="43137"/>
-                    </a:srgbClr>
-                  </a:outerShdw>
-                </a:effectLst>
-                <a:latin typeface="Consolas" pitchFamily="49" charset="0"/>
-                <a:cs typeface="Consolas" pitchFamily="49" charset="0"/>
-              </a:rPr>
-              <a:t>Console.Write(new </a:t>
-            </a:r>
-            <a:r>
-              <a:rPr lang="en-US" sz="2600" b="1" noProof="1">
-                <a:solidFill>
-                  <a:srgbClr val="FBEEE1"/>
-                </a:solidFill>
-                <a:effectLst>
-                  <a:outerShdw blurRad="38100" dist="38100" dir="2700000" algn="tl">
-                    <a:srgbClr val="000000">
-                      <a:alpha val="43137"/>
-                    </a:srgbClr>
-                  </a:outerShdw>
-                </a:effectLst>
-                <a:latin typeface="Consolas" pitchFamily="49" charset="0"/>
-                <a:cs typeface="Consolas" pitchFamily="49" charset="0"/>
-              </a:rPr>
-              <a:t>string('</a:t>
+              <a:t>sys.stdout.write('</a:t>
             </a:r>
             <a:r>
               <a:rPr lang="en-US" sz="2600" b="1" noProof="1">
@@ -12098,7 +11455,7 @@
                 <a:latin typeface="Consolas" pitchFamily="49" charset="0"/>
                 <a:cs typeface="Consolas" pitchFamily="49" charset="0"/>
               </a:rPr>
-              <a:t> </a:t>
+              <a:t>*</a:t>
             </a:r>
             <a:r>
               <a:rPr lang="en-US" sz="2600" b="1" noProof="1">
@@ -12115,7 +11472,7 @@
                 <a:latin typeface="Consolas" pitchFamily="49" charset="0"/>
                 <a:cs typeface="Consolas" pitchFamily="49" charset="0"/>
               </a:rPr>
-              <a:t>', </a:t>
+              <a:t>' * </a:t>
             </a:r>
             <a:r>
               <a:rPr lang="en-US" sz="2600" b="1" noProof="1">
@@ -12134,10 +11491,10 @@
                 <a:latin typeface="Consolas" pitchFamily="49" charset="0"/>
                 <a:cs typeface="Consolas" pitchFamily="49" charset="0"/>
               </a:rPr>
-              <a:t>n</a:t>
-            </a:r>
-            <a:r>
-              <a:rPr lang="en-US" sz="2600" b="1" noProof="1" smtClean="0">
+              <a:t>2 * n</a:t>
+            </a:r>
+            <a:r>
+              <a:rPr lang="en-US" sz="2600" b="1" noProof="1">
                 <a:solidFill>
                   <a:srgbClr val="FBEEE1"/>
                 </a:solidFill>
@@ -12151,26 +11508,12 @@
                 <a:latin typeface="Consolas" pitchFamily="49" charset="0"/>
                 <a:cs typeface="Consolas" pitchFamily="49" charset="0"/>
               </a:rPr>
-              <a:t>))</a:t>
-            </a:r>
-            <a:endParaRPr lang="en-US" sz="2600" b="1" noProof="1">
-              <a:solidFill>
-                <a:srgbClr val="FBEEE1"/>
-              </a:solidFill>
-              <a:effectLst>
-                <a:outerShdw blurRad="38100" dist="38100" dir="2700000" algn="tl">
-                  <a:srgbClr val="000000">
-                    <a:alpha val="43137"/>
-                  </a:srgbClr>
-                </a:outerShdw>
-              </a:effectLst>
-              <a:latin typeface="Consolas" pitchFamily="49" charset="0"/>
-              <a:cs typeface="Consolas" pitchFamily="49" charset="0"/>
-            </a:endParaRPr>
-          </a:p>
-          <a:p>
-            <a:r>
-              <a:rPr lang="en-US" sz="2600" b="1" noProof="1" smtClean="0">
+              <a:t>)</a:t>
+            </a:r>
+          </a:p>
+          <a:p>
+            <a:r>
+              <a:rPr lang="en-US" sz="2600" b="1" noProof="1">
                 <a:solidFill>
                   <a:srgbClr val="FBEEE1"/>
                 </a:solidFill>
@@ -12184,24 +11527,7 @@
                 <a:latin typeface="Consolas" pitchFamily="49" charset="0"/>
                 <a:cs typeface="Consolas" pitchFamily="49" charset="0"/>
               </a:rPr>
-              <a:t>Console.WriteLine(new </a:t>
-            </a:r>
-            <a:r>
-              <a:rPr lang="en-US" sz="2600" b="1" noProof="1">
-                <a:solidFill>
-                  <a:srgbClr val="FBEEE1"/>
-                </a:solidFill>
-                <a:effectLst>
-                  <a:outerShdw blurRad="38100" dist="38100" dir="2700000" algn="tl">
-                    <a:srgbClr val="000000">
-                      <a:alpha val="43137"/>
-                    </a:srgbClr>
-                  </a:outerShdw>
-                </a:effectLst>
-                <a:latin typeface="Consolas" pitchFamily="49" charset="0"/>
-                <a:cs typeface="Consolas" pitchFamily="49" charset="0"/>
-              </a:rPr>
-              <a:t>string('</a:t>
+              <a:t>sys.stdout.write('</a:t>
             </a:r>
             <a:r>
               <a:rPr lang="en-US" sz="2600" b="1" noProof="1">
@@ -12220,7 +11546,7 @@
                 <a:latin typeface="Consolas" pitchFamily="49" charset="0"/>
                 <a:cs typeface="Consolas" pitchFamily="49" charset="0"/>
               </a:rPr>
-              <a:t>*</a:t>
+              <a:t> </a:t>
             </a:r>
             <a:r>
               <a:rPr lang="en-US" sz="2600" b="1" noProof="1">
@@ -12237,7 +11563,7 @@
                 <a:latin typeface="Consolas" pitchFamily="49" charset="0"/>
                 <a:cs typeface="Consolas" pitchFamily="49" charset="0"/>
               </a:rPr>
-              <a:t>', </a:t>
+              <a:t>' * </a:t>
             </a:r>
             <a:r>
               <a:rPr lang="en-US" sz="2600" b="1" noProof="1">
@@ -12256,10 +11582,101 @@
                 <a:latin typeface="Consolas" pitchFamily="49" charset="0"/>
                 <a:cs typeface="Consolas" pitchFamily="49" charset="0"/>
               </a:rPr>
+              <a:t>n</a:t>
+            </a:r>
+            <a:r>
+              <a:rPr lang="en-US" sz="2600" b="1" noProof="1">
+                <a:solidFill>
+                  <a:srgbClr val="FBEEE1"/>
+                </a:solidFill>
+                <a:effectLst>
+                  <a:outerShdw blurRad="38100" dist="38100" dir="2700000" algn="tl">
+                    <a:srgbClr val="000000">
+                      <a:alpha val="43137"/>
+                    </a:srgbClr>
+                  </a:outerShdw>
+                </a:effectLst>
+                <a:latin typeface="Consolas" pitchFamily="49" charset="0"/>
+                <a:cs typeface="Consolas" pitchFamily="49" charset="0"/>
+              </a:rPr>
+              <a:t>)</a:t>
+            </a:r>
+          </a:p>
+          <a:p>
+            <a:r>
+              <a:rPr lang="en-US" sz="2600" b="1" noProof="1">
+                <a:solidFill>
+                  <a:srgbClr val="FBEEE1"/>
+                </a:solidFill>
+                <a:effectLst>
+                  <a:outerShdw blurRad="38100" dist="38100" dir="2700000" algn="tl">
+                    <a:srgbClr val="000000">
+                      <a:alpha val="43137"/>
+                    </a:srgbClr>
+                  </a:outerShdw>
+                </a:effectLst>
+                <a:latin typeface="Consolas" pitchFamily="49" charset="0"/>
+                <a:cs typeface="Consolas" pitchFamily="49" charset="0"/>
+              </a:rPr>
+              <a:t>print('</a:t>
+            </a:r>
+            <a:r>
+              <a:rPr lang="en-US" sz="2600" b="1" noProof="1">
+                <a:solidFill>
+                  <a:schemeClr val="tx2">
+                    <a:lumMod val="75000"/>
+                  </a:schemeClr>
+                </a:solidFill>
+                <a:effectLst>
+                  <a:outerShdw blurRad="38100" dist="38100" dir="2700000" algn="tl">
+                    <a:srgbClr val="000000">
+                      <a:alpha val="43137"/>
+                    </a:srgbClr>
+                  </a:outerShdw>
+                </a:effectLst>
+                <a:latin typeface="Consolas" pitchFamily="49" charset="0"/>
+                <a:cs typeface="Consolas" pitchFamily="49" charset="0"/>
+              </a:rPr>
+              <a:t>*</a:t>
+            </a:r>
+            <a:r>
+              <a:rPr lang="en-US" sz="2600" b="1" noProof="1">
+                <a:solidFill>
+                  <a:srgbClr val="FBEEE1"/>
+                </a:solidFill>
+                <a:effectLst>
+                  <a:outerShdw blurRad="38100" dist="38100" dir="2700000" algn="tl">
+                    <a:srgbClr val="000000">
+                      <a:alpha val="43137"/>
+                    </a:srgbClr>
+                  </a:outerShdw>
+                </a:effectLst>
+                <a:latin typeface="Consolas" pitchFamily="49" charset="0"/>
+                <a:cs typeface="Consolas" pitchFamily="49" charset="0"/>
+              </a:rPr>
+              <a:t>' * </a:t>
+            </a:r>
+            <a:r>
+              <a:rPr lang="en-US" sz="2600" b="1" noProof="1">
+                <a:solidFill>
+                  <a:schemeClr val="tx2">
+                    <a:lumMod val="75000"/>
+                  </a:schemeClr>
+                </a:solidFill>
+                <a:effectLst>
+                  <a:outerShdw blurRad="38100" dist="38100" dir="2700000" algn="tl">
+                    <a:srgbClr val="000000">
+                      <a:alpha val="43137"/>
+                    </a:srgbClr>
+                  </a:outerShdw>
+                </a:effectLst>
+                <a:latin typeface="Consolas" pitchFamily="49" charset="0"/>
+                <a:cs typeface="Consolas" pitchFamily="49" charset="0"/>
+              </a:rPr>
               <a:t>2 * n</a:t>
             </a:r>
             <a:r>
-              <a:rPr lang="en-US" sz="2600" b="1" noProof="1" smtClean="0">
+              <a:rPr lang="en-US" sz="2600" b="1" noProof="1">
                 <a:solidFill>
                   <a:srgbClr val="FBEEE1"/>
                 </a:solidFill>
@@ -12273,22 +11690,8 @@
                 <a:latin typeface="Consolas" pitchFamily="49" charset="0"/>
                 <a:cs typeface="Consolas" pitchFamily="49" charset="0"/>
               </a:rPr>
-              <a:t>))</a:t>
-            </a:r>
-            <a:endParaRPr lang="en-US" sz="2600" b="1" noProof="1">
-              <a:solidFill>
-                <a:srgbClr val="FBEEE1"/>
-              </a:solidFill>
-              <a:effectLst>
-                <a:outerShdw blurRad="38100" dist="38100" dir="2700000" algn="tl">
-                  <a:srgbClr val="000000">
-                    <a:alpha val="43137"/>
-                  </a:srgbClr>
-                </a:outerShdw>
-              </a:effectLst>
-              <a:latin typeface="Consolas" pitchFamily="49" charset="0"/>
-              <a:cs typeface="Consolas" pitchFamily="49" charset="0"/>
-            </a:endParaRPr>
+              <a:t>)</a:t>
+            </a:r>
           </a:p>
         </p:txBody>
       </p:sp>
@@ -12632,7 +12035,7 @@
         <p:spPr bwMode="auto">
           <a:xfrm>
             <a:off x="760414" y="1243621"/>
-            <a:ext cx="10667998" cy="5080979"/>
+            <a:ext cx="10667998" cy="4280760"/>
           </a:xfrm>
           <a:prstGeom prst="rect">
             <a:avLst/>
@@ -12660,7 +12063,7 @@
           <a:lstStyle/>
           <a:p>
             <a:r>
-              <a:rPr lang="en-US" sz="2600" b="1" noProof="1" smtClean="0">
+              <a:rPr lang="en-US" sz="2600" b="1" noProof="1">
                 <a:solidFill>
                   <a:schemeClr val="tx2">
                     <a:lumMod val="75000"/>
@@ -12676,10 +12079,10 @@
                 <a:latin typeface="Consolas" pitchFamily="49" charset="0"/>
                 <a:cs typeface="Consolas" pitchFamily="49" charset="0"/>
               </a:rPr>
-              <a:t>// </a:t>
-            </a:r>
-            <a:r>
-              <a:rPr lang="en-US" sz="2600" b="1" i="1" noProof="1" smtClean="0">
+              <a:t>#</a:t>
+            </a:r>
+            <a:r>
+              <a:rPr lang="en-US" sz="2600" b="1" noProof="1" smtClean="0">
                 <a:solidFill>
                   <a:schemeClr val="tx2">
                     <a:lumMod val="75000"/>
@@ -12695,10 +12098,10 @@
                 <a:latin typeface="Consolas" pitchFamily="49" charset="0"/>
                 <a:cs typeface="Consolas" pitchFamily="49" charset="0"/>
               </a:rPr>
-              <a:t>Print </a:t>
-            </a:r>
-            <a:r>
-              <a:rPr lang="en-US" sz="2600" b="1" i="1" noProof="1">
+              <a:t> </a:t>
+            </a:r>
+            <a:r>
+              <a:rPr lang="en-US" sz="2600" b="1" i="1" noProof="1" smtClean="0">
                 <a:solidFill>
                   <a:schemeClr val="tx2">
                     <a:lumMod val="75000"/>
@@ -12714,10 +12117,10 @@
                 <a:latin typeface="Consolas" pitchFamily="49" charset="0"/>
                 <a:cs typeface="Consolas" pitchFamily="49" charset="0"/>
               </a:rPr>
-              <a:t>the </a:t>
-            </a:r>
-            <a:r>
-              <a:rPr lang="en-US" sz="2600" b="1" i="1" noProof="1" smtClean="0">
+              <a:t>Print </a:t>
+            </a:r>
+            <a:r>
+              <a:rPr lang="en-US" sz="2600" b="1" i="1" noProof="1">
                 <a:solidFill>
                   <a:schemeClr val="tx2">
                     <a:lumMod val="75000"/>
@@ -12733,7 +12136,7 @@
                 <a:latin typeface="Consolas" pitchFamily="49" charset="0"/>
                 <a:cs typeface="Consolas" pitchFamily="49" charset="0"/>
               </a:rPr>
-              <a:t>middle </a:t>
+              <a:t>the middle </a:t>
             </a:r>
             <a:r>
               <a:rPr lang="en-US" sz="2600" b="1" i="1" noProof="1" smtClean="0">
@@ -12839,12 +12242,10 @@
                 <a:latin typeface="Consolas" pitchFamily="49" charset="0"/>
                 <a:cs typeface="Consolas" pitchFamily="49" charset="0"/>
               </a:rPr>
-              <a:t>i++)</a:t>
-            </a:r>
-          </a:p>
-          <a:p>
-            <a:r>
-              <a:rPr lang="nn-NO" sz="2600" b="1" noProof="1">
+              <a:t>i</a:t>
+            </a:r>
+            <a:r>
+              <a:rPr lang="nn-NO" sz="2600" b="1" noProof="1" smtClean="0">
                 <a:solidFill>
                   <a:srgbClr val="FBEEE1"/>
                 </a:solidFill>
@@ -12858,317 +12259,7 @@
                 <a:latin typeface="Consolas" pitchFamily="49" charset="0"/>
                 <a:cs typeface="Consolas" pitchFamily="49" charset="0"/>
               </a:rPr>
-              <a:t>{</a:t>
-            </a:r>
-          </a:p>
-          <a:p>
-            <a:r>
-              <a:rPr lang="nn-NO" sz="2600" b="1" noProof="1">
-                <a:solidFill>
-                  <a:srgbClr val="FBEEE1"/>
-                </a:solidFill>
-                <a:effectLst>
-                  <a:outerShdw blurRad="38100" dist="38100" dir="2700000" algn="tl">
-                    <a:srgbClr val="000000">
-                      <a:alpha val="43137"/>
-                    </a:srgbClr>
-                  </a:outerShdw>
-                </a:effectLst>
-                <a:latin typeface="Consolas" pitchFamily="49" charset="0"/>
-                <a:cs typeface="Consolas" pitchFamily="49" charset="0"/>
-              </a:rPr>
-              <a:t>   </a:t>
-            </a:r>
-            <a:r>
-              <a:rPr lang="nn-NO" sz="2600" b="1" noProof="1" smtClean="0">
-                <a:solidFill>
-                  <a:schemeClr val="tx2">
-                    <a:lumMod val="75000"/>
-                  </a:schemeClr>
-                </a:solidFill>
-                <a:effectLst>
-                  <a:outerShdw blurRad="38100" dist="38100" dir="2700000" algn="tl">
-                    <a:srgbClr val="000000">
-                      <a:alpha val="43137"/>
-                    </a:srgbClr>
-                  </a:outerShdw>
-                </a:effectLst>
-                <a:latin typeface="Consolas" pitchFamily="49" charset="0"/>
-                <a:cs typeface="Consolas" pitchFamily="49" charset="0"/>
-              </a:rPr>
-              <a:t>// TODO: </a:t>
-            </a:r>
-            <a:r>
-              <a:rPr lang="nn-NO" sz="2600" b="1" i="1" noProof="1" smtClean="0">
-                <a:solidFill>
-                  <a:schemeClr val="tx2">
-                    <a:lumMod val="75000"/>
-                  </a:schemeClr>
-                </a:solidFill>
-                <a:effectLst>
-                  <a:outerShdw blurRad="38100" dist="38100" dir="2700000" algn="tl">
-                    <a:srgbClr val="000000">
-                      <a:alpha val="43137"/>
-                    </a:srgbClr>
-                  </a:outerShdw>
-                </a:effectLst>
-                <a:latin typeface="Consolas" pitchFamily="49" charset="0"/>
-                <a:cs typeface="Consolas" pitchFamily="49" charset="0"/>
-              </a:rPr>
-              <a:t>print</a:t>
-            </a:r>
-            <a:r>
-              <a:rPr lang="nn-NO" sz="2600" b="1" noProof="1" smtClean="0">
-                <a:solidFill>
-                  <a:schemeClr val="tx2">
-                    <a:lumMod val="75000"/>
-                  </a:schemeClr>
-                </a:solidFill>
-                <a:effectLst>
-                  <a:outerShdw blurRad="38100" dist="38100" dir="2700000" algn="tl">
-                    <a:srgbClr val="000000">
-                      <a:alpha val="43137"/>
-                    </a:srgbClr>
-                  </a:outerShdw>
-                </a:effectLst>
-                <a:latin typeface="Consolas" pitchFamily="49" charset="0"/>
-                <a:cs typeface="Consolas" pitchFamily="49" charset="0"/>
-              </a:rPr>
-              <a:t> </a:t>
-            </a:r>
-            <a:r>
-              <a:rPr lang="nn-NO" sz="2600" b="1" noProof="1">
-                <a:solidFill>
-                  <a:srgbClr val="FBEEE1"/>
-                </a:solidFill>
-                <a:effectLst>
-                  <a:outerShdw blurRad="38100" dist="38100" dir="2700000" algn="tl">
-                    <a:srgbClr val="000000">
-                      <a:alpha val="43137"/>
-                    </a:srgbClr>
-                  </a:outerShdw>
-                </a:effectLst>
-                <a:latin typeface="Consolas" pitchFamily="49" charset="0"/>
-                <a:cs typeface="Consolas" pitchFamily="49" charset="0"/>
-              </a:rPr>
-              <a:t>*</a:t>
-            </a:r>
-            <a:r>
-              <a:rPr lang="nn-NO" sz="2600" b="1" noProof="1" smtClean="0">
-                <a:solidFill>
-                  <a:schemeClr val="tx2">
-                    <a:lumMod val="75000"/>
-                  </a:schemeClr>
-                </a:solidFill>
-                <a:effectLst>
-                  <a:outerShdw blurRad="38100" dist="38100" dir="2700000" algn="tl">
-                    <a:srgbClr val="000000">
-                      <a:alpha val="43137"/>
-                    </a:srgbClr>
-                  </a:outerShdw>
-                </a:effectLst>
-                <a:latin typeface="Consolas" pitchFamily="49" charset="0"/>
-                <a:cs typeface="Consolas" pitchFamily="49" charset="0"/>
-              </a:rPr>
-              <a:t>///////</a:t>
-            </a:r>
-            <a:r>
-              <a:rPr lang="nn-NO" sz="2600" b="1" noProof="1">
-                <a:solidFill>
-                  <a:srgbClr val="FBEEE1"/>
-                </a:solidFill>
-                <a:effectLst>
-                  <a:outerShdw blurRad="38100" dist="38100" dir="2700000" algn="tl">
-                    <a:srgbClr val="000000">
-                      <a:alpha val="43137"/>
-                    </a:srgbClr>
-                  </a:outerShdw>
-                </a:effectLst>
-                <a:latin typeface="Consolas" pitchFamily="49" charset="0"/>
-                <a:cs typeface="Consolas" pitchFamily="49" charset="0"/>
-              </a:rPr>
-              <a:t>*</a:t>
-            </a:r>
-          </a:p>
-          <a:p>
-            <a:pPr>
-              <a:spcBef>
-                <a:spcPts val="1200"/>
-              </a:spcBef>
-            </a:pPr>
-            <a:r>
-              <a:rPr lang="nn-NO" sz="2600" b="1" noProof="1">
-                <a:solidFill>
-                  <a:srgbClr val="FBEEE1"/>
-                </a:solidFill>
-                <a:effectLst>
-                  <a:outerShdw blurRad="38100" dist="38100" dir="2700000" algn="tl">
-                    <a:srgbClr val="000000">
-                      <a:alpha val="43137"/>
-                    </a:srgbClr>
-                  </a:outerShdw>
-                </a:effectLst>
-                <a:latin typeface="Consolas" pitchFamily="49" charset="0"/>
-                <a:cs typeface="Consolas" pitchFamily="49" charset="0"/>
-              </a:rPr>
-              <a:t>   </a:t>
-            </a:r>
-            <a:r>
-              <a:rPr lang="nn-NO" sz="2600" b="1" noProof="1" smtClean="0">
-                <a:solidFill>
-                  <a:srgbClr val="FBEEE1"/>
-                </a:solidFill>
-                <a:effectLst>
-                  <a:outerShdw blurRad="38100" dist="38100" dir="2700000" algn="tl">
-                    <a:srgbClr val="000000">
-                      <a:alpha val="43137"/>
-                    </a:srgbClr>
-                  </a:outerShdw>
-                </a:effectLst>
-                <a:latin typeface="Consolas" pitchFamily="49" charset="0"/>
-                <a:cs typeface="Consolas" pitchFamily="49" charset="0"/>
-              </a:rPr>
-              <a:t>if </a:t>
-            </a:r>
-            <a:r>
-              <a:rPr lang="nn-NO" sz="2600" b="1" noProof="1">
-                <a:solidFill>
-                  <a:srgbClr val="FBEEE1"/>
-                </a:solidFill>
-                <a:effectLst>
-                  <a:outerShdw blurRad="38100" dist="38100" dir="2700000" algn="tl">
-                    <a:srgbClr val="000000">
-                      <a:alpha val="43137"/>
-                    </a:srgbClr>
-                  </a:outerShdw>
-                </a:effectLst>
-                <a:latin typeface="Consolas" pitchFamily="49" charset="0"/>
-                <a:cs typeface="Consolas" pitchFamily="49" charset="0"/>
-              </a:rPr>
-              <a:t>(i == (n-1) / 2 - 1)</a:t>
-            </a:r>
-          </a:p>
-          <a:p>
-            <a:r>
-              <a:rPr lang="nn-NO" sz="2600" b="1" noProof="1">
-                <a:solidFill>
-                  <a:srgbClr val="FBEEE1"/>
-                </a:solidFill>
-                <a:effectLst>
-                  <a:outerShdw blurRad="38100" dist="38100" dir="2700000" algn="tl">
-                    <a:srgbClr val="000000">
-                      <a:alpha val="43137"/>
-                    </a:srgbClr>
-                  </a:outerShdw>
-                </a:effectLst>
-                <a:latin typeface="Consolas" pitchFamily="49" charset="0"/>
-                <a:cs typeface="Consolas" pitchFamily="49" charset="0"/>
-              </a:rPr>
-              <a:t>   </a:t>
-            </a:r>
-            <a:r>
-              <a:rPr lang="nn-NO" sz="2600" b="1" noProof="1" smtClean="0">
-                <a:solidFill>
-                  <a:srgbClr val="FBEEE1"/>
-                </a:solidFill>
-                <a:effectLst>
-                  <a:outerShdw blurRad="38100" dist="38100" dir="2700000" algn="tl">
-                    <a:srgbClr val="000000">
-                      <a:alpha val="43137"/>
-                    </a:srgbClr>
-                  </a:outerShdw>
-                </a:effectLst>
-                <a:latin typeface="Consolas" pitchFamily="49" charset="0"/>
-                <a:cs typeface="Consolas" pitchFamily="49" charset="0"/>
-              </a:rPr>
-              <a:t>   </a:t>
-            </a:r>
-            <a:r>
-              <a:rPr lang="nn-NO" sz="2600" b="1" noProof="1" smtClean="0">
-                <a:solidFill>
-                  <a:srgbClr val="FBEEE1"/>
-                </a:solidFill>
-                <a:effectLst>
-                  <a:outerShdw blurRad="38100" dist="38100" dir="2700000" algn="tl">
-                    <a:srgbClr val="000000">
-                      <a:alpha val="43137"/>
-                    </a:srgbClr>
-                  </a:outerShdw>
-                </a:effectLst>
-                <a:latin typeface="Consolas" pitchFamily="49" charset="0"/>
-                <a:cs typeface="Consolas" pitchFamily="49" charset="0"/>
-              </a:rPr>
-              <a:t>Console.Write(new </a:t>
-            </a:r>
-            <a:r>
-              <a:rPr lang="nn-NO" sz="2600" b="1" noProof="1">
-                <a:solidFill>
-                  <a:srgbClr val="FBEEE1"/>
-                </a:solidFill>
-                <a:effectLst>
-                  <a:outerShdw blurRad="38100" dist="38100" dir="2700000" algn="tl">
-                    <a:srgbClr val="000000">
-                      <a:alpha val="43137"/>
-                    </a:srgbClr>
-                  </a:outerShdw>
-                </a:effectLst>
-                <a:latin typeface="Consolas" pitchFamily="49" charset="0"/>
-                <a:cs typeface="Consolas" pitchFamily="49" charset="0"/>
-              </a:rPr>
-              <a:t>string('</a:t>
-            </a:r>
-            <a:r>
-              <a:rPr lang="nn-NO" sz="2600" b="1" noProof="1">
-                <a:solidFill>
-                  <a:schemeClr val="tx2">
-                    <a:lumMod val="75000"/>
-                  </a:schemeClr>
-                </a:solidFill>
-                <a:effectLst>
-                  <a:outerShdw blurRad="38100" dist="38100" dir="2700000" algn="tl">
-                    <a:srgbClr val="000000">
-                      <a:alpha val="43137"/>
-                    </a:srgbClr>
-                  </a:outerShdw>
-                </a:effectLst>
-                <a:latin typeface="Consolas" pitchFamily="49" charset="0"/>
-                <a:cs typeface="Consolas" pitchFamily="49" charset="0"/>
-              </a:rPr>
-              <a:t>|</a:t>
-            </a:r>
-            <a:r>
-              <a:rPr lang="nn-NO" sz="2600" b="1" noProof="1">
-                <a:solidFill>
-                  <a:srgbClr val="FBEEE1"/>
-                </a:solidFill>
-                <a:effectLst>
-                  <a:outerShdw blurRad="38100" dist="38100" dir="2700000" algn="tl">
-                    <a:srgbClr val="000000">
-                      <a:alpha val="43137"/>
-                    </a:srgbClr>
-                  </a:outerShdw>
-                </a:effectLst>
-                <a:latin typeface="Consolas" pitchFamily="49" charset="0"/>
-                <a:cs typeface="Consolas" pitchFamily="49" charset="0"/>
-              </a:rPr>
-              <a:t>', n</a:t>
-            </a:r>
-            <a:r>
-              <a:rPr lang="nn-NO" sz="2600" b="1" noProof="1" smtClean="0">
-                <a:solidFill>
-                  <a:srgbClr val="FBEEE1"/>
-                </a:solidFill>
-                <a:effectLst>
-                  <a:outerShdw blurRad="38100" dist="38100" dir="2700000" algn="tl">
-                    <a:srgbClr val="000000">
-                      <a:alpha val="43137"/>
-                    </a:srgbClr>
-                  </a:outerShdw>
-                </a:effectLst>
-                <a:latin typeface="Consolas" pitchFamily="49" charset="0"/>
-                <a:cs typeface="Consolas" pitchFamily="49" charset="0"/>
-              </a:rPr>
-              <a:t>))</a:t>
+              <a:t>++):</a:t>
             </a:r>
             <a:endParaRPr lang="nn-NO" sz="2600" b="1" noProof="1">
               <a:solidFill>
@@ -13206,6 +12297,63 @@
             <a:r>
               <a:rPr lang="nn-NO" sz="2600" b="1" noProof="1" smtClean="0">
                 <a:solidFill>
+                  <a:schemeClr val="tx2">
+                    <a:lumMod val="75000"/>
+                  </a:schemeClr>
+                </a:solidFill>
+                <a:effectLst>
+                  <a:outerShdw blurRad="38100" dist="38100" dir="2700000" algn="tl">
+                    <a:srgbClr val="000000">
+                      <a:alpha val="43137"/>
+                    </a:srgbClr>
+                  </a:outerShdw>
+                </a:effectLst>
+                <a:latin typeface="Consolas" pitchFamily="49" charset="0"/>
+                <a:cs typeface="Consolas" pitchFamily="49" charset="0"/>
+              </a:rPr>
+              <a:t>// TODO: </a:t>
+            </a:r>
+            <a:r>
+              <a:rPr lang="nn-NO" sz="2600" b="1" i="1" noProof="1" smtClean="0">
+                <a:solidFill>
+                  <a:schemeClr val="tx2">
+                    <a:lumMod val="75000"/>
+                  </a:schemeClr>
+                </a:solidFill>
+                <a:effectLst>
+                  <a:outerShdw blurRad="38100" dist="38100" dir="2700000" algn="tl">
+                    <a:srgbClr val="000000">
+                      <a:alpha val="43137"/>
+                    </a:srgbClr>
+                  </a:outerShdw>
+                </a:effectLst>
+                <a:latin typeface="Consolas" pitchFamily="49" charset="0"/>
+                <a:cs typeface="Consolas" pitchFamily="49" charset="0"/>
+              </a:rPr>
+              <a:t>print</a:t>
+            </a:r>
+            <a:r>
+              <a:rPr lang="nn-NO" sz="2600" b="1" noProof="1" smtClean="0">
+                <a:solidFill>
+                  <a:schemeClr val="tx2">
+                    <a:lumMod val="75000"/>
+                  </a:schemeClr>
+                </a:solidFill>
+                <a:effectLst>
+                  <a:outerShdw blurRad="38100" dist="38100" dir="2700000" algn="tl">
+                    <a:srgbClr val="000000">
+                      <a:alpha val="43137"/>
+                    </a:srgbClr>
+                  </a:outerShdw>
+                </a:effectLst>
+                <a:latin typeface="Consolas" pitchFamily="49" charset="0"/>
+                <a:cs typeface="Consolas" pitchFamily="49" charset="0"/>
+              </a:rPr>
+              <a:t> </a:t>
+            </a:r>
+            <a:r>
+              <a:rPr lang="nn-NO" sz="2600" b="1" noProof="1">
+                <a:solidFill>
                   <a:srgbClr val="FBEEE1"/>
                 </a:solidFill>
                 <a:effectLst>
@@ -13218,7 +12366,135 @@
                 <a:latin typeface="Consolas" pitchFamily="49" charset="0"/>
                 <a:cs typeface="Consolas" pitchFamily="49" charset="0"/>
               </a:rPr>
-              <a:t>else</a:t>
+              <a:t>*</a:t>
+            </a:r>
+            <a:r>
+              <a:rPr lang="nn-NO" sz="2600" b="1" noProof="1" smtClean="0">
+                <a:solidFill>
+                  <a:schemeClr val="tx2">
+                    <a:lumMod val="75000"/>
+                  </a:schemeClr>
+                </a:solidFill>
+                <a:effectLst>
+                  <a:outerShdw blurRad="38100" dist="38100" dir="2700000" algn="tl">
+                    <a:srgbClr val="000000">
+                      <a:alpha val="43137"/>
+                    </a:srgbClr>
+                  </a:outerShdw>
+                </a:effectLst>
+                <a:latin typeface="Consolas" pitchFamily="49" charset="0"/>
+                <a:cs typeface="Consolas" pitchFamily="49" charset="0"/>
+              </a:rPr>
+              <a:t>///////</a:t>
+            </a:r>
+            <a:r>
+              <a:rPr lang="nn-NO" sz="2600" b="1" noProof="1">
+                <a:solidFill>
+                  <a:srgbClr val="FBEEE1"/>
+                </a:solidFill>
+                <a:effectLst>
+                  <a:outerShdw blurRad="38100" dist="38100" dir="2700000" algn="tl">
+                    <a:srgbClr val="000000">
+                      <a:alpha val="43137"/>
+                    </a:srgbClr>
+                  </a:outerShdw>
+                </a:effectLst>
+                <a:latin typeface="Consolas" pitchFamily="49" charset="0"/>
+                <a:cs typeface="Consolas" pitchFamily="49" charset="0"/>
+              </a:rPr>
+              <a:t>*</a:t>
+            </a:r>
+          </a:p>
+          <a:p>
+            <a:pPr>
+              <a:spcBef>
+                <a:spcPts val="1200"/>
+              </a:spcBef>
+            </a:pPr>
+            <a:r>
+              <a:rPr lang="nn-NO" sz="2600" b="1" noProof="1">
+                <a:solidFill>
+                  <a:srgbClr val="FBEEE1"/>
+                </a:solidFill>
+                <a:effectLst>
+                  <a:outerShdw blurRad="38100" dist="38100" dir="2700000" algn="tl">
+                    <a:srgbClr val="000000">
+                      <a:alpha val="43137"/>
+                    </a:srgbClr>
+                  </a:outerShdw>
+                </a:effectLst>
+                <a:latin typeface="Consolas" pitchFamily="49" charset="0"/>
+                <a:cs typeface="Consolas" pitchFamily="49" charset="0"/>
+              </a:rPr>
+              <a:t>   </a:t>
+            </a:r>
+            <a:r>
+              <a:rPr lang="nn-NO" sz="2600" b="1" noProof="1" smtClean="0">
+                <a:solidFill>
+                  <a:srgbClr val="FBEEE1"/>
+                </a:solidFill>
+                <a:effectLst>
+                  <a:outerShdw blurRad="38100" dist="38100" dir="2700000" algn="tl">
+                    <a:srgbClr val="000000">
+                      <a:alpha val="43137"/>
+                    </a:srgbClr>
+                  </a:outerShdw>
+                </a:effectLst>
+                <a:latin typeface="Consolas" pitchFamily="49" charset="0"/>
+                <a:cs typeface="Consolas" pitchFamily="49" charset="0"/>
+              </a:rPr>
+              <a:t>if </a:t>
+            </a:r>
+            <a:r>
+              <a:rPr lang="nn-NO" sz="2600" b="1" noProof="1" smtClean="0">
+                <a:solidFill>
+                  <a:srgbClr val="FBEEE1"/>
+                </a:solidFill>
+                <a:effectLst>
+                  <a:outerShdw blurRad="38100" dist="38100" dir="2700000" algn="tl">
+                    <a:srgbClr val="000000">
+                      <a:alpha val="43137"/>
+                    </a:srgbClr>
+                  </a:outerShdw>
+                </a:effectLst>
+                <a:latin typeface="Consolas" pitchFamily="49" charset="0"/>
+                <a:cs typeface="Consolas" pitchFamily="49" charset="0"/>
+              </a:rPr>
+              <a:t>i </a:t>
+            </a:r>
+            <a:r>
+              <a:rPr lang="nn-NO" sz="2600" b="1" noProof="1">
+                <a:solidFill>
+                  <a:srgbClr val="FBEEE1"/>
+                </a:solidFill>
+                <a:effectLst>
+                  <a:outerShdw blurRad="38100" dist="38100" dir="2700000" algn="tl">
+                    <a:srgbClr val="000000">
+                      <a:alpha val="43137"/>
+                    </a:srgbClr>
+                  </a:outerShdw>
+                </a:effectLst>
+                <a:latin typeface="Consolas" pitchFamily="49" charset="0"/>
+                <a:cs typeface="Consolas" pitchFamily="49" charset="0"/>
+              </a:rPr>
+              <a:t>== (n-1) / 2 </a:t>
+            </a:r>
+            <a:r>
+              <a:rPr lang="nn-NO" sz="2600" b="1" noProof="1" smtClean="0">
+                <a:solidFill>
+                  <a:srgbClr val="FBEEE1"/>
+                </a:solidFill>
+                <a:effectLst>
+                  <a:outerShdw blurRad="38100" dist="38100" dir="2700000" algn="tl">
+                    <a:srgbClr val="000000">
+                      <a:alpha val="43137"/>
+                    </a:srgbClr>
+                  </a:outerShdw>
+                </a:effectLst>
+                <a:latin typeface="Consolas" pitchFamily="49" charset="0"/>
+                <a:cs typeface="Consolas" pitchFamily="49" charset="0"/>
+              </a:rPr>
+              <a:t>– 1:</a:t>
             </a:r>
             <a:endParaRPr lang="nn-NO" sz="2600" b="1" noProof="1">
               <a:solidFill>
@@ -13285,7 +12561,43 @@
                 <a:latin typeface="Consolas" pitchFamily="49" charset="0"/>
                 <a:cs typeface="Consolas" pitchFamily="49" charset="0"/>
               </a:rPr>
-              <a:t>Console.Write(new </a:t>
+              <a:t>sys.stdout.write('</a:t>
+            </a:r>
+            <a:r>
+              <a:rPr lang="nn-NO" sz="2600" b="1" noProof="1" smtClean="0">
+                <a:solidFill>
+                  <a:schemeClr val="tx2">
+                    <a:lumMod val="75000"/>
+                  </a:schemeClr>
+                </a:solidFill>
+                <a:effectLst>
+                  <a:outerShdw blurRad="38100" dist="38100" dir="2700000" algn="tl">
+                    <a:srgbClr val="000000">
+                      <a:alpha val="43137"/>
+                    </a:srgbClr>
+                  </a:outerShdw>
+                </a:effectLst>
+                <a:latin typeface="Consolas" pitchFamily="49" charset="0"/>
+                <a:cs typeface="Consolas" pitchFamily="49" charset="0"/>
+              </a:rPr>
+              <a:t>|</a:t>
+            </a:r>
+            <a:r>
+              <a:rPr lang="nn-NO" sz="2600" b="1" noProof="1" smtClean="0">
+                <a:solidFill>
+                  <a:srgbClr val="FBEEE1"/>
+                </a:solidFill>
+                <a:effectLst>
+                  <a:outerShdw blurRad="38100" dist="38100" dir="2700000" algn="tl">
+                    <a:srgbClr val="000000">
+                      <a:alpha val="43137"/>
+                    </a:srgbClr>
+                  </a:outerShdw>
+                </a:effectLst>
+                <a:latin typeface="Consolas" pitchFamily="49" charset="0"/>
+                <a:cs typeface="Consolas" pitchFamily="49" charset="0"/>
+              </a:rPr>
+              <a:t>' * </a:t>
             </a:r>
             <a:r>
               <a:rPr lang="nn-NO" sz="2600" b="1" noProof="1">
@@ -13302,7 +12614,7 @@
                 <a:latin typeface="Consolas" pitchFamily="49" charset="0"/>
                 <a:cs typeface="Consolas" pitchFamily="49" charset="0"/>
               </a:rPr>
-              <a:t>string(' ', n</a:t>
+              <a:t>n</a:t>
             </a:r>
             <a:r>
               <a:rPr lang="nn-NO" sz="2600" b="1" noProof="1" smtClean="0">
@@ -13319,7 +12631,7 @@
                 <a:latin typeface="Consolas" pitchFamily="49" charset="0"/>
                 <a:cs typeface="Consolas" pitchFamily="49" charset="0"/>
               </a:rPr>
-              <a:t>))</a:t>
+              <a:t>)</a:t>
             </a:r>
             <a:endParaRPr lang="nn-NO" sz="2600" b="1" noProof="1">
               <a:solidFill>
@@ -13337,6 +12649,157 @@
             </a:endParaRPr>
           </a:p>
           <a:p>
+            <a:r>
+              <a:rPr lang="nn-NO" sz="2600" b="1" noProof="1">
+                <a:solidFill>
+                  <a:srgbClr val="FBEEE1"/>
+                </a:solidFill>
+                <a:effectLst>
+                  <a:outerShdw blurRad="38100" dist="38100" dir="2700000" algn="tl">
+                    <a:srgbClr val="000000">
+                      <a:alpha val="43137"/>
+                    </a:srgbClr>
+                  </a:outerShdw>
+                </a:effectLst>
+                <a:latin typeface="Consolas" pitchFamily="49" charset="0"/>
+                <a:cs typeface="Consolas" pitchFamily="49" charset="0"/>
+              </a:rPr>
+              <a:t>   </a:t>
+            </a:r>
+            <a:r>
+              <a:rPr lang="nn-NO" sz="2600" b="1" noProof="1" smtClean="0">
+                <a:solidFill>
+                  <a:srgbClr val="FBEEE1"/>
+                </a:solidFill>
+                <a:effectLst>
+                  <a:outerShdw blurRad="38100" dist="38100" dir="2700000" algn="tl">
+                    <a:srgbClr val="000000">
+                      <a:alpha val="43137"/>
+                    </a:srgbClr>
+                  </a:outerShdw>
+                </a:effectLst>
+                <a:latin typeface="Consolas" pitchFamily="49" charset="0"/>
+                <a:cs typeface="Consolas" pitchFamily="49" charset="0"/>
+              </a:rPr>
+              <a:t>else:</a:t>
+            </a:r>
+            <a:endParaRPr lang="nn-NO" sz="2600" b="1" noProof="1">
+              <a:solidFill>
+                <a:srgbClr val="FBEEE1"/>
+              </a:solidFill>
+              <a:effectLst>
+                <a:outerShdw blurRad="38100" dist="38100" dir="2700000" algn="tl">
+                  <a:srgbClr val="000000">
+                    <a:alpha val="43137"/>
+                  </a:srgbClr>
+                </a:outerShdw>
+              </a:effectLst>
+              <a:latin typeface="Consolas" pitchFamily="49" charset="0"/>
+              <a:cs typeface="Consolas" pitchFamily="49" charset="0"/>
+            </a:endParaRPr>
+          </a:p>
+          <a:p>
+            <a:r>
+              <a:rPr lang="nn-NO" sz="2600" b="1" noProof="1">
+                <a:solidFill>
+                  <a:srgbClr val="FBEEE1"/>
+                </a:solidFill>
+                <a:effectLst>
+                  <a:outerShdw blurRad="38100" dist="38100" dir="2700000" algn="tl">
+                    <a:srgbClr val="000000">
+                      <a:alpha val="43137"/>
+                    </a:srgbClr>
+                  </a:outerShdw>
+                </a:effectLst>
+                <a:latin typeface="Consolas" pitchFamily="49" charset="0"/>
+                <a:cs typeface="Consolas" pitchFamily="49" charset="0"/>
+              </a:rPr>
+              <a:t>   </a:t>
+            </a:r>
+            <a:r>
+              <a:rPr lang="nn-NO" sz="2600" b="1" noProof="1" smtClean="0">
+                <a:solidFill>
+                  <a:srgbClr val="FBEEE1"/>
+                </a:solidFill>
+                <a:effectLst>
+                  <a:outerShdw blurRad="38100" dist="38100" dir="2700000" algn="tl">
+                    <a:srgbClr val="000000">
+                      <a:alpha val="43137"/>
+                    </a:srgbClr>
+                  </a:outerShdw>
+                </a:effectLst>
+                <a:latin typeface="Consolas" pitchFamily="49" charset="0"/>
+                <a:cs typeface="Consolas" pitchFamily="49" charset="0"/>
+              </a:rPr>
+              <a:t>   sys.stdout.write</a:t>
+            </a:r>
+            <a:r>
+              <a:rPr lang="nn-NO" sz="2600" b="1" noProof="1" smtClean="0">
+                <a:solidFill>
+                  <a:srgbClr val="FBEEE1"/>
+                </a:solidFill>
+                <a:effectLst>
+                  <a:outerShdw blurRad="38100" dist="38100" dir="2700000" algn="tl">
+                    <a:srgbClr val="000000">
+                      <a:alpha val="43137"/>
+                    </a:srgbClr>
+                  </a:outerShdw>
+                </a:effectLst>
+                <a:latin typeface="Consolas" pitchFamily="49" charset="0"/>
+                <a:cs typeface="Consolas" pitchFamily="49" charset="0"/>
+              </a:rPr>
+              <a:t>(' ' * </a:t>
+            </a:r>
+            <a:r>
+              <a:rPr lang="nn-NO" sz="2600" b="1" noProof="1">
+                <a:solidFill>
+                  <a:srgbClr val="FBEEE1"/>
+                </a:solidFill>
+                <a:effectLst>
+                  <a:outerShdw blurRad="38100" dist="38100" dir="2700000" algn="tl">
+                    <a:srgbClr val="000000">
+                      <a:alpha val="43137"/>
+                    </a:srgbClr>
+                  </a:outerShdw>
+                </a:effectLst>
+                <a:latin typeface="Consolas" pitchFamily="49" charset="0"/>
+                <a:cs typeface="Consolas" pitchFamily="49" charset="0"/>
+              </a:rPr>
+              <a:t>n</a:t>
+            </a:r>
+            <a:r>
+              <a:rPr lang="nn-NO" sz="2600" b="1" noProof="1" smtClean="0">
+                <a:solidFill>
+                  <a:srgbClr val="FBEEE1"/>
+                </a:solidFill>
+                <a:effectLst>
+                  <a:outerShdw blurRad="38100" dist="38100" dir="2700000" algn="tl">
+                    <a:srgbClr val="000000">
+                      <a:alpha val="43137"/>
+                    </a:srgbClr>
+                  </a:outerShdw>
+                </a:effectLst>
+                <a:latin typeface="Consolas" pitchFamily="49" charset="0"/>
+                <a:cs typeface="Consolas" pitchFamily="49" charset="0"/>
+              </a:rPr>
+              <a:t>)</a:t>
+            </a:r>
+            <a:endParaRPr lang="nn-NO" sz="2600" b="1" noProof="1">
+              <a:solidFill>
+                <a:srgbClr val="FBEEE1"/>
+              </a:solidFill>
+              <a:effectLst>
+                <a:outerShdw blurRad="38100" dist="38100" dir="2700000" algn="tl">
+                  <a:srgbClr val="000000">
+                    <a:alpha val="43137"/>
+                  </a:srgbClr>
+                </a:outerShdw>
+              </a:effectLst>
+              <a:latin typeface="Consolas" pitchFamily="49" charset="0"/>
+              <a:cs typeface="Consolas" pitchFamily="49" charset="0"/>
+            </a:endParaRPr>
+          </a:p>
+          <a:p>
             <a:pPr>
               <a:spcBef>
                 <a:spcPts val="1200"/>
@@ -13376,7 +12839,45 @@
                 <a:latin typeface="Consolas" pitchFamily="49" charset="0"/>
                 <a:cs typeface="Consolas" pitchFamily="49" charset="0"/>
               </a:rPr>
-              <a:t>// TODO: </a:t>
+              <a:t>#</a:t>
+            </a:r>
+            <a:r>
+              <a:rPr lang="nn-NO" sz="2600" b="1" noProof="1" smtClean="0">
+                <a:solidFill>
+                  <a:schemeClr val="tx2">
+                    <a:lumMod val="75000"/>
+                  </a:schemeClr>
+                </a:solidFill>
+                <a:effectLst>
+                  <a:outerShdw blurRad="38100" dist="38100" dir="2700000" algn="tl">
+                    <a:srgbClr val="000000">
+                      <a:alpha val="43137"/>
+                    </a:srgbClr>
+                  </a:outerShdw>
+                </a:effectLst>
+                <a:latin typeface="Consolas" pitchFamily="49" charset="0"/>
+                <a:cs typeface="Consolas" pitchFamily="49" charset="0"/>
+              </a:rPr>
+              <a:t> </a:t>
+            </a:r>
+            <a:r>
+              <a:rPr lang="nn-NO" sz="2600" b="1" noProof="1">
+                <a:solidFill>
+                  <a:schemeClr val="tx2">
+                    <a:lumMod val="75000"/>
+                  </a:schemeClr>
+                </a:solidFill>
+                <a:effectLst>
+                  <a:outerShdw blurRad="38100" dist="38100" dir="2700000" algn="tl">
+                    <a:srgbClr val="000000">
+                      <a:alpha val="43137"/>
+                    </a:srgbClr>
+                  </a:outerShdw>
+                </a:effectLst>
+                <a:latin typeface="Consolas" pitchFamily="49" charset="0"/>
+                <a:cs typeface="Consolas" pitchFamily="49" charset="0"/>
+              </a:rPr>
+              <a:t>TODO: </a:t>
             </a:r>
             <a:r>
               <a:rPr lang="nn-NO" sz="2600" b="1" i="1" noProof="1">
@@ -13491,7 +12992,7 @@
                 <a:latin typeface="Consolas" pitchFamily="49" charset="0"/>
                 <a:cs typeface="Consolas" pitchFamily="49" charset="0"/>
               </a:rPr>
-              <a:t>   </a:t>
+              <a:t>   print</a:t>
             </a:r>
             <a:r>
               <a:rPr lang="nn-NO" sz="2600" b="1" noProof="1" smtClean="0">
@@ -13508,7 +13009,7 @@
                 <a:latin typeface="Consolas" pitchFamily="49" charset="0"/>
                 <a:cs typeface="Consolas" pitchFamily="49" charset="0"/>
               </a:rPr>
-              <a:t>Console.WriteLine()</a:t>
+              <a:t>()</a:t>
             </a:r>
             <a:endParaRPr lang="nn-NO" sz="2600" b="1" noProof="1" smtClean="0">
               <a:solidFill>
@@ -13526,25 +13027,6 @@
               <a:latin typeface="Consolas" pitchFamily="49" charset="0"/>
               <a:cs typeface="Consolas" pitchFamily="49" charset="0"/>
             </a:endParaRPr>
-          </a:p>
-          <a:p>
-            <a:r>
-              <a:rPr lang="nn-NO" sz="2600" b="1" noProof="1" smtClean="0">
-                <a:solidFill>
-                  <a:srgbClr val="FBEEE1"/>
-                </a:solidFill>
-                <a:effectLst>
-                  <a:outerShdw blurRad="38100" dist="38100" dir="2700000" algn="tl">
-                    <a:srgbClr val="000000">
-                      <a:alpha val="43137"/>
-                    </a:srgbClr>
-                  </a:outerShdw>
-                </a:effectLst>
-                <a:latin typeface="Consolas" pitchFamily="49" charset="0"/>
-                <a:cs typeface="Consolas" pitchFamily="49" charset="0"/>
-              </a:rPr>
-              <a:t>}</a:t>
-            </a:r>
           </a:p>
         </p:txBody>
       </p:sp>
@@ -15198,8 +14680,8 @@
         </p:nvSpPr>
         <p:spPr bwMode="auto">
           <a:xfrm>
-            <a:off x="622414" y="1194036"/>
-            <a:ext cx="10943998" cy="5173312"/>
+            <a:off x="622414" y="895930"/>
+            <a:ext cx="10943998" cy="5727310"/>
           </a:xfrm>
           <a:prstGeom prst="rect">
             <a:avLst/>
@@ -15241,7 +14723,7 @@
                 <a:latin typeface="Consolas" pitchFamily="49" charset="0"/>
                 <a:cs typeface="Consolas" pitchFamily="49" charset="0"/>
               </a:rPr>
-              <a:t>var </a:t>
+              <a:t>stars </a:t>
             </a:r>
             <a:r>
               <a:rPr lang="en-US" sz="2600" b="1" noProof="1">
@@ -15258,7 +14740,7 @@
                 <a:latin typeface="Consolas" pitchFamily="49" charset="0"/>
                 <a:cs typeface="Consolas" pitchFamily="49" charset="0"/>
               </a:rPr>
-              <a:t>stars = </a:t>
+              <a:t>= </a:t>
             </a:r>
             <a:r>
               <a:rPr lang="en-US" sz="2600" b="1" noProof="1" smtClean="0">
@@ -15308,7 +14790,7 @@
                 <a:latin typeface="Consolas" pitchFamily="49" charset="0"/>
                 <a:cs typeface="Consolas" pitchFamily="49" charset="0"/>
               </a:rPr>
-              <a:t>if (n % 2 == 0) stars</a:t>
+              <a:t>if </a:t>
             </a:r>
             <a:r>
               <a:rPr lang="en-US" sz="2600" b="1" noProof="1" smtClean="0">
@@ -15325,7 +14807,94 @@
                 <a:latin typeface="Consolas" pitchFamily="49" charset="0"/>
                 <a:cs typeface="Consolas" pitchFamily="49" charset="0"/>
               </a:rPr>
-              <a:t>++</a:t>
+              <a:t>n </a:t>
+            </a:r>
+            <a:r>
+              <a:rPr lang="en-US" sz="2600" b="1" noProof="1">
+                <a:solidFill>
+                  <a:srgbClr val="FBEEE1"/>
+                </a:solidFill>
+                <a:effectLst>
+                  <a:outerShdw blurRad="38100" dist="38100" dir="2700000" algn="tl">
+                    <a:srgbClr val="000000">
+                      <a:alpha val="43137"/>
+                    </a:srgbClr>
+                  </a:outerShdw>
+                </a:effectLst>
+                <a:latin typeface="Consolas" pitchFamily="49" charset="0"/>
+                <a:cs typeface="Consolas" pitchFamily="49" charset="0"/>
+              </a:rPr>
+              <a:t>% 2 == </a:t>
+            </a:r>
+            <a:r>
+              <a:rPr lang="en-US" sz="2600" b="1" noProof="1" smtClean="0">
+                <a:solidFill>
+                  <a:srgbClr val="FBEEE1"/>
+                </a:solidFill>
+                <a:effectLst>
+                  <a:outerShdw blurRad="38100" dist="38100" dir="2700000" algn="tl">
+                    <a:srgbClr val="000000">
+                      <a:alpha val="43137"/>
+                    </a:srgbClr>
+                  </a:outerShdw>
+                </a:effectLst>
+                <a:latin typeface="Consolas" pitchFamily="49" charset="0"/>
+                <a:cs typeface="Consolas" pitchFamily="49" charset="0"/>
+              </a:rPr>
+              <a:t>0:</a:t>
+            </a:r>
+          </a:p>
+          <a:p>
+            <a:r>
+              <a:rPr lang="en-US" sz="2600" b="1" noProof="1">
+                <a:solidFill>
+                  <a:srgbClr val="FBEEE1"/>
+                </a:solidFill>
+                <a:effectLst>
+                  <a:outerShdw blurRad="38100" dist="38100" dir="2700000" algn="tl">
+                    <a:srgbClr val="000000">
+                      <a:alpha val="43137"/>
+                    </a:srgbClr>
+                  </a:outerShdw>
+                </a:effectLst>
+                <a:latin typeface="Consolas" pitchFamily="49" charset="0"/>
+                <a:cs typeface="Consolas" pitchFamily="49" charset="0"/>
+              </a:rPr>
+              <a:t> </a:t>
+            </a:r>
+            <a:r>
+              <a:rPr lang="en-US" sz="2600" b="1" noProof="1" smtClean="0">
+                <a:solidFill>
+                  <a:srgbClr val="FBEEE1"/>
+                </a:solidFill>
+                <a:effectLst>
+                  <a:outerShdw blurRad="38100" dist="38100" dir="2700000" algn="tl">
+                    <a:srgbClr val="000000">
+                      <a:alpha val="43137"/>
+                    </a:srgbClr>
+                  </a:outerShdw>
+                </a:effectLst>
+                <a:latin typeface="Consolas" pitchFamily="49" charset="0"/>
+                <a:cs typeface="Consolas" pitchFamily="49" charset="0"/>
+              </a:rPr>
+              <a:t> </a:t>
+            </a:r>
+            <a:r>
+              <a:rPr lang="en-US" sz="2600" b="1" noProof="1" smtClean="0">
+                <a:solidFill>
+                  <a:srgbClr val="FBEEE1"/>
+                </a:solidFill>
+                <a:effectLst>
+                  <a:outerShdw blurRad="38100" dist="38100" dir="2700000" algn="tl">
+                    <a:srgbClr val="000000">
+                      <a:alpha val="43137"/>
+                    </a:srgbClr>
+                  </a:outerShdw>
+                </a:effectLst>
+                <a:latin typeface="Consolas" pitchFamily="49" charset="0"/>
+                <a:cs typeface="Consolas" pitchFamily="49" charset="0"/>
+              </a:rPr>
+              <a:t>stars+=1</a:t>
             </a:r>
             <a:endParaRPr lang="en-US" sz="2600" b="1" noProof="1">
               <a:solidFill>
@@ -15358,7 +14927,7 @@
                 <a:latin typeface="Consolas" pitchFamily="49" charset="0"/>
                 <a:cs typeface="Consolas" pitchFamily="49" charset="0"/>
               </a:rPr>
-              <a:t>for (int i = </a:t>
+              <a:t>for </a:t>
             </a:r>
             <a:r>
               <a:rPr lang="en-US" sz="2600" b="1" noProof="1" smtClean="0">
@@ -15375,7 +14944,7 @@
                 <a:latin typeface="Consolas" pitchFamily="49" charset="0"/>
                 <a:cs typeface="Consolas" pitchFamily="49" charset="0"/>
               </a:rPr>
-              <a:t>0 </a:t>
+              <a:t>i in range((n+1</a:t>
             </a:r>
             <a:r>
               <a:rPr lang="en-US" sz="2600" b="1" noProof="1">
@@ -15392,7 +14961,7 @@
                 <a:latin typeface="Consolas" pitchFamily="49" charset="0"/>
                 <a:cs typeface="Consolas" pitchFamily="49" charset="0"/>
               </a:rPr>
-              <a:t>i &lt; (n+1) / </a:t>
+              <a:t>) </a:t>
             </a:r>
             <a:r>
               <a:rPr lang="en-US" sz="2600" b="1" noProof="1" smtClean="0">
@@ -15409,10 +14978,12 @@
                 <a:latin typeface="Consolas" pitchFamily="49" charset="0"/>
                 <a:cs typeface="Consolas" pitchFamily="49" charset="0"/>
               </a:rPr>
-              <a:t>2 </a:t>
-            </a:r>
-            <a:r>
-              <a:rPr lang="en-US" sz="2600" b="1" noProof="1">
+              <a:t>// 2):</a:t>
+            </a:r>
+          </a:p>
+          <a:p>
+            <a:r>
+              <a:rPr lang="en-US" sz="2600" b="1" i="1" noProof="1" smtClean="0">
                 <a:solidFill>
                   <a:srgbClr val="FBEEE1"/>
                 </a:solidFill>
@@ -15426,26 +14997,7 @@
                 <a:latin typeface="Consolas" pitchFamily="49" charset="0"/>
                 <a:cs typeface="Consolas" pitchFamily="49" charset="0"/>
               </a:rPr>
-              <a:t>i++)</a:t>
-            </a:r>
-          </a:p>
-          <a:p>
-            <a:r>
-              <a:rPr lang="en-US" sz="2600" b="1" noProof="1">
-                <a:solidFill>
-                  <a:srgbClr val="FBEEE1"/>
-                </a:solidFill>
-                <a:effectLst>
-                  <a:outerShdw blurRad="38100" dist="38100" dir="2700000" algn="tl">
-                    <a:srgbClr val="000000">
-                      <a:alpha val="43137"/>
-                    </a:srgbClr>
-                  </a:outerShdw>
-                </a:effectLst>
-                <a:latin typeface="Consolas" pitchFamily="49" charset="0"/>
-                <a:cs typeface="Consolas" pitchFamily="49" charset="0"/>
-              </a:rPr>
-              <a:t>{ </a:t>
+              <a:t>  </a:t>
             </a:r>
             <a:r>
               <a:rPr lang="en-US" sz="2600" b="1" i="1" noProof="1">
@@ -15464,7 +15016,45 @@
                 <a:latin typeface="Consolas" pitchFamily="49" charset="0"/>
                 <a:cs typeface="Consolas" pitchFamily="49" charset="0"/>
               </a:rPr>
-              <a:t>// Draw the roof</a:t>
+              <a:t>#</a:t>
+            </a:r>
+            <a:r>
+              <a:rPr lang="en-US" sz="2600" b="1" i="1" noProof="1" smtClean="0">
+                <a:solidFill>
+                  <a:schemeClr val="tx2">
+                    <a:lumMod val="75000"/>
+                  </a:schemeClr>
+                </a:solidFill>
+                <a:effectLst>
+                  <a:outerShdw blurRad="38100" dist="38100" dir="2700000" algn="tl">
+                    <a:srgbClr val="000000">
+                      <a:alpha val="43137"/>
+                    </a:srgbClr>
+                  </a:outerShdw>
+                </a:effectLst>
+                <a:latin typeface="Consolas" pitchFamily="49" charset="0"/>
+                <a:cs typeface="Consolas" pitchFamily="49" charset="0"/>
+              </a:rPr>
+              <a:t> </a:t>
+            </a:r>
+            <a:r>
+              <a:rPr lang="en-US" sz="2600" b="1" i="1" noProof="1">
+                <a:solidFill>
+                  <a:schemeClr val="tx2">
+                    <a:lumMod val="75000"/>
+                  </a:schemeClr>
+                </a:solidFill>
+                <a:effectLst>
+                  <a:outerShdw blurRad="38100" dist="38100" dir="2700000" algn="tl">
+                    <a:srgbClr val="000000">
+                      <a:alpha val="43137"/>
+                    </a:srgbClr>
+                  </a:outerShdw>
+                </a:effectLst>
+                <a:latin typeface="Consolas" pitchFamily="49" charset="0"/>
+                <a:cs typeface="Consolas" pitchFamily="49" charset="0"/>
+              </a:rPr>
+              <a:t>Draw the roof</a:t>
             </a:r>
           </a:p>
           <a:p>
@@ -15483,7 +15073,24 @@
                 <a:latin typeface="Consolas" pitchFamily="49" charset="0"/>
                 <a:cs typeface="Consolas" pitchFamily="49" charset="0"/>
               </a:rPr>
-              <a:t>  var padding = </a:t>
+              <a:t>  padding </a:t>
+            </a:r>
+            <a:r>
+              <a:rPr lang="en-US" sz="2600" b="1" noProof="1" smtClean="0">
+                <a:solidFill>
+                  <a:srgbClr val="FBEEE1"/>
+                </a:solidFill>
+                <a:effectLst>
+                  <a:outerShdw blurRad="38100" dist="38100" dir="2700000" algn="tl">
+                    <a:srgbClr val="000000">
+                      <a:alpha val="43137"/>
+                    </a:srgbClr>
+                  </a:outerShdw>
+                </a:effectLst>
+                <a:latin typeface="Consolas" pitchFamily="49" charset="0"/>
+                <a:cs typeface="Consolas" pitchFamily="49" charset="0"/>
+              </a:rPr>
+              <a:t>= </a:t>
             </a:r>
             <a:r>
               <a:rPr lang="en-US" sz="2600" b="1" noProof="1">
@@ -15500,7 +15107,7 @@
                 <a:latin typeface="Consolas" pitchFamily="49" charset="0"/>
                 <a:cs typeface="Consolas" pitchFamily="49" charset="0"/>
               </a:rPr>
-              <a:t>(n - stars) / 2</a:t>
+              <a:t>(n - stars) </a:t>
             </a:r>
             <a:r>
               <a:rPr lang="en-US" sz="2600" b="1" noProof="1" smtClean="0">
@@ -15517,7 +15124,7 @@
                 <a:latin typeface="Consolas" pitchFamily="49" charset="0"/>
                 <a:cs typeface="Consolas" pitchFamily="49" charset="0"/>
               </a:rPr>
-              <a:t>)</a:t>
+              <a:t>// 2</a:t>
             </a:r>
             <a:endParaRPr lang="en-US" sz="2600" b="1" noProof="1" smtClean="0">
               <a:solidFill>
@@ -15550,7 +15157,7 @@
                 <a:latin typeface="Consolas" pitchFamily="49" charset="0"/>
                 <a:cs typeface="Consolas" pitchFamily="49" charset="0"/>
               </a:rPr>
-              <a:t>  </a:t>
+              <a:t>  sys.stdout.write</a:t>
             </a:r>
             <a:r>
               <a:rPr lang="en-US" sz="2600" b="1" noProof="1" smtClean="0">
@@ -15567,7 +15174,7 @@
                 <a:latin typeface="Consolas" pitchFamily="49" charset="0"/>
                 <a:cs typeface="Consolas" pitchFamily="49" charset="0"/>
               </a:rPr>
-              <a:t>Console.Write(new </a:t>
+              <a:t>('-' * </a:t>
             </a:r>
             <a:r>
               <a:rPr lang="en-US" sz="2600" b="1" noProof="1">
@@ -15584,41 +15191,7 @@
                 <a:latin typeface="Consolas" pitchFamily="49" charset="0"/>
                 <a:cs typeface="Consolas" pitchFamily="49" charset="0"/>
               </a:rPr>
-              <a:t>string</a:t>
-            </a:r>
-            <a:r>
-              <a:rPr lang="en-US" sz="2600" b="1" noProof="1" smtClean="0">
-                <a:solidFill>
-                  <a:srgbClr val="FBEEE1"/>
-                </a:solidFill>
-                <a:effectLst>
-                  <a:outerShdw blurRad="38100" dist="38100" dir="2700000" algn="tl">
-                    <a:srgbClr val="000000">
-                      <a:alpha val="43137"/>
-                    </a:srgbClr>
-                  </a:outerShdw>
-                </a:effectLst>
-                <a:latin typeface="Consolas" pitchFamily="49" charset="0"/>
-                <a:cs typeface="Consolas" pitchFamily="49" charset="0"/>
-              </a:rPr>
-              <a:t>('-',</a:t>
-            </a:r>
-            <a:r>
-              <a:rPr lang="en-US" sz="2600" b="1" noProof="1">
-                <a:solidFill>
-                  <a:srgbClr val="FBEEE1"/>
-                </a:solidFill>
-                <a:effectLst>
-                  <a:outerShdw blurRad="38100" dist="38100" dir="2700000" algn="tl">
-                    <a:srgbClr val="000000">
-                      <a:alpha val="43137"/>
-                    </a:srgbClr>
-                  </a:outerShdw>
-                </a:effectLst>
-                <a:latin typeface="Consolas" pitchFamily="49" charset="0"/>
-                <a:cs typeface="Consolas" pitchFamily="49" charset="0"/>
-              </a:rPr>
-              <a:t> padding</a:t>
+              <a:t>padding</a:t>
             </a:r>
             <a:r>
               <a:rPr lang="en-US" sz="2600" b="1" noProof="1" smtClean="0">
@@ -15668,7 +15241,7 @@
                 <a:latin typeface="Consolas" pitchFamily="49" charset="0"/>
                 <a:cs typeface="Consolas" pitchFamily="49" charset="0"/>
               </a:rPr>
-              <a:t>  </a:t>
+              <a:t>  sys.stdout.write</a:t>
             </a:r>
             <a:r>
               <a:rPr lang="en-US" sz="2600" b="1" noProof="1" smtClean="0">
@@ -15685,7 +15258,7 @@
                 <a:latin typeface="Consolas" pitchFamily="49" charset="0"/>
                 <a:cs typeface="Consolas" pitchFamily="49" charset="0"/>
               </a:rPr>
-              <a:t>Console.Write(new </a:t>
+              <a:t>('*' * </a:t>
             </a:r>
             <a:r>
               <a:rPr lang="en-US" sz="2600" b="1" noProof="1">
@@ -15702,7 +15275,7 @@
                 <a:latin typeface="Consolas" pitchFamily="49" charset="0"/>
                 <a:cs typeface="Consolas" pitchFamily="49" charset="0"/>
               </a:rPr>
-              <a:t>string('*', stars</a:t>
+              <a:t>stars</a:t>
             </a:r>
             <a:r>
               <a:rPr lang="en-US" sz="2600" b="1" noProof="1" smtClean="0">
@@ -15719,7 +15292,7 @@
                 <a:latin typeface="Consolas" pitchFamily="49" charset="0"/>
                 <a:cs typeface="Consolas" pitchFamily="49" charset="0"/>
               </a:rPr>
-              <a:t>))</a:t>
+              <a:t>)</a:t>
             </a:r>
             <a:endParaRPr lang="en-US" sz="2600" b="1" noProof="1">
               <a:solidFill>
@@ -15769,10 +15342,10 @@
                 <a:latin typeface="Consolas" pitchFamily="49" charset="0"/>
                 <a:cs typeface="Consolas" pitchFamily="49" charset="0"/>
               </a:rPr>
-              <a:t>Console.WriteLine(new </a:t>
-            </a:r>
-            <a:r>
-              <a:rPr lang="en-US" sz="2600" b="1" noProof="1">
+              <a:t>print('-' * </a:t>
+            </a:r>
+            <a:r>
+              <a:rPr lang="en-US" sz="2600" b="1" noProof="1" smtClean="0">
                 <a:solidFill>
                   <a:srgbClr val="FBEEE1"/>
                 </a:solidFill>
@@ -15786,41 +15359,7 @@
                 <a:latin typeface="Consolas" pitchFamily="49" charset="0"/>
                 <a:cs typeface="Consolas" pitchFamily="49" charset="0"/>
               </a:rPr>
-              <a:t>string('-', </a:t>
-            </a:r>
-            <a:r>
-              <a:rPr lang="en-US" sz="2600" b="1" noProof="1" smtClean="0">
-                <a:solidFill>
-                  <a:srgbClr val="FBEEE1"/>
-                </a:solidFill>
-                <a:effectLst>
-                  <a:outerShdw blurRad="38100" dist="38100" dir="2700000" algn="tl">
-                    <a:srgbClr val="000000">
-                      <a:alpha val="43137"/>
-                    </a:srgbClr>
-                  </a:outerShdw>
-                </a:effectLst>
-                <a:latin typeface="Consolas" pitchFamily="49" charset="0"/>
-                <a:cs typeface="Consolas" pitchFamily="49" charset="0"/>
-              </a:rPr>
-              <a:t>padding</a:t>
-            </a:r>
-            <a:r>
-              <a:rPr lang="en-US" sz="2600" b="1" noProof="1" smtClean="0">
-                <a:solidFill>
-                  <a:srgbClr val="FBEEE1"/>
-                </a:solidFill>
-                <a:effectLst>
-                  <a:outerShdw blurRad="38100" dist="38100" dir="2700000" algn="tl">
-                    <a:srgbClr val="000000">
-                      <a:alpha val="43137"/>
-                    </a:srgbClr>
-                  </a:outerShdw>
-                </a:effectLst>
-                <a:latin typeface="Consolas" pitchFamily="49" charset="0"/>
-                <a:cs typeface="Consolas" pitchFamily="49" charset="0"/>
-              </a:rPr>
-              <a:t>)</a:t>
+              <a:t>padding)</a:t>
             </a:r>
             <a:endParaRPr lang="en-US" sz="2600" b="1" noProof="1">
               <a:solidFill>
@@ -15905,225 +15444,6 @@
             </a:endParaRPr>
           </a:p>
           <a:p>
-            <a:r>
-              <a:rPr lang="en-US" sz="2600" b="1" noProof="1">
-                <a:solidFill>
-                  <a:srgbClr val="FBEEE1"/>
-                </a:solidFill>
-                <a:effectLst>
-                  <a:outerShdw blurRad="38100" dist="38100" dir="2700000" algn="tl">
-                    <a:srgbClr val="000000">
-                      <a:alpha val="43137"/>
-                    </a:srgbClr>
-                  </a:outerShdw>
-                </a:effectLst>
-                <a:latin typeface="Consolas" pitchFamily="49" charset="0"/>
-                <a:cs typeface="Consolas" pitchFamily="49" charset="0"/>
-              </a:rPr>
-              <a:t>}</a:t>
-            </a:r>
-          </a:p>
-          <a:p>
-            <a:pPr>
-              <a:spcBef>
-                <a:spcPts val="1200"/>
-              </a:spcBef>
-            </a:pPr>
-            <a:r>
-              <a:rPr lang="en-US" sz="2600" b="1" noProof="1" smtClean="0">
-                <a:solidFill>
-                  <a:srgbClr val="FBEEE1"/>
-                </a:solidFill>
-                <a:effectLst>
-                  <a:outerShdw blurRad="38100" dist="38100" dir="2700000" algn="tl">
-                    <a:srgbClr val="000000">
-                      <a:alpha val="43137"/>
-                    </a:srgbClr>
-                  </a:outerShdw>
-                </a:effectLst>
-                <a:latin typeface="Consolas" pitchFamily="49" charset="0"/>
-                <a:cs typeface="Consolas" pitchFamily="49" charset="0"/>
-              </a:rPr>
-              <a:t>for </a:t>
-            </a:r>
-            <a:r>
-              <a:rPr lang="en-US" sz="2600" b="1" noProof="1">
-                <a:solidFill>
-                  <a:srgbClr val="FBEEE1"/>
-                </a:solidFill>
-                <a:effectLst>
-                  <a:outerShdw blurRad="38100" dist="38100" dir="2700000" algn="tl">
-                    <a:srgbClr val="000000">
-                      <a:alpha val="43137"/>
-                    </a:srgbClr>
-                  </a:outerShdw>
-                </a:effectLst>
-                <a:latin typeface="Consolas" pitchFamily="49" charset="0"/>
-                <a:cs typeface="Consolas" pitchFamily="49" charset="0"/>
-              </a:rPr>
-              <a:t>(int i = </a:t>
-            </a:r>
-            <a:r>
-              <a:rPr lang="en-US" sz="2600" b="1" noProof="1" smtClean="0">
-                <a:solidFill>
-                  <a:srgbClr val="FBEEE1"/>
-                </a:solidFill>
-                <a:effectLst>
-                  <a:outerShdw blurRad="38100" dist="38100" dir="2700000" algn="tl">
-                    <a:srgbClr val="000000">
-                      <a:alpha val="43137"/>
-                    </a:srgbClr>
-                  </a:outerShdw>
-                </a:effectLst>
-                <a:latin typeface="Consolas" pitchFamily="49" charset="0"/>
-                <a:cs typeface="Consolas" pitchFamily="49" charset="0"/>
-              </a:rPr>
-              <a:t>0 </a:t>
-            </a:r>
-            <a:r>
-              <a:rPr lang="en-US" sz="2600" b="1" noProof="1">
-                <a:solidFill>
-                  <a:srgbClr val="FBEEE1"/>
-                </a:solidFill>
-                <a:effectLst>
-                  <a:outerShdw blurRad="38100" dist="38100" dir="2700000" algn="tl">
-                    <a:srgbClr val="000000">
-                      <a:alpha val="43137"/>
-                    </a:srgbClr>
-                  </a:outerShdw>
-                </a:effectLst>
-                <a:latin typeface="Consolas" pitchFamily="49" charset="0"/>
-                <a:cs typeface="Consolas" pitchFamily="49" charset="0"/>
-              </a:rPr>
-              <a:t>i &lt; n / </a:t>
-            </a:r>
-            <a:r>
-              <a:rPr lang="en-US" sz="2600" b="1" noProof="1" smtClean="0">
-                <a:solidFill>
-                  <a:srgbClr val="FBEEE1"/>
-                </a:solidFill>
-                <a:effectLst>
-                  <a:outerShdw blurRad="38100" dist="38100" dir="2700000" algn="tl">
-                    <a:srgbClr val="000000">
-                      <a:alpha val="43137"/>
-                    </a:srgbClr>
-                  </a:outerShdw>
-                </a:effectLst>
-                <a:latin typeface="Consolas" pitchFamily="49" charset="0"/>
-                <a:cs typeface="Consolas" pitchFamily="49" charset="0"/>
-              </a:rPr>
-              <a:t>2 </a:t>
-            </a:r>
-            <a:r>
-              <a:rPr lang="en-US" sz="2600" b="1" noProof="1">
-                <a:solidFill>
-                  <a:srgbClr val="FBEEE1"/>
-                </a:solidFill>
-                <a:effectLst>
-                  <a:outerShdw blurRad="38100" dist="38100" dir="2700000" algn="tl">
-                    <a:srgbClr val="000000">
-                      <a:alpha val="43137"/>
-                    </a:srgbClr>
-                  </a:outerShdw>
-                </a:effectLst>
-                <a:latin typeface="Consolas" pitchFamily="49" charset="0"/>
-                <a:cs typeface="Consolas" pitchFamily="49" charset="0"/>
-              </a:rPr>
-              <a:t>i++)</a:t>
-            </a:r>
-          </a:p>
-          <a:p>
-            <a:r>
-              <a:rPr lang="en-US" sz="2600" b="1" noProof="1">
-                <a:solidFill>
-                  <a:srgbClr val="FBEEE1"/>
-                </a:solidFill>
-                <a:effectLst>
-                  <a:outerShdw blurRad="38100" dist="38100" dir="2700000" algn="tl">
-                    <a:srgbClr val="000000">
-                      <a:alpha val="43137"/>
-                    </a:srgbClr>
-                  </a:outerShdw>
-                </a:effectLst>
-                <a:latin typeface="Consolas" pitchFamily="49" charset="0"/>
-                <a:cs typeface="Consolas" pitchFamily="49" charset="0"/>
-              </a:rPr>
-              <a:t>{ </a:t>
-            </a:r>
-            <a:r>
-              <a:rPr lang="en-US" sz="2600" b="1" i="1" noProof="1">
-                <a:solidFill>
-                  <a:schemeClr val="tx2">
-                    <a:lumMod val="75000"/>
-                  </a:schemeClr>
-                </a:solidFill>
-                <a:effectLst>
-                  <a:outerShdw blurRad="38100" dist="38100" dir="2700000" algn="tl">
-                    <a:srgbClr val="000000">
-                      <a:alpha val="43137"/>
-                    </a:srgbClr>
-                  </a:outerShdw>
-                </a:effectLst>
-                <a:latin typeface="Consolas" pitchFamily="49" charset="0"/>
-                <a:cs typeface="Consolas" pitchFamily="49" charset="0"/>
-              </a:rPr>
-              <a:t>// Draw the house </a:t>
-            </a:r>
-            <a:r>
-              <a:rPr lang="en-US" sz="2600" b="1" i="1" noProof="1" smtClean="0">
-                <a:solidFill>
-                  <a:schemeClr val="tx2">
-                    <a:lumMod val="75000"/>
-                  </a:schemeClr>
-                </a:solidFill>
-                <a:effectLst>
-                  <a:outerShdw blurRad="38100" dist="38100" dir="2700000" algn="tl">
-                    <a:srgbClr val="000000">
-                      <a:alpha val="43137"/>
-                    </a:srgbClr>
-                  </a:outerShdw>
-                </a:effectLst>
-                <a:latin typeface="Consolas" pitchFamily="49" charset="0"/>
-                <a:cs typeface="Consolas" pitchFamily="49" charset="0"/>
-              </a:rPr>
-              <a:t>body: </a:t>
-            </a:r>
-            <a:r>
-              <a:rPr lang="en-US" sz="2600" b="1" noProof="1" smtClean="0">
-                <a:solidFill>
-                  <a:schemeClr val="tx2">
-                    <a:lumMod val="75000"/>
-                  </a:schemeClr>
-                </a:solidFill>
-                <a:effectLst>
-                  <a:outerShdw blurRad="38100" dist="38100" dir="2700000" algn="tl">
-                    <a:srgbClr val="000000">
-                      <a:alpha val="43137"/>
-                    </a:srgbClr>
-                  </a:outerShdw>
-                </a:effectLst>
-                <a:latin typeface="Consolas" pitchFamily="49" charset="0"/>
-                <a:cs typeface="Consolas" pitchFamily="49" charset="0"/>
-              </a:rPr>
-              <a:t>|*****| </a:t>
-            </a:r>
-            <a:r>
-              <a:rPr lang="en-US" sz="2600" b="1" noProof="1" smtClean="0">
-                <a:solidFill>
-                  <a:srgbClr val="FBEEE1"/>
-                </a:solidFill>
-                <a:effectLst>
-                  <a:outerShdw blurRad="38100" dist="38100" dir="2700000" algn="tl">
-                    <a:srgbClr val="000000">
-                      <a:alpha val="43137"/>
-                    </a:srgbClr>
-                  </a:outerShdw>
-                </a:effectLst>
-                <a:latin typeface="Consolas" pitchFamily="49" charset="0"/>
-                <a:cs typeface="Consolas" pitchFamily="49" charset="0"/>
-              </a:rPr>
-              <a:t>}</a:t>
-            </a:r>
             <a:endParaRPr lang="en-US" sz="2600" b="1" noProof="1">
               <a:solidFill>
                 <a:srgbClr val="FBEEE1"/>
@@ -16139,6 +15459,212 @@
               <a:cs typeface="Consolas" pitchFamily="49" charset="0"/>
             </a:endParaRPr>
           </a:p>
+          <a:p>
+            <a:pPr>
+              <a:spcBef>
+                <a:spcPts val="1200"/>
+              </a:spcBef>
+            </a:pPr>
+            <a:r>
+              <a:rPr lang="en-US" sz="2600" b="1" noProof="1" smtClean="0">
+                <a:solidFill>
+                  <a:srgbClr val="FBEEE1"/>
+                </a:solidFill>
+                <a:effectLst>
+                  <a:outerShdw blurRad="38100" dist="38100" dir="2700000" algn="tl">
+                    <a:srgbClr val="000000">
+                      <a:alpha val="43137"/>
+                    </a:srgbClr>
+                  </a:outerShdw>
+                </a:effectLst>
+                <a:latin typeface="Consolas" pitchFamily="49" charset="0"/>
+                <a:cs typeface="Consolas" pitchFamily="49" charset="0"/>
+              </a:rPr>
+              <a:t>for </a:t>
+            </a:r>
+            <a:r>
+              <a:rPr lang="en-US" sz="2600" b="1" noProof="1" smtClean="0">
+                <a:solidFill>
+                  <a:srgbClr val="FBEEE1"/>
+                </a:solidFill>
+                <a:effectLst>
+                  <a:outerShdw blurRad="38100" dist="38100" dir="2700000" algn="tl">
+                    <a:srgbClr val="000000">
+                      <a:alpha val="43137"/>
+                    </a:srgbClr>
+                  </a:outerShdw>
+                </a:effectLst>
+                <a:latin typeface="Consolas" pitchFamily="49" charset="0"/>
+                <a:cs typeface="Consolas" pitchFamily="49" charset="0"/>
+              </a:rPr>
+              <a:t>i in range(n </a:t>
+            </a:r>
+            <a:r>
+              <a:rPr lang="en-US" sz="2600" b="1" noProof="1">
+                <a:solidFill>
+                  <a:srgbClr val="FBEEE1"/>
+                </a:solidFill>
+                <a:effectLst>
+                  <a:outerShdw blurRad="38100" dist="38100" dir="2700000" algn="tl">
+                    <a:srgbClr val="000000">
+                      <a:alpha val="43137"/>
+                    </a:srgbClr>
+                  </a:outerShdw>
+                </a:effectLst>
+                <a:latin typeface="Consolas" pitchFamily="49" charset="0"/>
+                <a:cs typeface="Consolas" pitchFamily="49" charset="0"/>
+              </a:rPr>
+              <a:t>/ </a:t>
+            </a:r>
+            <a:r>
+              <a:rPr lang="en-US" sz="2600" b="1" noProof="1" smtClean="0">
+                <a:solidFill>
+                  <a:srgbClr val="FBEEE1"/>
+                </a:solidFill>
+                <a:effectLst>
+                  <a:outerShdw blurRad="38100" dist="38100" dir="2700000" algn="tl">
+                    <a:srgbClr val="000000">
+                      <a:alpha val="43137"/>
+                    </a:srgbClr>
+                  </a:outerShdw>
+                </a:effectLst>
+                <a:latin typeface="Consolas" pitchFamily="49" charset="0"/>
+                <a:cs typeface="Consolas" pitchFamily="49" charset="0"/>
+              </a:rPr>
+              <a:t>2):</a:t>
+            </a:r>
+          </a:p>
+          <a:p>
+            <a:pPr>
+              <a:spcBef>
+                <a:spcPts val="1200"/>
+              </a:spcBef>
+            </a:pPr>
+            <a:r>
+              <a:rPr lang="en-US" sz="2600" b="1" i="1" noProof="1">
+                <a:solidFill>
+                  <a:srgbClr val="FBEEE1"/>
+                </a:solidFill>
+                <a:effectLst>
+                  <a:outerShdw blurRad="38100" dist="38100" dir="2700000" algn="tl">
+                    <a:srgbClr val="000000">
+                      <a:alpha val="43137"/>
+                    </a:srgbClr>
+                  </a:outerShdw>
+                </a:effectLst>
+                <a:latin typeface="Consolas" pitchFamily="49" charset="0"/>
+                <a:cs typeface="Consolas" pitchFamily="49" charset="0"/>
+              </a:rPr>
+              <a:t> </a:t>
+            </a:r>
+            <a:r>
+              <a:rPr lang="en-US" sz="2600" b="1" i="1" noProof="1" smtClean="0">
+                <a:solidFill>
+                  <a:srgbClr val="FBEEE1"/>
+                </a:solidFill>
+                <a:effectLst>
+                  <a:outerShdw blurRad="38100" dist="38100" dir="2700000" algn="tl">
+                    <a:srgbClr val="000000">
+                      <a:alpha val="43137"/>
+                    </a:srgbClr>
+                  </a:outerShdw>
+                </a:effectLst>
+                <a:latin typeface="Consolas" pitchFamily="49" charset="0"/>
+                <a:cs typeface="Consolas" pitchFamily="49" charset="0"/>
+              </a:rPr>
+              <a:t> </a:t>
+            </a:r>
+            <a:r>
+              <a:rPr lang="en-US" sz="2600" b="1" i="1" noProof="1" smtClean="0">
+                <a:solidFill>
+                  <a:schemeClr val="tx2">
+                    <a:lumMod val="75000"/>
+                  </a:schemeClr>
+                </a:solidFill>
+                <a:effectLst>
+                  <a:outerShdw blurRad="38100" dist="38100" dir="2700000" algn="tl">
+                    <a:srgbClr val="000000">
+                      <a:alpha val="43137"/>
+                    </a:srgbClr>
+                  </a:outerShdw>
+                </a:effectLst>
+                <a:latin typeface="Consolas" pitchFamily="49" charset="0"/>
+                <a:cs typeface="Consolas" pitchFamily="49" charset="0"/>
+              </a:rPr>
+              <a:t># Draw </a:t>
+            </a:r>
+            <a:r>
+              <a:rPr lang="en-US" sz="2600" b="1" i="1" noProof="1">
+                <a:solidFill>
+                  <a:schemeClr val="tx2">
+                    <a:lumMod val="75000"/>
+                  </a:schemeClr>
+                </a:solidFill>
+                <a:effectLst>
+                  <a:outerShdw blurRad="38100" dist="38100" dir="2700000" algn="tl">
+                    <a:srgbClr val="000000">
+                      <a:alpha val="43137"/>
+                    </a:srgbClr>
+                  </a:outerShdw>
+                </a:effectLst>
+                <a:latin typeface="Consolas" pitchFamily="49" charset="0"/>
+                <a:cs typeface="Consolas" pitchFamily="49" charset="0"/>
+              </a:rPr>
+              <a:t>the house </a:t>
+            </a:r>
+            <a:r>
+              <a:rPr lang="en-US" sz="2600" b="1" i="1" noProof="1" smtClean="0">
+                <a:solidFill>
+                  <a:schemeClr val="tx2">
+                    <a:lumMod val="75000"/>
+                  </a:schemeClr>
+                </a:solidFill>
+                <a:effectLst>
+                  <a:outerShdw blurRad="38100" dist="38100" dir="2700000" algn="tl">
+                    <a:srgbClr val="000000">
+                      <a:alpha val="43137"/>
+                    </a:srgbClr>
+                  </a:outerShdw>
+                </a:effectLst>
+                <a:latin typeface="Consolas" pitchFamily="49" charset="0"/>
+                <a:cs typeface="Consolas" pitchFamily="49" charset="0"/>
+              </a:rPr>
+              <a:t>body: </a:t>
+            </a:r>
+            <a:r>
+              <a:rPr lang="en-US" sz="2600" b="1" noProof="1" smtClean="0">
+                <a:solidFill>
+                  <a:schemeClr val="tx2">
+                    <a:lumMod val="75000"/>
+                  </a:schemeClr>
+                </a:solidFill>
+                <a:effectLst>
+                  <a:outerShdw blurRad="38100" dist="38100" dir="2700000" algn="tl">
+                    <a:srgbClr val="000000">
+                      <a:alpha val="43137"/>
+                    </a:srgbClr>
+                  </a:outerShdw>
+                </a:effectLst>
+                <a:latin typeface="Consolas" pitchFamily="49" charset="0"/>
+                <a:cs typeface="Consolas" pitchFamily="49" charset="0"/>
+              </a:rPr>
+              <a:t>|*****|</a:t>
+            </a:r>
+            <a:endParaRPr lang="en-US" sz="2600" b="1" noProof="1">
+              <a:solidFill>
+                <a:srgbClr val="FBEEE1"/>
+              </a:solidFill>
+              <a:effectLst>
+                <a:outerShdw blurRad="38100" dist="38100" dir="2700000" algn="tl">
+                  <a:srgbClr val="000000">
+                    <a:alpha val="43137"/>
+                  </a:srgbClr>
+                </a:outerShdw>
+              </a:effectLst>
+              <a:latin typeface="Consolas" pitchFamily="49" charset="0"/>
+              <a:cs typeface="Consolas" pitchFamily="49" charset="0"/>
+            </a:endParaRPr>
+          </a:p>
         </p:txBody>
       </p:sp>
       <p:sp>
@@ -16151,7 +15677,7 @@
         </p:nvSpPr>
         <p:spPr bwMode="auto">
           <a:xfrm>
-            <a:off x="9371012" y="2854656"/>
+            <a:off x="9371012" y="2590800"/>
             <a:ext cx="1905000" cy="3252479"/>
           </a:xfrm>
           <a:prstGeom prst="rect">
@@ -16458,8 +15984,8 @@
         </p:nvSpPr>
         <p:spPr>
           <a:xfrm>
-            <a:off x="190414" y="1191467"/>
-            <a:ext cx="7808997" cy="5530010"/>
+            <a:off x="215530" y="2107716"/>
+            <a:ext cx="7808997" cy="3532933"/>
           </a:xfrm>
         </p:spPr>
         <p:txBody>
@@ -16481,7 +16007,25 @@
             </a:r>
             <a:r>
               <a:rPr lang="bg-BG" dirty="0" smtClean="0"/>
-              <a:t>фигури с цикъл</a:t>
+              <a:t>фигури с </a:t>
+            </a:r>
+            <a:r>
+              <a:rPr lang="en-US" b="1" dirty="0" smtClean="0">
+                <a:solidFill>
+                  <a:schemeClr val="tx2">
+                    <a:lumMod val="75000"/>
+                  </a:schemeClr>
+                </a:solidFill>
+              </a:rPr>
+              <a:t>for</a:t>
+            </a:r>
+            <a:r>
+              <a:rPr lang="en-US" dirty="0" smtClean="0"/>
+              <a:t>-</a:t>
+            </a:r>
+            <a:r>
+              <a:rPr lang="bg-BG" dirty="0" smtClean="0"/>
+              <a:t>цикъл</a:t>
             </a:r>
           </a:p>
           <a:p>
@@ -16529,13 +16073,9 @@
             </a:pPr>
             <a:r>
               <a:rPr lang="bg-BG" dirty="0" smtClean="0"/>
-              <a:t>Чертане на </a:t>
-            </a:r>
-            <a:r>
-              <a:rPr lang="bg-BG" smtClean="0"/>
-              <a:t>по-сложни фигури</a:t>
-            </a:r>
-            <a:endParaRPr lang="en-US" dirty="0" smtClean="0"/>
+              <a:t>Чертане на по-сложни фигури</a:t>
+            </a:r>
+            <a:endParaRPr lang="en-US" dirty="0"/>
           </a:p>
         </p:txBody>
       </p:sp>
@@ -20172,6 +19712,23 @@
           <a:lstStyle/>
           <a:p>
             <a:r>
+              <a:rPr lang="en-US" b="1" noProof="1" smtClean="0">
+                <a:solidFill>
+                  <a:srgbClr val="FBEEE1"/>
+                </a:solidFill>
+                <a:effectLst>
+                  <a:outerShdw blurRad="38100" dist="38100" dir="2700000" algn="tl">
+                    <a:srgbClr val="000000">
+                      <a:alpha val="43137"/>
+                    </a:srgbClr>
+                  </a:outerShdw>
+                </a:effectLst>
+                <a:latin typeface="Consolas" pitchFamily="49" charset="0"/>
+                <a:cs typeface="Consolas" pitchFamily="49" charset="0"/>
+              </a:rPr>
+              <a:t>leftRight </a:t>
+            </a:r>
+            <a:r>
               <a:rPr lang="en-US" b="1" noProof="1">
                 <a:solidFill>
                   <a:srgbClr val="FBEEE1"/>
@@ -20186,7 +19743,7 @@
                 <a:latin typeface="Consolas" pitchFamily="49" charset="0"/>
                 <a:cs typeface="Consolas" pitchFamily="49" charset="0"/>
               </a:rPr>
-              <a:t>var </a:t>
+              <a:t>= (n - 1) </a:t>
             </a:r>
             <a:r>
               <a:rPr lang="en-US" b="1" noProof="1" smtClean="0">
@@ -20203,24 +19760,7 @@
                 <a:latin typeface="Consolas" pitchFamily="49" charset="0"/>
                 <a:cs typeface="Consolas" pitchFamily="49" charset="0"/>
               </a:rPr>
-              <a:t>leftRight </a:t>
-            </a:r>
-            <a:r>
-              <a:rPr lang="en-US" b="1" noProof="1">
-                <a:solidFill>
-                  <a:srgbClr val="FBEEE1"/>
-                </a:solidFill>
-                <a:effectLst>
-                  <a:outerShdw blurRad="38100" dist="38100" dir="2700000" algn="tl">
-                    <a:srgbClr val="000000">
-                      <a:alpha val="43137"/>
-                    </a:srgbClr>
-                  </a:outerShdw>
-                </a:effectLst>
-                <a:latin typeface="Consolas" pitchFamily="49" charset="0"/>
-                <a:cs typeface="Consolas" pitchFamily="49" charset="0"/>
-              </a:rPr>
-              <a:t>= (n - 1) / </a:t>
+              <a:t>// </a:t>
             </a:r>
             <a:r>
               <a:rPr lang="en-US" b="1" noProof="1" smtClean="0">
@@ -20270,7 +19810,7 @@
                 <a:latin typeface="Consolas" pitchFamily="49" charset="0"/>
                 <a:cs typeface="Consolas" pitchFamily="49" charset="0"/>
               </a:rPr>
-              <a:t>for (int i = </a:t>
+              <a:t>for </a:t>
             </a:r>
             <a:r>
               <a:rPr lang="en-US" b="1" noProof="1" smtClean="0">
@@ -20287,7 +19827,24 @@
                 <a:latin typeface="Consolas" pitchFamily="49" charset="0"/>
                 <a:cs typeface="Consolas" pitchFamily="49" charset="0"/>
               </a:rPr>
-              <a:t>1 </a:t>
+              <a:t>i in range((</a:t>
+            </a:r>
+            <a:r>
+              <a:rPr lang="en-US" b="1" noProof="1" smtClean="0">
+                <a:solidFill>
+                  <a:srgbClr val="FBEEE1"/>
+                </a:solidFill>
+                <a:effectLst>
+                  <a:outerShdw blurRad="38100" dist="38100" dir="2700000" algn="tl">
+                    <a:srgbClr val="000000">
+                      <a:alpha val="43137"/>
+                    </a:srgbClr>
+                  </a:outerShdw>
+                </a:effectLst>
+                <a:latin typeface="Consolas" pitchFamily="49" charset="0"/>
+                <a:cs typeface="Consolas" pitchFamily="49" charset="0"/>
+              </a:rPr>
+              <a:t>(n-1</a:t>
             </a:r>
             <a:r>
               <a:rPr lang="en-US" b="1" noProof="1">
@@ -20304,7 +19861,7 @@
                 <a:latin typeface="Consolas" pitchFamily="49" charset="0"/>
                 <a:cs typeface="Consolas" pitchFamily="49" charset="0"/>
               </a:rPr>
-              <a:t>i &lt;= (n-1) / </a:t>
+              <a:t>) </a:t>
             </a:r>
             <a:r>
               <a:rPr lang="en-US" b="1" noProof="1" smtClean="0">
@@ -20321,44 +19878,24 @@
                 <a:latin typeface="Consolas" pitchFamily="49" charset="0"/>
                 <a:cs typeface="Consolas" pitchFamily="49" charset="0"/>
               </a:rPr>
-              <a:t>2 </a:t>
-            </a:r>
-            <a:r>
-              <a:rPr lang="en-US" b="1" noProof="1">
-                <a:solidFill>
-                  <a:srgbClr val="FBEEE1"/>
-                </a:solidFill>
-                <a:effectLst>
-                  <a:outerShdw blurRad="38100" dist="38100" dir="2700000" algn="tl">
-                    <a:srgbClr val="000000">
-                      <a:alpha val="43137"/>
-                    </a:srgbClr>
-                  </a:outerShdw>
-                </a:effectLst>
-                <a:latin typeface="Consolas" pitchFamily="49" charset="0"/>
-                <a:cs typeface="Consolas" pitchFamily="49" charset="0"/>
-              </a:rPr>
-              <a:t>i++)</a:t>
-            </a:r>
-          </a:p>
-          <a:p>
-            <a:r>
-              <a:rPr lang="en-US" b="1" noProof="1" smtClean="0">
-                <a:solidFill>
-                  <a:srgbClr val="FBEEE1"/>
-                </a:solidFill>
-                <a:effectLst>
-                  <a:outerShdw blurRad="38100" dist="38100" dir="2700000" algn="tl">
-                    <a:srgbClr val="000000">
-                      <a:alpha val="43137"/>
-                    </a:srgbClr>
-                  </a:outerShdw>
-                </a:effectLst>
-                <a:latin typeface="Consolas" pitchFamily="49" charset="0"/>
-                <a:cs typeface="Consolas" pitchFamily="49" charset="0"/>
-              </a:rPr>
-              <a:t>{ </a:t>
-            </a:r>
+              <a:t>// 2) + 1):</a:t>
+            </a:r>
+            <a:endParaRPr lang="en-US" b="1" noProof="1">
+              <a:solidFill>
+                <a:srgbClr val="FBEEE1"/>
+              </a:solidFill>
+              <a:effectLst>
+                <a:outerShdw blurRad="38100" dist="38100" dir="2700000" algn="tl">
+                  <a:srgbClr val="000000">
+                    <a:alpha val="43137"/>
+                  </a:srgbClr>
+                </a:outerShdw>
+              </a:effectLst>
+              <a:latin typeface="Consolas" pitchFamily="49" charset="0"/>
+              <a:cs typeface="Consolas" pitchFamily="49" charset="0"/>
+            </a:endParaRPr>
+          </a:p>
+          <a:p>
             <a:r>
               <a:rPr lang="en-US" b="1" i="1" noProof="1" smtClean="0">
                 <a:solidFill>
@@ -20376,7 +19913,26 @@
                 <a:latin typeface="Consolas" pitchFamily="49" charset="0"/>
                 <a:cs typeface="Consolas" pitchFamily="49" charset="0"/>
               </a:rPr>
-              <a:t>// Draw the top part</a:t>
+              <a:t>  # </a:t>
+            </a:r>
+            <a:r>
+              <a:rPr lang="en-US" b="1" i="1" noProof="1" smtClean="0">
+                <a:solidFill>
+                  <a:schemeClr val="tx2">
+                    <a:lumMod val="75000"/>
+                  </a:schemeClr>
+                </a:solidFill>
+                <a:effectLst>
+                  <a:outerShdw blurRad="38100" dist="38100" dir="2700000" algn="tl">
+                    <a:srgbClr val="000000">
+                      <a:alpha val="43137"/>
+                    </a:srgbClr>
+                  </a:outerShdw>
+                </a:effectLst>
+                <a:latin typeface="Consolas" pitchFamily="49" charset="0"/>
+                <a:cs typeface="Consolas" pitchFamily="49" charset="0"/>
+              </a:rPr>
+              <a:t>Draw the top part</a:t>
             </a:r>
             <a:endParaRPr lang="en-US" b="1" i="1" noProof="1">
               <a:solidFill>
@@ -20411,7 +19967,7 @@
                 <a:latin typeface="Consolas" pitchFamily="49" charset="0"/>
                 <a:cs typeface="Consolas" pitchFamily="49" charset="0"/>
               </a:rPr>
-              <a:t>  </a:t>
+              <a:t>  sys.stdout.write</a:t>
             </a:r>
             <a:r>
               <a:rPr lang="en-US" b="1" noProof="1" smtClean="0">
@@ -20428,10 +19984,10 @@
                 <a:latin typeface="Consolas" pitchFamily="49" charset="0"/>
                 <a:cs typeface="Consolas" pitchFamily="49" charset="0"/>
               </a:rPr>
-              <a:t>Console.Write(new </a:t>
-            </a:r>
-            <a:r>
-              <a:rPr lang="en-US" b="1" noProof="1">
+              <a:t>('-' * </a:t>
+            </a:r>
+            <a:r>
+              <a:rPr lang="en-US" b="1" noProof="1" smtClean="0">
                 <a:solidFill>
                   <a:srgbClr val="FBEEE1"/>
                 </a:solidFill>
@@ -20445,7 +20001,7 @@
                 <a:latin typeface="Consolas" pitchFamily="49" charset="0"/>
                 <a:cs typeface="Consolas" pitchFamily="49" charset="0"/>
               </a:rPr>
-              <a:t>string('-', </a:t>
+              <a:t>leftRight</a:t>
             </a:r>
             <a:r>
               <a:rPr lang="en-US" b="1" noProof="1" smtClean="0">
@@ -20462,7 +20018,7 @@
                 <a:latin typeface="Consolas" pitchFamily="49" charset="0"/>
                 <a:cs typeface="Consolas" pitchFamily="49" charset="0"/>
               </a:rPr>
-              <a:t>leftRight))</a:t>
+              <a:t>)</a:t>
             </a:r>
             <a:endParaRPr lang="en-US" b="1" noProof="1">
               <a:solidFill>
@@ -20495,7 +20051,7 @@
                 <a:latin typeface="Consolas" pitchFamily="49" charset="0"/>
                 <a:cs typeface="Consolas" pitchFamily="49" charset="0"/>
               </a:rPr>
-              <a:t>  </a:t>
+              <a:t>  sys.stdout.write</a:t>
             </a:r>
             <a:r>
               <a:rPr lang="en-US" b="1" noProof="1" smtClean="0">
@@ -20512,7 +20068,7 @@
                 <a:latin typeface="Consolas" pitchFamily="49" charset="0"/>
                 <a:cs typeface="Consolas" pitchFamily="49" charset="0"/>
               </a:rPr>
-              <a:t>Console.Write("*")</a:t>
+              <a:t>('*')</a:t>
             </a:r>
             <a:endParaRPr lang="en-US" b="1" noProof="1">
               <a:solidFill>
@@ -20548,6 +20104,23 @@
               <a:t>  </a:t>
             </a:r>
             <a:r>
+              <a:rPr lang="en-US" b="1" noProof="1" smtClean="0">
+                <a:solidFill>
+                  <a:srgbClr val="FBEEE1"/>
+                </a:solidFill>
+                <a:effectLst>
+                  <a:outerShdw blurRad="38100" dist="38100" dir="2700000" algn="tl">
+                    <a:srgbClr val="000000">
+                      <a:alpha val="43137"/>
+                    </a:srgbClr>
+                  </a:outerShdw>
+                </a:effectLst>
+                <a:latin typeface="Consolas" pitchFamily="49" charset="0"/>
+                <a:cs typeface="Consolas" pitchFamily="49" charset="0"/>
+              </a:rPr>
+              <a:t>mid </a:t>
+            </a:r>
+            <a:r>
               <a:rPr lang="en-US" b="1" noProof="1">
                 <a:solidFill>
                   <a:srgbClr val="FBEEE1"/>
@@ -20562,7 +20135,7 @@
                 <a:latin typeface="Consolas" pitchFamily="49" charset="0"/>
                 <a:cs typeface="Consolas" pitchFamily="49" charset="0"/>
               </a:rPr>
-              <a:t>var </a:t>
+              <a:t>= n - 2 * </a:t>
             </a:r>
             <a:r>
               <a:rPr lang="en-US" b="1" noProof="1" smtClean="0">
@@ -20579,10 +20152,10 @@
                 <a:latin typeface="Consolas" pitchFamily="49" charset="0"/>
                 <a:cs typeface="Consolas" pitchFamily="49" charset="0"/>
               </a:rPr>
-              <a:t>mid </a:t>
-            </a:r>
-            <a:r>
-              <a:rPr lang="en-US" b="1" noProof="1">
+              <a:t>leftRight </a:t>
+            </a:r>
+            <a:r>
+              <a:rPr lang="en-US" b="1" noProof="1" smtClean="0">
                 <a:solidFill>
                   <a:srgbClr val="FBEEE1"/>
                 </a:solidFill>
@@ -20596,59 +20169,10 @@
                 <a:latin typeface="Consolas" pitchFamily="49" charset="0"/>
                 <a:cs typeface="Consolas" pitchFamily="49" charset="0"/>
               </a:rPr>
-              <a:t>= n - 2 * </a:t>
-            </a:r>
-            <a:r>
-              <a:rPr lang="en-US" b="1" noProof="1" smtClean="0">
-                <a:solidFill>
-                  <a:srgbClr val="FBEEE1"/>
-                </a:solidFill>
-                <a:effectLst>
-                  <a:outerShdw blurRad="38100" dist="38100" dir="2700000" algn="tl">
-                    <a:srgbClr val="000000">
-                      <a:alpha val="43137"/>
-                    </a:srgbClr>
-                  </a:outerShdw>
-                </a:effectLst>
-                <a:latin typeface="Consolas" pitchFamily="49" charset="0"/>
-                <a:cs typeface="Consolas" pitchFamily="49" charset="0"/>
-              </a:rPr>
-              <a:t>leftRight </a:t>
-            </a:r>
-            <a:r>
-              <a:rPr lang="en-US" b="1" noProof="1">
-                <a:solidFill>
-                  <a:srgbClr val="FBEEE1"/>
-                </a:solidFill>
-                <a:effectLst>
-                  <a:outerShdw blurRad="38100" dist="38100" dir="2700000" algn="tl">
-                    <a:srgbClr val="000000">
-                      <a:alpha val="43137"/>
-                    </a:srgbClr>
-                  </a:outerShdw>
-                </a:effectLst>
-                <a:latin typeface="Consolas" pitchFamily="49" charset="0"/>
-                <a:cs typeface="Consolas" pitchFamily="49" charset="0"/>
-              </a:rPr>
-              <a:t>- </a:t>
-            </a:r>
-            <a:r>
-              <a:rPr lang="en-US" b="1" noProof="1" smtClean="0">
-                <a:solidFill>
-                  <a:srgbClr val="FBEEE1"/>
-                </a:solidFill>
-                <a:effectLst>
-                  <a:outerShdw blurRad="38100" dist="38100" dir="2700000" algn="tl">
-                    <a:srgbClr val="000000">
-                      <a:alpha val="43137"/>
-                    </a:srgbClr>
-                  </a:outerShdw>
-                </a:effectLst>
-                <a:latin typeface="Consolas" pitchFamily="49" charset="0"/>
-                <a:cs typeface="Consolas" pitchFamily="49" charset="0"/>
-              </a:rPr>
-              <a:t>2</a:t>
-            </a:r>
+              <a:t>– 2</a:t>
+            </a:r>
+          </a:p>
+          <a:p>
             <a:endParaRPr lang="en-US" b="1" noProof="1">
               <a:solidFill>
                 <a:srgbClr val="FBEEE1"/>
@@ -20697,7 +20221,7 @@
                 <a:latin typeface="Consolas" pitchFamily="49" charset="0"/>
                 <a:cs typeface="Consolas" pitchFamily="49" charset="0"/>
               </a:rPr>
-              <a:t>if (</a:t>
+              <a:t>if </a:t>
             </a:r>
             <a:r>
               <a:rPr lang="en-US" b="1" noProof="1" smtClean="0">
@@ -20731,10 +20255,8 @@
                 <a:latin typeface="Consolas" pitchFamily="49" charset="0"/>
                 <a:cs typeface="Consolas" pitchFamily="49" charset="0"/>
               </a:rPr>
-              <a:t>&gt;= 0)</a:t>
-            </a:r>
-          </a:p>
-          <a:p>
+              <a:t>&gt;= </a:t>
+            </a:r>
             <a:r>
               <a:rPr lang="en-US" b="1" noProof="1" smtClean="0">
                 <a:solidFill>
@@ -20750,7 +20272,7 @@
                 <a:latin typeface="Consolas" pitchFamily="49" charset="0"/>
                 <a:cs typeface="Consolas" pitchFamily="49" charset="0"/>
               </a:rPr>
-              <a:t>  </a:t>
+              <a:t>0</a:t>
             </a:r>
             <a:r>
               <a:rPr lang="en-US" b="1" noProof="1">
@@ -20767,94 +20289,7 @@
                 <a:latin typeface="Consolas" pitchFamily="49" charset="0"/>
                 <a:cs typeface="Consolas" pitchFamily="49" charset="0"/>
               </a:rPr>
-              <a:t>{</a:t>
-            </a:r>
-          </a:p>
-          <a:p>
-            <a:r>
-              <a:rPr lang="en-US" b="1" noProof="1" smtClean="0">
-                <a:solidFill>
-                  <a:srgbClr val="FBEEE1"/>
-                </a:solidFill>
-                <a:effectLst>
-                  <a:outerShdw blurRad="38100" dist="38100" dir="2700000" algn="tl">
-                    <a:srgbClr val="000000">
-                      <a:alpha val="43137"/>
-                    </a:srgbClr>
-                  </a:outerShdw>
-                </a:effectLst>
-                <a:latin typeface="Consolas" pitchFamily="49" charset="0"/>
-                <a:cs typeface="Consolas" pitchFamily="49" charset="0"/>
-              </a:rPr>
-              <a:t>    </a:t>
-            </a:r>
-            <a:r>
-              <a:rPr lang="en-US" b="1" noProof="1" smtClean="0">
-                <a:solidFill>
-                  <a:srgbClr val="FBEEE1"/>
-                </a:solidFill>
-                <a:effectLst>
-                  <a:outerShdw blurRad="38100" dist="38100" dir="2700000" algn="tl">
-                    <a:srgbClr val="000000">
-                      <a:alpha val="43137"/>
-                    </a:srgbClr>
-                  </a:outerShdw>
-                </a:effectLst>
-                <a:latin typeface="Consolas" pitchFamily="49" charset="0"/>
-                <a:cs typeface="Consolas" pitchFamily="49" charset="0"/>
-              </a:rPr>
-              <a:t>Console.Write(new </a:t>
-            </a:r>
-            <a:r>
-              <a:rPr lang="en-US" b="1" noProof="1">
-                <a:solidFill>
-                  <a:srgbClr val="FBEEE1"/>
-                </a:solidFill>
-                <a:effectLst>
-                  <a:outerShdw blurRad="38100" dist="38100" dir="2700000" algn="tl">
-                    <a:srgbClr val="000000">
-                      <a:alpha val="43137"/>
-                    </a:srgbClr>
-                  </a:outerShdw>
-                </a:effectLst>
-                <a:latin typeface="Consolas" pitchFamily="49" charset="0"/>
-                <a:cs typeface="Consolas" pitchFamily="49" charset="0"/>
-              </a:rPr>
-              <a:t>string('-', </a:t>
-            </a:r>
-            <a:r>
-              <a:rPr lang="en-US" b="1" noProof="1" smtClean="0">
-                <a:solidFill>
-                  <a:srgbClr val="FBEEE1"/>
-                </a:solidFill>
-                <a:effectLst>
-                  <a:outerShdw blurRad="38100" dist="38100" dir="2700000" algn="tl">
-                    <a:srgbClr val="000000">
-                      <a:alpha val="43137"/>
-                    </a:srgbClr>
-                  </a:outerShdw>
-                </a:effectLst>
-                <a:latin typeface="Consolas" pitchFamily="49" charset="0"/>
-                <a:cs typeface="Consolas" pitchFamily="49" charset="0"/>
-              </a:rPr>
-              <a:t>mid</a:t>
-            </a:r>
-            <a:r>
-              <a:rPr lang="en-US" b="1" noProof="1" smtClean="0">
-                <a:solidFill>
-                  <a:srgbClr val="FBEEE1"/>
-                </a:solidFill>
-                <a:effectLst>
-                  <a:outerShdw blurRad="38100" dist="38100" dir="2700000" algn="tl">
-                    <a:srgbClr val="000000">
-                      <a:alpha val="43137"/>
-                    </a:srgbClr>
-                  </a:outerShdw>
-                </a:effectLst>
-                <a:latin typeface="Consolas" pitchFamily="49" charset="0"/>
-                <a:cs typeface="Consolas" pitchFamily="49" charset="0"/>
-              </a:rPr>
-              <a:t>))</a:t>
+              <a:t>:</a:t>
             </a:r>
             <a:endParaRPr lang="en-US" b="1" noProof="1">
               <a:solidFill>
@@ -20887,7 +20322,7 @@
                 <a:latin typeface="Consolas" pitchFamily="49" charset="0"/>
                 <a:cs typeface="Consolas" pitchFamily="49" charset="0"/>
               </a:rPr>
-              <a:t>    </a:t>
+              <a:t>    sys.stdout.write</a:t>
             </a:r>
             <a:r>
               <a:rPr lang="en-US" b="1" noProof="1" smtClean="0">
@@ -20904,7 +20339,41 @@
                 <a:latin typeface="Consolas" pitchFamily="49" charset="0"/>
                 <a:cs typeface="Consolas" pitchFamily="49" charset="0"/>
               </a:rPr>
-              <a:t>Console.Write("*")</a:t>
+              <a:t>('-' * </a:t>
+            </a:r>
+            <a:r>
+              <a:rPr lang="en-US" b="1" noProof="1" smtClean="0">
+                <a:solidFill>
+                  <a:srgbClr val="FBEEE1"/>
+                </a:solidFill>
+                <a:effectLst>
+                  <a:outerShdw blurRad="38100" dist="38100" dir="2700000" algn="tl">
+                    <a:srgbClr val="000000">
+                      <a:alpha val="43137"/>
+                    </a:srgbClr>
+                  </a:outerShdw>
+                </a:effectLst>
+                <a:latin typeface="Consolas" pitchFamily="49" charset="0"/>
+                <a:cs typeface="Consolas" pitchFamily="49" charset="0"/>
+              </a:rPr>
+              <a:t>mid</a:t>
+            </a:r>
+            <a:r>
+              <a:rPr lang="en-US" b="1" noProof="1" smtClean="0">
+                <a:solidFill>
+                  <a:srgbClr val="FBEEE1"/>
+                </a:solidFill>
+                <a:effectLst>
+                  <a:outerShdw blurRad="38100" dist="38100" dir="2700000" algn="tl">
+                    <a:srgbClr val="000000">
+                      <a:alpha val="43137"/>
+                    </a:srgbClr>
+                  </a:outerShdw>
+                </a:effectLst>
+                <a:latin typeface="Consolas" pitchFamily="49" charset="0"/>
+                <a:cs typeface="Consolas" pitchFamily="49" charset="0"/>
+              </a:rPr>
+              <a:t>)</a:t>
             </a:r>
             <a:endParaRPr lang="en-US" b="1" noProof="1">
               <a:solidFill>
@@ -20937,10 +20406,10 @@
                 <a:latin typeface="Consolas" pitchFamily="49" charset="0"/>
                 <a:cs typeface="Consolas" pitchFamily="49" charset="0"/>
               </a:rPr>
-              <a:t>  </a:t>
-            </a:r>
-            <a:r>
-              <a:rPr lang="en-US" b="1" noProof="1">
+              <a:t>    sys.stdout.write</a:t>
+            </a:r>
+            <a:r>
+              <a:rPr lang="en-US" b="1" noProof="1" smtClean="0">
                 <a:solidFill>
                   <a:srgbClr val="FBEEE1"/>
                 </a:solidFill>
@@ -20954,78 +20423,10 @@
                 <a:latin typeface="Consolas" pitchFamily="49" charset="0"/>
                 <a:cs typeface="Consolas" pitchFamily="49" charset="0"/>
               </a:rPr>
-              <a:t>}</a:t>
-            </a:r>
-          </a:p>
-          <a:p>
-            <a:r>
-              <a:rPr lang="en-US" b="1" noProof="1" smtClean="0">
-                <a:solidFill>
-                  <a:srgbClr val="FBEEE1"/>
-                </a:solidFill>
-                <a:effectLst>
-                  <a:outerShdw blurRad="38100" dist="38100" dir="2700000" algn="tl">
-                    <a:srgbClr val="000000">
-                      <a:alpha val="43137"/>
-                    </a:srgbClr>
-                  </a:outerShdw>
-                </a:effectLst>
-                <a:latin typeface="Consolas" pitchFamily="49" charset="0"/>
-                <a:cs typeface="Consolas" pitchFamily="49" charset="0"/>
-              </a:rPr>
-              <a:t>  </a:t>
-            </a:r>
-            <a:r>
-              <a:rPr lang="en-US" b="1" noProof="1" smtClean="0">
-                <a:solidFill>
-                  <a:srgbClr val="FBEEE1"/>
-                </a:solidFill>
-                <a:effectLst>
-                  <a:outerShdw blurRad="38100" dist="38100" dir="2700000" algn="tl">
-                    <a:srgbClr val="000000">
-                      <a:alpha val="43137"/>
-                    </a:srgbClr>
-                  </a:outerShdw>
-                </a:effectLst>
-                <a:latin typeface="Consolas" pitchFamily="49" charset="0"/>
-                <a:cs typeface="Consolas" pitchFamily="49" charset="0"/>
-              </a:rPr>
-              <a:t>Console.WriteLine(new </a:t>
-            </a:r>
-            <a:r>
-              <a:rPr lang="en-US" b="1" noProof="1">
-                <a:solidFill>
-                  <a:srgbClr val="FBEEE1"/>
-                </a:solidFill>
-                <a:effectLst>
-                  <a:outerShdw blurRad="38100" dist="38100" dir="2700000" algn="tl">
-                    <a:srgbClr val="000000">
-                      <a:alpha val="43137"/>
-                    </a:srgbClr>
-                  </a:outerShdw>
-                </a:effectLst>
-                <a:latin typeface="Consolas" pitchFamily="49" charset="0"/>
-                <a:cs typeface="Consolas" pitchFamily="49" charset="0"/>
-              </a:rPr>
-              <a:t>string('-', </a:t>
-            </a:r>
-            <a:r>
-              <a:rPr lang="en-US" b="1" noProof="1" smtClean="0">
-                <a:solidFill>
-                  <a:srgbClr val="FBEEE1"/>
-                </a:solidFill>
-                <a:effectLst>
-                  <a:outerShdw blurRad="38100" dist="38100" dir="2700000" algn="tl">
-                    <a:srgbClr val="000000">
-                      <a:alpha val="43137"/>
-                    </a:srgbClr>
-                  </a:outerShdw>
-                </a:effectLst>
-                <a:latin typeface="Consolas" pitchFamily="49" charset="0"/>
-                <a:cs typeface="Consolas" pitchFamily="49" charset="0"/>
-              </a:rPr>
-              <a:t>leftRight))</a:t>
-            </a:r>
+              <a:t>('*')</a:t>
+            </a:r>
+          </a:p>
+          <a:p>
             <a:endParaRPr lang="en-US" b="1" noProof="1">
               <a:solidFill>
                 <a:srgbClr val="FBEEE1"/>
@@ -21057,7 +20458,7 @@
                 <a:latin typeface="Consolas" pitchFamily="49" charset="0"/>
                 <a:cs typeface="Consolas" pitchFamily="49" charset="0"/>
               </a:rPr>
-              <a:t>  </a:t>
+              <a:t>  print</a:t>
             </a:r>
             <a:r>
               <a:rPr lang="en-US" b="1" noProof="1" smtClean="0">
@@ -21074,7 +20475,41 @@
                 <a:latin typeface="Consolas" pitchFamily="49" charset="0"/>
                 <a:cs typeface="Consolas" pitchFamily="49" charset="0"/>
               </a:rPr>
-              <a:t>leftRight--</a:t>
+              <a:t>('-' * </a:t>
+            </a:r>
+            <a:r>
+              <a:rPr lang="en-US" b="1" noProof="1" smtClean="0">
+                <a:solidFill>
+                  <a:srgbClr val="FBEEE1"/>
+                </a:solidFill>
+                <a:effectLst>
+                  <a:outerShdw blurRad="38100" dist="38100" dir="2700000" algn="tl">
+                    <a:srgbClr val="000000">
+                      <a:alpha val="43137"/>
+                    </a:srgbClr>
+                  </a:outerShdw>
+                </a:effectLst>
+                <a:latin typeface="Consolas" pitchFamily="49" charset="0"/>
+                <a:cs typeface="Consolas" pitchFamily="49" charset="0"/>
+              </a:rPr>
+              <a:t>leftRight</a:t>
+            </a:r>
+            <a:r>
+              <a:rPr lang="en-US" b="1" noProof="1" smtClean="0">
+                <a:solidFill>
+                  <a:srgbClr val="FBEEE1"/>
+                </a:solidFill>
+                <a:effectLst>
+                  <a:outerShdw blurRad="38100" dist="38100" dir="2700000" algn="tl">
+                    <a:srgbClr val="000000">
+                      <a:alpha val="43137"/>
+                    </a:srgbClr>
+                  </a:outerShdw>
+                </a:effectLst>
+                <a:latin typeface="Consolas" pitchFamily="49" charset="0"/>
+                <a:cs typeface="Consolas" pitchFamily="49" charset="0"/>
+              </a:rPr>
+              <a:t>)</a:t>
             </a:r>
             <a:endParaRPr lang="en-US" b="1" noProof="1">
               <a:solidFill>
@@ -21107,10 +20542,43 @@
                 <a:latin typeface="Consolas" pitchFamily="49" charset="0"/>
                 <a:cs typeface="Consolas" pitchFamily="49" charset="0"/>
               </a:rPr>
-              <a:t>}</a:t>
-            </a:r>
-            <a:r>
-              <a:rPr lang="en-US" b="1" i="1" noProof="1">
+              <a:t>  </a:t>
+            </a:r>
+            <a:r>
+              <a:rPr lang="en-US" b="1" noProof="1" smtClean="0">
+                <a:solidFill>
+                  <a:srgbClr val="FBEEE1"/>
+                </a:solidFill>
+                <a:effectLst>
+                  <a:outerShdw blurRad="38100" dist="38100" dir="2700000" algn="tl">
+                    <a:srgbClr val="000000">
+                      <a:alpha val="43137"/>
+                    </a:srgbClr>
+                  </a:outerShdw>
+                </a:effectLst>
+                <a:latin typeface="Consolas" pitchFamily="49" charset="0"/>
+                <a:cs typeface="Consolas" pitchFamily="49" charset="0"/>
+              </a:rPr>
+              <a:t>leftRight-=1</a:t>
+            </a:r>
+            <a:endParaRPr lang="en-US" b="1" noProof="1">
+              <a:solidFill>
+                <a:srgbClr val="FBEEE1"/>
+              </a:solidFill>
+              <a:effectLst>
+                <a:outerShdw blurRad="38100" dist="38100" dir="2700000" algn="tl">
+                  <a:srgbClr val="000000">
+                    <a:alpha val="43137"/>
+                  </a:srgbClr>
+                </a:outerShdw>
+              </a:effectLst>
+              <a:latin typeface="Consolas" pitchFamily="49" charset="0"/>
+              <a:cs typeface="Consolas" pitchFamily="49" charset="0"/>
+            </a:endParaRPr>
+          </a:p>
+          <a:p>
+            <a:r>
+              <a:rPr lang="en-US" b="1" i="1" noProof="1" smtClean="0">
                 <a:solidFill>
                   <a:schemeClr val="tx2">
                     <a:lumMod val="75000"/>
@@ -21126,10 +20594,10 @@
                 <a:latin typeface="Consolas" pitchFamily="49" charset="0"/>
                 <a:cs typeface="Consolas" pitchFamily="49" charset="0"/>
               </a:rPr>
-              <a:t> </a:t>
-            </a:r>
-            <a:r>
-              <a:rPr lang="en-US" b="1" i="1" noProof="1" smtClean="0">
+              <a:t># </a:t>
+            </a:r>
+            <a:r>
+              <a:rPr lang="en-US" b="1" noProof="1" smtClean="0">
                 <a:solidFill>
                   <a:schemeClr val="tx2">
                     <a:lumMod val="75000"/>
@@ -21145,7 +20613,7 @@
                 <a:latin typeface="Consolas" pitchFamily="49" charset="0"/>
                 <a:cs typeface="Consolas" pitchFamily="49" charset="0"/>
               </a:rPr>
-              <a:t>// </a:t>
+              <a:t>TODO</a:t>
             </a:r>
             <a:r>
               <a:rPr lang="en-US" b="1" noProof="1" smtClean="0">
@@ -21164,7 +20632,7 @@
                 <a:latin typeface="Consolas" pitchFamily="49" charset="0"/>
                 <a:cs typeface="Consolas" pitchFamily="49" charset="0"/>
               </a:rPr>
-              <a:t>TODO:</a:t>
+              <a:t>:</a:t>
             </a:r>
             <a:r>
               <a:rPr lang="en-US" b="1" i="1" noProof="1" smtClean="0">
@@ -22639,8 +22107,8 @@
         </p:nvSpPr>
         <p:spPr>
           <a:xfrm>
-            <a:off x="190413" y="1012208"/>
-            <a:ext cx="11804822" cy="5570355"/>
+            <a:off x="190412" y="1066800"/>
+            <a:ext cx="11804822" cy="5482151"/>
           </a:xfrm>
         </p:spPr>
         <p:txBody>
@@ -22655,30 +22123,48 @@
               </a:lnSpc>
             </a:pPr>
             <a:r>
-              <a:rPr lang="bg-BG" sz="3200" dirty="0" smtClean="0"/>
-              <a:t>Можем да </a:t>
-            </a:r>
-            <a:r>
-              <a:rPr lang="bg-BG" sz="3200" dirty="0" smtClean="0"/>
-              <a:t>използваме</a:t>
-            </a:r>
-            <a:r>
-              <a:rPr lang="en-US" sz="3200" dirty="0" smtClean="0"/>
+              <a:rPr lang="bg-BG" sz="3000" dirty="0" smtClean="0"/>
+              <a:t>Можем да печатаме без нов ред накрая:</a:t>
+            </a:r>
+            <a:endParaRPr lang="en-US" sz="3000" dirty="0" smtClean="0"/>
+          </a:p>
+          <a:p>
+            <a:pPr marL="0" indent="0">
+              <a:lnSpc>
+                <a:spcPct val="100000"/>
+              </a:lnSpc>
+              <a:buNone/>
+            </a:pPr>
+            <a:endParaRPr lang="en-US" sz="3000" dirty="0" smtClean="0"/>
+          </a:p>
+          <a:p>
+            <a:pPr marL="0" indent="0">
+              <a:lnSpc>
+                <a:spcPct val="100000"/>
+              </a:lnSpc>
+              <a:buNone/>
+            </a:pPr>
+            <a:endParaRPr lang="en-US" sz="3000" dirty="0" smtClean="0"/>
+          </a:p>
+          <a:p>
+            <a:pPr>
+              <a:lnSpc>
+                <a:spcPct val="100000"/>
+              </a:lnSpc>
+            </a:pPr>
+            <a:r>
+              <a:rPr lang="bg-BG" sz="3000" dirty="0" smtClean="0"/>
+              <a:t>Можем да чертаем фигури с</a:t>
+            </a:r>
+            <a:r>
+              <a:rPr lang="en-US" sz="3000" dirty="0" smtClean="0"/>
               <a:t> </a:t>
             </a:r>
             <a:r>
-              <a:rPr lang="bg-BG" sz="3200" dirty="0" smtClean="0"/>
-              <a:t>вложени </a:t>
-            </a:r>
-            <a:r>
-              <a:rPr lang="bg-BG" sz="3200" dirty="0" smtClean="0"/>
-              <a:t>цикли</a:t>
-            </a:r>
-            <a:r>
-              <a:rPr lang="bg-BG" sz="3200" dirty="0" smtClean="0"/>
-              <a:t>:</a:t>
-            </a:r>
-            <a:endParaRPr lang="en-US" sz="3200" b="1" dirty="0">
+              <a:rPr lang="bg-BG" sz="3000" dirty="0" smtClean="0"/>
+              <a:t>вложени цикли:</a:t>
+            </a:r>
+            <a:endParaRPr lang="en-US" sz="3000" b="1" dirty="0">
               <a:solidFill>
                 <a:schemeClr val="tx2">
                   <a:lumMod val="75000"/>
@@ -22763,8 +22249,8 @@
         </p:nvSpPr>
         <p:spPr bwMode="auto">
           <a:xfrm>
-            <a:off x="760412" y="1897082"/>
-            <a:ext cx="6885636" cy="4729308"/>
+            <a:off x="755536" y="3431848"/>
+            <a:ext cx="6885636" cy="3093154"/>
           </a:xfrm>
           <a:prstGeom prst="rect">
             <a:avLst/>
@@ -22804,32 +22290,40 @@
               <a:buSzPct val="70000"/>
             </a:pPr>
             <a:r>
-              <a:rPr lang="en-US" sz="2600" b="1" noProof="1">
-                <a:effectLst>
-                  <a:outerShdw blurRad="38100" dist="38100" dir="2700000" algn="tl">
-                    <a:srgbClr val="000000">
-                      <a:alpha val="43137"/>
-                    </a:srgbClr>
-                  </a:outerShdw>
-                </a:effectLst>
-                <a:latin typeface="Consolas" pitchFamily="49" charset="0"/>
-                <a:cs typeface="Consolas" pitchFamily="49" charset="0"/>
-              </a:rPr>
-              <a:t>i</a:t>
-            </a:r>
-            <a:r>
-              <a:rPr lang="en-US" sz="2600" b="1" noProof="1" smtClean="0">
-                <a:effectLst>
-                  <a:outerShdw blurRad="38100" dist="38100" dir="2700000" algn="tl">
-                    <a:srgbClr val="000000">
-                      <a:alpha val="43137"/>
-                    </a:srgbClr>
-                  </a:outerShdw>
-                </a:effectLst>
-                <a:latin typeface="Consolas" pitchFamily="49" charset="0"/>
-                <a:cs typeface="Consolas" pitchFamily="49" charset="0"/>
-              </a:rPr>
-              <a:t> = 1</a:t>
+              <a:rPr lang="en-US" sz="3000" b="1" noProof="1" smtClean="0">
+                <a:solidFill>
+                  <a:schemeClr val="tx2">
+                    <a:lumMod val="75000"/>
+                  </a:schemeClr>
+                </a:solidFill>
+                <a:effectLst>
+                  <a:outerShdw blurRad="38100" dist="38100" dir="2700000" algn="tl">
+                    <a:srgbClr val="000000">
+                      <a:alpha val="43137"/>
+                    </a:srgbClr>
+                  </a:outerShdw>
+                </a:effectLst>
+                <a:latin typeface="Consolas" pitchFamily="49" charset="0"/>
+                <a:cs typeface="Consolas" pitchFamily="49" charset="0"/>
+              </a:rPr>
+              <a:t>for</a:t>
+            </a:r>
+            <a:r>
+              <a:rPr lang="en-US" sz="3000" b="1" noProof="1" smtClean="0">
+                <a:solidFill>
+                  <a:srgbClr val="FBEEDC"/>
+                </a:solidFill>
+                <a:effectLst>
+                  <a:outerShdw blurRad="38100" dist="38100" dir="2700000" algn="tl">
+                    <a:srgbClr val="000000">
+                      <a:alpha val="43137"/>
+                    </a:srgbClr>
+                  </a:outerShdw>
+                </a:effectLst>
+                <a:latin typeface="Consolas" pitchFamily="49" charset="0"/>
+                <a:cs typeface="Consolas" pitchFamily="49" charset="0"/>
+              </a:rPr>
+              <a:t> r in range(5):</a:t>
             </a:r>
           </a:p>
           <a:p>
@@ -22846,7 +22340,41 @@
               <a:buSzPct val="70000"/>
             </a:pPr>
             <a:r>
-              <a:rPr lang="en-US" sz="2600" b="1" noProof="1" smtClean="0">
+              <a:rPr lang="en-US" sz="3000" b="1" noProof="1" smtClean="0">
+                <a:solidFill>
+                  <a:srgbClr val="FBEEDC"/>
+                </a:solidFill>
+                <a:effectLst>
+                  <a:outerShdw blurRad="38100" dist="38100" dir="2700000" algn="tl">
+                    <a:srgbClr val="000000">
+                      <a:alpha val="43137"/>
+                    </a:srgbClr>
+                  </a:outerShdw>
+                </a:effectLst>
+                <a:latin typeface="Consolas" pitchFamily="49" charset="0"/>
+                <a:cs typeface="Consolas" pitchFamily="49" charset="0"/>
+              </a:rPr>
+              <a:t>   sys.stdout.write</a:t>
+            </a:r>
+            <a:r>
+              <a:rPr lang="en-US" sz="3000" b="1" noProof="1" smtClean="0">
+                <a:solidFill>
+                  <a:srgbClr val="FBEEDC"/>
+                </a:solidFill>
+                <a:effectLst>
+                  <a:outerShdw blurRad="38100" dist="38100" dir="2700000" algn="tl">
+                    <a:srgbClr val="000000">
+                      <a:alpha val="43137"/>
+                    </a:srgbClr>
+                  </a:outerShdw>
+                </a:effectLst>
+                <a:latin typeface="Consolas" pitchFamily="49" charset="0"/>
+                <a:cs typeface="Consolas" pitchFamily="49" charset="0"/>
+              </a:rPr>
+              <a:t>('</a:t>
+            </a:r>
+            <a:r>
+              <a:rPr lang="en-US" sz="3000" b="1" noProof="1" smtClean="0">
                 <a:solidFill>
                   <a:schemeClr val="tx2">
                     <a:lumMod val="75000"/>
@@ -22862,42 +22390,26 @@
                 <a:latin typeface="Consolas" pitchFamily="49" charset="0"/>
                 <a:cs typeface="Consolas" pitchFamily="49" charset="0"/>
               </a:rPr>
-              <a:t>while </a:t>
-            </a:r>
-            <a:r>
-              <a:rPr lang="en-US" sz="2600" b="1" noProof="1" smtClean="0">
-                <a:effectLst>
-                  <a:outerShdw blurRad="38100" dist="38100" dir="2700000" algn="tl">
-                    <a:srgbClr val="000000">
-                      <a:alpha val="43137"/>
-                    </a:srgbClr>
-                  </a:outerShdw>
-                </a:effectLst>
-                <a:latin typeface="Consolas" pitchFamily="49" charset="0"/>
-                <a:cs typeface="Consolas" pitchFamily="49" charset="0"/>
-              </a:rPr>
-              <a:t>i &lt;= n</a:t>
-            </a:r>
-            <a:r>
-              <a:rPr lang="en-US" sz="2600" b="1" noProof="1" smtClean="0">
-                <a:solidFill>
-                  <a:schemeClr val="tx2">
-                    <a:lumMod val="75000"/>
-                  </a:schemeClr>
-                </a:solidFill>
-                <a:effectLst>
-                  <a:outerShdw blurRad="38100" dist="38100" dir="2700000" algn="tl">
-                    <a:srgbClr val="000000">
-                      <a:alpha val="43137"/>
-                    </a:srgbClr>
-                  </a:outerShdw>
-                </a:effectLst>
-                <a:latin typeface="Consolas" pitchFamily="49" charset="0"/>
-                <a:cs typeface="Consolas" pitchFamily="49" charset="0"/>
-              </a:rPr>
-              <a:t>:</a:t>
-            </a:r>
-            <a:endParaRPr lang="en-US" sz="2600" b="1" noProof="1" smtClean="0">
+              <a:t>*</a:t>
+            </a:r>
+            <a:r>
+              <a:rPr lang="en-US" sz="3000" b="1" noProof="1" smtClean="0">
+                <a:solidFill>
+                  <a:srgbClr val="FBEEDC"/>
+                </a:solidFill>
+                <a:effectLst>
+                  <a:outerShdw blurRad="38100" dist="38100" dir="2700000" algn="tl">
+                    <a:srgbClr val="000000">
+                      <a:alpha val="43137"/>
+                    </a:srgbClr>
+                  </a:outerShdw>
+                </a:effectLst>
+                <a:latin typeface="Consolas" pitchFamily="49" charset="0"/>
+                <a:cs typeface="Consolas" pitchFamily="49" charset="0"/>
+              </a:rPr>
+              <a:t>')</a:t>
+            </a:r>
+            <a:endParaRPr lang="en-US" sz="3000" b="1" noProof="1">
               <a:solidFill>
                 <a:srgbClr val="FBEEDC"/>
               </a:solidFill>
@@ -22926,71 +22438,59 @@
               <a:buSzPct val="70000"/>
             </a:pPr>
             <a:r>
-              <a:rPr lang="en-US" sz="2600" b="1" noProof="1" smtClean="0">
-                <a:solidFill>
-                  <a:srgbClr val="FBEEDC"/>
-                </a:solidFill>
-                <a:effectLst>
-                  <a:outerShdw blurRad="38100" dist="38100" dir="2700000" algn="tl">
-                    <a:srgbClr val="000000">
-                      <a:alpha val="43137"/>
-                    </a:srgbClr>
-                  </a:outerShdw>
-                </a:effectLst>
-                <a:latin typeface="Consolas" pitchFamily="49" charset="0"/>
-                <a:cs typeface="Consolas" pitchFamily="49" charset="0"/>
-              </a:rPr>
-              <a:t>   …</a:t>
-            </a:r>
-          </a:p>
-          <a:p>
-            <a:pPr eaLnBrk="0" hangingPunct="0">
-              <a:lnSpc>
-                <a:spcPct val="130000"/>
-              </a:lnSpc>
-              <a:buClr>
-                <a:schemeClr val="accent5">
-                  <a:lumMod val="40000"/>
-                  <a:lumOff val="60000"/>
-                </a:schemeClr>
-              </a:buClr>
-              <a:buSzPct val="70000"/>
-            </a:pPr>
-            <a:r>
-              <a:rPr lang="en-US" sz="2600" b="1" noProof="1">
-                <a:solidFill>
-                  <a:srgbClr val="FBEEDC"/>
-                </a:solidFill>
-                <a:effectLst>
-                  <a:outerShdw blurRad="38100" dist="38100" dir="2700000" algn="tl">
-                    <a:srgbClr val="000000">
-                      <a:alpha val="43137"/>
-                    </a:srgbClr>
-                  </a:outerShdw>
-                </a:effectLst>
-                <a:latin typeface="Consolas" pitchFamily="49" charset="0"/>
-                <a:cs typeface="Consolas" pitchFamily="49" charset="0"/>
-              </a:rPr>
-              <a:t> </a:t>
-            </a:r>
-            <a:r>
-              <a:rPr lang="en-US" sz="2600" b="1" noProof="1" smtClean="0">
-                <a:solidFill>
-                  <a:srgbClr val="FBEEDC"/>
-                </a:solidFill>
-                <a:effectLst>
-                  <a:outerShdw blurRad="38100" dist="38100" dir="2700000" algn="tl">
-                    <a:srgbClr val="000000">
-                      <a:alpha val="43137"/>
-                    </a:srgbClr>
-                  </a:outerShdw>
-                </a:effectLst>
-                <a:latin typeface="Consolas" pitchFamily="49" charset="0"/>
-                <a:cs typeface="Consolas" pitchFamily="49" charset="0"/>
-              </a:rPr>
-              <a:t>  j = 1</a:t>
-            </a:r>
-            <a:endParaRPr lang="en-US" sz="2600" b="1" noProof="1" smtClean="0">
+              <a:rPr lang="en-US" sz="3000" b="1" noProof="1">
+                <a:solidFill>
+                  <a:srgbClr val="FBEEDC"/>
+                </a:solidFill>
+                <a:effectLst>
+                  <a:outerShdw blurRad="38100" dist="38100" dir="2700000" algn="tl">
+                    <a:srgbClr val="000000">
+                      <a:alpha val="43137"/>
+                    </a:srgbClr>
+                  </a:outerShdw>
+                </a:effectLst>
+                <a:latin typeface="Consolas" pitchFamily="49" charset="0"/>
+                <a:cs typeface="Consolas" pitchFamily="49" charset="0"/>
+              </a:rPr>
+              <a:t>   </a:t>
+            </a:r>
+            <a:r>
+              <a:rPr lang="en-US" sz="3000" b="1" noProof="1" smtClean="0">
+                <a:solidFill>
+                  <a:schemeClr val="tx2">
+                    <a:lumMod val="75000"/>
+                  </a:schemeClr>
+                </a:solidFill>
+                <a:effectLst>
+                  <a:outerShdw blurRad="38100" dist="38100" dir="2700000" algn="tl">
+                    <a:srgbClr val="000000">
+                      <a:alpha val="43137"/>
+                    </a:srgbClr>
+                  </a:outerShdw>
+                </a:effectLst>
+                <a:latin typeface="Consolas" pitchFamily="49" charset="0"/>
+                <a:cs typeface="Consolas" pitchFamily="49" charset="0"/>
+              </a:rPr>
+              <a:t>for</a:t>
+            </a:r>
+            <a:r>
+              <a:rPr lang="en-US" sz="3000" b="1" noProof="1" smtClean="0">
+                <a:solidFill>
+                  <a:srgbClr val="FBEEDC"/>
+                </a:solidFill>
+                <a:effectLst>
+                  <a:outerShdw blurRad="38100" dist="38100" dir="2700000" algn="tl">
+                    <a:srgbClr val="000000">
+                      <a:alpha val="43137"/>
+                    </a:srgbClr>
+                  </a:outerShdw>
+                </a:effectLst>
+                <a:latin typeface="Consolas" pitchFamily="49" charset="0"/>
+                <a:cs typeface="Consolas" pitchFamily="49" charset="0"/>
+              </a:rPr>
+              <a:t> c in range(5):</a:t>
+            </a:r>
+            <a:endParaRPr lang="en-US" sz="3000" b="1" noProof="1">
               <a:solidFill>
                 <a:srgbClr val="FBEEDC"/>
               </a:solidFill>
@@ -23019,24 +22519,41 @@
               <a:buSzPct val="70000"/>
             </a:pPr>
             <a:r>
-              <a:rPr lang="en-US" sz="2600" b="1" noProof="1" smtClean="0">
-                <a:solidFill>
-                  <a:srgbClr val="FBEEDC"/>
-                </a:solidFill>
-                <a:effectLst>
-                  <a:outerShdw blurRad="38100" dist="38100" dir="2700000" algn="tl">
-                    <a:srgbClr val="000000">
-                      <a:alpha val="43137"/>
-                    </a:srgbClr>
-                  </a:outerShdw>
-                </a:effectLst>
-                <a:latin typeface="Consolas" pitchFamily="49" charset="0"/>
-                <a:cs typeface="Consolas" pitchFamily="49" charset="0"/>
-              </a:rPr>
-              <a:t>   </a:t>
-            </a:r>
-            <a:r>
-              <a:rPr lang="en-US" sz="2600" b="1" noProof="1" smtClean="0">
+              <a:rPr lang="en-US" sz="3000" b="1" noProof="1" smtClean="0">
+                <a:solidFill>
+                  <a:srgbClr val="FBEEDC"/>
+                </a:solidFill>
+                <a:effectLst>
+                  <a:outerShdw blurRad="38100" dist="38100" dir="2700000" algn="tl">
+                    <a:srgbClr val="000000">
+                      <a:alpha val="43137"/>
+                    </a:srgbClr>
+                  </a:outerShdw>
+                </a:effectLst>
+                <a:latin typeface="Consolas" pitchFamily="49" charset="0"/>
+                <a:cs typeface="Consolas" pitchFamily="49" charset="0"/>
+              </a:rPr>
+              <a:t>      sys.stdout.write</a:t>
+            </a:r>
+            <a:r>
+              <a:rPr lang="en-US" sz="3000" b="1" noProof="1" smtClean="0">
+                <a:solidFill>
+                  <a:srgbClr val="FBEEDC"/>
+                </a:solidFill>
+                <a:effectLst>
+                  <a:outerShdw blurRad="38100" dist="38100" dir="2700000" algn="tl">
+                    <a:srgbClr val="000000">
+                      <a:alpha val="43137"/>
+                    </a:srgbClr>
+                  </a:outerShdw>
+                </a:effectLst>
+                <a:latin typeface="Consolas" pitchFamily="49" charset="0"/>
+                <a:cs typeface="Consolas" pitchFamily="49" charset="0"/>
+              </a:rPr>
+              <a:t>('</a:t>
+            </a:r>
+            <a:r>
+              <a:rPr lang="en-US" sz="3000" b="1" noProof="1" smtClean="0">
                 <a:solidFill>
                   <a:schemeClr val="tx2">
                     <a:lumMod val="75000"/>
@@ -23052,55 +22569,39 @@
                 <a:latin typeface="Consolas" pitchFamily="49" charset="0"/>
                 <a:cs typeface="Consolas" pitchFamily="49" charset="0"/>
               </a:rPr>
-              <a:t>while </a:t>
-            </a:r>
-            <a:r>
-              <a:rPr lang="en-US" sz="2600" b="1" noProof="1" smtClean="0">
-                <a:effectLst>
-                  <a:outerShdw blurRad="38100" dist="38100" dir="2700000" algn="tl">
-                    <a:srgbClr val="000000">
-                      <a:alpha val="43137"/>
-                    </a:srgbClr>
-                  </a:outerShdw>
-                </a:effectLst>
-                <a:latin typeface="Consolas" pitchFamily="49" charset="0"/>
-                <a:cs typeface="Consolas" pitchFamily="49" charset="0"/>
-              </a:rPr>
-              <a:t>j &lt;= </a:t>
-            </a:r>
-            <a:r>
-              <a:rPr lang="sv-SE" sz="2600" b="1" noProof="1" smtClean="0">
-                <a:effectLst>
-                  <a:outerShdw blurRad="38100" dist="38100" dir="2700000" algn="tl">
-                    <a:srgbClr val="000000">
-                      <a:alpha val="43137"/>
-                    </a:srgbClr>
-                  </a:outerShdw>
-                </a:effectLst>
-                <a:latin typeface="Consolas" pitchFamily="49" charset="0"/>
-                <a:cs typeface="Consolas" pitchFamily="49" charset="0"/>
-              </a:rPr>
-              <a:t>n</a:t>
-            </a:r>
-            <a:r>
-              <a:rPr lang="en-US" sz="2600" b="1" noProof="1" smtClean="0">
-                <a:solidFill>
-                  <a:schemeClr val="tx2">
-                    <a:lumMod val="75000"/>
-                  </a:schemeClr>
-                </a:solidFill>
-                <a:effectLst>
-                  <a:outerShdw blurRad="38100" dist="38100" dir="2700000" algn="tl">
-                    <a:srgbClr val="000000">
-                      <a:alpha val="43137"/>
-                    </a:srgbClr>
-                  </a:outerShdw>
-                </a:effectLst>
-                <a:latin typeface="Consolas" pitchFamily="49" charset="0"/>
-                <a:cs typeface="Consolas" pitchFamily="49" charset="0"/>
-              </a:rPr>
-              <a:t>:</a:t>
-            </a:r>
+              <a:t> *</a:t>
+            </a:r>
+            <a:r>
+              <a:rPr lang="en-US" sz="3000" b="1" noProof="1" smtClean="0">
+                <a:solidFill>
+                  <a:srgbClr val="FBEEDC"/>
+                </a:solidFill>
+                <a:effectLst>
+                  <a:outerShdw blurRad="38100" dist="38100" dir="2700000" algn="tl">
+                    <a:srgbClr val="000000">
+                      <a:alpha val="43137"/>
+                    </a:srgbClr>
+                  </a:outerShdw>
+                </a:effectLst>
+                <a:latin typeface="Consolas" pitchFamily="49" charset="0"/>
+                <a:cs typeface="Consolas" pitchFamily="49" charset="0"/>
+              </a:rPr>
+              <a:t>')</a:t>
+            </a:r>
+            <a:endParaRPr lang="en-US" sz="3000" b="1" noProof="1">
+              <a:solidFill>
+                <a:srgbClr val="FBEEDC"/>
+              </a:solidFill>
+              <a:effectLst>
+                <a:outerShdw blurRad="38100" dist="38100" dir="2700000" algn="tl">
+                  <a:srgbClr val="000000">
+                    <a:alpha val="43137"/>
+                  </a:srgbClr>
+                </a:outerShdw>
+              </a:effectLst>
+              <a:latin typeface="Consolas" pitchFamily="49" charset="0"/>
+              <a:cs typeface="Consolas" pitchFamily="49" charset="0"/>
+            </a:endParaRPr>
           </a:p>
           <a:p>
             <a:pPr eaLnBrk="0" hangingPunct="0">
@@ -23116,266 +22617,22 @@
               <a:buSzPct val="70000"/>
             </a:pPr>
             <a:r>
-              <a:rPr lang="en-US" sz="2600" b="1" noProof="1">
-                <a:solidFill>
-                  <a:schemeClr val="tx2">
-                    <a:lumMod val="75000"/>
-                  </a:schemeClr>
-                </a:solidFill>
-                <a:effectLst>
-                  <a:outerShdw blurRad="38100" dist="38100" dir="2700000" algn="tl">
-                    <a:srgbClr val="000000">
-                      <a:alpha val="43137"/>
-                    </a:srgbClr>
-                  </a:outerShdw>
-                </a:effectLst>
-                <a:latin typeface="Consolas" pitchFamily="49" charset="0"/>
-                <a:cs typeface="Consolas" pitchFamily="49" charset="0"/>
-              </a:rPr>
-              <a:t> </a:t>
-            </a:r>
-            <a:r>
-              <a:rPr lang="en-US" sz="2600" b="1" noProof="1" smtClean="0">
-                <a:solidFill>
-                  <a:schemeClr val="tx2">
-                    <a:lumMod val="75000"/>
-                  </a:schemeClr>
-                </a:solidFill>
-                <a:effectLst>
-                  <a:outerShdw blurRad="38100" dist="38100" dir="2700000" algn="tl">
-                    <a:srgbClr val="000000">
-                      <a:alpha val="43137"/>
-                    </a:srgbClr>
-                  </a:outerShdw>
-                </a:effectLst>
-                <a:latin typeface="Consolas" pitchFamily="49" charset="0"/>
-                <a:cs typeface="Consolas" pitchFamily="49" charset="0"/>
-              </a:rPr>
-              <a:t>     </a:t>
-            </a:r>
-            <a:r>
-              <a:rPr lang="en-US" sz="2600" b="1" noProof="1" smtClean="0">
-                <a:effectLst>
-                  <a:outerShdw blurRad="38100" dist="38100" dir="2700000" algn="tl">
-                    <a:srgbClr val="000000">
-                      <a:alpha val="43137"/>
-                    </a:srgbClr>
-                  </a:outerShdw>
-                </a:effectLst>
-                <a:latin typeface="Consolas" pitchFamily="49" charset="0"/>
-                <a:cs typeface="Consolas" pitchFamily="49" charset="0"/>
-              </a:rPr>
-              <a:t>…</a:t>
-            </a:r>
-          </a:p>
-          <a:p>
-            <a:pPr eaLnBrk="0" hangingPunct="0">
-              <a:lnSpc>
-                <a:spcPct val="130000"/>
-              </a:lnSpc>
-              <a:buClr>
-                <a:schemeClr val="accent5">
-                  <a:lumMod val="40000"/>
-                  <a:lumOff val="60000"/>
-                </a:schemeClr>
-              </a:buClr>
-              <a:buSzPct val="70000"/>
-            </a:pPr>
-            <a:r>
-              <a:rPr lang="en-US" sz="2600" b="1" noProof="1">
-                <a:solidFill>
-                  <a:schemeClr val="tx2">
-                    <a:lumMod val="75000"/>
-                  </a:schemeClr>
-                </a:solidFill>
-                <a:effectLst>
-                  <a:outerShdw blurRad="38100" dist="38100" dir="2700000" algn="tl">
-                    <a:srgbClr val="000000">
-                      <a:alpha val="43137"/>
-                    </a:srgbClr>
-                  </a:outerShdw>
-                </a:effectLst>
-                <a:latin typeface="Consolas" pitchFamily="49" charset="0"/>
-                <a:cs typeface="Consolas" pitchFamily="49" charset="0"/>
-              </a:rPr>
-              <a:t> </a:t>
-            </a:r>
-            <a:r>
-              <a:rPr lang="en-US" sz="2600" b="1" noProof="1" smtClean="0">
-                <a:solidFill>
-                  <a:schemeClr val="tx2">
-                    <a:lumMod val="75000"/>
-                  </a:schemeClr>
-                </a:solidFill>
-                <a:effectLst>
-                  <a:outerShdw blurRad="38100" dist="38100" dir="2700000" algn="tl">
-                    <a:srgbClr val="000000">
-                      <a:alpha val="43137"/>
-                    </a:srgbClr>
-                  </a:outerShdw>
-                </a:effectLst>
-                <a:latin typeface="Consolas" pitchFamily="49" charset="0"/>
-                <a:cs typeface="Consolas" pitchFamily="49" charset="0"/>
-              </a:rPr>
-              <a:t>     </a:t>
-            </a:r>
-            <a:r>
-              <a:rPr lang="en-US" sz="2600" b="1" noProof="1" smtClean="0">
-                <a:effectLst>
-                  <a:outerShdw blurRad="38100" dist="38100" dir="2700000" algn="tl">
-                    <a:srgbClr val="000000">
-                      <a:alpha val="43137"/>
-                    </a:srgbClr>
-                  </a:outerShdw>
-                </a:effectLst>
-                <a:latin typeface="Consolas" pitchFamily="49" charset="0"/>
-                <a:cs typeface="Consolas" pitchFamily="49" charset="0"/>
-              </a:rPr>
-              <a:t>j += 1</a:t>
-            </a:r>
-          </a:p>
-          <a:p>
-            <a:pPr eaLnBrk="0" hangingPunct="0">
-              <a:lnSpc>
-                <a:spcPct val="130000"/>
-              </a:lnSpc>
-              <a:buClr>
-                <a:schemeClr val="accent5">
-                  <a:lumMod val="40000"/>
-                  <a:lumOff val="60000"/>
-                </a:schemeClr>
-              </a:buClr>
-              <a:buSzPct val="70000"/>
-            </a:pPr>
-            <a:r>
-              <a:rPr lang="en-US" sz="2600" b="1" noProof="1">
-                <a:solidFill>
-                  <a:schemeClr val="tx2">
-                    <a:lumMod val="75000"/>
-                  </a:schemeClr>
-                </a:solidFill>
-                <a:effectLst>
-                  <a:outerShdw blurRad="38100" dist="38100" dir="2700000" algn="tl">
-                    <a:srgbClr val="000000">
-                      <a:alpha val="43137"/>
-                    </a:srgbClr>
-                  </a:outerShdw>
-                </a:effectLst>
-                <a:latin typeface="Consolas" pitchFamily="49" charset="0"/>
-                <a:cs typeface="Consolas" pitchFamily="49" charset="0"/>
-              </a:rPr>
-              <a:t> </a:t>
-            </a:r>
-            <a:r>
-              <a:rPr lang="en-US" sz="2600" b="1" noProof="1" smtClean="0">
-                <a:solidFill>
-                  <a:schemeClr val="tx2">
-                    <a:lumMod val="75000"/>
-                  </a:schemeClr>
-                </a:solidFill>
-                <a:effectLst>
-                  <a:outerShdw blurRad="38100" dist="38100" dir="2700000" algn="tl">
-                    <a:srgbClr val="000000">
-                      <a:alpha val="43137"/>
-                    </a:srgbClr>
-                  </a:outerShdw>
-                </a:effectLst>
-                <a:latin typeface="Consolas" pitchFamily="49" charset="0"/>
-                <a:cs typeface="Consolas" pitchFamily="49" charset="0"/>
-              </a:rPr>
-              <a:t>  </a:t>
-            </a:r>
-            <a:r>
-              <a:rPr lang="en-US" sz="2600" b="1" noProof="1" smtClean="0">
-                <a:effectLst>
-                  <a:outerShdw blurRad="38100" dist="38100" dir="2700000" algn="tl">
-                    <a:srgbClr val="000000">
-                      <a:alpha val="43137"/>
-                    </a:srgbClr>
-                  </a:outerShdw>
-                </a:effectLst>
-                <a:latin typeface="Consolas" pitchFamily="49" charset="0"/>
-                <a:cs typeface="Consolas" pitchFamily="49" charset="0"/>
-              </a:rPr>
-              <a:t>…</a:t>
-            </a:r>
-          </a:p>
-          <a:p>
-            <a:pPr eaLnBrk="0" hangingPunct="0">
-              <a:lnSpc>
-                <a:spcPct val="130000"/>
-              </a:lnSpc>
-              <a:buClr>
-                <a:schemeClr val="accent5">
-                  <a:lumMod val="40000"/>
-                  <a:lumOff val="60000"/>
-                </a:schemeClr>
-              </a:buClr>
-              <a:buSzPct val="70000"/>
-            </a:pPr>
-            <a:r>
-              <a:rPr lang="en-US" sz="2600" b="1" noProof="1">
-                <a:solidFill>
-                  <a:schemeClr val="tx2">
-                    <a:lumMod val="75000"/>
-                  </a:schemeClr>
-                </a:solidFill>
-                <a:effectLst>
-                  <a:outerShdw blurRad="38100" dist="38100" dir="2700000" algn="tl">
-                    <a:srgbClr val="000000">
-                      <a:alpha val="43137"/>
-                    </a:srgbClr>
-                  </a:outerShdw>
-                </a:effectLst>
-                <a:latin typeface="Consolas" pitchFamily="49" charset="0"/>
-                <a:cs typeface="Consolas" pitchFamily="49" charset="0"/>
-              </a:rPr>
-              <a:t> </a:t>
-            </a:r>
-            <a:r>
-              <a:rPr lang="en-US" sz="2600" b="1" noProof="1" smtClean="0">
-                <a:solidFill>
-                  <a:schemeClr val="tx2">
-                    <a:lumMod val="75000"/>
-                  </a:schemeClr>
-                </a:solidFill>
-                <a:effectLst>
-                  <a:outerShdw blurRad="38100" dist="38100" dir="2700000" algn="tl">
-                    <a:srgbClr val="000000">
-                      <a:alpha val="43137"/>
-                    </a:srgbClr>
-                  </a:outerShdw>
-                </a:effectLst>
-                <a:latin typeface="Consolas" pitchFamily="49" charset="0"/>
-                <a:cs typeface="Consolas" pitchFamily="49" charset="0"/>
-              </a:rPr>
-              <a:t>  </a:t>
-            </a:r>
-            <a:r>
-              <a:rPr lang="en-US" sz="2600" b="1" noProof="1" smtClean="0">
-                <a:effectLst>
-                  <a:outerShdw blurRad="38100" dist="38100" dir="2700000" algn="tl">
-                    <a:srgbClr val="000000">
-                      <a:alpha val="43137"/>
-                    </a:srgbClr>
-                  </a:outerShdw>
-                </a:effectLst>
-                <a:latin typeface="Consolas" pitchFamily="49" charset="0"/>
-                <a:cs typeface="Consolas" pitchFamily="49" charset="0"/>
-              </a:rPr>
-              <a:t>i += 1</a:t>
-            </a:r>
-            <a:endParaRPr lang="en-US" sz="2600" b="1" noProof="1" smtClean="0">
-              <a:effectLst>
-                <a:outerShdw blurRad="38100" dist="38100" dir="2700000" algn="tl">
-                  <a:srgbClr val="000000">
-                    <a:alpha val="43137"/>
-                  </a:srgbClr>
-                </a:outerShdw>
-              </a:effectLst>
-              <a:latin typeface="Consolas" pitchFamily="49" charset="0"/>
-              <a:cs typeface="Consolas" pitchFamily="49" charset="0"/>
-            </a:endParaRPr>
+              <a:rPr lang="en-US" sz="3000" b="1" noProof="1" smtClean="0">
+                <a:solidFill>
+                  <a:srgbClr val="FBEEDC"/>
+                </a:solidFill>
+                <a:effectLst>
+                  <a:outerShdw blurRad="38100" dist="38100" dir="2700000" algn="tl">
+                    <a:srgbClr val="000000">
+                      <a:alpha val="43137"/>
+                    </a:srgbClr>
+                  </a:outerShdw>
+                </a:effectLst>
+                <a:latin typeface="Consolas" pitchFamily="49" charset="0"/>
+                <a:cs typeface="Consolas" pitchFamily="49" charset="0"/>
+              </a:rPr>
+              <a:t>   print()</a:t>
+            </a:r>
           </a:p>
         </p:txBody>
       </p:sp>
@@ -23460,7 +22717,7 @@
         </p:blipFill>
         <p:spPr>
           <a:xfrm>
-            <a:off x="6588332" y="4547316"/>
+            <a:off x="7076854" y="4793947"/>
             <a:ext cx="1816764" cy="1829293"/>
           </a:xfrm>
           <a:prstGeom prst="rect">
@@ -23475,6 +22732,124 @@
           </a:ln>
         </p:spPr>
       </p:pic>
+      <p:sp>
+        <p:nvSpPr>
+          <p:cNvPr id="12" name="Rectangle 5"/>
+          <p:cNvSpPr>
+            <a:spLocks noChangeArrowheads="1"/>
+          </p:cNvSpPr>
+          <p:nvPr/>
+        </p:nvSpPr>
+        <p:spPr bwMode="auto">
+          <a:xfrm>
+            <a:off x="815015" y="1619313"/>
+            <a:ext cx="6713944" cy="1292662"/>
+          </a:xfrm>
+          <a:prstGeom prst="rect">
+            <a:avLst/>
+          </a:prstGeom>
+          <a:solidFill>
+            <a:schemeClr val="accent5">
+              <a:lumMod val="40000"/>
+              <a:lumOff val="60000"/>
+              <a:alpha val="20000"/>
+            </a:schemeClr>
+          </a:solidFill>
+          <a:ln w="12700">
+            <a:solidFill>
+              <a:schemeClr val="accent5">
+                <a:lumMod val="60000"/>
+                <a:lumOff val="40000"/>
+              </a:schemeClr>
+            </a:solidFill>
+          </a:ln>
+        </p:spPr>
+        <p:txBody>
+          <a:bodyPr wrap="square">
+            <a:spAutoFit/>
+          </a:bodyPr>
+          <a:lstStyle/>
+          <a:p>
+            <a:pPr eaLnBrk="0" hangingPunct="0">
+              <a:lnSpc>
+                <a:spcPct val="130000"/>
+              </a:lnSpc>
+              <a:buClr>
+                <a:schemeClr val="accent5">
+                  <a:lumMod val="40000"/>
+                  <a:lumOff val="60000"/>
+                </a:schemeClr>
+              </a:buClr>
+              <a:buSzPct val="70000"/>
+            </a:pPr>
+            <a:r>
+              <a:rPr lang="sv-SE" sz="3000" b="1" noProof="1" smtClean="0">
+                <a:solidFill>
+                  <a:srgbClr val="FBEEDC"/>
+                </a:solidFill>
+                <a:effectLst>
+                  <a:outerShdw blurRad="38100" dist="38100" dir="2700000" algn="tl">
+                    <a:srgbClr val="000000">
+                      <a:alpha val="43137"/>
+                    </a:srgbClr>
+                  </a:outerShdw>
+                </a:effectLst>
+                <a:latin typeface="Consolas" pitchFamily="49" charset="0"/>
+                <a:cs typeface="Consolas" pitchFamily="49" charset="0"/>
+              </a:rPr>
+              <a:t>import sys</a:t>
+            </a:r>
+          </a:p>
+          <a:p>
+            <a:pPr eaLnBrk="0" hangingPunct="0">
+              <a:lnSpc>
+                <a:spcPct val="130000"/>
+              </a:lnSpc>
+              <a:buClr>
+                <a:schemeClr val="accent5">
+                  <a:lumMod val="40000"/>
+                  <a:lumOff val="60000"/>
+                </a:schemeClr>
+              </a:buClr>
+              <a:buSzPct val="70000"/>
+            </a:pPr>
+            <a:r>
+              <a:rPr lang="sv-SE" sz="3000" b="1" noProof="1" smtClean="0">
+                <a:solidFill>
+                  <a:srgbClr val="FBEEDC"/>
+                </a:solidFill>
+                <a:effectLst>
+                  <a:outerShdw blurRad="38100" dist="38100" dir="2700000" algn="tl">
+                    <a:srgbClr val="000000">
+                      <a:alpha val="43137"/>
+                    </a:srgbClr>
+                  </a:outerShdw>
+                </a:effectLst>
+                <a:latin typeface="Consolas" pitchFamily="49" charset="0"/>
+                <a:cs typeface="Consolas" pitchFamily="49" charset="0"/>
+              </a:rPr>
+              <a:t>sys.stdout.write</a:t>
+            </a:r>
+            <a:r>
+              <a:rPr lang="en-US" sz="3000" b="1" noProof="1" smtClean="0">
+                <a:solidFill>
+                  <a:srgbClr val="FBEEDC"/>
+                </a:solidFill>
+                <a:effectLst>
+                  <a:outerShdw blurRad="38100" dist="38100" dir="2700000" algn="tl">
+                    <a:srgbClr val="000000">
+                      <a:alpha val="43137"/>
+                    </a:srgbClr>
+                  </a:outerShdw>
+                </a:effectLst>
+                <a:latin typeface="Consolas" pitchFamily="49" charset="0"/>
+                <a:cs typeface="Consolas" pitchFamily="49" charset="0"/>
+              </a:rPr>
+              <a:t>('Some text')</a:t>
+            </a:r>
+          </a:p>
+        </p:txBody>
+      </p:sp>
     </p:spTree>
     <p:extLst>
       <p:ext uri="{BB962C8B-B14F-4D97-AF65-F5344CB8AC3E}">
@@ -23974,7 +23349,7 @@
             </a:r>
             <a:r>
               <a:rPr lang="en-US" dirty="0" smtClean="0"/>
-              <a:t>"</a:t>
+              <a:t>'</a:t>
             </a:r>
             <a:r>
               <a:rPr lang="en-US" dirty="0" smtClean="0">
@@ -24014,7 +23389,7 @@
             </a:r>
             <a:r>
               <a:rPr lang="en-US" dirty="0" smtClean="0"/>
-              <a:t>"</a:t>
+              <a:t>'</a:t>
             </a:r>
             <a:endParaRPr lang="bg-BG" dirty="0" smtClean="0"/>
           </a:p>
@@ -24058,23 +23433,39 @@
             </a:r>
             <a:r>
               <a:rPr lang="en-US" sz="2000" dirty="0" smtClean="0"/>
-              <a:t>"</a:t>
+              <a:t>'</a:t>
             </a:r>
             <a:r>
               <a:rPr lang="bg-BG" sz="2000" dirty="0" smtClean="0">
                 <a:hlinkClick r:id="rId4"/>
               </a:rPr>
-              <a:t>Основи на програмирането със </a:t>
+              <a:t>Основи </a:t>
+            </a:r>
+            <a:r>
+              <a:rPr lang="bg-BG" sz="2000" dirty="0" smtClean="0">
+                <a:hlinkClick r:id="rId4"/>
+              </a:rPr>
+              <a:t>на програмирането със </a:t>
             </a:r>
             <a:r>
               <a:rPr lang="en-US" sz="2000" dirty="0" smtClean="0">
                 <a:hlinkClick r:id="rId4"/>
               </a:rPr>
-              <a:t>C#"</a:t>
+              <a:t>C</a:t>
+            </a:r>
+            <a:r>
+              <a:rPr lang="en-US" sz="2000" dirty="0" smtClean="0">
+                <a:hlinkClick r:id="rId4"/>
+              </a:rPr>
+              <a:t>#'</a:t>
             </a:r>
             <a:r>
               <a:rPr lang="bg-BG" sz="2000" dirty="0" smtClean="0"/>
-              <a:t> от Светлин Наков и колектив с лиценз</a:t>
+              <a:t> </a:t>
+            </a:r>
+            <a:r>
+              <a:rPr lang="bg-BG" sz="2000" dirty="0" smtClean="0"/>
+              <a:t>от Светлин Наков и колектив с лиценз</a:t>
             </a:r>
             <a:r>
               <a:rPr lang="en-US" sz="2000" dirty="0" smtClean="0"/>
@@ -24275,7 +23666,11 @@
             </a:pPr>
             <a:r>
               <a:rPr lang="bg-BG" sz="3200" dirty="0" smtClean="0"/>
-              <a:t>Фондация "Софтуерен университет" </a:t>
+              <a:t>Фондация </a:t>
+            </a:r>
+            <a:r>
+              <a:rPr lang="bg-BG" sz="3200" dirty="0" smtClean="0"/>
+              <a:t>'Софтуерен университет' </a:t>
             </a:r>
             <a:r>
               <a:rPr lang="en-US" sz="3200" dirty="0" smtClean="0"/>
@@ -24780,12 +24175,18 @@
               <a:t>Използване на </a:t>
             </a:r>
             <a:r>
+              <a:rPr lang="en-US" b="1" dirty="0" smtClean="0">
+                <a:latin typeface="Consolas" panose="020B0609020204030204" pitchFamily="49" charset="0"/>
+              </a:rPr>
+              <a:t>for</a:t>
+            </a:r>
+            <a:r>
+              <a:rPr lang="en-US" dirty="0" smtClean="0"/>
+              <a:t>-</a:t>
+            </a:r>
+            <a:r>
               <a:rPr lang="bg-BG" dirty="0" smtClean="0"/>
-              <a:t>цикъл </a:t>
-            </a:r>
-            <a:r>
-              <a:rPr lang="bg-BG" dirty="0" smtClean="0"/>
-              <a:t>за чертане</a:t>
+              <a:t>цикъл за чертане</a:t>
             </a:r>
             <a:endParaRPr lang="en-US" dirty="0"/>
           </a:p>
@@ -25144,8 +24545,8 @@
         </p:nvSpPr>
         <p:spPr bwMode="auto">
           <a:xfrm>
-            <a:off x="836614" y="2057400"/>
-            <a:ext cx="10515598" cy="2160591"/>
+            <a:off x="835025" y="2574463"/>
+            <a:ext cx="10515598" cy="1126462"/>
           </a:xfrm>
           <a:prstGeom prst="rect">
             <a:avLst/>
@@ -25186,18 +24587,114 @@
             </a:pPr>
             <a:r>
               <a:rPr lang="en-US" sz="2800" b="1" noProof="1" smtClean="0">
-                <a:effectLst>
-                  <a:outerShdw blurRad="38100" dist="38100" dir="2700000" algn="tl">
-                    <a:srgbClr val="000000">
-                      <a:alpha val="43137"/>
-                    </a:srgbClr>
-                  </a:outerShdw>
-                </a:effectLst>
-                <a:latin typeface="Consolas" pitchFamily="49" charset="0"/>
-                <a:cs typeface="Consolas" pitchFamily="49" charset="0"/>
-              </a:rPr>
-              <a:t>i = 1</a:t>
-            </a:r>
+                <a:solidFill>
+                  <a:schemeClr val="tx2">
+                    <a:lumMod val="75000"/>
+                  </a:schemeClr>
+                </a:solidFill>
+                <a:effectLst>
+                  <a:outerShdw blurRad="38100" dist="38100" dir="2700000" algn="tl">
+                    <a:srgbClr val="000000">
+                      <a:alpha val="43137"/>
+                    </a:srgbClr>
+                  </a:outerShdw>
+                </a:effectLst>
+                <a:latin typeface="Consolas" pitchFamily="49" charset="0"/>
+                <a:cs typeface="Consolas" pitchFamily="49" charset="0"/>
+              </a:rPr>
+              <a:t>for </a:t>
+            </a:r>
+            <a:r>
+              <a:rPr lang="en-US" sz="2800" b="1" noProof="1" smtClean="0">
+                <a:effectLst>
+                  <a:outerShdw blurRad="38100" dist="38100" dir="2700000" algn="tl">
+                    <a:srgbClr val="000000">
+                      <a:alpha val="43137"/>
+                    </a:srgbClr>
+                  </a:outerShdw>
+                </a:effectLst>
+                <a:latin typeface="Consolas" pitchFamily="49" charset="0"/>
+                <a:cs typeface="Consolas" pitchFamily="49" charset="0"/>
+              </a:rPr>
+              <a:t>i </a:t>
+            </a:r>
+            <a:r>
+              <a:rPr lang="en-US" sz="2800" b="1" noProof="1" smtClean="0">
+                <a:solidFill>
+                  <a:schemeClr val="tx2">
+                    <a:lumMod val="75000"/>
+                  </a:schemeClr>
+                </a:solidFill>
+                <a:effectLst>
+                  <a:outerShdw blurRad="38100" dist="38100" dir="2700000" algn="tl">
+                    <a:srgbClr val="000000">
+                      <a:alpha val="43137"/>
+                    </a:srgbClr>
+                  </a:outerShdw>
+                </a:effectLst>
+                <a:latin typeface="Consolas" pitchFamily="49" charset="0"/>
+                <a:cs typeface="Consolas" pitchFamily="49" charset="0"/>
+              </a:rPr>
+              <a:t>in range(</a:t>
+            </a:r>
+            <a:r>
+              <a:rPr lang="en-US" sz="2800" b="1" noProof="1" smtClean="0">
+                <a:effectLst>
+                  <a:outerShdw blurRad="38100" dist="38100" dir="2700000" algn="tl">
+                    <a:srgbClr val="000000">
+                      <a:alpha val="43137"/>
+                    </a:srgbClr>
+                  </a:outerShdw>
+                </a:effectLst>
+                <a:latin typeface="Consolas" pitchFamily="49" charset="0"/>
+                <a:cs typeface="Consolas" pitchFamily="49" charset="0"/>
+              </a:rPr>
+              <a:t>10</a:t>
+            </a:r>
+            <a:r>
+              <a:rPr lang="en-US" sz="2800" b="1" noProof="1" smtClean="0">
+                <a:solidFill>
+                  <a:schemeClr val="tx2">
+                    <a:lumMod val="75000"/>
+                  </a:schemeClr>
+                </a:solidFill>
+                <a:effectLst>
+                  <a:outerShdw blurRad="38100" dist="38100" dir="2700000" algn="tl">
+                    <a:srgbClr val="000000">
+                      <a:alpha val="43137"/>
+                    </a:srgbClr>
+                  </a:outerShdw>
+                </a:effectLst>
+                <a:latin typeface="Consolas" pitchFamily="49" charset="0"/>
+                <a:cs typeface="Consolas" pitchFamily="49" charset="0"/>
+              </a:rPr>
+              <a:t>)</a:t>
+            </a:r>
+            <a:r>
+              <a:rPr lang="en-US" sz="2800" b="1" noProof="1" smtClean="0">
+                <a:effectLst>
+                  <a:outerShdw blurRad="38100" dist="38100" dir="2700000" algn="tl">
+                    <a:srgbClr val="000000">
+                      <a:alpha val="43137"/>
+                    </a:srgbClr>
+                  </a:outerShdw>
+                </a:effectLst>
+                <a:latin typeface="Consolas" pitchFamily="49" charset="0"/>
+                <a:cs typeface="Consolas" pitchFamily="49" charset="0"/>
+              </a:rPr>
+              <a:t>:</a:t>
+            </a:r>
+            <a:endParaRPr lang="en-US" sz="2800" b="1" noProof="1">
+              <a:effectLst>
+                <a:outerShdw blurRad="38100" dist="38100" dir="2700000" algn="tl">
+                  <a:srgbClr val="000000">
+                    <a:alpha val="43137"/>
+                  </a:srgbClr>
+                </a:outerShdw>
+              </a:effectLst>
+              <a:latin typeface="Consolas" pitchFamily="49" charset="0"/>
+              <a:cs typeface="Consolas" pitchFamily="49" charset="0"/>
+            </a:endParaRPr>
           </a:p>
           <a:p>
             <a:pPr eaLnBrk="0" hangingPunct="0">
@@ -25215,6 +24712,23 @@
             <a:r>
               <a:rPr lang="en-US" sz="2800" b="1" noProof="1" smtClean="0">
                 <a:solidFill>
+                  <a:srgbClr val="FBEEDC"/>
+                </a:solidFill>
+                <a:effectLst>
+                  <a:outerShdw blurRad="38100" dist="38100" dir="2700000" algn="tl">
+                    <a:srgbClr val="000000">
+                      <a:alpha val="43137"/>
+                    </a:srgbClr>
+                  </a:outerShdw>
+                </a:effectLst>
+                <a:latin typeface="Consolas" pitchFamily="49" charset="0"/>
+                <a:cs typeface="Consolas" pitchFamily="49" charset="0"/>
+              </a:rPr>
+              <a:t>   print(</a:t>
+            </a:r>
+            <a:r>
+              <a:rPr lang="en-US" sz="2800" b="1" noProof="1" smtClean="0">
+                <a:solidFill>
                   <a:schemeClr val="tx2">
                     <a:lumMod val="75000"/>
                   </a:schemeClr>
@@ -25229,184 +24743,25 @@
                 <a:latin typeface="Consolas" pitchFamily="49" charset="0"/>
                 <a:cs typeface="Consolas" pitchFamily="49" charset="0"/>
               </a:rPr>
-              <a:t>while </a:t>
+              <a:t>'*' * 10</a:t>
             </a:r>
             <a:r>
               <a:rPr lang="en-US" sz="2800" b="1" noProof="1" smtClean="0">
-                <a:effectLst>
-                  <a:outerShdw blurRad="38100" dist="38100" dir="2700000" algn="tl">
-                    <a:srgbClr val="000000">
-                      <a:alpha val="43137"/>
-                    </a:srgbClr>
-                  </a:outerShdw>
-                </a:effectLst>
-                <a:latin typeface="Consolas" pitchFamily="49" charset="0"/>
-                <a:cs typeface="Consolas" pitchFamily="49" charset="0"/>
-              </a:rPr>
-              <a:t>i &lt;= 10</a:t>
-            </a:r>
-            <a:r>
-              <a:rPr lang="en-US" sz="2800" b="1" noProof="1" smtClean="0">
-                <a:solidFill>
-                  <a:schemeClr val="tx2">
-                    <a:lumMod val="75000"/>
-                  </a:schemeClr>
-                </a:solidFill>
-                <a:effectLst>
-                  <a:outerShdw blurRad="38100" dist="38100" dir="2700000" algn="tl">
-                    <a:srgbClr val="000000">
-                      <a:alpha val="43137"/>
-                    </a:srgbClr>
-                  </a:outerShdw>
-                </a:effectLst>
-                <a:latin typeface="Consolas" pitchFamily="49" charset="0"/>
-                <a:cs typeface="Consolas" pitchFamily="49" charset="0"/>
-              </a:rPr>
-              <a:t>:</a:t>
-            </a:r>
-          </a:p>
-          <a:p>
-            <a:pPr eaLnBrk="0" hangingPunct="0">
-              <a:lnSpc>
-                <a:spcPct val="120000"/>
-              </a:lnSpc>
-              <a:buClr>
-                <a:schemeClr val="accent5">
-                  <a:lumMod val="40000"/>
-                  <a:lumOff val="60000"/>
-                </a:schemeClr>
-              </a:buClr>
-              <a:buSzPct val="70000"/>
-            </a:pPr>
-            <a:r>
-              <a:rPr lang="en-US" sz="2800" b="1" noProof="1" smtClean="0">
-                <a:solidFill>
-                  <a:schemeClr val="tx2">
-                    <a:lumMod val="75000"/>
-                  </a:schemeClr>
-                </a:solidFill>
-                <a:effectLst>
-                  <a:outerShdw blurRad="38100" dist="38100" dir="2700000" algn="tl">
-                    <a:srgbClr val="000000">
-                      <a:alpha val="43137"/>
-                    </a:srgbClr>
-                  </a:outerShdw>
-                </a:effectLst>
-                <a:latin typeface="Consolas" pitchFamily="49" charset="0"/>
-                <a:cs typeface="Consolas" pitchFamily="49" charset="0"/>
-              </a:rPr>
-              <a:t>    </a:t>
-            </a:r>
-            <a:r>
-              <a:rPr lang="en-US" sz="2800" b="1" noProof="1" smtClean="0">
-                <a:effectLst>
-                  <a:outerShdw blurRad="38100" dist="38100" dir="2700000" algn="tl">
-                    <a:srgbClr val="000000">
-                      <a:alpha val="43137"/>
-                    </a:srgbClr>
-                  </a:outerShdw>
-                </a:effectLst>
-                <a:latin typeface="Consolas" pitchFamily="49" charset="0"/>
-                <a:cs typeface="Consolas" pitchFamily="49" charset="0"/>
-              </a:rPr>
-              <a:t>print</a:t>
-            </a:r>
-            <a:r>
-              <a:rPr lang="en-US" sz="2800" b="1" noProof="1" smtClean="0">
-                <a:solidFill>
-                  <a:schemeClr val="tx2">
-                    <a:lumMod val="75000"/>
-                  </a:schemeClr>
-                </a:solidFill>
-                <a:effectLst>
-                  <a:outerShdw blurRad="38100" dist="38100" dir="2700000" algn="tl">
-                    <a:srgbClr val="000000">
-                      <a:alpha val="43137"/>
-                    </a:srgbClr>
-                  </a:outerShdw>
-                </a:effectLst>
-                <a:latin typeface="Consolas" pitchFamily="49" charset="0"/>
-                <a:cs typeface="Consolas" pitchFamily="49" charset="0"/>
-              </a:rPr>
-              <a:t>("*" * 10)</a:t>
-            </a:r>
-          </a:p>
-          <a:p>
-            <a:pPr eaLnBrk="0" hangingPunct="0">
-              <a:lnSpc>
-                <a:spcPct val="120000"/>
-              </a:lnSpc>
-              <a:buClr>
-                <a:schemeClr val="accent5">
-                  <a:lumMod val="40000"/>
-                  <a:lumOff val="60000"/>
-                </a:schemeClr>
-              </a:buClr>
-              <a:buSzPct val="70000"/>
-            </a:pPr>
-            <a:r>
-              <a:rPr lang="en-US" sz="2800" b="1" noProof="1">
-                <a:solidFill>
-                  <a:schemeClr val="tx2">
-                    <a:lumMod val="75000"/>
-                  </a:schemeClr>
-                </a:solidFill>
-                <a:effectLst>
-                  <a:outerShdw blurRad="38100" dist="38100" dir="2700000" algn="tl">
-                    <a:srgbClr val="000000">
-                      <a:alpha val="43137"/>
-                    </a:srgbClr>
-                  </a:outerShdw>
-                </a:effectLst>
-                <a:latin typeface="Consolas" pitchFamily="49" charset="0"/>
-                <a:cs typeface="Consolas" pitchFamily="49" charset="0"/>
-              </a:rPr>
-              <a:t> </a:t>
-            </a:r>
-            <a:r>
-              <a:rPr lang="en-US" sz="2800" b="1" noProof="1" smtClean="0">
-                <a:solidFill>
-                  <a:schemeClr val="tx2">
-                    <a:lumMod val="75000"/>
-                  </a:schemeClr>
-                </a:solidFill>
-                <a:effectLst>
-                  <a:outerShdw blurRad="38100" dist="38100" dir="2700000" algn="tl">
-                    <a:srgbClr val="000000">
-                      <a:alpha val="43137"/>
-                    </a:srgbClr>
-                  </a:outerShdw>
-                </a:effectLst>
-                <a:latin typeface="Consolas" pitchFamily="49" charset="0"/>
-                <a:cs typeface="Consolas" pitchFamily="49" charset="0"/>
-              </a:rPr>
-              <a:t>   </a:t>
-            </a:r>
-            <a:r>
-              <a:rPr lang="en-US" sz="2800" b="1" noProof="1" smtClean="0">
-                <a:effectLst>
-                  <a:outerShdw blurRad="38100" dist="38100" dir="2700000" algn="tl">
-                    <a:srgbClr val="000000">
-                      <a:alpha val="43137"/>
-                    </a:srgbClr>
-                  </a:outerShdw>
-                </a:effectLst>
-                <a:latin typeface="Consolas" pitchFamily="49" charset="0"/>
-                <a:cs typeface="Consolas" pitchFamily="49" charset="0"/>
-              </a:rPr>
-              <a:t>i += 1</a:t>
-            </a:r>
-            <a:endParaRPr lang="en-US" sz="2800" b="1" noProof="1">
-              <a:effectLst>
-                <a:outerShdw blurRad="38100" dist="38100" dir="2700000" algn="tl">
-                  <a:srgbClr val="000000">
-                    <a:alpha val="43137"/>
-                  </a:srgbClr>
-                </a:outerShdw>
-              </a:effectLst>
-              <a:latin typeface="Consolas" pitchFamily="49" charset="0"/>
-              <a:cs typeface="Consolas" pitchFamily="49" charset="0"/>
-            </a:endParaRPr>
+                <a:solidFill>
+                  <a:srgbClr val="FBEEDC"/>
+                </a:solidFill>
+                <a:effectLst>
+                  <a:outerShdw blurRad="38100" dist="38100" dir="2700000" algn="tl">
+                    <a:srgbClr val="000000">
+                      <a:alpha val="43137"/>
+                    </a:srgbClr>
+                  </a:outerShdw>
+                </a:effectLst>
+                <a:latin typeface="Consolas" pitchFamily="49" charset="0"/>
+                <a:cs typeface="Consolas" pitchFamily="49" charset="0"/>
+              </a:rPr>
+              <a:t>)</a:t>
+            </a:r>
           </a:p>
         </p:txBody>
       </p:sp>
@@ -25490,8 +24845,8 @@
         </p:blipFill>
         <p:spPr>
           <a:xfrm>
-            <a:off x="8275768" y="2057400"/>
-            <a:ext cx="3397956" cy="2928782"/>
+            <a:off x="9407762" y="1788580"/>
+            <a:ext cx="2477850" cy="2698229"/>
           </a:xfrm>
           <a:prstGeom prst="rect">
             <a:avLst/>
@@ -25710,8 +25065,8 @@
         </p:nvSpPr>
         <p:spPr bwMode="auto">
           <a:xfrm>
-            <a:off x="760414" y="2130240"/>
-            <a:ext cx="10667998" cy="2862322"/>
+            <a:off x="760414" y="2938838"/>
+            <a:ext cx="10667998" cy="1754326"/>
           </a:xfrm>
           <a:prstGeom prst="rect">
             <a:avLst/>
@@ -25751,7 +25106,24 @@
               <a:buSzPct val="70000"/>
             </a:pPr>
             <a:r>
-              <a:rPr lang="en-US" sz="3000" b="1" noProof="1" smtClean="0">
+              <a:rPr lang="en-US" sz="3000" b="1" noProof="1">
+                <a:solidFill>
+                  <a:srgbClr val="FBEEDC"/>
+                </a:solidFill>
+                <a:effectLst>
+                  <a:outerShdw blurRad="38100" dist="38100" dir="2700000" algn="tl">
+                    <a:srgbClr val="000000">
+                      <a:alpha val="43137"/>
+                    </a:srgbClr>
+                  </a:outerShdw>
+                </a:effectLst>
+                <a:latin typeface="Consolas" pitchFamily="49" charset="0"/>
+                <a:cs typeface="Consolas" pitchFamily="49" charset="0"/>
+              </a:rPr>
+              <a:t>int </a:t>
+            </a:r>
+            <a:r>
+              <a:rPr lang="en-US" sz="3000" b="1" noProof="1">
                 <a:solidFill>
                   <a:schemeClr val="tx2">
                     <a:lumMod val="75000"/>
@@ -25770,23 +25142,6 @@
               <a:t>n</a:t>
             </a:r>
             <a:r>
-              <a:rPr lang="en-US" sz="3000" b="1" noProof="1" smtClean="0">
-                <a:solidFill>
-                  <a:srgbClr val="FBEEDC"/>
-                </a:solidFill>
-                <a:effectLst>
-                  <a:outerShdw blurRad="38100" dist="38100" dir="2700000" algn="tl">
-                    <a:srgbClr val="000000">
-                      <a:alpha val="43137"/>
-                    </a:srgbClr>
-                  </a:outerShdw>
-                </a:effectLst>
-                <a:latin typeface="Consolas" pitchFamily="49" charset="0"/>
-                <a:cs typeface="Consolas" pitchFamily="49" charset="0"/>
-              </a:rPr>
-              <a:t> </a:t>
-            </a:r>
-            <a:r>
               <a:rPr lang="en-US" sz="3000" b="1" noProof="1">
                 <a:solidFill>
                   <a:srgbClr val="FBEEDC"/>
@@ -25801,7 +25156,7 @@
                 <a:latin typeface="Consolas" pitchFamily="49" charset="0"/>
                 <a:cs typeface="Consolas" pitchFamily="49" charset="0"/>
               </a:rPr>
-              <a:t>= </a:t>
+              <a:t> = </a:t>
             </a:r>
             <a:r>
               <a:rPr lang="en-US" sz="3000" b="1" noProof="1" smtClean="0">
@@ -25850,17 +25205,75 @@
             </a:pPr>
             <a:r>
               <a:rPr lang="en-US" sz="3000" b="1" noProof="1" smtClean="0">
-                <a:effectLst>
-                  <a:outerShdw blurRad="38100" dist="38100" dir="2700000" algn="tl">
-                    <a:srgbClr val="000000">
-                      <a:alpha val="43137"/>
-                    </a:srgbClr>
-                  </a:outerShdw>
-                </a:effectLst>
-                <a:latin typeface="Consolas" pitchFamily="49" charset="0"/>
-                <a:cs typeface="Consolas" pitchFamily="49" charset="0"/>
-              </a:rPr>
-              <a:t>i = 0</a:t>
+                <a:solidFill>
+                  <a:schemeClr val="tx2">
+                    <a:lumMod val="75000"/>
+                  </a:schemeClr>
+                </a:solidFill>
+                <a:effectLst>
+                  <a:outerShdw blurRad="38100" dist="38100" dir="2700000" algn="tl">
+                    <a:srgbClr val="000000">
+                      <a:alpha val="43137"/>
+                    </a:srgbClr>
+                  </a:outerShdw>
+                </a:effectLst>
+                <a:latin typeface="Consolas" pitchFamily="49" charset="0"/>
+                <a:cs typeface="Consolas" pitchFamily="49" charset="0"/>
+              </a:rPr>
+              <a:t>for</a:t>
+            </a:r>
+            <a:r>
+              <a:rPr lang="en-US" sz="3000" b="1" noProof="1" smtClean="0">
+                <a:solidFill>
+                  <a:srgbClr val="FBEEDC"/>
+                </a:solidFill>
+                <a:effectLst>
+                  <a:outerShdw blurRad="38100" dist="38100" dir="2700000" algn="tl">
+                    <a:srgbClr val="000000">
+                      <a:alpha val="43137"/>
+                    </a:srgbClr>
+                  </a:outerShdw>
+                </a:effectLst>
+                <a:latin typeface="Consolas" pitchFamily="49" charset="0"/>
+                <a:cs typeface="Consolas" pitchFamily="49" charset="0"/>
+              </a:rPr>
+              <a:t> i </a:t>
+            </a:r>
+            <a:r>
+              <a:rPr lang="en-US" sz="3000" b="1" noProof="1" smtClean="0">
+                <a:solidFill>
+                  <a:schemeClr val="tx2">
+                    <a:lumMod val="75000"/>
+                  </a:schemeClr>
+                </a:solidFill>
+                <a:effectLst>
+                  <a:outerShdw blurRad="38100" dist="38100" dir="2700000" algn="tl">
+                    <a:srgbClr val="000000">
+                      <a:alpha val="43137"/>
+                    </a:srgbClr>
+                  </a:outerShdw>
+                </a:effectLst>
+                <a:latin typeface="Consolas" pitchFamily="49" charset="0"/>
+                <a:cs typeface="Consolas" pitchFamily="49" charset="0"/>
+              </a:rPr>
+              <a:t>in range</a:t>
+            </a:r>
+            <a:r>
+              <a:rPr lang="en-US" sz="3000" b="1" noProof="1" smtClean="0">
+                <a:solidFill>
+                  <a:srgbClr val="FBEEDC"/>
+                </a:solidFill>
+                <a:effectLst>
+                  <a:outerShdw blurRad="38100" dist="38100" dir="2700000" algn="tl">
+                    <a:srgbClr val="000000">
+                      <a:alpha val="43137"/>
+                    </a:srgbClr>
+                  </a:outerShdw>
+                </a:effectLst>
+                <a:latin typeface="Consolas" pitchFamily="49" charset="0"/>
+                <a:cs typeface="Consolas" pitchFamily="49" charset="0"/>
+              </a:rPr>
+              <a:t>(n):</a:t>
             </a:r>
           </a:p>
           <a:p>
@@ -25879,6 +25292,23 @@
             <a:r>
               <a:rPr lang="en-US" sz="3000" b="1" noProof="1" smtClean="0">
                 <a:solidFill>
+                  <a:srgbClr val="FBEEDC"/>
+                </a:solidFill>
+                <a:effectLst>
+                  <a:outerShdw blurRad="38100" dist="38100" dir="2700000" algn="tl">
+                    <a:srgbClr val="000000">
+                      <a:alpha val="43137"/>
+                    </a:srgbClr>
+                  </a:outerShdw>
+                </a:effectLst>
+                <a:latin typeface="Consolas" pitchFamily="49" charset="0"/>
+                <a:cs typeface="Consolas" pitchFamily="49" charset="0"/>
+              </a:rPr>
+              <a:t>   print(</a:t>
+            </a:r>
+            <a:r>
+              <a:rPr lang="en-US" sz="3000" b="1" noProof="1" smtClean="0">
+                <a:solidFill>
                   <a:schemeClr val="tx2">
                     <a:lumMod val="75000"/>
                   </a:schemeClr>
@@ -25893,124 +25323,10 @@
                 <a:latin typeface="Consolas" pitchFamily="49" charset="0"/>
                 <a:cs typeface="Consolas" pitchFamily="49" charset="0"/>
               </a:rPr>
-              <a:t>while </a:t>
+              <a:t>'*' * n</a:t>
             </a:r>
             <a:r>
               <a:rPr lang="en-US" sz="3000" b="1" noProof="1" smtClean="0">
-                <a:effectLst>
-                  <a:outerShdw blurRad="38100" dist="38100" dir="2700000" algn="tl">
-                    <a:srgbClr val="000000">
-                      <a:alpha val="43137"/>
-                    </a:srgbClr>
-                  </a:outerShdw>
-                </a:effectLst>
-                <a:latin typeface="Consolas" pitchFamily="49" charset="0"/>
-                <a:cs typeface="Consolas" pitchFamily="49" charset="0"/>
-              </a:rPr>
-              <a:t>i &lt; n</a:t>
-            </a:r>
-            <a:r>
-              <a:rPr lang="en-US" sz="3000" b="1" noProof="1" smtClean="0">
-                <a:solidFill>
-                  <a:schemeClr val="tx2">
-                    <a:lumMod val="75000"/>
-                  </a:schemeClr>
-                </a:solidFill>
-                <a:effectLst>
-                  <a:outerShdw blurRad="38100" dist="38100" dir="2700000" algn="tl">
-                    <a:srgbClr val="000000">
-                      <a:alpha val="43137"/>
-                    </a:srgbClr>
-                  </a:outerShdw>
-                </a:effectLst>
-                <a:latin typeface="Consolas" pitchFamily="49" charset="0"/>
-                <a:cs typeface="Consolas" pitchFamily="49" charset="0"/>
-              </a:rPr>
-              <a:t>:</a:t>
-            </a:r>
-            <a:endParaRPr lang="en-US" sz="3000" b="1" noProof="1">
-              <a:solidFill>
-                <a:srgbClr val="FBEEDC"/>
-              </a:solidFill>
-              <a:effectLst>
-                <a:outerShdw blurRad="38100" dist="38100" dir="2700000" algn="tl">
-                  <a:srgbClr val="000000">
-                    <a:alpha val="43137"/>
-                  </a:srgbClr>
-                </a:outerShdw>
-              </a:effectLst>
-              <a:latin typeface="Consolas" pitchFamily="49" charset="0"/>
-              <a:cs typeface="Consolas" pitchFamily="49" charset="0"/>
-            </a:endParaRPr>
-          </a:p>
-          <a:p>
-            <a:pPr eaLnBrk="0" hangingPunct="0">
-              <a:lnSpc>
-                <a:spcPct val="120000"/>
-              </a:lnSpc>
-              <a:buClr>
-                <a:schemeClr val="accent5">
-                  <a:lumMod val="40000"/>
-                  <a:lumOff val="60000"/>
-                </a:schemeClr>
-              </a:buClr>
-              <a:buSzPct val="70000"/>
-            </a:pPr>
-            <a:r>
-              <a:rPr lang="en-US" sz="3000" b="1" noProof="1" smtClean="0">
-                <a:solidFill>
-                  <a:srgbClr val="FBEEDC"/>
-                </a:solidFill>
-                <a:effectLst>
-                  <a:outerShdw blurRad="38100" dist="38100" dir="2700000" algn="tl">
-                    <a:srgbClr val="000000">
-                      <a:alpha val="43137"/>
-                    </a:srgbClr>
-                  </a:outerShdw>
-                </a:effectLst>
-                <a:latin typeface="Consolas" pitchFamily="49" charset="0"/>
-                <a:cs typeface="Consolas" pitchFamily="49" charset="0"/>
-              </a:rPr>
-              <a:t>   </a:t>
-            </a:r>
-            <a:r>
-              <a:rPr lang="en-US" sz="3000" b="1" noProof="1" smtClean="0">
-                <a:solidFill>
-                  <a:srgbClr val="FBEEDC"/>
-                </a:solidFill>
-                <a:effectLst>
-                  <a:outerShdw blurRad="38100" dist="38100" dir="2700000" algn="tl">
-                    <a:srgbClr val="000000">
-                      <a:alpha val="43137"/>
-                    </a:srgbClr>
-                  </a:outerShdw>
-                </a:effectLst>
-                <a:latin typeface="Consolas" pitchFamily="49" charset="0"/>
-                <a:cs typeface="Consolas" pitchFamily="49" charset="0"/>
-              </a:rPr>
-              <a:t>print(</a:t>
-            </a:r>
-            <a:r>
-              <a:rPr lang="en-US" sz="3000" b="1" noProof="1" smtClean="0">
-                <a:solidFill>
-                  <a:schemeClr val="tx2">
-                    <a:lumMod val="75000"/>
-                  </a:schemeClr>
-                </a:solidFill>
-                <a:effectLst>
-                  <a:outerShdw blurRad="38100" dist="38100" dir="2700000" algn="tl">
-                    <a:srgbClr val="000000">
-                      <a:alpha val="43137"/>
-                    </a:srgbClr>
-                  </a:outerShdw>
-                </a:effectLst>
-                <a:latin typeface="Consolas" pitchFamily="49" charset="0"/>
-                <a:cs typeface="Consolas" pitchFamily="49" charset="0"/>
-              </a:rPr>
-              <a:t>'*' * n</a:t>
-            </a:r>
-            <a:r>
-              <a:rPr lang="en-US" sz="3000" b="1" noProof="1" smtClean="0">
                 <a:solidFill>
                   <a:srgbClr val="FBEEDC"/>
                 </a:solidFill>
@@ -26026,82 +25342,6 @@
               </a:rPr>
               <a:t>)</a:t>
             </a:r>
-            <a:endParaRPr lang="en-US" sz="3000" b="1" noProof="1">
-              <a:solidFill>
-                <a:srgbClr val="FBEEDC"/>
-              </a:solidFill>
-              <a:effectLst>
-                <a:outerShdw blurRad="38100" dist="38100" dir="2700000" algn="tl">
-                  <a:srgbClr val="000000">
-                    <a:alpha val="43137"/>
-                  </a:srgbClr>
-                </a:outerShdw>
-              </a:effectLst>
-              <a:latin typeface="Consolas" pitchFamily="49" charset="0"/>
-              <a:cs typeface="Consolas" pitchFamily="49" charset="0"/>
-            </a:endParaRPr>
-          </a:p>
-          <a:p>
-            <a:pPr eaLnBrk="0" hangingPunct="0">
-              <a:lnSpc>
-                <a:spcPct val="120000"/>
-              </a:lnSpc>
-              <a:buClr>
-                <a:schemeClr val="accent5">
-                  <a:lumMod val="40000"/>
-                  <a:lumOff val="60000"/>
-                </a:schemeClr>
-              </a:buClr>
-              <a:buSzPct val="70000"/>
-            </a:pPr>
-            <a:r>
-              <a:rPr lang="en-US" sz="3000" b="1" noProof="1" smtClean="0">
-                <a:solidFill>
-                  <a:srgbClr val="FBEEDC"/>
-                </a:solidFill>
-                <a:effectLst>
-                  <a:outerShdw blurRad="38100" dist="38100" dir="2700000" algn="tl">
-                    <a:srgbClr val="000000">
-                      <a:alpha val="43137"/>
-                    </a:srgbClr>
-                  </a:outerShdw>
-                </a:effectLst>
-                <a:latin typeface="Consolas" pitchFamily="49" charset="0"/>
-                <a:cs typeface="Consolas" pitchFamily="49" charset="0"/>
-              </a:rPr>
-              <a:t> </a:t>
-            </a:r>
-            <a:r>
-              <a:rPr lang="en-US" sz="3000" b="1" noProof="1" smtClean="0">
-                <a:solidFill>
-                  <a:srgbClr val="FBEEDC"/>
-                </a:solidFill>
-                <a:effectLst>
-                  <a:outerShdw blurRad="38100" dist="38100" dir="2700000" algn="tl">
-                    <a:srgbClr val="000000">
-                      <a:alpha val="43137"/>
-                    </a:srgbClr>
-                  </a:outerShdw>
-                </a:effectLst>
-                <a:latin typeface="Consolas" pitchFamily="49" charset="0"/>
-                <a:cs typeface="Consolas" pitchFamily="49" charset="0"/>
-              </a:rPr>
-              <a:t>  i += 1</a:t>
-            </a:r>
-            <a:endParaRPr lang="en-US" sz="3000" b="1" noProof="1" smtClean="0">
-              <a:solidFill>
-                <a:srgbClr val="FBEEDC"/>
-              </a:solidFill>
-              <a:effectLst>
-                <a:outerShdw blurRad="38100" dist="38100" dir="2700000" algn="tl">
-                  <a:srgbClr val="000000">
-                    <a:alpha val="43137"/>
-                  </a:srgbClr>
-                </a:outerShdw>
-              </a:effectLst>
-              <a:latin typeface="Consolas" pitchFamily="49" charset="0"/>
-              <a:cs typeface="Consolas" pitchFamily="49" charset="0"/>
-            </a:endParaRPr>
           </a:p>
         </p:txBody>
       </p:sp>
@@ -26185,8 +25425,8 @@
         </p:blipFill>
         <p:spPr>
           <a:xfrm>
-            <a:off x="6280075" y="3240780"/>
-            <a:ext cx="5715159" cy="2452756"/>
+            <a:off x="6780053" y="2818540"/>
+            <a:ext cx="4648359" cy="1994921"/>
           </a:xfrm>
           <a:prstGeom prst="rect">
             <a:avLst/>
@@ -26240,64 +25480,14 @@
       </p:grpSpPr>
       <p:sp>
         <p:nvSpPr>
-          <p:cNvPr id="3" name="Content Placeholder 2"/>
-          <p:cNvSpPr>
-            <a:spLocks noGrp="1"/>
-          </p:cNvSpPr>
-          <p:nvPr>
-            <p:ph idx="1"/>
-          </p:nvPr>
-        </p:nvSpPr>
-        <p:spPr/>
-        <p:txBody>
-          <a:bodyPr/>
-          <a:lstStyle/>
-          <a:p>
-            <a:r>
-              <a:rPr lang="bg-BG" dirty="0" smtClean="0">
-                <a:solidFill>
-                  <a:schemeClr val="tx2">
-                    <a:lumMod val="75000"/>
-                  </a:schemeClr>
-                </a:solidFill>
-              </a:rPr>
-              <a:t>Вложени цикли </a:t>
-            </a:r>
-            <a:r>
-              <a:rPr lang="bg-BG" dirty="0" smtClean="0"/>
-              <a:t>== цикъл съдържа в себе си друг цикъл</a:t>
-            </a:r>
-          </a:p>
-          <a:p>
-            <a:pPr lvl="1"/>
-            <a:r>
-              <a:rPr lang="bg-BG" dirty="0" smtClean="0"/>
-              <a:t>Двата цикъла въртят различни променливи</a:t>
-            </a:r>
-          </a:p>
-          <a:p>
-            <a:r>
-              <a:rPr lang="bg-BG" dirty="0" smtClean="0"/>
-              <a:t>Пример</a:t>
-            </a:r>
-            <a:r>
-              <a:rPr lang="bg-BG" dirty="0" smtClean="0"/>
-              <a:t>:</a:t>
-            </a:r>
-            <a:endParaRPr lang="en-US" dirty="0"/>
-          </a:p>
-        </p:txBody>
-      </p:sp>
-      <p:sp>
-        <p:nvSpPr>
-          <p:cNvPr id="11" name="Rectangle 10"/>
+          <p:cNvPr id="7" name="Rectangle 6"/>
           <p:cNvSpPr/>
           <p:nvPr/>
         </p:nvSpPr>
         <p:spPr>
           <a:xfrm>
-            <a:off x="1772015" y="5031033"/>
-            <a:ext cx="3898542" cy="1020580"/>
+            <a:off x="1293812" y="4399526"/>
+            <a:ext cx="9854484" cy="1379256"/>
           </a:xfrm>
           <a:prstGeom prst="rect">
             <a:avLst/>
@@ -26350,14 +25540,157 @@
       </p:sp>
       <p:sp>
         <p:nvSpPr>
-          <p:cNvPr id="7" name="Rectangle 6"/>
+          <p:cNvPr id="2" name="Slide Number Placeholder 1"/>
+          <p:cNvSpPr>
+            <a:spLocks noGrp="1"/>
+          </p:cNvSpPr>
+          <p:nvPr>
+            <p:ph type="sldNum" sz="quarter" idx="4"/>
+          </p:nvPr>
+        </p:nvSpPr>
+        <p:spPr/>
+        <p:txBody>
+          <a:bodyPr/>
+          <a:lstStyle/>
+          <a:p>
+            <a:fld id="{C014DD1E-5D91-48A3-AD6D-45FBA980D106}" type="slidenum">
+              <a:rPr lang="en-US" smtClean="0"/>
+              <a:pPr/>
+              <a:t>6</a:t>
+            </a:fld>
+            <a:endParaRPr lang="en-US" dirty="0"/>
+          </a:p>
+        </p:txBody>
+      </p:sp>
+      <p:sp>
+        <p:nvSpPr>
+          <p:cNvPr id="3" name="Content Placeholder 2"/>
+          <p:cNvSpPr>
+            <a:spLocks noGrp="1"/>
+          </p:cNvSpPr>
+          <p:nvPr>
+            <p:ph idx="1"/>
+          </p:nvPr>
+        </p:nvSpPr>
+        <p:spPr/>
+        <p:txBody>
+          <a:bodyPr/>
+          <a:lstStyle/>
+          <a:p>
+            <a:r>
+              <a:rPr lang="bg-BG" dirty="0" smtClean="0">
+                <a:solidFill>
+                  <a:schemeClr val="tx2">
+                    <a:lumMod val="75000"/>
+                  </a:schemeClr>
+                </a:solidFill>
+              </a:rPr>
+              <a:t>Вложени цикли </a:t>
+            </a:r>
+            <a:r>
+              <a:rPr lang="bg-BG" dirty="0" smtClean="0"/>
+              <a:t>== цикъл съдържа в себе си друг цикъл</a:t>
+            </a:r>
+          </a:p>
+          <a:p>
+            <a:pPr lvl="1"/>
+            <a:r>
+              <a:rPr lang="bg-BG" dirty="0" smtClean="0"/>
+              <a:t>Двата цикъла въртят различни променливи</a:t>
+            </a:r>
+          </a:p>
+          <a:p>
+            <a:r>
+              <a:rPr lang="bg-BG" dirty="0" smtClean="0"/>
+              <a:t>Пример: външен цикъл </a:t>
+            </a:r>
+            <a:r>
+              <a:rPr lang="en-US" dirty="0" smtClean="0"/>
+              <a:t>(</a:t>
+            </a:r>
+            <a:r>
+              <a:rPr lang="bg-BG" dirty="0" smtClean="0"/>
+              <a:t>по </a:t>
+            </a:r>
+            <a:r>
+              <a:rPr lang="en-US" b="1" dirty="0" smtClean="0">
+                <a:solidFill>
+                  <a:schemeClr val="tx2">
+                    <a:lumMod val="75000"/>
+                  </a:schemeClr>
+                </a:solidFill>
+                <a:latin typeface="Consolas" panose="020B0609020204030204" pitchFamily="49" charset="0"/>
+              </a:rPr>
+              <a:t>row</a:t>
+            </a:r>
+            <a:r>
+              <a:rPr lang="en-US" dirty="0" smtClean="0"/>
+              <a:t>)</a:t>
+            </a:r>
+            <a:r>
+              <a:rPr lang="bg-BG" dirty="0" smtClean="0"/>
+              <a:t> и вътрешен цикъл</a:t>
+            </a:r>
+            <a:r>
+              <a:rPr lang="en-US" dirty="0" smtClean="0"/>
+              <a:t> </a:t>
+            </a:r>
+            <a:r>
+              <a:rPr lang="bg-BG" dirty="0" smtClean="0"/>
+              <a:t>(по </a:t>
+            </a:r>
+            <a:r>
+              <a:rPr lang="en-US" b="1" dirty="0" smtClean="0">
+                <a:solidFill>
+                  <a:schemeClr val="tx2">
+                    <a:lumMod val="75000"/>
+                  </a:schemeClr>
+                </a:solidFill>
+                <a:latin typeface="Consolas" panose="020B0609020204030204" pitchFamily="49" charset="0"/>
+              </a:rPr>
+              <a:t>col</a:t>
+            </a:r>
+            <a:r>
+              <a:rPr lang="en-US" dirty="0" smtClean="0"/>
+              <a:t>)</a:t>
+            </a:r>
+            <a:endParaRPr lang="en-US" dirty="0"/>
+          </a:p>
+        </p:txBody>
+      </p:sp>
+      <p:sp>
+        <p:nvSpPr>
+          <p:cNvPr id="4" name="Title 3"/>
+          <p:cNvSpPr>
+            <a:spLocks noGrp="1"/>
+          </p:cNvSpPr>
+          <p:nvPr>
+            <p:ph type="title"/>
+          </p:nvPr>
+        </p:nvSpPr>
+        <p:spPr/>
+        <p:txBody>
+          <a:bodyPr/>
+          <a:lstStyle/>
+          <a:p>
+            <a:r>
+              <a:rPr lang="bg-BG" dirty="0" smtClean="0"/>
+              <a:t>Вложени цикли</a:t>
+            </a:r>
+            <a:endParaRPr lang="en-US" dirty="0"/>
+          </a:p>
+        </p:txBody>
+      </p:sp>
+      <p:sp>
+        <p:nvSpPr>
+          <p:cNvPr id="11" name="Rectangle 10"/>
           <p:cNvSpPr/>
           <p:nvPr/>
         </p:nvSpPr>
         <p:spPr>
           <a:xfrm>
-            <a:off x="1119559" y="4264048"/>
-            <a:ext cx="9854484" cy="2365352"/>
+            <a:off x="1851896" y="4847866"/>
+            <a:ext cx="4267200" cy="492187"/>
           </a:xfrm>
           <a:prstGeom prst="rect">
             <a:avLst/>
@@ -26410,30 +25743,6 @@
       </p:sp>
       <p:sp>
         <p:nvSpPr>
-          <p:cNvPr id="2" name="Slide Number Placeholder 1"/>
-          <p:cNvSpPr>
-            <a:spLocks noGrp="1"/>
-          </p:cNvSpPr>
-          <p:nvPr>
-            <p:ph type="sldNum" sz="quarter" idx="4"/>
-          </p:nvPr>
-        </p:nvSpPr>
-        <p:spPr/>
-        <p:txBody>
-          <a:bodyPr/>
-          <a:lstStyle/>
-          <a:p>
-            <a:fld id="{C014DD1E-5D91-48A3-AD6D-45FBA980D106}" type="slidenum">
-              <a:rPr lang="en-US" smtClean="0"/>
-              <a:pPr/>
-              <a:t>6</a:t>
-            </a:fld>
-            <a:endParaRPr lang="en-US" dirty="0"/>
-          </a:p>
-        </p:txBody>
-      </p:sp>
-      <p:sp>
-        <p:nvSpPr>
           <p:cNvPr id="5" name="Rectangle 4"/>
           <p:cNvSpPr>
             <a:spLocks noChangeArrowheads="1"/>
@@ -26442,8 +25751,8 @@
         </p:nvSpPr>
         <p:spPr bwMode="auto">
           <a:xfrm>
-            <a:off x="684214" y="3388412"/>
-            <a:ext cx="10820398" cy="3320076"/>
+            <a:off x="682625" y="3404286"/>
+            <a:ext cx="10820398" cy="2462213"/>
           </a:xfrm>
           <a:prstGeom prst="rect">
             <a:avLst/>
@@ -26483,7 +25792,7 @@
               <a:buSzPct val="70000"/>
             </a:pPr>
             <a:r>
-              <a:rPr lang="en-US" b="1" noProof="1" smtClean="0">
+              <a:rPr lang="en-US" sz="2800" b="1" noProof="1" smtClean="0">
                 <a:solidFill>
                   <a:schemeClr val="tx2">
                     <a:lumMod val="75000"/>
@@ -26499,7 +25808,7 @@
                 <a:latin typeface="Consolas" pitchFamily="49" charset="0"/>
                 <a:cs typeface="Consolas" pitchFamily="49" charset="0"/>
               </a:rPr>
-              <a:t>i = 0</a:t>
+              <a:t>import sys</a:t>
             </a:r>
           </a:p>
           <a:p>
@@ -26516,7 +25825,7 @@
               <a:buSzPct val="70000"/>
             </a:pPr>
             <a:r>
-              <a:rPr lang="en-US" b="1" noProof="1" smtClean="0">
+              <a:rPr lang="en-US" sz="2800" b="1" noProof="1" smtClean="0">
                 <a:solidFill>
                   <a:schemeClr val="tx2">
                     <a:lumMod val="75000"/>
@@ -26532,24 +25841,27 @@
                 <a:latin typeface="Consolas" pitchFamily="49" charset="0"/>
                 <a:cs typeface="Consolas" pitchFamily="49" charset="0"/>
               </a:rPr>
-              <a:t>while i &lt; n:</a:t>
-            </a:r>
-          </a:p>
-          <a:p>
-            <a:pPr eaLnBrk="0" hangingPunct="0">
-              <a:lnSpc>
-                <a:spcPct val="110000"/>
-              </a:lnSpc>
-              <a:buClr>
-                <a:schemeClr val="accent5">
-                  <a:lumMod val="40000"/>
-                  <a:lumOff val="60000"/>
-                </a:schemeClr>
-              </a:buClr>
-              <a:buSzPct val="70000"/>
-            </a:pPr>
-            <a:r>
-              <a:rPr lang="en-US" b="1" noProof="1">
+              <a:t>for</a:t>
+            </a:r>
+            <a:r>
+              <a:rPr lang="en-US" sz="2800" b="1" noProof="1" smtClean="0">
+                <a:solidFill>
+                  <a:srgbClr val="FBEEDC"/>
+                </a:solidFill>
+                <a:effectLst>
+                  <a:outerShdw blurRad="38100" dist="38100" dir="2700000" algn="tl">
+                    <a:srgbClr val="000000">
+                      <a:alpha val="43137"/>
+                    </a:srgbClr>
+                  </a:outerShdw>
+                </a:effectLst>
+                <a:latin typeface="Consolas" pitchFamily="49" charset="0"/>
+                <a:cs typeface="Consolas" pitchFamily="49" charset="0"/>
+              </a:rPr>
+              <a:t> row </a:t>
+            </a:r>
+            <a:r>
+              <a:rPr lang="en-US" sz="2800" b="1" noProof="1" smtClean="0">
                 <a:solidFill>
                   <a:schemeClr val="tx2">
                     <a:lumMod val="75000"/>
@@ -26565,28 +25877,26 @@
                 <a:latin typeface="Consolas" pitchFamily="49" charset="0"/>
                 <a:cs typeface="Consolas" pitchFamily="49" charset="0"/>
               </a:rPr>
-              <a:t> </a:t>
-            </a:r>
-            <a:r>
-              <a:rPr lang="en-US" b="1" noProof="1" smtClean="0">
-                <a:solidFill>
-                  <a:schemeClr val="tx2">
-                    <a:lumMod val="75000"/>
-                  </a:schemeClr>
-                </a:solidFill>
-                <a:effectLst>
-                  <a:outerShdw blurRad="38100" dist="38100" dir="2700000" algn="tl">
-                    <a:srgbClr val="000000">
-                      <a:alpha val="43137"/>
-                    </a:srgbClr>
-                  </a:outerShdw>
-                </a:effectLst>
-                <a:latin typeface="Consolas" pitchFamily="49" charset="0"/>
-                <a:cs typeface="Consolas" pitchFamily="49" charset="0"/>
-              </a:rPr>
-              <a:t>  j = 0</a:t>
-            </a:r>
-            <a:endParaRPr lang="en-US" b="1" noProof="1">
+              <a:t>in range</a:t>
+            </a:r>
+            <a:r>
+              <a:rPr lang="en-US" sz="2800" b="1" noProof="1" smtClean="0">
+                <a:solidFill>
+                  <a:srgbClr val="FBEEDC"/>
+                </a:solidFill>
+                <a:effectLst>
+                  <a:outerShdw blurRad="38100" dist="38100" dir="2700000" algn="tl">
+                    <a:srgbClr val="000000">
+                      <a:alpha val="43137"/>
+                    </a:srgbClr>
+                  </a:outerShdw>
+                </a:effectLst>
+                <a:latin typeface="Consolas" pitchFamily="49" charset="0"/>
+                <a:cs typeface="Consolas" pitchFamily="49" charset="0"/>
+              </a:rPr>
+              <a:t>(n):</a:t>
+            </a:r>
+            <a:endParaRPr lang="en-US" sz="2800" b="1" noProof="1">
               <a:solidFill>
                 <a:srgbClr val="FBEEDC"/>
               </a:solidFill>
@@ -26615,7 +25925,26 @@
               <a:buSzPct val="70000"/>
             </a:pPr>
             <a:r>
-              <a:rPr lang="en-US" b="1" noProof="1" smtClean="0">
+              <a:rPr lang="en-US" sz="2800" b="1" noProof="1">
+                <a:solidFill>
+                  <a:schemeClr val="tx2">
+                    <a:lumMod val="75000"/>
+                  </a:schemeClr>
+                </a:solidFill>
+                <a:effectLst>
+                  <a:outerShdw blurRad="38100" dist="38100" dir="2700000" algn="tl">
+                    <a:srgbClr val="000000">
+                      <a:alpha val="43137"/>
+                    </a:srgbClr>
+                  </a:outerShdw>
+                </a:effectLst>
+                <a:latin typeface="Consolas" pitchFamily="49" charset="0"/>
+                <a:cs typeface="Consolas" pitchFamily="49" charset="0"/>
+              </a:rPr>
+              <a:t>   for</a:t>
+            </a:r>
+            <a:r>
+              <a:rPr lang="en-US" sz="2800" b="1" noProof="1">
                 <a:solidFill>
                   <a:srgbClr val="FBEEDC"/>
                 </a:solidFill>
@@ -26632,167 +25961,78 @@
               <a:t> </a:t>
             </a:r>
             <a:r>
-              <a:rPr lang="en-US" b="1" noProof="1" smtClean="0">
-                <a:solidFill>
-                  <a:srgbClr val="FBEEDC"/>
-                </a:solidFill>
-                <a:effectLst>
-                  <a:outerShdw blurRad="38100" dist="38100" dir="2700000" algn="tl">
-                    <a:srgbClr val="000000">
-                      <a:alpha val="43137"/>
-                    </a:srgbClr>
-                  </a:outerShdw>
-                </a:effectLst>
-                <a:latin typeface="Consolas" pitchFamily="49" charset="0"/>
-                <a:cs typeface="Consolas" pitchFamily="49" charset="0"/>
-              </a:rPr>
-              <a:t>  while j &lt; m:</a:t>
-            </a:r>
-          </a:p>
-          <a:p>
-            <a:pPr eaLnBrk="0" hangingPunct="0">
-              <a:lnSpc>
-                <a:spcPct val="110000"/>
-              </a:lnSpc>
-              <a:buClr>
-                <a:schemeClr val="accent5">
-                  <a:lumMod val="40000"/>
-                  <a:lumOff val="60000"/>
-                </a:schemeClr>
-              </a:buClr>
-              <a:buSzPct val="70000"/>
-            </a:pPr>
-            <a:r>
-              <a:rPr lang="en-US" b="1" noProof="1">
-                <a:solidFill>
-                  <a:srgbClr val="FBEEDC"/>
-                </a:solidFill>
-                <a:effectLst>
-                  <a:outerShdw blurRad="38100" dist="38100" dir="2700000" algn="tl">
-                    <a:srgbClr val="000000">
-                      <a:alpha val="43137"/>
-                    </a:srgbClr>
-                  </a:outerShdw>
-                </a:effectLst>
-                <a:latin typeface="Consolas" pitchFamily="49" charset="0"/>
-                <a:cs typeface="Consolas" pitchFamily="49" charset="0"/>
-              </a:rPr>
-              <a:t> </a:t>
-            </a:r>
-            <a:r>
-              <a:rPr lang="en-US" b="1" noProof="1" smtClean="0">
-                <a:solidFill>
-                  <a:srgbClr val="FBEEDC"/>
-                </a:solidFill>
-                <a:effectLst>
-                  <a:outerShdw blurRad="38100" dist="38100" dir="2700000" algn="tl">
-                    <a:srgbClr val="000000">
-                      <a:alpha val="43137"/>
-                    </a:srgbClr>
-                  </a:outerShdw>
-                </a:effectLst>
-                <a:latin typeface="Consolas" pitchFamily="49" charset="0"/>
-                <a:cs typeface="Consolas" pitchFamily="49" charset="0"/>
-              </a:rPr>
-              <a:t>     …</a:t>
-            </a:r>
-          </a:p>
-          <a:p>
-            <a:pPr eaLnBrk="0" hangingPunct="0">
-              <a:lnSpc>
-                <a:spcPct val="110000"/>
-              </a:lnSpc>
-              <a:buClr>
-                <a:schemeClr val="accent5">
-                  <a:lumMod val="40000"/>
-                  <a:lumOff val="60000"/>
-                </a:schemeClr>
-              </a:buClr>
-              <a:buSzPct val="70000"/>
-            </a:pPr>
-            <a:r>
-              <a:rPr lang="en-US" b="1" noProof="1">
-                <a:solidFill>
-                  <a:srgbClr val="FBEEDC"/>
-                </a:solidFill>
-                <a:effectLst>
-                  <a:outerShdw blurRad="38100" dist="38100" dir="2700000" algn="tl">
-                    <a:srgbClr val="000000">
-                      <a:alpha val="43137"/>
-                    </a:srgbClr>
-                  </a:outerShdw>
-                </a:effectLst>
-                <a:latin typeface="Consolas" pitchFamily="49" charset="0"/>
-                <a:cs typeface="Consolas" pitchFamily="49" charset="0"/>
-              </a:rPr>
-              <a:t> </a:t>
-            </a:r>
-            <a:r>
-              <a:rPr lang="en-US" b="1" noProof="1" smtClean="0">
-                <a:solidFill>
-                  <a:srgbClr val="FBEEDC"/>
-                </a:solidFill>
-                <a:effectLst>
-                  <a:outerShdw blurRad="38100" dist="38100" dir="2700000" algn="tl">
-                    <a:srgbClr val="000000">
-                      <a:alpha val="43137"/>
-                    </a:srgbClr>
-                  </a:outerShdw>
-                </a:effectLst>
-                <a:latin typeface="Consolas" pitchFamily="49" charset="0"/>
-                <a:cs typeface="Consolas" pitchFamily="49" charset="0"/>
-              </a:rPr>
-              <a:t>     j += 1</a:t>
-            </a:r>
-          </a:p>
-          <a:p>
-            <a:pPr eaLnBrk="0" hangingPunct="0">
-              <a:lnSpc>
-                <a:spcPct val="110000"/>
-              </a:lnSpc>
-              <a:buClr>
-                <a:schemeClr val="accent5">
-                  <a:lumMod val="40000"/>
-                  <a:lumOff val="60000"/>
-                </a:schemeClr>
-              </a:buClr>
-              <a:buSzPct val="70000"/>
-            </a:pPr>
-            <a:r>
-              <a:rPr lang="en-US" b="1" noProof="1">
-                <a:solidFill>
-                  <a:srgbClr val="FBEEDC"/>
-                </a:solidFill>
-                <a:effectLst>
-                  <a:outerShdw blurRad="38100" dist="38100" dir="2700000" algn="tl">
-                    <a:srgbClr val="000000">
-                      <a:alpha val="43137"/>
-                    </a:srgbClr>
-                  </a:outerShdw>
-                </a:effectLst>
-                <a:latin typeface="Consolas" pitchFamily="49" charset="0"/>
-                <a:cs typeface="Consolas" pitchFamily="49" charset="0"/>
-              </a:rPr>
-              <a:t> </a:t>
-            </a:r>
-            <a:r>
-              <a:rPr lang="en-US" b="1" noProof="1" smtClean="0">
-                <a:solidFill>
-                  <a:srgbClr val="FBEEDC"/>
-                </a:solidFill>
-                <a:effectLst>
-                  <a:outerShdw blurRad="38100" dist="38100" dir="2700000" algn="tl">
-                    <a:srgbClr val="000000">
-                      <a:alpha val="43137"/>
-                    </a:srgbClr>
-                  </a:outerShdw>
-                </a:effectLst>
-                <a:latin typeface="Consolas" pitchFamily="49" charset="0"/>
-                <a:cs typeface="Consolas" pitchFamily="49" charset="0"/>
-              </a:rPr>
-              <a:t>  …</a:t>
-            </a:r>
-            <a:endParaRPr lang="en-US" b="1" noProof="1" smtClean="0">
+              <a:rPr lang="en-US" sz="2800" b="1" noProof="1" smtClean="0">
+                <a:solidFill>
+                  <a:srgbClr val="FBEEDC"/>
+                </a:solidFill>
+                <a:effectLst>
+                  <a:outerShdw blurRad="38100" dist="38100" dir="2700000" algn="tl">
+                    <a:srgbClr val="000000">
+                      <a:alpha val="43137"/>
+                    </a:srgbClr>
+                  </a:outerShdw>
+                </a:effectLst>
+                <a:latin typeface="Consolas" pitchFamily="49" charset="0"/>
+                <a:cs typeface="Consolas" pitchFamily="49" charset="0"/>
+              </a:rPr>
+              <a:t>col </a:t>
+            </a:r>
+            <a:r>
+              <a:rPr lang="en-US" sz="2800" b="1" noProof="1">
+                <a:solidFill>
+                  <a:schemeClr val="tx2">
+                    <a:lumMod val="75000"/>
+                  </a:schemeClr>
+                </a:solidFill>
+                <a:effectLst>
+                  <a:outerShdw blurRad="38100" dist="38100" dir="2700000" algn="tl">
+                    <a:srgbClr val="000000">
+                      <a:alpha val="43137"/>
+                    </a:srgbClr>
+                  </a:outerShdw>
+                </a:effectLst>
+                <a:latin typeface="Consolas" pitchFamily="49" charset="0"/>
+                <a:cs typeface="Consolas" pitchFamily="49" charset="0"/>
+              </a:rPr>
+              <a:t>in </a:t>
+            </a:r>
+            <a:r>
+              <a:rPr lang="en-US" sz="2800" b="1" noProof="1" smtClean="0">
+                <a:solidFill>
+                  <a:schemeClr val="tx2">
+                    <a:lumMod val="75000"/>
+                  </a:schemeClr>
+                </a:solidFill>
+                <a:effectLst>
+                  <a:outerShdw blurRad="38100" dist="38100" dir="2700000" algn="tl">
+                    <a:srgbClr val="000000">
+                      <a:alpha val="43137"/>
+                    </a:srgbClr>
+                  </a:outerShdw>
+                </a:effectLst>
+                <a:latin typeface="Consolas" pitchFamily="49" charset="0"/>
+                <a:cs typeface="Consolas" pitchFamily="49" charset="0"/>
+              </a:rPr>
+              <a:t>range</a:t>
+            </a:r>
+            <a:r>
+              <a:rPr lang="en-US" sz="2800" b="1" noProof="1" smtClean="0">
+                <a:solidFill>
+                  <a:srgbClr val="FBEEDC"/>
+                </a:solidFill>
+                <a:effectLst>
+                  <a:outerShdw blurRad="38100" dist="38100" dir="2700000" algn="tl">
+                    <a:srgbClr val="000000">
+                      <a:alpha val="43137"/>
+                    </a:srgbClr>
+                  </a:outerShdw>
+                </a:effectLst>
+                <a:latin typeface="Consolas" pitchFamily="49" charset="0"/>
+                <a:cs typeface="Consolas" pitchFamily="49" charset="0"/>
+              </a:rPr>
+              <a:t>(m):</a:t>
+            </a:r>
+            <a:endParaRPr lang="en-US" sz="2800" b="1" noProof="1">
               <a:solidFill>
                 <a:srgbClr val="FBEEDC"/>
               </a:solidFill>
@@ -26821,23 +26061,40 @@
               <a:buSzPct val="70000"/>
             </a:pPr>
             <a:r>
-              <a:rPr lang="en-US" b="1" noProof="1" smtClean="0">
-                <a:solidFill>
-                  <a:srgbClr val="FBEEDC"/>
-                </a:solidFill>
-                <a:effectLst>
-                  <a:outerShdw blurRad="38100" dist="38100" dir="2700000" algn="tl">
-                    <a:srgbClr val="000000">
-                      <a:alpha val="43137"/>
-                    </a:srgbClr>
-                  </a:outerShdw>
-                </a:effectLst>
-                <a:latin typeface="Consolas" pitchFamily="49" charset="0"/>
-                <a:cs typeface="Consolas" pitchFamily="49" charset="0"/>
-              </a:rPr>
-              <a:t>   I += 1   </a:t>
-            </a:r>
-            <a:endParaRPr lang="en-US" b="1" noProof="1" smtClean="0">
+              <a:rPr lang="en-US" sz="2800" b="1" noProof="1" smtClean="0">
+                <a:solidFill>
+                  <a:srgbClr val="FBEEDC"/>
+                </a:solidFill>
+                <a:effectLst>
+                  <a:outerShdw blurRad="38100" dist="38100" dir="2700000" algn="tl">
+                    <a:srgbClr val="000000">
+                      <a:alpha val="43137"/>
+                    </a:srgbClr>
+                  </a:outerShdw>
+                </a:effectLst>
+                <a:latin typeface="Consolas" pitchFamily="49" charset="0"/>
+                <a:cs typeface="Consolas" pitchFamily="49" charset="0"/>
+              </a:rPr>
+              <a:t>      sys.stdout.write</a:t>
+            </a:r>
+            <a:r>
+              <a:rPr lang="en-US" sz="2800" b="1" noProof="1" smtClean="0">
+                <a:solidFill>
+                  <a:srgbClr val="FBEEDC"/>
+                </a:solidFill>
+                <a:effectLst>
+                  <a:outerShdw blurRad="38100" dist="38100" dir="2700000" algn="tl">
+                    <a:srgbClr val="000000">
+                      <a:alpha val="43137"/>
+                    </a:srgbClr>
+                  </a:outerShdw>
+                </a:effectLst>
+                <a:latin typeface="Consolas" pitchFamily="49" charset="0"/>
+                <a:cs typeface="Consolas" pitchFamily="49" charset="0"/>
+              </a:rPr>
+              <a:t>('*')</a:t>
+            </a:r>
+            <a:endParaRPr lang="en-US" sz="2800" b="1" noProof="1">
               <a:solidFill>
                 <a:srgbClr val="FBEEDC"/>
               </a:solidFill>
@@ -26852,28 +26109,50 @@
               <a:cs typeface="Consolas" pitchFamily="49" charset="0"/>
             </a:endParaRPr>
           </a:p>
-        </p:txBody>
-      </p:sp>
-      <p:sp>
-        <p:nvSpPr>
-          <p:cNvPr id="4" name="Title 3"/>
-          <p:cNvSpPr>
-            <a:spLocks noGrp="1"/>
-          </p:cNvSpPr>
-          <p:nvPr>
-            <p:ph type="title"/>
-          </p:nvPr>
-        </p:nvSpPr>
-        <p:spPr/>
-        <p:txBody>
-          <a:bodyPr/>
-          <a:lstStyle/>
-          <a:p>
-            <a:r>
-              <a:rPr lang="bg-BG" dirty="0" smtClean="0"/>
-              <a:t>Вложени цикли</a:t>
-            </a:r>
-            <a:endParaRPr lang="en-US" dirty="0"/>
+          <a:p>
+            <a:pPr eaLnBrk="0" hangingPunct="0">
+              <a:lnSpc>
+                <a:spcPct val="110000"/>
+              </a:lnSpc>
+              <a:buClr>
+                <a:schemeClr val="accent5">
+                  <a:lumMod val="40000"/>
+                  <a:lumOff val="60000"/>
+                </a:schemeClr>
+              </a:buClr>
+              <a:buSzPct val="70000"/>
+            </a:pPr>
+            <a:r>
+              <a:rPr lang="en-US" sz="2800" b="1" noProof="1" smtClean="0">
+                <a:solidFill>
+                  <a:srgbClr val="FBEEDC"/>
+                </a:solidFill>
+                <a:effectLst>
+                  <a:outerShdw blurRad="38100" dist="38100" dir="2700000" algn="tl">
+                    <a:srgbClr val="000000">
+                      <a:alpha val="43137"/>
+                    </a:srgbClr>
+                  </a:outerShdw>
+                </a:effectLst>
+                <a:latin typeface="Consolas" pitchFamily="49" charset="0"/>
+                <a:cs typeface="Consolas" pitchFamily="49" charset="0"/>
+              </a:rPr>
+              <a:t>   print()</a:t>
+            </a:r>
+            <a:endParaRPr lang="en-US" sz="2800" b="1" noProof="1">
+              <a:solidFill>
+                <a:srgbClr val="FBEEDC"/>
+              </a:solidFill>
+              <a:effectLst>
+                <a:outerShdw blurRad="38100" dist="38100" dir="2700000" algn="tl">
+                  <a:srgbClr val="000000">
+                    <a:alpha val="43137"/>
+                  </a:srgbClr>
+                </a:outerShdw>
+              </a:effectLst>
+              <a:latin typeface="Consolas" pitchFamily="49" charset="0"/>
+              <a:cs typeface="Consolas" pitchFamily="49" charset="0"/>
+            </a:endParaRPr>
           </a:p>
         </p:txBody>
       </p:sp>
@@ -26887,13 +26166,13 @@
         </p:nvSpPr>
         <p:spPr bwMode="auto">
           <a:xfrm>
-            <a:off x="7667610" y="3124200"/>
+            <a:off x="6221054" y="3721316"/>
             <a:ext cx="4113213" cy="1041829"/>
           </a:xfrm>
           <a:prstGeom prst="wedgeRoundRectCallout">
             <a:avLst>
-              <a:gd name="adj1" fmla="val -61116"/>
-              <a:gd name="adj2" fmla="val 53145"/>
+              <a:gd name="adj1" fmla="val -70326"/>
+              <a:gd name="adj2" fmla="val 31830"/>
               <a:gd name="adj3" fmla="val 16667"/>
             </a:avLst>
           </a:prstGeom>
@@ -27023,13 +26302,13 @@
         </p:nvSpPr>
         <p:spPr bwMode="auto">
           <a:xfrm>
-            <a:off x="6323012" y="4953000"/>
+            <a:off x="6537402" y="5089154"/>
             <a:ext cx="4800600" cy="1041829"/>
           </a:xfrm>
           <a:prstGeom prst="wedgeRoundRectCallout">
             <a:avLst>
-              <a:gd name="adj1" fmla="val -63854"/>
-              <a:gd name="adj2" fmla="val 14347"/>
+              <a:gd name="adj1" fmla="val -60044"/>
+              <a:gd name="adj2" fmla="val -39568"/>
               <a:gd name="adj3" fmla="val 16667"/>
             </a:avLst>
           </a:prstGeom>
@@ -27136,7 +26415,7 @@
                   </a:outerShdw>
                 </a:effectLst>
               </a:rPr>
-              <a:t> n</a:t>
+              <a:t> m</a:t>
             </a:r>
             <a:r>
               <a:rPr lang="en-US" sz="2800" b="1" dirty="0" smtClean="0">
@@ -27375,8 +26654,8 @@
       </p:par>
     </p:tnLst>
     <p:bldLst>
+      <p:bldP spid="7" grpId="0" animBg="1"/>
       <p:bldP spid="11" grpId="0" animBg="1"/>
-      <p:bldP spid="7" grpId="0" animBg="1"/>
       <p:bldP spid="8" grpId="0" animBg="1"/>
       <p:bldP spid="10" grpId="0" animBg="1"/>
     </p:bldLst>
@@ -27547,8 +26826,8 @@
         </p:nvSpPr>
         <p:spPr bwMode="auto">
           <a:xfrm>
-            <a:off x="760414" y="2057400"/>
-            <a:ext cx="10667998" cy="3857979"/>
+            <a:off x="760414" y="2281306"/>
+            <a:ext cx="10667998" cy="3410164"/>
           </a:xfrm>
           <a:prstGeom prst="rect">
             <a:avLst/>
@@ -27588,24 +26867,7 @@
               <a:buSzPct val="70000"/>
             </a:pPr>
             <a:r>
-              <a:rPr lang="en-US" sz="2800" b="1" noProof="1">
-                <a:solidFill>
-                  <a:srgbClr val="FBEEDC"/>
-                </a:solidFill>
-                <a:effectLst>
-                  <a:outerShdw blurRad="38100" dist="38100" dir="2700000" algn="tl">
-                    <a:srgbClr val="000000">
-                      <a:alpha val="43137"/>
-                    </a:srgbClr>
-                  </a:outerShdw>
-                </a:effectLst>
-                <a:latin typeface="Consolas" pitchFamily="49" charset="0"/>
-                <a:cs typeface="Consolas" pitchFamily="49" charset="0"/>
-              </a:rPr>
-              <a:t>var </a:t>
-            </a:r>
-            <a:r>
-              <a:rPr lang="en-US" sz="2800" b="1" noProof="1">
+              <a:rPr lang="en-US" sz="2800" b="1" noProof="1" smtClean="0">
                 <a:solidFill>
                   <a:schemeClr val="tx2">
                     <a:lumMod val="75000"/>
@@ -27621,9 +26883,59 @@
                 <a:latin typeface="Consolas" pitchFamily="49" charset="0"/>
                 <a:cs typeface="Consolas" pitchFamily="49" charset="0"/>
               </a:rPr>
+              <a:t>import sys</a:t>
+            </a:r>
+          </a:p>
+          <a:p>
+            <a:pPr eaLnBrk="0" hangingPunct="0">
+              <a:lnSpc>
+                <a:spcPct val="110000"/>
+              </a:lnSpc>
+              <a:buClr>
+                <a:schemeClr val="accent5">
+                  <a:lumMod val="40000"/>
+                  <a:lumOff val="60000"/>
+                </a:schemeClr>
+              </a:buClr>
+              <a:buSzPct val="70000"/>
+            </a:pPr>
+            <a:r>
+              <a:rPr lang="en-US" sz="2800" b="1" noProof="1" smtClean="0">
+                <a:solidFill>
+                  <a:schemeClr val="tx2">
+                    <a:lumMod val="75000"/>
+                  </a:schemeClr>
+                </a:solidFill>
+                <a:effectLst>
+                  <a:outerShdw blurRad="38100" dist="38100" dir="2700000" algn="tl">
+                    <a:srgbClr val="000000">
+                      <a:alpha val="43137"/>
+                    </a:srgbClr>
+                  </a:outerShdw>
+                </a:effectLst>
+                <a:latin typeface="Consolas" pitchFamily="49" charset="0"/>
+                <a:cs typeface="Consolas" pitchFamily="49" charset="0"/>
+              </a:rPr>
               <a:t>n</a:t>
             </a:r>
             <a:r>
+              <a:rPr lang="en-US" sz="2800" b="1" noProof="1" smtClean="0">
+                <a:solidFill>
+                  <a:srgbClr val="FBEEDC"/>
+                </a:solidFill>
+                <a:effectLst>
+                  <a:outerShdw blurRad="38100" dist="38100" dir="2700000" algn="tl">
+                    <a:srgbClr val="000000">
+                      <a:alpha val="43137"/>
+                    </a:srgbClr>
+                  </a:outerShdw>
+                </a:effectLst>
+                <a:latin typeface="Consolas" pitchFamily="49" charset="0"/>
+                <a:cs typeface="Consolas" pitchFamily="49" charset="0"/>
+              </a:rPr>
+              <a:t> </a:t>
+            </a:r>
+            <a:r>
               <a:rPr lang="en-US" sz="2800" b="1" noProof="1">
                 <a:solidFill>
                   <a:srgbClr val="FBEEDC"/>
@@ -27638,7 +26950,7 @@
                 <a:latin typeface="Consolas" pitchFamily="49" charset="0"/>
                 <a:cs typeface="Consolas" pitchFamily="49" charset="0"/>
               </a:rPr>
-              <a:t> = </a:t>
+              <a:t>= </a:t>
             </a:r>
             <a:r>
               <a:rPr lang="en-US" sz="2800" b="1" noProof="1" smtClean="0">
@@ -27719,7 +27031,24 @@
                 <a:latin typeface="Consolas" pitchFamily="49" charset="0"/>
                 <a:cs typeface="Consolas" pitchFamily="49" charset="0"/>
               </a:rPr>
-              <a:t> (var r = </a:t>
+              <a:t> </a:t>
+            </a:r>
+            <a:r>
+              <a:rPr lang="en-US" sz="2800" b="1" noProof="1" smtClean="0">
+                <a:solidFill>
+                  <a:srgbClr val="FBEEDC"/>
+                </a:solidFill>
+                <a:effectLst>
+                  <a:outerShdw blurRad="38100" dist="38100" dir="2700000" algn="tl">
+                    <a:srgbClr val="000000">
+                      <a:alpha val="43137"/>
+                    </a:srgbClr>
+                  </a:outerShdw>
+                </a:effectLst>
+                <a:latin typeface="Consolas" pitchFamily="49" charset="0"/>
+                <a:cs typeface="Consolas" pitchFamily="49" charset="0"/>
+              </a:rPr>
+              <a:t>r</a:t>
             </a:r>
             <a:r>
               <a:rPr lang="en-US" sz="2800" b="1" noProof="1" smtClean="0">
@@ -27738,7 +27067,24 @@
                 <a:latin typeface="Consolas" pitchFamily="49" charset="0"/>
                 <a:cs typeface="Consolas" pitchFamily="49" charset="0"/>
               </a:rPr>
-              <a:t>1</a:t>
+              <a:t> in range</a:t>
+            </a:r>
+            <a:r>
+              <a:rPr lang="en-US" sz="2800" b="1" noProof="1">
+                <a:solidFill>
+                  <a:srgbClr val="FBEEDC"/>
+                </a:solidFill>
+                <a:effectLst>
+                  <a:outerShdw blurRad="38100" dist="38100" dir="2700000" algn="tl">
+                    <a:srgbClr val="000000">
+                      <a:alpha val="43137"/>
+                    </a:srgbClr>
+                  </a:outerShdw>
+                </a:effectLst>
+                <a:latin typeface="Consolas" pitchFamily="49" charset="0"/>
+                <a:cs typeface="Consolas" pitchFamily="49" charset="0"/>
+              </a:rPr>
+              <a:t>(n</a:t>
             </a:r>
             <a:r>
               <a:rPr lang="en-US" sz="2800" b="1" noProof="1" smtClean="0">
@@ -27755,192 +27101,7 @@
                 <a:latin typeface="Consolas" pitchFamily="49" charset="0"/>
                 <a:cs typeface="Consolas" pitchFamily="49" charset="0"/>
               </a:rPr>
-              <a:t> </a:t>
-            </a:r>
-            <a:r>
-              <a:rPr lang="en-US" sz="2800" b="1" noProof="1">
-                <a:solidFill>
-                  <a:srgbClr val="FBEEDC"/>
-                </a:solidFill>
-                <a:effectLst>
-                  <a:outerShdw blurRad="38100" dist="38100" dir="2700000" algn="tl">
-                    <a:srgbClr val="000000">
-                      <a:alpha val="43137"/>
-                    </a:srgbClr>
-                  </a:outerShdw>
-                </a:effectLst>
-                <a:latin typeface="Consolas" pitchFamily="49" charset="0"/>
-                <a:cs typeface="Consolas" pitchFamily="49" charset="0"/>
-              </a:rPr>
-              <a:t>r &lt;= </a:t>
-            </a:r>
-            <a:r>
-              <a:rPr lang="en-US" sz="2800" b="1" noProof="1" smtClean="0">
-                <a:solidFill>
-                  <a:schemeClr val="tx2">
-                    <a:lumMod val="75000"/>
-                  </a:schemeClr>
-                </a:solidFill>
-                <a:effectLst>
-                  <a:outerShdw blurRad="38100" dist="38100" dir="2700000" algn="tl">
-                    <a:srgbClr val="000000">
-                      <a:alpha val="43137"/>
-                    </a:srgbClr>
-                  </a:outerShdw>
-                </a:effectLst>
-                <a:latin typeface="Consolas" pitchFamily="49" charset="0"/>
-                <a:cs typeface="Consolas" pitchFamily="49" charset="0"/>
-              </a:rPr>
-              <a:t>n</a:t>
-            </a:r>
-            <a:r>
-              <a:rPr lang="en-US" sz="2800" b="1" noProof="1" smtClean="0">
-                <a:solidFill>
-                  <a:srgbClr val="FBEEDC"/>
-                </a:solidFill>
-                <a:effectLst>
-                  <a:outerShdw blurRad="38100" dist="38100" dir="2700000" algn="tl">
-                    <a:srgbClr val="000000">
-                      <a:alpha val="43137"/>
-                    </a:srgbClr>
-                  </a:outerShdw>
-                </a:effectLst>
-                <a:latin typeface="Consolas" pitchFamily="49" charset="0"/>
-                <a:cs typeface="Consolas" pitchFamily="49" charset="0"/>
-              </a:rPr>
-              <a:t> </a:t>
-            </a:r>
-            <a:r>
-              <a:rPr lang="en-US" sz="2800" b="1" noProof="1">
-                <a:solidFill>
-                  <a:srgbClr val="FBEEDC"/>
-                </a:solidFill>
-                <a:effectLst>
-                  <a:outerShdw blurRad="38100" dist="38100" dir="2700000" algn="tl">
-                    <a:srgbClr val="000000">
-                      <a:alpha val="43137"/>
-                    </a:srgbClr>
-                  </a:outerShdw>
-                </a:effectLst>
-                <a:latin typeface="Consolas" pitchFamily="49" charset="0"/>
-                <a:cs typeface="Consolas" pitchFamily="49" charset="0"/>
-              </a:rPr>
-              <a:t>r++)</a:t>
-            </a:r>
-          </a:p>
-          <a:p>
-            <a:pPr eaLnBrk="0" hangingPunct="0">
-              <a:lnSpc>
-                <a:spcPct val="110000"/>
-              </a:lnSpc>
-              <a:buClr>
-                <a:schemeClr val="accent5">
-                  <a:lumMod val="40000"/>
-                  <a:lumOff val="60000"/>
-                </a:schemeClr>
-              </a:buClr>
-              <a:buSzPct val="70000"/>
-            </a:pPr>
-            <a:r>
-              <a:rPr lang="en-US" sz="2800" b="1" noProof="1">
-                <a:solidFill>
-                  <a:srgbClr val="FBEEDC"/>
-                </a:solidFill>
-                <a:effectLst>
-                  <a:outerShdw blurRad="38100" dist="38100" dir="2700000" algn="tl">
-                    <a:srgbClr val="000000">
-                      <a:alpha val="43137"/>
-                    </a:srgbClr>
-                  </a:outerShdw>
-                </a:effectLst>
-                <a:latin typeface="Consolas" pitchFamily="49" charset="0"/>
-                <a:cs typeface="Consolas" pitchFamily="49" charset="0"/>
-              </a:rPr>
-              <a:t>{</a:t>
-            </a:r>
-          </a:p>
-          <a:p>
-            <a:pPr eaLnBrk="0" hangingPunct="0">
-              <a:lnSpc>
-                <a:spcPct val="110000"/>
-              </a:lnSpc>
-              <a:buClr>
-                <a:schemeClr val="accent5">
-                  <a:lumMod val="40000"/>
-                  <a:lumOff val="60000"/>
-                </a:schemeClr>
-              </a:buClr>
-              <a:buSzPct val="70000"/>
-            </a:pPr>
-            <a:r>
-              <a:rPr lang="en-US" sz="2800" b="1" noProof="1">
-                <a:solidFill>
-                  <a:srgbClr val="FBEEDC"/>
-                </a:solidFill>
-                <a:effectLst>
-                  <a:outerShdw blurRad="38100" dist="38100" dir="2700000" algn="tl">
-                    <a:srgbClr val="000000">
-                      <a:alpha val="43137"/>
-                    </a:srgbClr>
-                  </a:outerShdw>
-                </a:effectLst>
-                <a:latin typeface="Consolas" pitchFamily="49" charset="0"/>
-                <a:cs typeface="Consolas" pitchFamily="49" charset="0"/>
-              </a:rPr>
-              <a:t>   </a:t>
-            </a:r>
-            <a:r>
-              <a:rPr lang="en-US" sz="2800" b="1" noProof="1" smtClean="0">
-                <a:solidFill>
-                  <a:srgbClr val="FBEEDC"/>
-                </a:solidFill>
-                <a:effectLst>
-                  <a:outerShdw blurRad="38100" dist="38100" dir="2700000" algn="tl">
-                    <a:srgbClr val="000000">
-                      <a:alpha val="43137"/>
-                    </a:srgbClr>
-                  </a:outerShdw>
-                </a:effectLst>
-                <a:latin typeface="Consolas" pitchFamily="49" charset="0"/>
-                <a:cs typeface="Consolas" pitchFamily="49" charset="0"/>
-              </a:rPr>
-              <a:t>Console.Write("</a:t>
-            </a:r>
-            <a:r>
-              <a:rPr lang="en-US" sz="2800" b="1" noProof="1" smtClean="0">
-                <a:solidFill>
-                  <a:schemeClr val="tx2">
-                    <a:lumMod val="75000"/>
-                  </a:schemeClr>
-                </a:solidFill>
-                <a:effectLst>
-                  <a:outerShdw blurRad="38100" dist="38100" dir="2700000" algn="tl">
-                    <a:srgbClr val="000000">
-                      <a:alpha val="43137"/>
-                    </a:srgbClr>
-                  </a:outerShdw>
-                </a:effectLst>
-                <a:latin typeface="Consolas" pitchFamily="49" charset="0"/>
-                <a:cs typeface="Consolas" pitchFamily="49" charset="0"/>
-              </a:rPr>
-              <a:t>*</a:t>
-            </a:r>
-            <a:r>
-              <a:rPr lang="en-US" sz="2800" b="1" noProof="1" smtClean="0">
-                <a:solidFill>
-                  <a:srgbClr val="FBEEDC"/>
-                </a:solidFill>
-                <a:effectLst>
-                  <a:outerShdw blurRad="38100" dist="38100" dir="2700000" algn="tl">
-                    <a:srgbClr val="000000">
-                      <a:alpha val="43137"/>
-                    </a:srgbClr>
-                  </a:outerShdw>
-                </a:effectLst>
-                <a:latin typeface="Consolas" pitchFamily="49" charset="0"/>
-                <a:cs typeface="Consolas" pitchFamily="49" charset="0"/>
-              </a:rPr>
-              <a:t>")</a:t>
+              <a:t>):</a:t>
             </a:r>
             <a:endParaRPr lang="en-US" sz="2800" b="1" noProof="1">
               <a:solidFill>
@@ -27990,6 +27151,40 @@
             <a:r>
               <a:rPr lang="en-US" sz="2800" b="1" noProof="1" smtClean="0">
                 <a:solidFill>
+                  <a:srgbClr val="FBEEDC"/>
+                </a:solidFill>
+                <a:effectLst>
+                  <a:outerShdw blurRad="38100" dist="38100" dir="2700000" algn="tl">
+                    <a:srgbClr val="000000">
+                      <a:alpha val="43137"/>
+                    </a:srgbClr>
+                  </a:outerShdw>
+                </a:effectLst>
+                <a:latin typeface="Consolas" pitchFamily="49" charset="0"/>
+                <a:cs typeface="Consolas" pitchFamily="49" charset="0"/>
+              </a:rPr>
+              <a:t>sys.stdout.write</a:t>
+            </a:r>
+            <a:r>
+              <a:rPr lang="en-US" sz="2800" b="1" noProof="1" smtClean="0">
+                <a:solidFill>
+                  <a:srgbClr val="FBEEDC"/>
+                </a:solidFill>
+                <a:effectLst>
+                  <a:outerShdw blurRad="38100" dist="38100" dir="2700000" algn="tl">
+                    <a:srgbClr val="000000">
+                      <a:alpha val="43137"/>
+                    </a:srgbClr>
+                  </a:outerShdw>
+                </a:effectLst>
+                <a:latin typeface="Consolas" pitchFamily="49" charset="0"/>
+                <a:cs typeface="Consolas" pitchFamily="49" charset="0"/>
+              </a:rPr>
+              <a:t>('</a:t>
+            </a:r>
+            <a:r>
+              <a:rPr lang="en-US" sz="2800" b="1" noProof="1" smtClean="0">
+                <a:solidFill>
                   <a:schemeClr val="tx2">
                     <a:lumMod val="75000"/>
                   </a:schemeClr>
@@ -28004,7 +27199,7 @@
                 <a:latin typeface="Consolas" pitchFamily="49" charset="0"/>
                 <a:cs typeface="Consolas" pitchFamily="49" charset="0"/>
               </a:rPr>
-              <a:t>for</a:t>
+              <a:t>*</a:t>
             </a:r>
             <a:r>
               <a:rPr lang="en-US" sz="2800" b="1" noProof="1" smtClean="0">
@@ -28021,250 +27216,7 @@
                 <a:latin typeface="Consolas" pitchFamily="49" charset="0"/>
                 <a:cs typeface="Consolas" pitchFamily="49" charset="0"/>
               </a:rPr>
-              <a:t> </a:t>
-            </a:r>
-            <a:r>
-              <a:rPr lang="en-US" sz="2800" b="1" noProof="1">
-                <a:solidFill>
-                  <a:srgbClr val="FBEEDC"/>
-                </a:solidFill>
-                <a:effectLst>
-                  <a:outerShdw blurRad="38100" dist="38100" dir="2700000" algn="tl">
-                    <a:srgbClr val="000000">
-                      <a:alpha val="43137"/>
-                    </a:srgbClr>
-                  </a:outerShdw>
-                </a:effectLst>
-                <a:latin typeface="Consolas" pitchFamily="49" charset="0"/>
-                <a:cs typeface="Consolas" pitchFamily="49" charset="0"/>
-              </a:rPr>
-              <a:t>(var c = </a:t>
-            </a:r>
-            <a:r>
-              <a:rPr lang="en-US" sz="2800" b="1" noProof="1" smtClean="0">
-                <a:solidFill>
-                  <a:schemeClr val="tx2">
-                    <a:lumMod val="75000"/>
-                  </a:schemeClr>
-                </a:solidFill>
-                <a:effectLst>
-                  <a:outerShdw blurRad="38100" dist="38100" dir="2700000" algn="tl">
-                    <a:srgbClr val="000000">
-                      <a:alpha val="43137"/>
-                    </a:srgbClr>
-                  </a:outerShdw>
-                </a:effectLst>
-                <a:latin typeface="Consolas" pitchFamily="49" charset="0"/>
-                <a:cs typeface="Consolas" pitchFamily="49" charset="0"/>
-              </a:rPr>
-              <a:t>1</a:t>
-            </a:r>
-            <a:r>
-              <a:rPr lang="en-US" sz="2800" b="1" noProof="1" smtClean="0">
-                <a:solidFill>
-                  <a:srgbClr val="FBEEDC"/>
-                </a:solidFill>
-                <a:effectLst>
-                  <a:outerShdw blurRad="38100" dist="38100" dir="2700000" algn="tl">
-                    <a:srgbClr val="000000">
-                      <a:alpha val="43137"/>
-                    </a:srgbClr>
-                  </a:outerShdw>
-                </a:effectLst>
-                <a:latin typeface="Consolas" pitchFamily="49" charset="0"/>
-                <a:cs typeface="Consolas" pitchFamily="49" charset="0"/>
-              </a:rPr>
-              <a:t> </a:t>
-            </a:r>
-            <a:r>
-              <a:rPr lang="en-US" sz="2800" b="1" noProof="1">
-                <a:solidFill>
-                  <a:srgbClr val="FBEEDC"/>
-                </a:solidFill>
-                <a:effectLst>
-                  <a:outerShdw blurRad="38100" dist="38100" dir="2700000" algn="tl">
-                    <a:srgbClr val="000000">
-                      <a:alpha val="43137"/>
-                    </a:srgbClr>
-                  </a:outerShdw>
-                </a:effectLst>
-                <a:latin typeface="Consolas" pitchFamily="49" charset="0"/>
-                <a:cs typeface="Consolas" pitchFamily="49" charset="0"/>
-              </a:rPr>
-              <a:t>c &lt; </a:t>
-            </a:r>
-            <a:r>
-              <a:rPr lang="en-US" sz="2800" b="1" noProof="1" smtClean="0">
-                <a:solidFill>
-                  <a:schemeClr val="tx2">
-                    <a:lumMod val="75000"/>
-                  </a:schemeClr>
-                </a:solidFill>
-                <a:effectLst>
-                  <a:outerShdw blurRad="38100" dist="38100" dir="2700000" algn="tl">
-                    <a:srgbClr val="000000">
-                      <a:alpha val="43137"/>
-                    </a:srgbClr>
-                  </a:outerShdw>
-                </a:effectLst>
-                <a:latin typeface="Consolas" pitchFamily="49" charset="0"/>
-                <a:cs typeface="Consolas" pitchFamily="49" charset="0"/>
-              </a:rPr>
-              <a:t>n</a:t>
-            </a:r>
-            <a:r>
-              <a:rPr lang="en-US" sz="2800" b="1" noProof="1" smtClean="0">
-                <a:solidFill>
-                  <a:srgbClr val="FBEEDC"/>
-                </a:solidFill>
-                <a:effectLst>
-                  <a:outerShdw blurRad="38100" dist="38100" dir="2700000" algn="tl">
-                    <a:srgbClr val="000000">
-                      <a:alpha val="43137"/>
-                    </a:srgbClr>
-                  </a:outerShdw>
-                </a:effectLst>
-                <a:latin typeface="Consolas" pitchFamily="49" charset="0"/>
-                <a:cs typeface="Consolas" pitchFamily="49" charset="0"/>
-              </a:rPr>
-              <a:t> </a:t>
-            </a:r>
-            <a:r>
-              <a:rPr lang="en-US" sz="2800" b="1" noProof="1">
-                <a:solidFill>
-                  <a:srgbClr val="FBEEDC"/>
-                </a:solidFill>
-                <a:effectLst>
-                  <a:outerShdw blurRad="38100" dist="38100" dir="2700000" algn="tl">
-                    <a:srgbClr val="000000">
-                      <a:alpha val="43137"/>
-                    </a:srgbClr>
-                  </a:outerShdw>
-                </a:effectLst>
-                <a:latin typeface="Consolas" pitchFamily="49" charset="0"/>
-                <a:cs typeface="Consolas" pitchFamily="49" charset="0"/>
-              </a:rPr>
-              <a:t>c++)</a:t>
-            </a:r>
-          </a:p>
-          <a:p>
-            <a:pPr eaLnBrk="0" hangingPunct="0">
-              <a:lnSpc>
-                <a:spcPct val="110000"/>
-              </a:lnSpc>
-              <a:buClr>
-                <a:schemeClr val="accent5">
-                  <a:lumMod val="40000"/>
-                  <a:lumOff val="60000"/>
-                </a:schemeClr>
-              </a:buClr>
-              <a:buSzPct val="70000"/>
-            </a:pPr>
-            <a:r>
-              <a:rPr lang="en-US" sz="2800" b="1" noProof="1" smtClean="0">
-                <a:solidFill>
-                  <a:srgbClr val="FBEEDC"/>
-                </a:solidFill>
-                <a:effectLst>
-                  <a:outerShdw blurRad="38100" dist="38100" dir="2700000" algn="tl">
-                    <a:srgbClr val="000000">
-                      <a:alpha val="43137"/>
-                    </a:srgbClr>
-                  </a:outerShdw>
-                </a:effectLst>
-                <a:latin typeface="Consolas" pitchFamily="49" charset="0"/>
-                <a:cs typeface="Consolas" pitchFamily="49" charset="0"/>
-              </a:rPr>
-              <a:t>      </a:t>
-            </a:r>
-            <a:r>
-              <a:rPr lang="en-US" sz="2800" b="1" noProof="1" smtClean="0">
-                <a:solidFill>
-                  <a:srgbClr val="FBEEDC"/>
-                </a:solidFill>
-                <a:effectLst>
-                  <a:outerShdw blurRad="38100" dist="38100" dir="2700000" algn="tl">
-                    <a:srgbClr val="000000">
-                      <a:alpha val="43137"/>
-                    </a:srgbClr>
-                  </a:outerShdw>
-                </a:effectLst>
-                <a:latin typeface="Consolas" pitchFamily="49" charset="0"/>
-                <a:cs typeface="Consolas" pitchFamily="49" charset="0"/>
-              </a:rPr>
-              <a:t>Console.Write</a:t>
-            </a:r>
-            <a:r>
-              <a:rPr lang="en-US" sz="2800" b="1" noProof="1">
-                <a:solidFill>
-                  <a:srgbClr val="FBEEDC"/>
-                </a:solidFill>
-                <a:effectLst>
-                  <a:outerShdw blurRad="38100" dist="38100" dir="2700000" algn="tl">
-                    <a:srgbClr val="000000">
-                      <a:alpha val="43137"/>
-                    </a:srgbClr>
-                  </a:outerShdw>
-                </a:effectLst>
-                <a:latin typeface="Consolas" pitchFamily="49" charset="0"/>
-                <a:cs typeface="Consolas" pitchFamily="49" charset="0"/>
-              </a:rPr>
-              <a:t>("</a:t>
-            </a:r>
-            <a:r>
-              <a:rPr lang="en-US" sz="2800" b="1" noProof="1">
-                <a:solidFill>
-                  <a:schemeClr val="tx2">
-                    <a:lumMod val="75000"/>
-                  </a:schemeClr>
-                </a:solidFill>
-                <a:effectLst>
-                  <a:outerShdw blurRad="38100" dist="38100" dir="2700000" algn="tl">
-                    <a:srgbClr val="000000">
-                      <a:alpha val="43137"/>
-                    </a:srgbClr>
-                  </a:outerShdw>
-                </a:effectLst>
-                <a:latin typeface="Consolas" pitchFamily="49" charset="0"/>
-                <a:cs typeface="Consolas" pitchFamily="49" charset="0"/>
-              </a:rPr>
-              <a:t> </a:t>
-            </a:r>
-            <a:r>
-              <a:rPr lang="en-US" sz="2800" b="1" noProof="1" smtClean="0">
-                <a:solidFill>
-                  <a:schemeClr val="tx2">
-                    <a:lumMod val="75000"/>
-                  </a:schemeClr>
-                </a:solidFill>
-                <a:effectLst>
-                  <a:outerShdw blurRad="38100" dist="38100" dir="2700000" algn="tl">
-                    <a:srgbClr val="000000">
-                      <a:alpha val="43137"/>
-                    </a:srgbClr>
-                  </a:outerShdw>
-                </a:effectLst>
-                <a:latin typeface="Consolas" pitchFamily="49" charset="0"/>
-                <a:cs typeface="Consolas" pitchFamily="49" charset="0"/>
-              </a:rPr>
-              <a:t>*</a:t>
-            </a:r>
-            <a:r>
-              <a:rPr lang="en-US" sz="2800" b="1" noProof="1" smtClean="0">
-                <a:solidFill>
-                  <a:srgbClr val="FBEEDC"/>
-                </a:solidFill>
-                <a:effectLst>
-                  <a:outerShdw blurRad="38100" dist="38100" dir="2700000" algn="tl">
-                    <a:srgbClr val="000000">
-                      <a:alpha val="43137"/>
-                    </a:srgbClr>
-                  </a:outerShdw>
-                </a:effectLst>
-                <a:latin typeface="Consolas" pitchFamily="49" charset="0"/>
-                <a:cs typeface="Consolas" pitchFamily="49" charset="0"/>
-              </a:rPr>
-              <a:t>")</a:t>
+              <a:t>')</a:t>
             </a:r>
             <a:endParaRPr lang="en-US" sz="2800" b="1" noProof="1">
               <a:solidFill>
@@ -28312,6 +27264,42 @@
               <a:t>   </a:t>
             </a:r>
             <a:r>
+              <a:rPr lang="en-US" sz="2800" b="1" noProof="1">
+                <a:solidFill>
+                  <a:schemeClr val="tx2">
+                    <a:lumMod val="75000"/>
+                  </a:schemeClr>
+                </a:solidFill>
+                <a:effectLst>
+                  <a:outerShdw blurRad="38100" dist="38100" dir="2700000" algn="tl">
+                    <a:srgbClr val="000000">
+                      <a:alpha val="43137"/>
+                    </a:srgbClr>
+                  </a:outerShdw>
+                </a:effectLst>
+                <a:latin typeface="Consolas" pitchFamily="49" charset="0"/>
+                <a:cs typeface="Consolas" pitchFamily="49" charset="0"/>
+              </a:rPr>
+              <a:t>for</a:t>
+            </a:r>
+            <a:r>
+              <a:rPr lang="en-US" sz="2800" b="1" noProof="1">
+                <a:solidFill>
+                  <a:srgbClr val="FBEEDC"/>
+                </a:solidFill>
+                <a:effectLst>
+                  <a:outerShdw blurRad="38100" dist="38100" dir="2700000" algn="tl">
+                    <a:srgbClr val="000000">
+                      <a:alpha val="43137"/>
+                    </a:srgbClr>
+                  </a:outerShdw>
+                </a:effectLst>
+                <a:latin typeface="Consolas" pitchFamily="49" charset="0"/>
+                <a:cs typeface="Consolas" pitchFamily="49" charset="0"/>
+              </a:rPr>
+              <a:t> </a:t>
+            </a:r>
+            <a:r>
               <a:rPr lang="en-US" sz="2800" b="1" noProof="1" smtClean="0">
                 <a:solidFill>
                   <a:srgbClr val="FBEEDC"/>
@@ -28326,7 +27314,79 @@
                 <a:latin typeface="Consolas" pitchFamily="49" charset="0"/>
                 <a:cs typeface="Consolas" pitchFamily="49" charset="0"/>
               </a:rPr>
-              <a:t>Console.WriteLine()</a:t>
+              <a:t>c</a:t>
+            </a:r>
+            <a:r>
+              <a:rPr lang="en-US" sz="2800" b="1" noProof="1" smtClean="0">
+                <a:solidFill>
+                  <a:schemeClr val="tx2">
+                    <a:lumMod val="75000"/>
+                  </a:schemeClr>
+                </a:solidFill>
+                <a:effectLst>
+                  <a:outerShdw blurRad="38100" dist="38100" dir="2700000" algn="tl">
+                    <a:srgbClr val="000000">
+                      <a:alpha val="43137"/>
+                    </a:srgbClr>
+                  </a:outerShdw>
+                </a:effectLst>
+                <a:latin typeface="Consolas" pitchFamily="49" charset="0"/>
+                <a:cs typeface="Consolas" pitchFamily="49" charset="0"/>
+              </a:rPr>
+              <a:t> </a:t>
+            </a:r>
+            <a:r>
+              <a:rPr lang="en-US" sz="2800" b="1" noProof="1">
+                <a:solidFill>
+                  <a:schemeClr val="tx2">
+                    <a:lumMod val="75000"/>
+                  </a:schemeClr>
+                </a:solidFill>
+                <a:effectLst>
+                  <a:outerShdw blurRad="38100" dist="38100" dir="2700000" algn="tl">
+                    <a:srgbClr val="000000">
+                      <a:alpha val="43137"/>
+                    </a:srgbClr>
+                  </a:outerShdw>
+                </a:effectLst>
+                <a:latin typeface="Consolas" pitchFamily="49" charset="0"/>
+                <a:cs typeface="Consolas" pitchFamily="49" charset="0"/>
+              </a:rPr>
+              <a:t>in range</a:t>
+            </a:r>
+            <a:r>
+              <a:rPr lang="en-US" sz="2800" b="1" noProof="1">
+                <a:solidFill>
+                  <a:srgbClr val="FBEEDC"/>
+                </a:solidFill>
+                <a:effectLst>
+                  <a:outerShdw blurRad="38100" dist="38100" dir="2700000" algn="tl">
+                    <a:srgbClr val="000000">
+                      <a:alpha val="43137"/>
+                    </a:srgbClr>
+                  </a:outerShdw>
+                </a:effectLst>
+                <a:latin typeface="Consolas" pitchFamily="49" charset="0"/>
+                <a:cs typeface="Consolas" pitchFamily="49" charset="0"/>
+              </a:rPr>
+              <a:t>(n</a:t>
+            </a:r>
+            <a:r>
+              <a:rPr lang="en-US" sz="2800" b="1" noProof="1" smtClean="0">
+                <a:solidFill>
+                  <a:srgbClr val="FBEEDC"/>
+                </a:solidFill>
+                <a:effectLst>
+                  <a:outerShdw blurRad="38100" dist="38100" dir="2700000" algn="tl">
+                    <a:srgbClr val="000000">
+                      <a:alpha val="43137"/>
+                    </a:srgbClr>
+                  </a:outerShdw>
+                </a:effectLst>
+                <a:latin typeface="Consolas" pitchFamily="49" charset="0"/>
+                <a:cs typeface="Consolas" pitchFamily="49" charset="0"/>
+              </a:rPr>
+              <a:t>):</a:t>
             </a:r>
             <a:endParaRPr lang="en-US" sz="2800" b="1" noProof="1">
               <a:solidFill>
@@ -28357,23 +27417,121 @@
               <a:buSzPct val="70000"/>
             </a:pPr>
             <a:r>
-              <a:rPr lang="en-US" sz="2800" b="1" noProof="1">
-                <a:solidFill>
-                  <a:srgbClr val="FBEEDC"/>
-                </a:solidFill>
-                <a:effectLst>
-                  <a:outerShdw blurRad="38100" dist="38100" dir="2700000" algn="tl">
-                    <a:srgbClr val="000000">
-                      <a:alpha val="43137"/>
-                    </a:srgbClr>
-                  </a:outerShdw>
-                </a:effectLst>
-                <a:latin typeface="Consolas" pitchFamily="49" charset="0"/>
-                <a:cs typeface="Consolas" pitchFamily="49" charset="0"/>
-              </a:rPr>
-              <a:t>}</a:t>
-            </a:r>
-            <a:endParaRPr lang="en-US" sz="2800" b="1" noProof="1" smtClean="0">
+              <a:rPr lang="en-US" sz="2800" b="1" noProof="1" smtClean="0">
+                <a:solidFill>
+                  <a:srgbClr val="FBEEDC"/>
+                </a:solidFill>
+                <a:effectLst>
+                  <a:outerShdw blurRad="38100" dist="38100" dir="2700000" algn="tl">
+                    <a:srgbClr val="000000">
+                      <a:alpha val="43137"/>
+                    </a:srgbClr>
+                  </a:outerShdw>
+                </a:effectLst>
+                <a:latin typeface="Consolas" pitchFamily="49" charset="0"/>
+                <a:cs typeface="Consolas" pitchFamily="49" charset="0"/>
+              </a:rPr>
+              <a:t>      sys.stdout.write</a:t>
+            </a:r>
+            <a:r>
+              <a:rPr lang="en-US" sz="2800" b="1" noProof="1" smtClean="0">
+                <a:solidFill>
+                  <a:srgbClr val="FBEEDC"/>
+                </a:solidFill>
+                <a:effectLst>
+                  <a:outerShdw blurRad="38100" dist="38100" dir="2700000" algn="tl">
+                    <a:srgbClr val="000000">
+                      <a:alpha val="43137"/>
+                    </a:srgbClr>
+                  </a:outerShdw>
+                </a:effectLst>
+                <a:latin typeface="Consolas" pitchFamily="49" charset="0"/>
+                <a:cs typeface="Consolas" pitchFamily="49" charset="0"/>
+              </a:rPr>
+              <a:t>('</a:t>
+            </a:r>
+            <a:r>
+              <a:rPr lang="en-US" sz="2800" b="1" noProof="1" smtClean="0">
+                <a:solidFill>
+                  <a:schemeClr val="tx2">
+                    <a:lumMod val="75000"/>
+                  </a:schemeClr>
+                </a:solidFill>
+                <a:effectLst>
+                  <a:outerShdw blurRad="38100" dist="38100" dir="2700000" algn="tl">
+                    <a:srgbClr val="000000">
+                      <a:alpha val="43137"/>
+                    </a:srgbClr>
+                  </a:outerShdw>
+                </a:effectLst>
+                <a:latin typeface="Consolas" pitchFamily="49" charset="0"/>
+                <a:cs typeface="Consolas" pitchFamily="49" charset="0"/>
+              </a:rPr>
+              <a:t> *</a:t>
+            </a:r>
+            <a:r>
+              <a:rPr lang="en-US" sz="2800" b="1" noProof="1" smtClean="0">
+                <a:solidFill>
+                  <a:srgbClr val="FBEEDC"/>
+                </a:solidFill>
+                <a:effectLst>
+                  <a:outerShdw blurRad="38100" dist="38100" dir="2700000" algn="tl">
+                    <a:srgbClr val="000000">
+                      <a:alpha val="43137"/>
+                    </a:srgbClr>
+                  </a:outerShdw>
+                </a:effectLst>
+                <a:latin typeface="Consolas" pitchFamily="49" charset="0"/>
+                <a:cs typeface="Consolas" pitchFamily="49" charset="0"/>
+              </a:rPr>
+              <a:t>')</a:t>
+            </a:r>
+            <a:endParaRPr lang="en-US" sz="2800" b="1" noProof="1">
+              <a:solidFill>
+                <a:srgbClr val="FBEEDC"/>
+              </a:solidFill>
+              <a:effectLst>
+                <a:outerShdw blurRad="38100" dist="38100" dir="2700000" algn="tl">
+                  <a:srgbClr val="000000">
+                    <a:alpha val="43137"/>
+                  </a:srgbClr>
+                </a:outerShdw>
+              </a:effectLst>
+              <a:latin typeface="Consolas" pitchFamily="49" charset="0"/>
+              <a:cs typeface="Consolas" pitchFamily="49" charset="0"/>
+            </a:endParaRPr>
+          </a:p>
+          <a:p>
+            <a:pPr eaLnBrk="0" hangingPunct="0">
+              <a:lnSpc>
+                <a:spcPct val="110000"/>
+              </a:lnSpc>
+              <a:buClr>
+                <a:schemeClr val="accent5">
+                  <a:lumMod val="40000"/>
+                  <a:lumOff val="60000"/>
+                </a:schemeClr>
+              </a:buClr>
+              <a:buSzPct val="70000"/>
+            </a:pPr>
+            <a:r>
+              <a:rPr lang="en-US" sz="2800" b="1" noProof="1" smtClean="0">
+                <a:solidFill>
+                  <a:srgbClr val="FBEEDC"/>
+                </a:solidFill>
+                <a:effectLst>
+                  <a:outerShdw blurRad="38100" dist="38100" dir="2700000" algn="tl">
+                    <a:srgbClr val="000000">
+                      <a:alpha val="43137"/>
+                    </a:srgbClr>
+                  </a:outerShdw>
+                </a:effectLst>
+                <a:latin typeface="Consolas" pitchFamily="49" charset="0"/>
+                <a:cs typeface="Consolas" pitchFamily="49" charset="0"/>
+              </a:rPr>
+              <a:t>   print()</a:t>
+            </a:r>
+            <a:endParaRPr lang="en-US" sz="2800" b="1" noProof="1">
               <a:solidFill>
                 <a:srgbClr val="FBEEDC"/>
               </a:solidFill>
@@ -28450,22 +27608,28 @@
       </p:sp>
       <p:pic>
         <p:nvPicPr>
-          <p:cNvPr id="8" name="Picture 7"/>
+          <p:cNvPr id="3" name="Картина 2"/>
           <p:cNvPicPr>
             <a:picLocks noChangeAspect="1"/>
           </p:cNvPicPr>
           <p:nvPr/>
         </p:nvPicPr>
         <p:blipFill>
-          <a:blip r:embed="rId3"/>
+          <a:blip r:embed="rId3">
+            <a:extLst>
+              <a:ext uri="{28A0092B-C50C-407E-A947-70E740481C1C}">
+                <a14:useLocalDpi xmlns:a14="http://schemas.microsoft.com/office/drawing/2010/main" val="0"/>
+              </a:ext>
+            </a:extLst>
+          </a:blip>
           <a:stretch>
             <a:fillRect/>
           </a:stretch>
         </p:blipFill>
         <p:spPr>
           <a:xfrm>
-            <a:off x="6961147" y="2873992"/>
-            <a:ext cx="4717473" cy="2286000"/>
+            <a:off x="7983581" y="2841396"/>
+            <a:ext cx="4011653" cy="2289985"/>
           </a:xfrm>
           <a:prstGeom prst="rect">
             <a:avLst/>
@@ -28958,8 +28122,8 @@
         </p:nvSpPr>
         <p:spPr bwMode="auto">
           <a:xfrm>
-            <a:off x="3464012" y="2057400"/>
-            <a:ext cx="7888200" cy="3857979"/>
+            <a:off x="3447184" y="2261901"/>
+            <a:ext cx="7888200" cy="3410164"/>
           </a:xfrm>
           <a:prstGeom prst="rect">
             <a:avLst/>
@@ -28999,24 +28163,7 @@
               <a:buSzPct val="70000"/>
             </a:pPr>
             <a:r>
-              <a:rPr lang="en-US" sz="2800" b="1" noProof="1">
-                <a:solidFill>
-                  <a:srgbClr val="FBEEDC"/>
-                </a:solidFill>
-                <a:effectLst>
-                  <a:outerShdw blurRad="38100" dist="38100" dir="2700000" algn="tl">
-                    <a:srgbClr val="000000">
-                      <a:alpha val="43137"/>
-                    </a:srgbClr>
-                  </a:outerShdw>
-                </a:effectLst>
-                <a:latin typeface="Consolas" pitchFamily="49" charset="0"/>
-                <a:cs typeface="Consolas" pitchFamily="49" charset="0"/>
-              </a:rPr>
-              <a:t>var </a:t>
-            </a:r>
-            <a:r>
-              <a:rPr lang="en-US" sz="2800" b="1" noProof="1">
+              <a:rPr lang="en-US" sz="2800" b="1" noProof="1" smtClean="0">
                 <a:solidFill>
                   <a:schemeClr val="tx2">
                     <a:lumMod val="75000"/>
@@ -29032,9 +28179,59 @@
                 <a:latin typeface="Consolas" pitchFamily="49" charset="0"/>
                 <a:cs typeface="Consolas" pitchFamily="49" charset="0"/>
               </a:rPr>
+              <a:t>import sys</a:t>
+            </a:r>
+          </a:p>
+          <a:p>
+            <a:pPr eaLnBrk="0" hangingPunct="0">
+              <a:lnSpc>
+                <a:spcPct val="110000"/>
+              </a:lnSpc>
+              <a:buClr>
+                <a:schemeClr val="accent5">
+                  <a:lumMod val="40000"/>
+                  <a:lumOff val="60000"/>
+                </a:schemeClr>
+              </a:buClr>
+              <a:buSzPct val="70000"/>
+            </a:pPr>
+            <a:r>
+              <a:rPr lang="en-US" sz="2800" b="1" noProof="1" smtClean="0">
+                <a:solidFill>
+                  <a:schemeClr val="tx2">
+                    <a:lumMod val="75000"/>
+                  </a:schemeClr>
+                </a:solidFill>
+                <a:effectLst>
+                  <a:outerShdw blurRad="38100" dist="38100" dir="2700000" algn="tl">
+                    <a:srgbClr val="000000">
+                      <a:alpha val="43137"/>
+                    </a:srgbClr>
+                  </a:outerShdw>
+                </a:effectLst>
+                <a:latin typeface="Consolas" pitchFamily="49" charset="0"/>
+                <a:cs typeface="Consolas" pitchFamily="49" charset="0"/>
+              </a:rPr>
               <a:t>n</a:t>
             </a:r>
             <a:r>
+              <a:rPr lang="en-US" sz="2800" b="1" noProof="1" smtClean="0">
+                <a:solidFill>
+                  <a:srgbClr val="FBEEDC"/>
+                </a:solidFill>
+                <a:effectLst>
+                  <a:outerShdw blurRad="38100" dist="38100" dir="2700000" algn="tl">
+                    <a:srgbClr val="000000">
+                      <a:alpha val="43137"/>
+                    </a:srgbClr>
+                  </a:outerShdw>
+                </a:effectLst>
+                <a:latin typeface="Consolas" pitchFamily="49" charset="0"/>
+                <a:cs typeface="Consolas" pitchFamily="49" charset="0"/>
+              </a:rPr>
+              <a:t> </a:t>
+            </a:r>
+            <a:r>
               <a:rPr lang="en-US" sz="2800" b="1" noProof="1">
                 <a:solidFill>
                   <a:srgbClr val="FBEEDC"/>
@@ -29049,7 +28246,7 @@
                 <a:latin typeface="Consolas" pitchFamily="49" charset="0"/>
                 <a:cs typeface="Consolas" pitchFamily="49" charset="0"/>
               </a:rPr>
-              <a:t> = </a:t>
+              <a:t>= </a:t>
             </a:r>
             <a:r>
               <a:rPr lang="en-US" sz="2800" b="1" noProof="1" smtClean="0">
@@ -29130,7 +28327,7 @@
                 <a:latin typeface="Consolas" pitchFamily="49" charset="0"/>
                 <a:cs typeface="Consolas" pitchFamily="49" charset="0"/>
               </a:rPr>
-              <a:t> (var </a:t>
+              <a:t> </a:t>
             </a:r>
             <a:r>
               <a:rPr lang="en-US" sz="2800" b="1" noProof="1" smtClean="0">
@@ -29151,23 +28348,6 @@
             </a:r>
             <a:r>
               <a:rPr lang="en-US" sz="2800" b="1" noProof="1">
-                <a:solidFill>
-                  <a:srgbClr val="FBEEDC"/>
-                </a:solidFill>
-                <a:effectLst>
-                  <a:outerShdw blurRad="38100" dist="38100" dir="2700000" algn="tl">
-                    <a:srgbClr val="000000">
-                      <a:alpha val="43137"/>
-                    </a:srgbClr>
-                  </a:outerShdw>
-                </a:effectLst>
-                <a:latin typeface="Consolas" pitchFamily="49" charset="0"/>
-                <a:cs typeface="Consolas" pitchFamily="49" charset="0"/>
-              </a:rPr>
-              <a:t>= </a:t>
-            </a:r>
-            <a:r>
-              <a:rPr lang="en-US" sz="2800" b="1" noProof="1" smtClean="0">
                 <a:solidFill>
                   <a:schemeClr val="tx2">
                     <a:lumMod val="75000"/>
@@ -29183,7 +28363,24 @@
                 <a:latin typeface="Consolas" pitchFamily="49" charset="0"/>
                 <a:cs typeface="Consolas" pitchFamily="49" charset="0"/>
               </a:rPr>
-              <a:t>1</a:t>
+              <a:t>in range</a:t>
+            </a:r>
+            <a:r>
+              <a:rPr lang="en-US" sz="2800" b="1" noProof="1">
+                <a:solidFill>
+                  <a:srgbClr val="FBEEDC"/>
+                </a:solidFill>
+                <a:effectLst>
+                  <a:outerShdw blurRad="38100" dist="38100" dir="2700000" algn="tl">
+                    <a:srgbClr val="000000">
+                      <a:alpha val="43137"/>
+                    </a:srgbClr>
+                  </a:outerShdw>
+                </a:effectLst>
+                <a:latin typeface="Consolas" pitchFamily="49" charset="0"/>
+                <a:cs typeface="Consolas" pitchFamily="49" charset="0"/>
+              </a:rPr>
+              <a:t>(n</a:t>
             </a:r>
             <a:r>
               <a:rPr lang="en-US" sz="2800" b="1" noProof="1" smtClean="0">
@@ -29200,94 +28397,7 @@
                 <a:latin typeface="Consolas" pitchFamily="49" charset="0"/>
                 <a:cs typeface="Consolas" pitchFamily="49" charset="0"/>
               </a:rPr>
-              <a:t> </a:t>
-            </a:r>
-            <a:r>
-              <a:rPr lang="en-US" sz="2800" b="1" noProof="1" smtClean="0">
-                <a:solidFill>
-                  <a:srgbClr val="FBEEDC"/>
-                </a:solidFill>
-                <a:effectLst>
-                  <a:outerShdw blurRad="38100" dist="38100" dir="2700000" algn="tl">
-                    <a:srgbClr val="000000">
-                      <a:alpha val="43137"/>
-                    </a:srgbClr>
-                  </a:outerShdw>
-                </a:effectLst>
-                <a:latin typeface="Consolas" pitchFamily="49" charset="0"/>
-                <a:cs typeface="Consolas" pitchFamily="49" charset="0"/>
-              </a:rPr>
-              <a:t>row </a:t>
-            </a:r>
-            <a:r>
-              <a:rPr lang="en-US" sz="2800" b="1" noProof="1">
-                <a:solidFill>
-                  <a:srgbClr val="FBEEDC"/>
-                </a:solidFill>
-                <a:effectLst>
-                  <a:outerShdw blurRad="38100" dist="38100" dir="2700000" algn="tl">
-                    <a:srgbClr val="000000">
-                      <a:alpha val="43137"/>
-                    </a:srgbClr>
-                  </a:outerShdw>
-                </a:effectLst>
-                <a:latin typeface="Consolas" pitchFamily="49" charset="0"/>
-                <a:cs typeface="Consolas" pitchFamily="49" charset="0"/>
-              </a:rPr>
-              <a:t>&lt;= </a:t>
-            </a:r>
-            <a:r>
-              <a:rPr lang="en-US" sz="2800" b="1" noProof="1" smtClean="0">
-                <a:solidFill>
-                  <a:schemeClr val="tx2">
-                    <a:lumMod val="75000"/>
-                  </a:schemeClr>
-                </a:solidFill>
-                <a:effectLst>
-                  <a:outerShdw blurRad="38100" dist="38100" dir="2700000" algn="tl">
-                    <a:srgbClr val="000000">
-                      <a:alpha val="43137"/>
-                    </a:srgbClr>
-                  </a:outerShdw>
-                </a:effectLst>
-                <a:latin typeface="Consolas" pitchFamily="49" charset="0"/>
-                <a:cs typeface="Consolas" pitchFamily="49" charset="0"/>
-              </a:rPr>
-              <a:t>n</a:t>
-            </a:r>
-            <a:r>
-              <a:rPr lang="en-US" sz="2800" b="1" noProof="1" smtClean="0">
-                <a:solidFill>
-                  <a:srgbClr val="FBEEDC"/>
-                </a:solidFill>
-                <a:effectLst>
-                  <a:outerShdw blurRad="38100" dist="38100" dir="2700000" algn="tl">
-                    <a:srgbClr val="000000">
-                      <a:alpha val="43137"/>
-                    </a:srgbClr>
-                  </a:outerShdw>
-                </a:effectLst>
-                <a:latin typeface="Consolas" pitchFamily="49" charset="0"/>
-                <a:cs typeface="Consolas" pitchFamily="49" charset="0"/>
-              </a:rPr>
-              <a:t> </a:t>
-            </a:r>
-            <a:r>
-              <a:rPr lang="en-US" sz="2800" b="1" noProof="1" smtClean="0">
-                <a:solidFill>
-                  <a:srgbClr val="FBEEDC"/>
-                </a:solidFill>
-                <a:effectLst>
-                  <a:outerShdw blurRad="38100" dist="38100" dir="2700000" algn="tl">
-                    <a:srgbClr val="000000">
-                      <a:alpha val="43137"/>
-                    </a:srgbClr>
-                  </a:outerShdw>
-                </a:effectLst>
-                <a:latin typeface="Consolas" pitchFamily="49" charset="0"/>
-                <a:cs typeface="Consolas" pitchFamily="49" charset="0"/>
-              </a:rPr>
-              <a:t>row++)</a:t>
+              <a:t>):</a:t>
             </a:r>
             <a:endParaRPr lang="en-US" sz="2800" b="1" noProof="1">
               <a:solidFill>
@@ -29332,37 +28442,6 @@
                 <a:latin typeface="Consolas" pitchFamily="49" charset="0"/>
                 <a:cs typeface="Consolas" pitchFamily="49" charset="0"/>
               </a:rPr>
-              <a:t>{</a:t>
-            </a:r>
-          </a:p>
-          <a:p>
-            <a:pPr eaLnBrk="0" hangingPunct="0">
-              <a:lnSpc>
-                <a:spcPct val="110000"/>
-              </a:lnSpc>
-              <a:buClr>
-                <a:schemeClr val="accent5">
-                  <a:lumMod val="40000"/>
-                  <a:lumOff val="60000"/>
-                </a:schemeClr>
-              </a:buClr>
-              <a:buSzPct val="70000"/>
-            </a:pPr>
-            <a:r>
-              <a:rPr lang="en-US" sz="2800" b="1" noProof="1">
-                <a:solidFill>
-                  <a:srgbClr val="FBEEDC"/>
-                </a:solidFill>
-                <a:effectLst>
-                  <a:outerShdw blurRad="38100" dist="38100" dir="2700000" algn="tl">
-                    <a:srgbClr val="000000">
-                      <a:alpha val="43137"/>
-                    </a:srgbClr>
-                  </a:outerShdw>
-                </a:effectLst>
-                <a:latin typeface="Consolas" pitchFamily="49" charset="0"/>
-                <a:cs typeface="Consolas" pitchFamily="49" charset="0"/>
-              </a:rPr>
               <a:t>   </a:t>
             </a:r>
             <a:r>
@@ -29380,7 +28459,24 @@
                 <a:latin typeface="Consolas" pitchFamily="49" charset="0"/>
                 <a:cs typeface="Consolas" pitchFamily="49" charset="0"/>
               </a:rPr>
-              <a:t>Console.Write("</a:t>
+              <a:t>sys.stdout.write</a:t>
+            </a:r>
+            <a:r>
+              <a:rPr lang="en-US" sz="2800" b="1" noProof="1" smtClean="0">
+                <a:solidFill>
+                  <a:srgbClr val="FBEEDC"/>
+                </a:solidFill>
+                <a:effectLst>
+                  <a:outerShdw blurRad="38100" dist="38100" dir="2700000" algn="tl">
+                    <a:srgbClr val="000000">
+                      <a:alpha val="43137"/>
+                    </a:srgbClr>
+                  </a:outerShdw>
+                </a:effectLst>
+                <a:latin typeface="Consolas" pitchFamily="49" charset="0"/>
+                <a:cs typeface="Consolas" pitchFamily="49" charset="0"/>
+              </a:rPr>
+              <a:t>('</a:t>
             </a:r>
             <a:r>
               <a:rPr lang="en-US" sz="2800" b="1" noProof="1" smtClean="0">
@@ -29416,7 +28512,7 @@
                 <a:latin typeface="Consolas" pitchFamily="49" charset="0"/>
                 <a:cs typeface="Consolas" pitchFamily="49" charset="0"/>
               </a:rPr>
-              <a:t>")</a:t>
+              <a:t>')</a:t>
             </a:r>
             <a:endParaRPr lang="en-US" sz="2800" b="1" noProof="1">
               <a:solidFill>
@@ -29447,23 +28543,6 @@
               <a:buSzPct val="70000"/>
             </a:pPr>
             <a:r>
-              <a:rPr lang="en-US" sz="2800" b="1" noProof="1">
-                <a:solidFill>
-                  <a:srgbClr val="FBEEDC"/>
-                </a:solidFill>
-                <a:effectLst>
-                  <a:outerShdw blurRad="38100" dist="38100" dir="2700000" algn="tl">
-                    <a:srgbClr val="000000">
-                      <a:alpha val="43137"/>
-                    </a:srgbClr>
-                  </a:outerShdw>
-                </a:effectLst>
-                <a:latin typeface="Consolas" pitchFamily="49" charset="0"/>
-                <a:cs typeface="Consolas" pitchFamily="49" charset="0"/>
-              </a:rPr>
-              <a:t>   </a:t>
-            </a:r>
-            <a:r>
               <a:rPr lang="en-US" sz="2800" b="1" noProof="1" smtClean="0">
                 <a:solidFill>
                   <a:schemeClr val="tx2">
@@ -29480,7 +28559,7 @@
                 <a:latin typeface="Consolas" pitchFamily="49" charset="0"/>
                 <a:cs typeface="Consolas" pitchFamily="49" charset="0"/>
               </a:rPr>
-              <a:t>for</a:t>
+              <a:t>   for</a:t>
             </a:r>
             <a:r>
               <a:rPr lang="en-US" sz="2800" b="1" noProof="1" smtClean="0">
@@ -29514,44 +28593,10 @@
                 <a:latin typeface="Consolas" pitchFamily="49" charset="0"/>
                 <a:cs typeface="Consolas" pitchFamily="49" charset="0"/>
               </a:rPr>
-              <a:t>(var </a:t>
-            </a:r>
-            <a:r>
-              <a:rPr lang="en-US" sz="2800" b="1" noProof="1" smtClean="0">
-                <a:solidFill>
-                  <a:srgbClr val="FBEEDC"/>
-                </a:solidFill>
-                <a:effectLst>
-                  <a:outerShdw blurRad="38100" dist="38100" dir="2700000" algn="tl">
-                    <a:srgbClr val="000000">
-                      <a:alpha val="43137"/>
-                    </a:srgbClr>
-                  </a:outerShdw>
-                </a:effectLst>
-                <a:latin typeface="Consolas" pitchFamily="49" charset="0"/>
-                <a:cs typeface="Consolas" pitchFamily="49" charset="0"/>
-              </a:rPr>
               <a:t>col </a:t>
             </a:r>
             <a:r>
               <a:rPr lang="en-US" sz="2800" b="1" noProof="1">
-                <a:solidFill>
-                  <a:srgbClr val="FBEEDC"/>
-                </a:solidFill>
-                <a:effectLst>
-                  <a:outerShdw blurRad="38100" dist="38100" dir="2700000" algn="tl">
-                    <a:srgbClr val="000000">
-                      <a:alpha val="43137"/>
-                    </a:srgbClr>
-                  </a:outerShdw>
-                </a:effectLst>
-                <a:latin typeface="Consolas" pitchFamily="49" charset="0"/>
-                <a:cs typeface="Consolas" pitchFamily="49" charset="0"/>
-              </a:rPr>
-              <a:t>= </a:t>
-            </a:r>
-            <a:r>
-              <a:rPr lang="en-US" sz="2800" b="1" noProof="1" smtClean="0">
                 <a:solidFill>
                   <a:schemeClr val="tx2">
                     <a:lumMod val="75000"/>
@@ -29567,41 +28612,7 @@
                 <a:latin typeface="Consolas" pitchFamily="49" charset="0"/>
                 <a:cs typeface="Consolas" pitchFamily="49" charset="0"/>
               </a:rPr>
-              <a:t>1</a:t>
-            </a:r>
-            <a:r>
-              <a:rPr lang="en-US" sz="2800" b="1" noProof="1" smtClean="0">
-                <a:solidFill>
-                  <a:srgbClr val="FBEEDC"/>
-                </a:solidFill>
-                <a:effectLst>
-                  <a:outerShdw blurRad="38100" dist="38100" dir="2700000" algn="tl">
-                    <a:srgbClr val="000000">
-                      <a:alpha val="43137"/>
-                    </a:srgbClr>
-                  </a:outerShdw>
-                </a:effectLst>
-                <a:latin typeface="Consolas" pitchFamily="49" charset="0"/>
-                <a:cs typeface="Consolas" pitchFamily="49" charset="0"/>
-              </a:rPr>
-              <a:t> col </a:t>
-            </a:r>
-            <a:r>
-              <a:rPr lang="en-US" sz="2800" b="1" noProof="1" smtClean="0">
-                <a:solidFill>
-                  <a:srgbClr val="FBEEDC"/>
-                </a:solidFill>
-                <a:effectLst>
-                  <a:outerShdw blurRad="38100" dist="38100" dir="2700000" algn="tl">
-                    <a:srgbClr val="000000">
-                      <a:alpha val="43137"/>
-                    </a:srgbClr>
-                  </a:outerShdw>
-                </a:effectLst>
-                <a:latin typeface="Consolas" pitchFamily="49" charset="0"/>
-                <a:cs typeface="Consolas" pitchFamily="49" charset="0"/>
-              </a:rPr>
-              <a:t>&lt; </a:t>
+              <a:t>in </a:t>
             </a:r>
             <a:r>
               <a:rPr lang="en-US" sz="2800" b="1" noProof="1" smtClean="0">
@@ -29620,7 +28631,7 @@
                 <a:latin typeface="Consolas" pitchFamily="49" charset="0"/>
                 <a:cs typeface="Consolas" pitchFamily="49" charset="0"/>
               </a:rPr>
-              <a:t>row</a:t>
+              <a:t>range</a:t>
             </a:r>
             <a:r>
               <a:rPr lang="en-US" sz="2800" b="1" noProof="1" smtClean="0">
@@ -29637,7 +28648,7 @@
                 <a:latin typeface="Consolas" pitchFamily="49" charset="0"/>
                 <a:cs typeface="Consolas" pitchFamily="49" charset="0"/>
               </a:rPr>
-              <a:t> col++)</a:t>
+              <a:t>(row):</a:t>
             </a:r>
             <a:endParaRPr lang="en-US" sz="2800" b="1" noProof="1">
               <a:solidFill>
@@ -29682,7 +28693,7 @@
                 <a:latin typeface="Consolas" pitchFamily="49" charset="0"/>
                 <a:cs typeface="Consolas" pitchFamily="49" charset="0"/>
               </a:rPr>
-              <a:t>      </a:t>
+              <a:t>      sys.stdout.write</a:t>
             </a:r>
             <a:r>
               <a:rPr lang="en-US" sz="2800" b="1" noProof="1" smtClean="0">
@@ -29699,24 +28710,7 @@
                 <a:latin typeface="Consolas" pitchFamily="49" charset="0"/>
                 <a:cs typeface="Consolas" pitchFamily="49" charset="0"/>
               </a:rPr>
-              <a:t>Console.Write</a:t>
-            </a:r>
-            <a:r>
-              <a:rPr lang="en-US" sz="2800" b="1" noProof="1">
-                <a:solidFill>
-                  <a:srgbClr val="FBEEDC"/>
-                </a:solidFill>
-                <a:effectLst>
-                  <a:outerShdw blurRad="38100" dist="38100" dir="2700000" algn="tl">
-                    <a:srgbClr val="000000">
-                      <a:alpha val="43137"/>
-                    </a:srgbClr>
-                  </a:outerShdw>
-                </a:effectLst>
-                <a:latin typeface="Consolas" pitchFamily="49" charset="0"/>
-                <a:cs typeface="Consolas" pitchFamily="49" charset="0"/>
-              </a:rPr>
-              <a:t>(" </a:t>
+              <a:t>(' </a:t>
             </a:r>
             <a:r>
               <a:rPr lang="en-US" sz="2800" b="1" noProof="1" smtClean="0">
@@ -29752,7 +28746,7 @@
                 <a:latin typeface="Consolas" pitchFamily="49" charset="0"/>
                 <a:cs typeface="Consolas" pitchFamily="49" charset="0"/>
               </a:rPr>
-              <a:t>")</a:t>
+              <a:t>')</a:t>
             </a:r>
             <a:endParaRPr lang="en-US" sz="2800" b="1" noProof="1">
               <a:solidFill>
@@ -29797,24 +28791,7 @@
                 <a:latin typeface="Consolas" pitchFamily="49" charset="0"/>
                 <a:cs typeface="Consolas" pitchFamily="49" charset="0"/>
               </a:rPr>
-              <a:t>   </a:t>
-            </a:r>
-            <a:r>
-              <a:rPr lang="en-US" sz="2800" b="1" noProof="1" smtClean="0">
-                <a:solidFill>
-                  <a:srgbClr val="FBEEDC"/>
-                </a:solidFill>
-                <a:effectLst>
-                  <a:outerShdw blurRad="38100" dist="38100" dir="2700000" algn="tl">
-                    <a:srgbClr val="000000">
-                      <a:alpha val="43137"/>
-                    </a:srgbClr>
-                  </a:outerShdw>
-                </a:effectLst>
-                <a:latin typeface="Consolas" pitchFamily="49" charset="0"/>
-                <a:cs typeface="Consolas" pitchFamily="49" charset="0"/>
-              </a:rPr>
-              <a:t>Console.WriteLine()</a:t>
+              <a:t>   print()</a:t>
             </a:r>
             <a:endParaRPr lang="en-US" sz="2800" b="1" noProof="1">
               <a:solidFill>
@@ -29830,37 +28807,6 @@
               <a:latin typeface="Consolas" pitchFamily="49" charset="0"/>
               <a:cs typeface="Consolas" pitchFamily="49" charset="0"/>
             </a:endParaRPr>
-          </a:p>
-          <a:p>
-            <a:pPr eaLnBrk="0" hangingPunct="0">
-              <a:lnSpc>
-                <a:spcPct val="110000"/>
-              </a:lnSpc>
-              <a:buClr>
-                <a:schemeClr val="accent5">
-                  <a:lumMod val="40000"/>
-                  <a:lumOff val="60000"/>
-                </a:schemeClr>
-              </a:buClr>
-              <a:buSzPct val="70000"/>
-            </a:pPr>
-            <a:r>
-              <a:rPr lang="en-US" sz="2800" b="1" noProof="1" smtClean="0">
-                <a:solidFill>
-                  <a:srgbClr val="FBEEDC"/>
-                </a:solidFill>
-                <a:effectLst>
-                  <a:outerShdw blurRad="38100" dist="38100" dir="2700000" algn="tl">
-                    <a:srgbClr val="000000">
-                      <a:alpha val="43137"/>
-                    </a:srgbClr>
-                  </a:outerShdw>
-                </a:effectLst>
-                <a:latin typeface="Consolas" pitchFamily="49" charset="0"/>
-                <a:cs typeface="Consolas" pitchFamily="49" charset="0"/>
-              </a:rPr>
-              <a:t>}</a:t>
-            </a:r>
           </a:p>
         </p:txBody>
       </p:sp>
@@ -30449,7 +29395,7 @@
               <a:buSzPct val="70000"/>
             </a:pPr>
             <a:r>
-              <a:rPr lang="en-US" sz="2800" b="1" noProof="1" smtClean="0">
+              <a:rPr lang="en-US" sz="2800" b="1" noProof="1">
                 <a:solidFill>
                   <a:schemeClr val="tx2">
                     <a:lumMod val="75000"/>
@@ -30465,7 +29411,26 @@
                 <a:latin typeface="Consolas" pitchFamily="49" charset="0"/>
                 <a:cs typeface="Consolas" pitchFamily="49" charset="0"/>
               </a:rPr>
-              <a:t>// </a:t>
+              <a:t>#</a:t>
+            </a:r>
+            <a:r>
+              <a:rPr lang="en-US" sz="2800" b="1" noProof="1" smtClean="0">
+                <a:solidFill>
+                  <a:schemeClr val="tx2">
+                    <a:lumMod val="75000"/>
+                  </a:schemeClr>
+                </a:solidFill>
+                <a:effectLst>
+                  <a:outerShdw blurRad="38100" dist="38100" dir="2700000" algn="tl">
+                    <a:srgbClr val="000000">
+                      <a:alpha val="43137"/>
+                    </a:srgbClr>
+                  </a:outerShdw>
+                </a:effectLst>
+                <a:latin typeface="Consolas" pitchFamily="49" charset="0"/>
+                <a:cs typeface="Consolas" pitchFamily="49" charset="0"/>
+              </a:rPr>
+              <a:t> </a:t>
             </a:r>
             <a:r>
               <a:rPr lang="en-US" sz="2800" b="1" i="1" noProof="1" smtClean="0">
@@ -30534,7 +29499,24 @@
                 <a:latin typeface="Consolas" pitchFamily="49" charset="0"/>
                 <a:cs typeface="Consolas" pitchFamily="49" charset="0"/>
               </a:rPr>
-              <a:t>Console.Write("+")</a:t>
+              <a:t>sys.stdout.write</a:t>
+            </a:r>
+            <a:r>
+              <a:rPr lang="en-US" sz="2800" b="1" noProof="1" smtClean="0">
+                <a:solidFill>
+                  <a:srgbClr val="FBEEDC"/>
+                </a:solidFill>
+                <a:effectLst>
+                  <a:outerShdw blurRad="38100" dist="38100" dir="2700000" algn="tl">
+                    <a:srgbClr val="000000">
+                      <a:alpha val="43137"/>
+                    </a:srgbClr>
+                  </a:outerShdw>
+                </a:effectLst>
+                <a:latin typeface="Consolas" pitchFamily="49" charset="0"/>
+                <a:cs typeface="Consolas" pitchFamily="49" charset="0"/>
+              </a:rPr>
+              <a:t>('+')</a:t>
             </a:r>
             <a:endParaRPr lang="en-US" sz="2800" b="1" noProof="1">
               <a:solidFill>
@@ -30579,7 +29561,7 @@
                 <a:latin typeface="Consolas" pitchFamily="49" charset="0"/>
                 <a:cs typeface="Consolas" pitchFamily="49" charset="0"/>
               </a:rPr>
-              <a:t>for (int i = </a:t>
+              <a:t>for </a:t>
             </a:r>
             <a:r>
               <a:rPr lang="en-US" sz="2800" b="1" noProof="1" smtClean="0">
@@ -30596,140 +29578,7 @@
                 <a:latin typeface="Consolas" pitchFamily="49" charset="0"/>
                 <a:cs typeface="Consolas" pitchFamily="49" charset="0"/>
               </a:rPr>
-              <a:t>0 </a:t>
-            </a:r>
-            <a:r>
-              <a:rPr lang="en-US" sz="2800" b="1" noProof="1">
-                <a:solidFill>
-                  <a:srgbClr val="FBEEDC"/>
-                </a:solidFill>
-                <a:effectLst>
-                  <a:outerShdw blurRad="38100" dist="38100" dir="2700000" algn="tl">
-                    <a:srgbClr val="000000">
-                      <a:alpha val="43137"/>
-                    </a:srgbClr>
-                  </a:outerShdw>
-                </a:effectLst>
-                <a:latin typeface="Consolas" pitchFamily="49" charset="0"/>
-                <a:cs typeface="Consolas" pitchFamily="49" charset="0"/>
-              </a:rPr>
-              <a:t>i &lt; </a:t>
-            </a:r>
-            <a:r>
-              <a:rPr lang="en-US" sz="2800" b="1" noProof="1" smtClean="0">
-                <a:solidFill>
-                  <a:srgbClr val="FBEEDC"/>
-                </a:solidFill>
-                <a:effectLst>
-                  <a:outerShdw blurRad="38100" dist="38100" dir="2700000" algn="tl">
-                    <a:srgbClr val="000000">
-                      <a:alpha val="43137"/>
-                    </a:srgbClr>
-                  </a:outerShdw>
-                </a:effectLst>
-                <a:latin typeface="Consolas" pitchFamily="49" charset="0"/>
-                <a:cs typeface="Consolas" pitchFamily="49" charset="0"/>
-              </a:rPr>
-              <a:t>n-2 </a:t>
-            </a:r>
-            <a:r>
-              <a:rPr lang="en-US" sz="2800" b="1" noProof="1">
-                <a:solidFill>
-                  <a:srgbClr val="FBEEDC"/>
-                </a:solidFill>
-                <a:effectLst>
-                  <a:outerShdw blurRad="38100" dist="38100" dir="2700000" algn="tl">
-                    <a:srgbClr val="000000">
-                      <a:alpha val="43137"/>
-                    </a:srgbClr>
-                  </a:outerShdw>
-                </a:effectLst>
-                <a:latin typeface="Consolas" pitchFamily="49" charset="0"/>
-                <a:cs typeface="Consolas" pitchFamily="49" charset="0"/>
-              </a:rPr>
-              <a:t>i++)</a:t>
-            </a:r>
-          </a:p>
-          <a:p>
-            <a:pPr eaLnBrk="0" hangingPunct="0">
-              <a:lnSpc>
-                <a:spcPct val="105000"/>
-              </a:lnSpc>
-              <a:buClr>
-                <a:schemeClr val="accent5">
-                  <a:lumMod val="40000"/>
-                  <a:lumOff val="60000"/>
-                </a:schemeClr>
-              </a:buClr>
-              <a:buSzPct val="70000"/>
-            </a:pPr>
-            <a:r>
-              <a:rPr lang="en-US" sz="2800" b="1" noProof="1">
-                <a:solidFill>
-                  <a:srgbClr val="FBEEDC"/>
-                </a:solidFill>
-                <a:effectLst>
-                  <a:outerShdw blurRad="38100" dist="38100" dir="2700000" algn="tl">
-                    <a:srgbClr val="000000">
-                      <a:alpha val="43137"/>
-                    </a:srgbClr>
-                  </a:outerShdw>
-                </a:effectLst>
-                <a:latin typeface="Consolas" pitchFamily="49" charset="0"/>
-                <a:cs typeface="Consolas" pitchFamily="49" charset="0"/>
-              </a:rPr>
-              <a:t>   </a:t>
-            </a:r>
-            <a:r>
-              <a:rPr lang="en-US" sz="2800" b="1" noProof="1" smtClean="0">
-                <a:solidFill>
-                  <a:srgbClr val="FBEEDC"/>
-                </a:solidFill>
-                <a:effectLst>
-                  <a:outerShdw blurRad="38100" dist="38100" dir="2700000" algn="tl">
-                    <a:srgbClr val="000000">
-                      <a:alpha val="43137"/>
-                    </a:srgbClr>
-                  </a:outerShdw>
-                </a:effectLst>
-                <a:latin typeface="Consolas" pitchFamily="49" charset="0"/>
-                <a:cs typeface="Consolas" pitchFamily="49" charset="0"/>
-              </a:rPr>
-              <a:t>Console.Write</a:t>
-            </a:r>
-            <a:r>
-              <a:rPr lang="en-US" sz="2800" b="1" noProof="1">
-                <a:solidFill>
-                  <a:srgbClr val="FBEEDC"/>
-                </a:solidFill>
-                <a:effectLst>
-                  <a:outerShdw blurRad="38100" dist="38100" dir="2700000" algn="tl">
-                    <a:srgbClr val="000000">
-                      <a:alpha val="43137"/>
-                    </a:srgbClr>
-                  </a:outerShdw>
-                </a:effectLst>
-                <a:latin typeface="Consolas" pitchFamily="49" charset="0"/>
-                <a:cs typeface="Consolas" pitchFamily="49" charset="0"/>
-              </a:rPr>
-              <a:t>(" </a:t>
-            </a:r>
-            <a:r>
-              <a:rPr lang="en-US" sz="2800" b="1" noProof="1" smtClean="0">
-                <a:solidFill>
-                  <a:srgbClr val="FBEEDC"/>
-                </a:solidFill>
-                <a:effectLst>
-                  <a:outerShdw blurRad="38100" dist="38100" dir="2700000" algn="tl">
-                    <a:srgbClr val="000000">
-                      <a:alpha val="43137"/>
-                    </a:srgbClr>
-                  </a:outerShdw>
-                </a:effectLst>
-                <a:latin typeface="Consolas" pitchFamily="49" charset="0"/>
-                <a:cs typeface="Consolas" pitchFamily="49" charset="0"/>
-              </a:rPr>
-              <a:t>-")</a:t>
+              <a:t>i in range(n-2):</a:t>
             </a:r>
             <a:endParaRPr lang="en-US" sz="2800" b="1" noProof="1">
               <a:solidFill>
@@ -30760,6 +29609,23 @@
               <a:buSzPct val="70000"/>
             </a:pPr>
             <a:r>
+              <a:rPr lang="en-US" sz="2800" b="1" noProof="1">
+                <a:solidFill>
+                  <a:srgbClr val="FBEEDC"/>
+                </a:solidFill>
+                <a:effectLst>
+                  <a:outerShdw blurRad="38100" dist="38100" dir="2700000" algn="tl">
+                    <a:srgbClr val="000000">
+                      <a:alpha val="43137"/>
+                    </a:srgbClr>
+                  </a:outerShdw>
+                </a:effectLst>
+                <a:latin typeface="Consolas" pitchFamily="49" charset="0"/>
+                <a:cs typeface="Consolas" pitchFamily="49" charset="0"/>
+              </a:rPr>
+              <a:t>   </a:t>
+            </a:r>
+            <a:r>
               <a:rPr lang="en-US" sz="2800" b="1" noProof="1" smtClean="0">
                 <a:solidFill>
                   <a:srgbClr val="FBEEDC"/>
@@ -30774,24 +29640,7 @@
                 <a:latin typeface="Consolas" pitchFamily="49" charset="0"/>
                 <a:cs typeface="Consolas" pitchFamily="49" charset="0"/>
               </a:rPr>
-              <a:t>Console.WriteLine</a:t>
-            </a:r>
-            <a:r>
-              <a:rPr lang="en-US" sz="2800" b="1" noProof="1">
-                <a:solidFill>
-                  <a:srgbClr val="FBEEDC"/>
-                </a:solidFill>
-                <a:effectLst>
-                  <a:outerShdw blurRad="38100" dist="38100" dir="2700000" algn="tl">
-                    <a:srgbClr val="000000">
-                      <a:alpha val="43137"/>
-                    </a:srgbClr>
-                  </a:outerShdw>
-                </a:effectLst>
-                <a:latin typeface="Consolas" pitchFamily="49" charset="0"/>
-                <a:cs typeface="Consolas" pitchFamily="49" charset="0"/>
-              </a:rPr>
-              <a:t>(" </a:t>
+              <a:t>sys.stdout.write</a:t>
             </a:r>
             <a:r>
               <a:rPr lang="en-US" sz="2800" b="1" noProof="1" smtClean="0">
@@ -30808,7 +29657,69 @@
                 <a:latin typeface="Consolas" pitchFamily="49" charset="0"/>
                 <a:cs typeface="Consolas" pitchFamily="49" charset="0"/>
               </a:rPr>
-              <a:t>+")</a:t>
+              <a:t>(' -')</a:t>
+            </a:r>
+            <a:endParaRPr lang="en-US" sz="2800" b="1" noProof="1">
+              <a:solidFill>
+                <a:srgbClr val="FBEEDC"/>
+              </a:solidFill>
+              <a:effectLst>
+                <a:outerShdw blurRad="38100" dist="38100" dir="2700000" algn="tl">
+                  <a:srgbClr val="000000">
+                    <a:alpha val="43137"/>
+                  </a:srgbClr>
+                </a:outerShdw>
+              </a:effectLst>
+              <a:latin typeface="Consolas" pitchFamily="49" charset="0"/>
+              <a:cs typeface="Consolas" pitchFamily="49" charset="0"/>
+            </a:endParaRPr>
+          </a:p>
+          <a:p>
+            <a:pPr eaLnBrk="0" hangingPunct="0">
+              <a:lnSpc>
+                <a:spcPct val="105000"/>
+              </a:lnSpc>
+              <a:buClr>
+                <a:schemeClr val="accent5">
+                  <a:lumMod val="40000"/>
+                  <a:lumOff val="60000"/>
+                </a:schemeClr>
+              </a:buClr>
+              <a:buSzPct val="70000"/>
+            </a:pPr>
+            <a:r>
+              <a:rPr lang="en-US" sz="2800" b="1" noProof="1" smtClean="0">
+                <a:solidFill>
+                  <a:srgbClr val="FBEEDC"/>
+                </a:solidFill>
+                <a:effectLst>
+                  <a:outerShdw blurRad="38100" dist="38100" dir="2700000" algn="tl">
+                    <a:srgbClr val="000000">
+                      <a:alpha val="43137"/>
+                    </a:srgbClr>
+                  </a:outerShdw>
+                </a:effectLst>
+                <a:latin typeface="Consolas" pitchFamily="49" charset="0"/>
+                <a:cs typeface="Consolas" pitchFamily="49" charset="0"/>
+              </a:rPr>
+              <a:t>print</a:t>
+            </a:r>
+            <a:r>
+              <a:rPr lang="en-US" sz="2800" b="1" noProof="1" smtClean="0">
+                <a:solidFill>
+                  <a:srgbClr val="FBEEDC"/>
+                </a:solidFill>
+                <a:effectLst>
+                  <a:outerShdw blurRad="38100" dist="38100" dir="2700000" algn="tl">
+                    <a:srgbClr val="000000">
+                      <a:alpha val="43137"/>
+                    </a:srgbClr>
+                  </a:outerShdw>
+                </a:effectLst>
+                <a:latin typeface="Consolas" pitchFamily="49" charset="0"/>
+                <a:cs typeface="Consolas" pitchFamily="49" charset="0"/>
+              </a:rPr>
+              <a:t>(' +')</a:t>
             </a:r>
             <a:endParaRPr lang="en-US" sz="2800" b="1" noProof="1">
               <a:solidFill>
@@ -30859,23 +29770,6 @@
               <a:t>for </a:t>
             </a:r>
             <a:r>
-              <a:rPr lang="en-US" sz="2800" b="1" noProof="1">
-                <a:solidFill>
-                  <a:srgbClr val="FBEEDC"/>
-                </a:solidFill>
-                <a:effectLst>
-                  <a:outerShdw blurRad="38100" dist="38100" dir="2700000" algn="tl">
-                    <a:srgbClr val="000000">
-                      <a:alpha val="43137"/>
-                    </a:srgbClr>
-                  </a:outerShdw>
-                </a:effectLst>
-                <a:latin typeface="Consolas" pitchFamily="49" charset="0"/>
-                <a:cs typeface="Consolas" pitchFamily="49" charset="0"/>
-              </a:rPr>
-              <a:t>(int row = </a:t>
-            </a:r>
-            <a:r>
               <a:rPr lang="en-US" sz="2800" b="1" noProof="1" smtClean="0">
                 <a:solidFill>
                   <a:srgbClr val="FBEEDC"/>
@@ -30890,59 +29784,22 @@
                 <a:latin typeface="Consolas" pitchFamily="49" charset="0"/>
                 <a:cs typeface="Consolas" pitchFamily="49" charset="0"/>
               </a:rPr>
-              <a:t>0 </a:t>
-            </a:r>
-            <a:r>
-              <a:rPr lang="en-US" sz="2800" b="1" noProof="1">
-                <a:solidFill>
-                  <a:srgbClr val="FBEEDC"/>
-                </a:solidFill>
-                <a:effectLst>
-                  <a:outerShdw blurRad="38100" dist="38100" dir="2700000" algn="tl">
-                    <a:srgbClr val="000000">
-                      <a:alpha val="43137"/>
-                    </a:srgbClr>
-                  </a:outerShdw>
-                </a:effectLst>
-                <a:latin typeface="Consolas" pitchFamily="49" charset="0"/>
-                <a:cs typeface="Consolas" pitchFamily="49" charset="0"/>
-              </a:rPr>
-              <a:t>row &lt; n - </a:t>
-            </a:r>
-            <a:r>
-              <a:rPr lang="en-US" sz="2800" b="1" noProof="1" smtClean="0">
-                <a:solidFill>
-                  <a:srgbClr val="FBEEDC"/>
-                </a:solidFill>
-                <a:effectLst>
-                  <a:outerShdw blurRad="38100" dist="38100" dir="2700000" algn="tl">
-                    <a:srgbClr val="000000">
-                      <a:alpha val="43137"/>
-                    </a:srgbClr>
-                  </a:outerShdw>
-                </a:effectLst>
-                <a:latin typeface="Consolas" pitchFamily="49" charset="0"/>
-                <a:cs typeface="Consolas" pitchFamily="49" charset="0"/>
-              </a:rPr>
-              <a:t>2 </a:t>
-            </a:r>
-            <a:r>
-              <a:rPr lang="en-US" sz="2800" b="1" noProof="1">
-                <a:solidFill>
-                  <a:srgbClr val="FBEEDC"/>
-                </a:solidFill>
-                <a:effectLst>
-                  <a:outerShdw blurRad="38100" dist="38100" dir="2700000" algn="tl">
-                    <a:srgbClr val="000000">
-                      <a:alpha val="43137"/>
-                    </a:srgbClr>
-                  </a:outerShdw>
-                </a:effectLst>
-                <a:latin typeface="Consolas" pitchFamily="49" charset="0"/>
-                <a:cs typeface="Consolas" pitchFamily="49" charset="0"/>
-              </a:rPr>
-              <a:t>row++)</a:t>
-            </a:r>
+              <a:t>row in range(n-2):</a:t>
+            </a:r>
+            <a:endParaRPr lang="en-US" sz="2800" b="1" noProof="1">
+              <a:solidFill>
+                <a:srgbClr val="FBEEDC"/>
+              </a:solidFill>
+              <a:effectLst>
+                <a:outerShdw blurRad="38100" dist="38100" dir="2700000" algn="tl">
+                  <a:srgbClr val="000000">
+                    <a:alpha val="43137"/>
+                  </a:srgbClr>
+                </a:outerShdw>
+              </a:effectLst>
+              <a:latin typeface="Consolas" pitchFamily="49" charset="0"/>
+              <a:cs typeface="Consolas" pitchFamily="49" charset="0"/>
+            </a:endParaRPr>
           </a:p>
           <a:p>
             <a:pPr eaLnBrk="0" hangingPunct="0">
@@ -30974,7 +29831,64 @@
                 <a:latin typeface="Consolas" pitchFamily="49" charset="0"/>
                 <a:cs typeface="Consolas" pitchFamily="49" charset="0"/>
               </a:rPr>
-              <a:t>   // TODO: </a:t>
+              <a:t>   </a:t>
+            </a:r>
+            <a:r>
+              <a:rPr lang="en-US" sz="2800" b="1" noProof="1">
+                <a:solidFill>
+                  <a:schemeClr val="tx2">
+                    <a:lumMod val="75000"/>
+                  </a:schemeClr>
+                </a:solidFill>
+                <a:effectLst>
+                  <a:outerShdw blurRad="38100" dist="38100" dir="2700000" algn="tl">
+                    <a:srgbClr val="000000">
+                      <a:alpha val="43137"/>
+                    </a:srgbClr>
+                  </a:outerShdw>
+                </a:effectLst>
+                <a:latin typeface="Consolas" pitchFamily="49" charset="0"/>
+                <a:cs typeface="Consolas" pitchFamily="49" charset="0"/>
+              </a:rPr>
+              <a:t>#</a:t>
+            </a:r>
+            <a:r>
+              <a:rPr lang="en-US" sz="2800" b="1" noProof="1" smtClean="0">
+                <a:solidFill>
+                  <a:schemeClr val="tx2">
+                    <a:lumMod val="75000"/>
+                  </a:schemeClr>
+                </a:solidFill>
+                <a:effectLst>
+                  <a:outerShdw blurRad="38100" dist="38100" dir="2700000" algn="tl">
+                    <a:srgbClr val="000000">
+                      <a:alpha val="43137"/>
+                    </a:srgbClr>
+                  </a:outerShdw>
+                </a:effectLst>
+                <a:latin typeface="Consolas" pitchFamily="49" charset="0"/>
+                <a:cs typeface="Consolas" pitchFamily="49" charset="0"/>
+              </a:rPr>
+              <a:t> </a:t>
+            </a:r>
+            <a:r>
+              <a:rPr lang="en-US" sz="2800" b="1" noProof="1" smtClean="0">
+                <a:solidFill>
+                  <a:schemeClr val="tx2">
+                    <a:lumMod val="75000"/>
+                  </a:schemeClr>
+                </a:solidFill>
+                <a:effectLst>
+                  <a:outerShdw blurRad="38100" dist="38100" dir="2700000" algn="tl">
+                    <a:srgbClr val="000000">
+                      <a:alpha val="43137"/>
+                    </a:srgbClr>
+                  </a:outerShdw>
+                </a:effectLst>
+                <a:latin typeface="Consolas" pitchFamily="49" charset="0"/>
+                <a:cs typeface="Consolas" pitchFamily="49" charset="0"/>
+              </a:rPr>
+              <a:t>TODO: </a:t>
             </a:r>
             <a:r>
               <a:rPr lang="en-US" sz="2800" b="1" i="1" noProof="1" smtClean="0">
@@ -31064,7 +29978,45 @@
                 <a:latin typeface="Consolas" pitchFamily="49" charset="0"/>
                 <a:cs typeface="Consolas" pitchFamily="49" charset="0"/>
               </a:rPr>
-              <a:t>// TODO: </a:t>
+              <a:t>#</a:t>
+            </a:r>
+            <a:r>
+              <a:rPr lang="en-US" sz="2800" b="1" noProof="1" smtClean="0">
+                <a:solidFill>
+                  <a:schemeClr val="tx2">
+                    <a:lumMod val="75000"/>
+                  </a:schemeClr>
+                </a:solidFill>
+                <a:effectLst>
+                  <a:outerShdw blurRad="38100" dist="38100" dir="2700000" algn="tl">
+                    <a:srgbClr val="000000">
+                      <a:alpha val="43137"/>
+                    </a:srgbClr>
+                  </a:outerShdw>
+                </a:effectLst>
+                <a:latin typeface="Consolas" pitchFamily="49" charset="0"/>
+                <a:cs typeface="Consolas" pitchFamily="49" charset="0"/>
+              </a:rPr>
+              <a:t> </a:t>
+            </a:r>
+            <a:r>
+              <a:rPr lang="en-US" sz="2800" b="1" noProof="1">
+                <a:solidFill>
+                  <a:schemeClr val="tx2">
+                    <a:lumMod val="75000"/>
+                  </a:schemeClr>
+                </a:solidFill>
+                <a:effectLst>
+                  <a:outerShdw blurRad="38100" dist="38100" dir="2700000" algn="tl">
+                    <a:srgbClr val="000000">
+                      <a:alpha val="43137"/>
+                    </a:srgbClr>
+                  </a:outerShdw>
+                </a:effectLst>
+                <a:latin typeface="Consolas" pitchFamily="49" charset="0"/>
+                <a:cs typeface="Consolas" pitchFamily="49" charset="0"/>
+              </a:rPr>
+              <a:t>TODO: </a:t>
             </a:r>
             <a:r>
               <a:rPr lang="en-US" sz="2800" b="1" i="1" noProof="1">

--- a/6. Drawing-with-Loops/6. Drawing-with-Loops.pptx
+++ b/6. Drawing-with-Loops/6. Drawing-with-Loops.pptx
@@ -251,7 +251,7 @@
             <a:fld id="{FE5B4EDC-59C0-49C7-8ADA-5A781B329E02}" type="datetimeFigureOut">
               <a:rPr lang="en-US"/>
               <a:pPr/>
-              <a:t>2/10/2017</a:t>
+              <a:t>2/19/2017</a:t>
             </a:fld>
             <a:endParaRPr dirty="0"/>
           </a:p>
@@ -450,7 +450,7 @@
             <a:fld id="{F2D8D46A-B586-417D-BFBD-8C8FE0AAF762}" type="datetimeFigureOut">
               <a:rPr lang="en-US" smtClean="0"/>
               <a:pPr/>
-              <a:t>2/10/2017</a:t>
+              <a:t>2/19/2017</a:t>
             </a:fld>
             <a:endParaRPr lang="en-US"/>
           </a:p>
@@ -2740,7 +2740,7 @@
             <a:fld id="{055373AC-9AA7-423B-BA00-BA1C74164DBD}" type="datetime1">
               <a:rPr lang="en-US" smtClean="0"/>
               <a:pPr/>
-              <a:t>2/10/2017</a:t>
+              <a:t>2/19/2017</a:t>
             </a:fld>
             <a:endParaRPr lang="en-US" dirty="0"/>
           </a:p>
@@ -4014,7 +4014,7 @@
             <a:fld id="{055373AC-9AA7-423B-BA00-BA1C74164DBD}" type="datetime1">
               <a:rPr lang="en-US" smtClean="0"/>
               <a:pPr/>
-              <a:t>2/10/2017</a:t>
+              <a:t>2/19/2017</a:t>
             </a:fld>
             <a:endParaRPr lang="en-US" dirty="0"/>
           </a:p>
@@ -5746,24 +5746,7 @@
                 <a:latin typeface="Consolas" pitchFamily="49" charset="0"/>
                 <a:cs typeface="Consolas" pitchFamily="49" charset="0"/>
               </a:rPr>
-              <a:t>sys.stdout.write</a:t>
-            </a:r>
-            <a:r>
-              <a:rPr lang="en-US" sz="2600" b="1" noProof="1" smtClean="0">
-                <a:solidFill>
-                  <a:srgbClr val="FBEEDC"/>
-                </a:solidFill>
-                <a:effectLst>
-                  <a:outerShdw blurRad="38100" dist="38100" dir="2700000" algn="tl">
-                    <a:srgbClr val="000000">
-                      <a:alpha val="43137"/>
-                    </a:srgbClr>
-                  </a:outerShdw>
-                </a:effectLst>
-                <a:latin typeface="Consolas" pitchFamily="49" charset="0"/>
-                <a:cs typeface="Consolas" pitchFamily="49" charset="0"/>
-              </a:rPr>
-              <a:t>(' ')</a:t>
+              <a:t>sys.stdout.write(' ')</a:t>
             </a:r>
             <a:endParaRPr lang="en-US" sz="2600" b="1" noProof="1">
               <a:solidFill>
@@ -5825,24 +5808,7 @@
                 <a:latin typeface="Consolas" pitchFamily="49" charset="0"/>
                 <a:cs typeface="Consolas" pitchFamily="49" charset="0"/>
               </a:rPr>
-              <a:t>sys.stdout.write</a:t>
-            </a:r>
-            <a:r>
-              <a:rPr lang="en-US" sz="2600" b="1" noProof="1" smtClean="0">
-                <a:solidFill>
-                  <a:srgbClr val="FBEEDC"/>
-                </a:solidFill>
-                <a:effectLst>
-                  <a:outerShdw blurRad="38100" dist="38100" dir="2700000" algn="tl">
-                    <a:srgbClr val="000000">
-                      <a:alpha val="43137"/>
-                    </a:srgbClr>
-                  </a:outerShdw>
-                </a:effectLst>
-                <a:latin typeface="Consolas" pitchFamily="49" charset="0"/>
-                <a:cs typeface="Consolas" pitchFamily="49" charset="0"/>
-              </a:rPr>
-              <a:t>('*')</a:t>
+              <a:t>sys.stdout.write('*')</a:t>
             </a:r>
             <a:endParaRPr lang="en-US" sz="2600" b="1" noProof="1">
               <a:solidFill>
@@ -5949,24 +5915,7 @@
                 <a:latin typeface="Consolas" pitchFamily="49" charset="0"/>
                 <a:cs typeface="Consolas" pitchFamily="49" charset="0"/>
               </a:rPr>
-              <a:t>sys.stdout.write</a:t>
-            </a:r>
-            <a:r>
-              <a:rPr lang="en-US" sz="2600" b="1" noProof="1" smtClean="0">
-                <a:solidFill>
-                  <a:srgbClr val="FBEEDC"/>
-                </a:solidFill>
-                <a:effectLst>
-                  <a:outerShdw blurRad="38100" dist="38100" dir="2700000" algn="tl">
-                    <a:srgbClr val="000000">
-                      <a:alpha val="43137"/>
-                    </a:srgbClr>
-                  </a:outerShdw>
-                </a:effectLst>
-                <a:latin typeface="Consolas" pitchFamily="49" charset="0"/>
-                <a:cs typeface="Consolas" pitchFamily="49" charset="0"/>
-              </a:rPr>
-              <a:t>(' *')</a:t>
+              <a:t>sys.stdout.write(' *')</a:t>
             </a:r>
             <a:endParaRPr lang="en-US" sz="2600" b="1" noProof="1">
               <a:solidFill>
@@ -6028,39 +5977,8 @@
                 <a:latin typeface="Consolas" pitchFamily="49" charset="0"/>
                 <a:cs typeface="Consolas" pitchFamily="49" charset="0"/>
               </a:rPr>
-              <a:t>print</a:t>
-            </a:r>
-            <a:r>
-              <a:rPr lang="en-US" sz="2600" b="1" noProof="1" smtClean="0">
-                <a:solidFill>
-                  <a:srgbClr val="FBEEDC"/>
-                </a:solidFill>
-                <a:effectLst>
-                  <a:outerShdw blurRad="38100" dist="38100" dir="2700000" algn="tl">
-                    <a:srgbClr val="000000">
-                      <a:alpha val="43137"/>
-                    </a:srgbClr>
-                  </a:outerShdw>
-                </a:effectLst>
-                <a:latin typeface="Consolas" pitchFamily="49" charset="0"/>
-                <a:cs typeface="Consolas" pitchFamily="49" charset="0"/>
-              </a:rPr>
-              <a:t>()</a:t>
-            </a:r>
-            <a:endParaRPr lang="en-US" sz="2600" b="1" noProof="1" smtClean="0">
-              <a:solidFill>
-                <a:srgbClr val="FBEEDC"/>
-              </a:solidFill>
-              <a:effectLst>
-                <a:outerShdw blurRad="38100" dist="38100" dir="2700000" algn="tl">
-                  <a:srgbClr val="000000">
-                    <a:alpha val="43137"/>
-                  </a:srgbClr>
-                </a:outerShdw>
-              </a:effectLst>
-              <a:latin typeface="Consolas" pitchFamily="49" charset="0"/>
-              <a:cs typeface="Consolas" pitchFamily="49" charset="0"/>
-            </a:endParaRPr>
+              <a:t>print()</a:t>
+            </a:r>
           </a:p>
           <a:p>
             <a:pPr eaLnBrk="0" hangingPunct="0">
@@ -6111,26 +6029,7 @@
                 <a:latin typeface="Consolas" pitchFamily="49" charset="0"/>
                 <a:cs typeface="Consolas" pitchFamily="49" charset="0"/>
               </a:rPr>
-              <a:t> </a:t>
-            </a:r>
-            <a:r>
-              <a:rPr lang="en-US" sz="2600" b="1" noProof="1" smtClean="0">
-                <a:solidFill>
-                  <a:schemeClr val="tx2">
-                    <a:lumMod val="75000"/>
-                  </a:schemeClr>
-                </a:solidFill>
-                <a:effectLst>
-                  <a:outerShdw blurRad="38100" dist="38100" dir="2700000" algn="tl">
-                    <a:srgbClr val="000000">
-                      <a:alpha val="43137"/>
-                    </a:srgbClr>
-                  </a:outerShdw>
-                </a:effectLst>
-                <a:latin typeface="Consolas" pitchFamily="49" charset="0"/>
-                <a:cs typeface="Consolas" pitchFamily="49" charset="0"/>
-              </a:rPr>
-              <a:t>TODO: </a:t>
+              <a:t> TODO: </a:t>
             </a:r>
             <a:r>
               <a:rPr lang="en-US" sz="2600" b="1" i="1" noProof="1" smtClean="0">
@@ -7917,24 +7816,7 @@
                 <a:latin typeface="Consolas" pitchFamily="49" charset="0"/>
                 <a:cs typeface="Consolas" pitchFamily="49" charset="0"/>
               </a:rPr>
-              <a:t>for </a:t>
-            </a:r>
-            <a:r>
-              <a:rPr lang="en-US" sz="3000" b="1" noProof="1" smtClean="0">
-                <a:solidFill>
-                  <a:srgbClr val="FBEEE1"/>
-                </a:solidFill>
-                <a:effectLst>
-                  <a:outerShdw blurRad="38100" dist="38100" dir="2700000" algn="tl">
-                    <a:srgbClr val="000000">
-                      <a:alpha val="43137"/>
-                    </a:srgbClr>
-                  </a:outerShdw>
-                </a:effectLst>
-                <a:latin typeface="Consolas" pitchFamily="49" charset="0"/>
-                <a:cs typeface="Consolas" pitchFamily="49" charset="0"/>
-              </a:rPr>
-              <a:t>i in range(n+1):</a:t>
+              <a:t>for i in range(n+1):</a:t>
             </a:r>
             <a:endParaRPr lang="en-US" sz="3000" b="1" noProof="1">
               <a:solidFill>
@@ -7991,41 +7873,7 @@
                 <a:latin typeface="Consolas" pitchFamily="49" charset="0"/>
                 <a:cs typeface="Consolas" pitchFamily="49" charset="0"/>
               </a:rPr>
-              <a:t> </a:t>
-            </a:r>
-            <a:r>
-              <a:rPr lang="en-US" sz="3000" b="1" noProof="1" smtClean="0">
-                <a:solidFill>
-                  <a:srgbClr val="FBEEE1"/>
-                </a:solidFill>
-                <a:effectLst>
-                  <a:outerShdw blurRad="38100" dist="38100" dir="2700000" algn="tl">
-                    <a:srgbClr val="000000">
-                      <a:alpha val="43137"/>
-                    </a:srgbClr>
-                  </a:outerShdw>
-                </a:effectLst>
-                <a:latin typeface="Consolas" pitchFamily="49" charset="0"/>
-                <a:cs typeface="Consolas" pitchFamily="49" charset="0"/>
-              </a:rPr>
-              <a:t>= </a:t>
-            </a:r>
-            <a:r>
-              <a:rPr lang="en-US" sz="3000" b="1" noProof="1" smtClean="0">
-                <a:solidFill>
-                  <a:srgbClr val="FBEEE1"/>
-                </a:solidFill>
-                <a:effectLst>
-                  <a:outerShdw blurRad="38100" dist="38100" dir="2700000" algn="tl">
-                    <a:srgbClr val="000000">
-                      <a:alpha val="43137"/>
-                    </a:srgbClr>
-                  </a:outerShdw>
-                </a:effectLst>
-                <a:latin typeface="Consolas" pitchFamily="49" charset="0"/>
-                <a:cs typeface="Consolas" pitchFamily="49" charset="0"/>
-              </a:rPr>
-              <a:t>'*' * i</a:t>
+              <a:t> = '*' * i</a:t>
             </a:r>
             <a:endParaRPr lang="en-US" sz="3000" b="1" noProof="1">
               <a:solidFill>
@@ -8316,24 +8164,7 @@
                 <a:latin typeface="Consolas" pitchFamily="49" charset="0"/>
                 <a:cs typeface="Consolas" pitchFamily="49" charset="0"/>
               </a:rPr>
-              <a:t>sys.stdout.write</a:t>
-            </a:r>
-            <a:r>
-              <a:rPr lang="en-US" sz="3000" b="1" noProof="1" smtClean="0">
-                <a:solidFill>
-                  <a:srgbClr val="FBEEE1"/>
-                </a:solidFill>
-                <a:effectLst>
-                  <a:outerShdw blurRad="38100" dist="38100" dir="2700000" algn="tl">
-                    <a:srgbClr val="000000">
-                      <a:alpha val="43137"/>
-                    </a:srgbClr>
-                  </a:outerShdw>
-                </a:effectLst>
-                <a:latin typeface="Consolas" pitchFamily="49" charset="0"/>
-                <a:cs typeface="Consolas" pitchFamily="49" charset="0"/>
-              </a:rPr>
-              <a:t>('</a:t>
+              <a:t>sys.stdout.write('</a:t>
             </a:r>
             <a:r>
               <a:rPr lang="en-US" sz="3000" b="1" noProof="1" smtClean="0">
@@ -10926,24 +10757,7 @@
                 <a:latin typeface="Consolas" pitchFamily="49" charset="0"/>
                 <a:cs typeface="Consolas" pitchFamily="49" charset="0"/>
               </a:rPr>
-              <a:t>sys.stdout.write</a:t>
-            </a:r>
-            <a:r>
-              <a:rPr lang="en-US" sz="2600" b="1" noProof="1" smtClean="0">
-                <a:solidFill>
-                  <a:srgbClr val="FBEEE1"/>
-                </a:solidFill>
-                <a:effectLst>
-                  <a:outerShdw blurRad="38100" dist="38100" dir="2700000" algn="tl">
-                    <a:srgbClr val="000000">
-                      <a:alpha val="43137"/>
-                    </a:srgbClr>
-                  </a:outerShdw>
-                </a:effectLst>
-                <a:latin typeface="Consolas" pitchFamily="49" charset="0"/>
-                <a:cs typeface="Consolas" pitchFamily="49" charset="0"/>
-              </a:rPr>
-              <a:t>('</a:t>
+              <a:t>sys.stdout.write('</a:t>
             </a:r>
             <a:r>
               <a:rPr lang="en-US" sz="2600" b="1" noProof="1" smtClean="0">
@@ -11048,24 +10862,7 @@
                 <a:latin typeface="Consolas" pitchFamily="49" charset="0"/>
                 <a:cs typeface="Consolas" pitchFamily="49" charset="0"/>
               </a:rPr>
-              <a:t>print</a:t>
-            </a:r>
-            <a:r>
-              <a:rPr lang="en-US" sz="2600" b="1" noProof="1" smtClean="0">
-                <a:solidFill>
-                  <a:srgbClr val="FBEEE1"/>
-                </a:solidFill>
-                <a:effectLst>
-                  <a:outerShdw blurRad="38100" dist="38100" dir="2700000" algn="tl">
-                    <a:srgbClr val="000000">
-                      <a:alpha val="43137"/>
-                    </a:srgbClr>
-                  </a:outerShdw>
-                </a:effectLst>
-                <a:latin typeface="Consolas" pitchFamily="49" charset="0"/>
-                <a:cs typeface="Consolas" pitchFamily="49" charset="0"/>
-              </a:rPr>
-              <a:t>('</a:t>
+              <a:t>print('</a:t>
             </a:r>
             <a:r>
               <a:rPr lang="en-US" sz="2600" b="1" noProof="1" smtClean="0">
@@ -11138,6 +10935,177 @@
                 <a:cs typeface="Consolas" pitchFamily="49" charset="0"/>
               </a:rPr>
               <a:t>)</a:t>
+            </a:r>
+          </a:p>
+          <a:p>
+            <a:pPr>
+              <a:spcBef>
+                <a:spcPts val="1200"/>
+              </a:spcBef>
+            </a:pPr>
+            <a:r>
+              <a:rPr lang="nn-NO" sz="2600" b="1" noProof="1" smtClean="0">
+                <a:solidFill>
+                  <a:srgbClr val="FBEEE1"/>
+                </a:solidFill>
+                <a:effectLst>
+                  <a:outerShdw blurRad="38100" dist="38100" dir="2700000" algn="tl">
+                    <a:srgbClr val="000000">
+                      <a:alpha val="43137"/>
+                    </a:srgbClr>
+                  </a:outerShdw>
+                </a:effectLst>
+                <a:latin typeface="Consolas" pitchFamily="49" charset="0"/>
+                <a:cs typeface="Consolas" pitchFamily="49" charset="0"/>
+              </a:rPr>
+              <a:t>for i in range(n - 2)</a:t>
+            </a:r>
+            <a:r>
+              <a:rPr lang="nn-NO" sz="2600" b="1" noProof="1">
+                <a:solidFill>
+                  <a:srgbClr val="FBEEE1"/>
+                </a:solidFill>
+                <a:effectLst>
+                  <a:outerShdw blurRad="38100" dist="38100" dir="2700000" algn="tl">
+                    <a:srgbClr val="000000">
+                      <a:alpha val="43137"/>
+                    </a:srgbClr>
+                  </a:outerShdw>
+                </a:effectLst>
+                <a:latin typeface="Consolas" pitchFamily="49" charset="0"/>
+                <a:cs typeface="Consolas" pitchFamily="49" charset="0"/>
+              </a:rPr>
+              <a:t>:</a:t>
+            </a:r>
+            <a:endParaRPr lang="nn-NO" sz="2600" b="1" noProof="1" smtClean="0">
+              <a:solidFill>
+                <a:srgbClr val="FBEEE1"/>
+              </a:solidFill>
+              <a:effectLst>
+                <a:outerShdw blurRad="38100" dist="38100" dir="2700000" algn="tl">
+                  <a:srgbClr val="000000">
+                    <a:alpha val="43137"/>
+                  </a:srgbClr>
+                </a:outerShdw>
+              </a:effectLst>
+              <a:latin typeface="Consolas" pitchFamily="49" charset="0"/>
+              <a:cs typeface="Consolas" pitchFamily="49" charset="0"/>
+            </a:endParaRPr>
+          </a:p>
+          <a:p>
+            <a:r>
+              <a:rPr lang="en-US" sz="2600" b="1" noProof="1" smtClean="0">
+                <a:solidFill>
+                  <a:schemeClr val="tx2">
+                    <a:lumMod val="75000"/>
+                  </a:schemeClr>
+                </a:solidFill>
+                <a:effectLst>
+                  <a:outerShdw blurRad="38100" dist="38100" dir="2700000" algn="tl">
+                    <a:srgbClr val="000000">
+                      <a:alpha val="43137"/>
+                    </a:srgbClr>
+                  </a:outerShdw>
+                </a:effectLst>
+                <a:latin typeface="Consolas" pitchFamily="49" charset="0"/>
+                <a:cs typeface="Consolas" pitchFamily="49" charset="0"/>
+              </a:rPr>
+              <a:t>   </a:t>
+            </a:r>
+            <a:r>
+              <a:rPr lang="en-US" sz="2600" b="1" noProof="1">
+                <a:solidFill>
+                  <a:schemeClr val="tx2">
+                    <a:lumMod val="75000"/>
+                  </a:schemeClr>
+                </a:solidFill>
+                <a:effectLst>
+                  <a:outerShdw blurRad="38100" dist="38100" dir="2700000" algn="tl">
+                    <a:srgbClr val="000000">
+                      <a:alpha val="43137"/>
+                    </a:srgbClr>
+                  </a:outerShdw>
+                </a:effectLst>
+                <a:latin typeface="Consolas" pitchFamily="49" charset="0"/>
+                <a:cs typeface="Consolas" pitchFamily="49" charset="0"/>
+              </a:rPr>
+              <a:t>#</a:t>
+            </a:r>
+            <a:r>
+              <a:rPr lang="en-US" sz="2600" b="1" noProof="1" smtClean="0">
+                <a:solidFill>
+                  <a:schemeClr val="tx2">
+                    <a:lumMod val="75000"/>
+                  </a:schemeClr>
+                </a:solidFill>
+                <a:effectLst>
+                  <a:outerShdw blurRad="38100" dist="38100" dir="2700000" algn="tl">
+                    <a:srgbClr val="000000">
+                      <a:alpha val="43137"/>
+                    </a:srgbClr>
+                  </a:outerShdw>
+                </a:effectLst>
+                <a:latin typeface="Consolas" pitchFamily="49" charset="0"/>
+                <a:cs typeface="Consolas" pitchFamily="49" charset="0"/>
+              </a:rPr>
+              <a:t> </a:t>
+            </a:r>
+            <a:r>
+              <a:rPr lang="en-US" sz="2600" b="1" noProof="1">
+                <a:solidFill>
+                  <a:schemeClr val="tx2">
+                    <a:lumMod val="75000"/>
+                  </a:schemeClr>
+                </a:solidFill>
+                <a:effectLst>
+                  <a:outerShdw blurRad="38100" dist="38100" dir="2700000" algn="tl">
+                    <a:srgbClr val="000000">
+                      <a:alpha val="43137"/>
+                    </a:srgbClr>
+                  </a:outerShdw>
+                </a:effectLst>
+                <a:latin typeface="Consolas" pitchFamily="49" charset="0"/>
+                <a:cs typeface="Consolas" pitchFamily="49" charset="0"/>
+              </a:rPr>
+              <a:t>TODO: </a:t>
+            </a:r>
+            <a:r>
+              <a:rPr lang="en-US" sz="2600" b="1" i="1" noProof="1">
+                <a:solidFill>
+                  <a:schemeClr val="tx2">
+                    <a:lumMod val="75000"/>
+                  </a:schemeClr>
+                </a:solidFill>
+                <a:effectLst>
+                  <a:outerShdw blurRad="38100" dist="38100" dir="2700000" algn="tl">
+                    <a:srgbClr val="000000">
+                      <a:alpha val="43137"/>
+                    </a:srgbClr>
+                  </a:outerShdw>
+                </a:effectLst>
+                <a:latin typeface="Consolas" pitchFamily="49" charset="0"/>
+                <a:cs typeface="Consolas" pitchFamily="49" charset="0"/>
+              </a:rPr>
+              <a:t>print the middle </a:t>
+            </a:r>
+            <a:r>
+              <a:rPr lang="en-US" sz="2600" b="1" i="1" noProof="1" smtClean="0">
+                <a:solidFill>
+                  <a:schemeClr val="tx2">
+                    <a:lumMod val="75000"/>
+                  </a:schemeClr>
+                </a:solidFill>
+                <a:effectLst>
+                  <a:outerShdw blurRad="38100" dist="38100" dir="2700000" algn="tl">
+                    <a:srgbClr val="000000">
+                      <a:alpha val="43137"/>
+                    </a:srgbClr>
+                  </a:outerShdw>
+                </a:effectLst>
+                <a:latin typeface="Consolas" pitchFamily="49" charset="0"/>
+                <a:cs typeface="Consolas" pitchFamily="49" charset="0"/>
+              </a:rPr>
+              <a:t>part</a:t>
             </a:r>
             <a:endParaRPr lang="en-US" sz="2600" b="1" noProof="1" smtClean="0">
               <a:solidFill>
@@ -11161,74 +11129,7 @@
               </a:spcBef>
             </a:pPr>
             <a:r>
-              <a:rPr lang="nn-NO" sz="2600" b="1" noProof="1" smtClean="0">
-                <a:solidFill>
-                  <a:srgbClr val="FBEEE1"/>
-                </a:solidFill>
-                <a:effectLst>
-                  <a:outerShdw blurRad="38100" dist="38100" dir="2700000" algn="tl">
-                    <a:srgbClr val="000000">
-                      <a:alpha val="43137"/>
-                    </a:srgbClr>
-                  </a:outerShdw>
-                </a:effectLst>
-                <a:latin typeface="Consolas" pitchFamily="49" charset="0"/>
-                <a:cs typeface="Consolas" pitchFamily="49" charset="0"/>
-              </a:rPr>
-              <a:t>for </a:t>
-            </a:r>
-            <a:r>
-              <a:rPr lang="nn-NO" sz="2600" b="1" noProof="1" smtClean="0">
-                <a:solidFill>
-                  <a:srgbClr val="FBEEE1"/>
-                </a:solidFill>
-                <a:effectLst>
-                  <a:outerShdw blurRad="38100" dist="38100" dir="2700000" algn="tl">
-                    <a:srgbClr val="000000">
-                      <a:alpha val="43137"/>
-                    </a:srgbClr>
-                  </a:outerShdw>
-                </a:effectLst>
-                <a:latin typeface="Consolas" pitchFamily="49" charset="0"/>
-                <a:cs typeface="Consolas" pitchFamily="49" charset="0"/>
-              </a:rPr>
-              <a:t>i in range(n - 2)</a:t>
-            </a:r>
-            <a:r>
-              <a:rPr lang="nn-NO" sz="2600" b="1" noProof="1">
-                <a:solidFill>
-                  <a:srgbClr val="FBEEE1"/>
-                </a:solidFill>
-                <a:effectLst>
-                  <a:outerShdw blurRad="38100" dist="38100" dir="2700000" algn="tl">
-                    <a:srgbClr val="000000">
-                      <a:alpha val="43137"/>
-                    </a:srgbClr>
-                  </a:outerShdw>
-                </a:effectLst>
-                <a:latin typeface="Consolas" pitchFamily="49" charset="0"/>
-                <a:cs typeface="Consolas" pitchFamily="49" charset="0"/>
-              </a:rPr>
-              <a:t>:</a:t>
-            </a:r>
-            <a:endParaRPr lang="nn-NO" sz="2600" b="1" noProof="1" smtClean="0">
-              <a:solidFill>
-                <a:srgbClr val="FBEEE1"/>
-              </a:solidFill>
-              <a:effectLst>
-                <a:outerShdw blurRad="38100" dist="38100" dir="2700000" algn="tl">
-                  <a:srgbClr val="000000">
-                    <a:alpha val="43137"/>
-                  </a:srgbClr>
-                </a:outerShdw>
-              </a:effectLst>
-              <a:latin typeface="Consolas" pitchFamily="49" charset="0"/>
-              <a:cs typeface="Consolas" pitchFamily="49" charset="0"/>
-            </a:endParaRPr>
-          </a:p>
-          <a:p>
-            <a:r>
-              <a:rPr lang="en-US" sz="2600" b="1" noProof="1" smtClean="0">
+              <a:rPr lang="en-US" sz="2600" b="1" i="1" noProof="1">
                 <a:solidFill>
                   <a:schemeClr val="tx2">
                     <a:lumMod val="75000"/>
@@ -11244,10 +11145,10 @@
                 <a:latin typeface="Consolas" pitchFamily="49" charset="0"/>
                 <a:cs typeface="Consolas" pitchFamily="49" charset="0"/>
               </a:rPr>
-              <a:t>   </a:t>
-            </a:r>
-            <a:r>
-              <a:rPr lang="en-US" sz="2600" b="1" noProof="1">
+              <a:t>#</a:t>
+            </a:r>
+            <a:r>
+              <a:rPr lang="en-US" sz="2600" b="1" i="1" noProof="1" smtClean="0">
                 <a:solidFill>
                   <a:schemeClr val="tx2">
                     <a:lumMod val="75000"/>
@@ -11263,161 +11164,7 @@
                 <a:latin typeface="Consolas" pitchFamily="49" charset="0"/>
                 <a:cs typeface="Consolas" pitchFamily="49" charset="0"/>
               </a:rPr>
-              <a:t>#</a:t>
-            </a:r>
-            <a:r>
-              <a:rPr lang="en-US" sz="2600" b="1" noProof="1" smtClean="0">
-                <a:solidFill>
-                  <a:schemeClr val="tx2">
-                    <a:lumMod val="75000"/>
-                  </a:schemeClr>
-                </a:solidFill>
-                <a:effectLst>
-                  <a:outerShdw blurRad="38100" dist="38100" dir="2700000" algn="tl">
-                    <a:srgbClr val="000000">
-                      <a:alpha val="43137"/>
-                    </a:srgbClr>
-                  </a:outerShdw>
-                </a:effectLst>
-                <a:latin typeface="Consolas" pitchFamily="49" charset="0"/>
-                <a:cs typeface="Consolas" pitchFamily="49" charset="0"/>
-              </a:rPr>
-              <a:t> </a:t>
-            </a:r>
-            <a:r>
-              <a:rPr lang="en-US" sz="2600" b="1" noProof="1">
-                <a:solidFill>
-                  <a:schemeClr val="tx2">
-                    <a:lumMod val="75000"/>
-                  </a:schemeClr>
-                </a:solidFill>
-                <a:effectLst>
-                  <a:outerShdw blurRad="38100" dist="38100" dir="2700000" algn="tl">
-                    <a:srgbClr val="000000">
-                      <a:alpha val="43137"/>
-                    </a:srgbClr>
-                  </a:outerShdw>
-                </a:effectLst>
-                <a:latin typeface="Consolas" pitchFamily="49" charset="0"/>
-                <a:cs typeface="Consolas" pitchFamily="49" charset="0"/>
-              </a:rPr>
-              <a:t>TODO: </a:t>
-            </a:r>
-            <a:r>
-              <a:rPr lang="en-US" sz="2600" b="1" i="1" noProof="1">
-                <a:solidFill>
-                  <a:schemeClr val="tx2">
-                    <a:lumMod val="75000"/>
-                  </a:schemeClr>
-                </a:solidFill>
-                <a:effectLst>
-                  <a:outerShdw blurRad="38100" dist="38100" dir="2700000" algn="tl">
-                    <a:srgbClr val="000000">
-                      <a:alpha val="43137"/>
-                    </a:srgbClr>
-                  </a:outerShdw>
-                </a:effectLst>
-                <a:latin typeface="Consolas" pitchFamily="49" charset="0"/>
-                <a:cs typeface="Consolas" pitchFamily="49" charset="0"/>
-              </a:rPr>
-              <a:t>print the middle </a:t>
-            </a:r>
-            <a:r>
-              <a:rPr lang="en-US" sz="2600" b="1" i="1" noProof="1" smtClean="0">
-                <a:solidFill>
-                  <a:schemeClr val="tx2">
-                    <a:lumMod val="75000"/>
-                  </a:schemeClr>
-                </a:solidFill>
-                <a:effectLst>
-                  <a:outerShdw blurRad="38100" dist="38100" dir="2700000" algn="tl">
-                    <a:srgbClr val="000000">
-                      <a:alpha val="43137"/>
-                    </a:srgbClr>
-                  </a:outerShdw>
-                </a:effectLst>
-                <a:latin typeface="Consolas" pitchFamily="49" charset="0"/>
-                <a:cs typeface="Consolas" pitchFamily="49" charset="0"/>
-              </a:rPr>
-              <a:t>part</a:t>
-            </a:r>
-            <a:endParaRPr lang="en-US" sz="2600" b="1" noProof="1" smtClean="0">
-              <a:solidFill>
-                <a:srgbClr val="FBEEE1"/>
-              </a:solidFill>
-              <a:effectLst>
-                <a:outerShdw blurRad="38100" dist="38100" dir="2700000" algn="tl">
-                  <a:srgbClr val="000000">
-                    <a:alpha val="43137"/>
-                  </a:srgbClr>
-                </a:outerShdw>
-              </a:effectLst>
-              <a:latin typeface="Consolas" pitchFamily="49" charset="0"/>
-              <a:cs typeface="Consolas" pitchFamily="49" charset="0"/>
-            </a:endParaRPr>
-          </a:p>
-          <a:p>
-            <a:pPr>
-              <a:spcBef>
-                <a:spcPts val="1200"/>
-              </a:spcBef>
-            </a:pPr>
-            <a:r>
-              <a:rPr lang="en-US" sz="2600" b="1" i="1" noProof="1">
-                <a:solidFill>
-                  <a:schemeClr val="tx2">
-                    <a:lumMod val="75000"/>
-                  </a:schemeClr>
-                </a:solidFill>
-                <a:effectLst>
-                  <a:outerShdw blurRad="38100" dist="38100" dir="2700000" algn="tl">
-                    <a:srgbClr val="000000">
-                      <a:alpha val="43137"/>
-                    </a:srgbClr>
-                  </a:outerShdw>
-                </a:effectLst>
-                <a:latin typeface="Consolas" pitchFamily="49" charset="0"/>
-                <a:cs typeface="Consolas" pitchFamily="49" charset="0"/>
-              </a:rPr>
-              <a:t>#</a:t>
-            </a:r>
-            <a:r>
-              <a:rPr lang="en-US" sz="2600" b="1" i="1" noProof="1" smtClean="0">
-                <a:solidFill>
-                  <a:schemeClr val="tx2">
-                    <a:lumMod val="75000"/>
-                  </a:schemeClr>
-                </a:solidFill>
-                <a:effectLst>
-                  <a:outerShdw blurRad="38100" dist="38100" dir="2700000" algn="tl">
-                    <a:srgbClr val="000000">
-                      <a:alpha val="43137"/>
-                    </a:srgbClr>
-                  </a:outerShdw>
-                </a:effectLst>
-                <a:latin typeface="Consolas" pitchFamily="49" charset="0"/>
-                <a:cs typeface="Consolas" pitchFamily="49" charset="0"/>
-              </a:rPr>
-              <a:t> </a:t>
-            </a:r>
-            <a:r>
-              <a:rPr lang="en-US" sz="2600" b="1" i="1" noProof="1" smtClean="0">
-                <a:solidFill>
-                  <a:schemeClr val="tx2">
-                    <a:lumMod val="75000"/>
-                  </a:schemeClr>
-                </a:solidFill>
-                <a:effectLst>
-                  <a:outerShdw blurRad="38100" dist="38100" dir="2700000" algn="tl">
-                    <a:srgbClr val="000000">
-                      <a:alpha val="43137"/>
-                    </a:srgbClr>
-                  </a:outerShdw>
-                </a:effectLst>
-                <a:latin typeface="Consolas" pitchFamily="49" charset="0"/>
-                <a:cs typeface="Consolas" pitchFamily="49" charset="0"/>
-              </a:rPr>
-              <a:t>Print the bottom part</a:t>
+              <a:t> Print the bottom part</a:t>
             </a:r>
           </a:p>
           <a:p>
@@ -12443,24 +12190,7 @@
                 <a:latin typeface="Consolas" pitchFamily="49" charset="0"/>
                 <a:cs typeface="Consolas" pitchFamily="49" charset="0"/>
               </a:rPr>
-              <a:t>if </a:t>
-            </a:r>
-            <a:r>
-              <a:rPr lang="nn-NO" sz="2600" b="1" noProof="1" smtClean="0">
-                <a:solidFill>
-                  <a:srgbClr val="FBEEE1"/>
-                </a:solidFill>
-                <a:effectLst>
-                  <a:outerShdw blurRad="38100" dist="38100" dir="2700000" algn="tl">
-                    <a:srgbClr val="000000">
-                      <a:alpha val="43137"/>
-                    </a:srgbClr>
-                  </a:outerShdw>
-                </a:effectLst>
-                <a:latin typeface="Consolas" pitchFamily="49" charset="0"/>
-                <a:cs typeface="Consolas" pitchFamily="49" charset="0"/>
-              </a:rPr>
-              <a:t>i </a:t>
+              <a:t>if i </a:t>
             </a:r>
             <a:r>
               <a:rPr lang="nn-NO" sz="2600" b="1" noProof="1">
@@ -12544,24 +12274,7 @@
                 <a:latin typeface="Consolas" pitchFamily="49" charset="0"/>
                 <a:cs typeface="Consolas" pitchFamily="49" charset="0"/>
               </a:rPr>
-              <a:t>   </a:t>
-            </a:r>
-            <a:r>
-              <a:rPr lang="nn-NO" sz="2600" b="1" noProof="1" smtClean="0">
-                <a:solidFill>
-                  <a:srgbClr val="FBEEE1"/>
-                </a:solidFill>
-                <a:effectLst>
-                  <a:outerShdw blurRad="38100" dist="38100" dir="2700000" algn="tl">
-                    <a:srgbClr val="000000">
-                      <a:alpha val="43137"/>
-                    </a:srgbClr>
-                  </a:outerShdw>
-                </a:effectLst>
-                <a:latin typeface="Consolas" pitchFamily="49" charset="0"/>
-                <a:cs typeface="Consolas" pitchFamily="49" charset="0"/>
-              </a:rPr>
-              <a:t>sys.stdout.write('</a:t>
+              <a:t>   sys.stdout.write('</a:t>
             </a:r>
             <a:r>
               <a:rPr lang="nn-NO" sz="2600" b="1" noProof="1" smtClean="0">
@@ -12731,24 +12444,7 @@
                 <a:latin typeface="Consolas" pitchFamily="49" charset="0"/>
                 <a:cs typeface="Consolas" pitchFamily="49" charset="0"/>
               </a:rPr>
-              <a:t>   sys.stdout.write</a:t>
-            </a:r>
-            <a:r>
-              <a:rPr lang="nn-NO" sz="2600" b="1" noProof="1" smtClean="0">
-                <a:solidFill>
-                  <a:srgbClr val="FBEEE1"/>
-                </a:solidFill>
-                <a:effectLst>
-                  <a:outerShdw blurRad="38100" dist="38100" dir="2700000" algn="tl">
-                    <a:srgbClr val="000000">
-                      <a:alpha val="43137"/>
-                    </a:srgbClr>
-                  </a:outerShdw>
-                </a:effectLst>
-                <a:latin typeface="Consolas" pitchFamily="49" charset="0"/>
-                <a:cs typeface="Consolas" pitchFamily="49" charset="0"/>
-              </a:rPr>
-              <a:t>(' ' * </a:t>
+              <a:t>   sys.stdout.write(' ' * </a:t>
             </a:r>
             <a:r>
               <a:rPr lang="nn-NO" sz="2600" b="1" noProof="1">
@@ -12992,24 +12688,7 @@
                 <a:latin typeface="Consolas" pitchFamily="49" charset="0"/>
                 <a:cs typeface="Consolas" pitchFamily="49" charset="0"/>
               </a:rPr>
-              <a:t>   print</a:t>
-            </a:r>
-            <a:r>
-              <a:rPr lang="nn-NO" sz="2600" b="1" noProof="1" smtClean="0">
-                <a:solidFill>
-                  <a:srgbClr val="FBEEE1"/>
-                </a:solidFill>
-                <a:effectLst>
-                  <a:outerShdw blurRad="38100" dist="38100" dir="2700000" algn="tl">
-                    <a:srgbClr val="000000">
-                      <a:alpha val="43137"/>
-                    </a:srgbClr>
-                  </a:outerShdw>
-                </a:effectLst>
-                <a:latin typeface="Consolas" pitchFamily="49" charset="0"/>
-                <a:cs typeface="Consolas" pitchFamily="49" charset="0"/>
-              </a:rPr>
-              <a:t>()</a:t>
+              <a:t>   print()</a:t>
             </a:r>
             <a:endParaRPr lang="nn-NO" sz="2600" b="1" noProof="1" smtClean="0">
               <a:solidFill>
@@ -14877,24 +14556,7 @@
                 <a:latin typeface="Consolas" pitchFamily="49" charset="0"/>
                 <a:cs typeface="Consolas" pitchFamily="49" charset="0"/>
               </a:rPr>
-              <a:t> </a:t>
-            </a:r>
-            <a:r>
-              <a:rPr lang="en-US" sz="2600" b="1" noProof="1" smtClean="0">
-                <a:solidFill>
-                  <a:srgbClr val="FBEEE1"/>
-                </a:solidFill>
-                <a:effectLst>
-                  <a:outerShdw blurRad="38100" dist="38100" dir="2700000" algn="tl">
-                    <a:srgbClr val="000000">
-                      <a:alpha val="43137"/>
-                    </a:srgbClr>
-                  </a:outerShdw>
-                </a:effectLst>
-                <a:latin typeface="Consolas" pitchFamily="49" charset="0"/>
-                <a:cs typeface="Consolas" pitchFamily="49" charset="0"/>
-              </a:rPr>
-              <a:t>stars+=1</a:t>
+              <a:t> stars+=1</a:t>
             </a:r>
             <a:endParaRPr lang="en-US" sz="2600" b="1" noProof="1">
               <a:solidFill>
@@ -15073,7 +14735,24 @@
                 <a:latin typeface="Consolas" pitchFamily="49" charset="0"/>
                 <a:cs typeface="Consolas" pitchFamily="49" charset="0"/>
               </a:rPr>
-              <a:t>  padding </a:t>
+              <a:t>  padding = </a:t>
+            </a:r>
+            <a:r>
+              <a:rPr lang="en-US" sz="2600" b="1" noProof="1">
+                <a:solidFill>
+                  <a:srgbClr val="FBEEE1"/>
+                </a:solidFill>
+                <a:effectLst>
+                  <a:outerShdw blurRad="38100" dist="38100" dir="2700000" algn="tl">
+                    <a:srgbClr val="000000">
+                      <a:alpha val="43137"/>
+                    </a:srgbClr>
+                  </a:outerShdw>
+                </a:effectLst>
+                <a:latin typeface="Consolas" pitchFamily="49" charset="0"/>
+                <a:cs typeface="Consolas" pitchFamily="49" charset="0"/>
+              </a:rPr>
+              <a:t>(n - stars) </a:t>
             </a:r>
             <a:r>
               <a:rPr lang="en-US" sz="2600" b="1" noProof="1" smtClean="0">
@@ -15090,10 +14769,12 @@
                 <a:latin typeface="Consolas" pitchFamily="49" charset="0"/>
                 <a:cs typeface="Consolas" pitchFamily="49" charset="0"/>
               </a:rPr>
-              <a:t>= </a:t>
-            </a:r>
-            <a:r>
-              <a:rPr lang="en-US" sz="2600" b="1" noProof="1">
+              <a:t>// 2</a:t>
+            </a:r>
+          </a:p>
+          <a:p>
+            <a:r>
+              <a:rPr lang="en-US" sz="2600" b="1" noProof="1" smtClean="0">
                 <a:solidFill>
                   <a:srgbClr val="FBEEE1"/>
                 </a:solidFill>
@@ -15107,74 +14788,7 @@
                 <a:latin typeface="Consolas" pitchFamily="49" charset="0"/>
                 <a:cs typeface="Consolas" pitchFamily="49" charset="0"/>
               </a:rPr>
-              <a:t>(n - stars) </a:t>
-            </a:r>
-            <a:r>
-              <a:rPr lang="en-US" sz="2600" b="1" noProof="1" smtClean="0">
-                <a:solidFill>
-                  <a:srgbClr val="FBEEE1"/>
-                </a:solidFill>
-                <a:effectLst>
-                  <a:outerShdw blurRad="38100" dist="38100" dir="2700000" algn="tl">
-                    <a:srgbClr val="000000">
-                      <a:alpha val="43137"/>
-                    </a:srgbClr>
-                  </a:outerShdw>
-                </a:effectLst>
-                <a:latin typeface="Consolas" pitchFamily="49" charset="0"/>
-                <a:cs typeface="Consolas" pitchFamily="49" charset="0"/>
-              </a:rPr>
-              <a:t>// 2</a:t>
-            </a:r>
-            <a:endParaRPr lang="en-US" sz="2600" b="1" noProof="1" smtClean="0">
-              <a:solidFill>
-                <a:srgbClr val="FBEEE1"/>
-              </a:solidFill>
-              <a:effectLst>
-                <a:outerShdw blurRad="38100" dist="38100" dir="2700000" algn="tl">
-                  <a:srgbClr val="000000">
-                    <a:alpha val="43137"/>
-                  </a:srgbClr>
-                </a:outerShdw>
-              </a:effectLst>
-              <a:latin typeface="Consolas" pitchFamily="49" charset="0"/>
-              <a:cs typeface="Consolas" pitchFamily="49" charset="0"/>
-            </a:endParaRPr>
-          </a:p>
-          <a:p>
-            <a:r>
-              <a:rPr lang="en-US" sz="2600" b="1" noProof="1" smtClean="0">
-                <a:solidFill>
-                  <a:srgbClr val="FBEEE1"/>
-                </a:solidFill>
-                <a:effectLst>
-                  <a:outerShdw blurRad="38100" dist="38100" dir="2700000" algn="tl">
-                    <a:srgbClr val="000000">
-                      <a:alpha val="43137"/>
-                    </a:srgbClr>
-                  </a:outerShdw>
-                </a:effectLst>
-                <a:latin typeface="Consolas" pitchFamily="49" charset="0"/>
-                <a:cs typeface="Consolas" pitchFamily="49" charset="0"/>
-              </a:rPr>
-              <a:t>  sys.stdout.write</a:t>
-            </a:r>
-            <a:r>
-              <a:rPr lang="en-US" sz="2600" b="1" noProof="1" smtClean="0">
-                <a:solidFill>
-                  <a:srgbClr val="FBEEE1"/>
-                </a:solidFill>
-                <a:effectLst>
-                  <a:outerShdw blurRad="38100" dist="38100" dir="2700000" algn="tl">
-                    <a:srgbClr val="000000">
-                      <a:alpha val="43137"/>
-                    </a:srgbClr>
-                  </a:outerShdw>
-                </a:effectLst>
-                <a:latin typeface="Consolas" pitchFamily="49" charset="0"/>
-                <a:cs typeface="Consolas" pitchFamily="49" charset="0"/>
-              </a:rPr>
-              <a:t>('-' * </a:t>
+              <a:t>  sys.stdout.write('-' * </a:t>
             </a:r>
             <a:r>
               <a:rPr lang="en-US" sz="2600" b="1" noProof="1">
@@ -15241,24 +14855,7 @@
                 <a:latin typeface="Consolas" pitchFamily="49" charset="0"/>
                 <a:cs typeface="Consolas" pitchFamily="49" charset="0"/>
               </a:rPr>
-              <a:t>  sys.stdout.write</a:t>
-            </a:r>
-            <a:r>
-              <a:rPr lang="en-US" sz="2600" b="1" noProof="1" smtClean="0">
-                <a:solidFill>
-                  <a:srgbClr val="FBEEE1"/>
-                </a:solidFill>
-                <a:effectLst>
-                  <a:outerShdw blurRad="38100" dist="38100" dir="2700000" algn="tl">
-                    <a:srgbClr val="000000">
-                      <a:alpha val="43137"/>
-                    </a:srgbClr>
-                  </a:outerShdw>
-                </a:effectLst>
-                <a:latin typeface="Consolas" pitchFamily="49" charset="0"/>
-                <a:cs typeface="Consolas" pitchFamily="49" charset="0"/>
-              </a:rPr>
-              <a:t>('*' * </a:t>
+              <a:t>  sys.stdout.write('*' * </a:t>
             </a:r>
             <a:r>
               <a:rPr lang="en-US" sz="2600" b="1" noProof="1">
@@ -15325,41 +14922,7 @@
                 <a:latin typeface="Consolas" pitchFamily="49" charset="0"/>
                 <a:cs typeface="Consolas" pitchFamily="49" charset="0"/>
               </a:rPr>
-              <a:t>  </a:t>
-            </a:r>
-            <a:r>
-              <a:rPr lang="en-US" sz="2600" b="1" noProof="1" smtClean="0">
-                <a:solidFill>
-                  <a:srgbClr val="FBEEE1"/>
-                </a:solidFill>
-                <a:effectLst>
-                  <a:outerShdw blurRad="38100" dist="38100" dir="2700000" algn="tl">
-                    <a:srgbClr val="000000">
-                      <a:alpha val="43137"/>
-                    </a:srgbClr>
-                  </a:outerShdw>
-                </a:effectLst>
-                <a:latin typeface="Consolas" pitchFamily="49" charset="0"/>
-                <a:cs typeface="Consolas" pitchFamily="49" charset="0"/>
-              </a:rPr>
-              <a:t>print('-' * </a:t>
-            </a:r>
-            <a:r>
-              <a:rPr lang="en-US" sz="2600" b="1" noProof="1" smtClean="0">
-                <a:solidFill>
-                  <a:srgbClr val="FBEEE1"/>
-                </a:solidFill>
-                <a:effectLst>
-                  <a:outerShdw blurRad="38100" dist="38100" dir="2700000" algn="tl">
-                    <a:srgbClr val="000000">
-                      <a:alpha val="43137"/>
-                    </a:srgbClr>
-                  </a:outerShdw>
-                </a:effectLst>
-                <a:latin typeface="Consolas" pitchFamily="49" charset="0"/>
-                <a:cs typeface="Consolas" pitchFamily="49" charset="0"/>
-              </a:rPr>
-              <a:t>padding)</a:t>
+              <a:t>  print('-' * padding)</a:t>
             </a:r>
             <a:endParaRPr lang="en-US" sz="2600" b="1" noProof="1">
               <a:solidFill>
@@ -15480,24 +15043,7 @@
                 <a:latin typeface="Consolas" pitchFamily="49" charset="0"/>
                 <a:cs typeface="Consolas" pitchFamily="49" charset="0"/>
               </a:rPr>
-              <a:t>for </a:t>
-            </a:r>
-            <a:r>
-              <a:rPr lang="en-US" sz="2600" b="1" noProof="1" smtClean="0">
-                <a:solidFill>
-                  <a:srgbClr val="FBEEE1"/>
-                </a:solidFill>
-                <a:effectLst>
-                  <a:outerShdw blurRad="38100" dist="38100" dir="2700000" algn="tl">
-                    <a:srgbClr val="000000">
-                      <a:alpha val="43137"/>
-                    </a:srgbClr>
-                  </a:outerShdw>
-                </a:effectLst>
-                <a:latin typeface="Consolas" pitchFamily="49" charset="0"/>
-                <a:cs typeface="Consolas" pitchFamily="49" charset="0"/>
-              </a:rPr>
-              <a:t>i in range(n </a:t>
+              <a:t>for i in range(n </a:t>
             </a:r>
             <a:r>
               <a:rPr lang="en-US" sz="2600" b="1" noProof="1">
@@ -19760,24 +19306,7 @@
                 <a:latin typeface="Consolas" pitchFamily="49" charset="0"/>
                 <a:cs typeface="Consolas" pitchFamily="49" charset="0"/>
               </a:rPr>
-              <a:t>// </a:t>
-            </a:r>
-            <a:r>
-              <a:rPr lang="en-US" b="1" noProof="1" smtClean="0">
-                <a:solidFill>
-                  <a:srgbClr val="FBEEE1"/>
-                </a:solidFill>
-                <a:effectLst>
-                  <a:outerShdw blurRad="38100" dist="38100" dir="2700000" algn="tl">
-                    <a:srgbClr val="000000">
-                      <a:alpha val="43137"/>
-                    </a:srgbClr>
-                  </a:outerShdw>
-                </a:effectLst>
-                <a:latin typeface="Consolas" pitchFamily="49" charset="0"/>
-                <a:cs typeface="Consolas" pitchFamily="49" charset="0"/>
-              </a:rPr>
-              <a:t>2</a:t>
+              <a:t>// 2</a:t>
             </a:r>
             <a:endParaRPr lang="en-US" b="1" noProof="1">
               <a:solidFill>
@@ -19827,24 +19356,7 @@
                 <a:latin typeface="Consolas" pitchFamily="49" charset="0"/>
                 <a:cs typeface="Consolas" pitchFamily="49" charset="0"/>
               </a:rPr>
-              <a:t>i in range((</a:t>
-            </a:r>
-            <a:r>
-              <a:rPr lang="en-US" b="1" noProof="1" smtClean="0">
-                <a:solidFill>
-                  <a:srgbClr val="FBEEE1"/>
-                </a:solidFill>
-                <a:effectLst>
-                  <a:outerShdw blurRad="38100" dist="38100" dir="2700000" algn="tl">
-                    <a:srgbClr val="000000">
-                      <a:alpha val="43137"/>
-                    </a:srgbClr>
-                  </a:outerShdw>
-                </a:effectLst>
-                <a:latin typeface="Consolas" pitchFamily="49" charset="0"/>
-                <a:cs typeface="Consolas" pitchFamily="49" charset="0"/>
-              </a:rPr>
-              <a:t>(n-1</a:t>
+              <a:t>i in range(((n-1</a:t>
             </a:r>
             <a:r>
               <a:rPr lang="en-US" b="1" noProof="1">
@@ -19913,26 +19425,7 @@
                 <a:latin typeface="Consolas" pitchFamily="49" charset="0"/>
                 <a:cs typeface="Consolas" pitchFamily="49" charset="0"/>
               </a:rPr>
-              <a:t>  # </a:t>
-            </a:r>
-            <a:r>
-              <a:rPr lang="en-US" b="1" i="1" noProof="1" smtClean="0">
-                <a:solidFill>
-                  <a:schemeClr val="tx2">
-                    <a:lumMod val="75000"/>
-                  </a:schemeClr>
-                </a:solidFill>
-                <a:effectLst>
-                  <a:outerShdw blurRad="38100" dist="38100" dir="2700000" algn="tl">
-                    <a:srgbClr val="000000">
-                      <a:alpha val="43137"/>
-                    </a:srgbClr>
-                  </a:outerShdw>
-                </a:effectLst>
-                <a:latin typeface="Consolas" pitchFamily="49" charset="0"/>
-                <a:cs typeface="Consolas" pitchFamily="49" charset="0"/>
-              </a:rPr>
-              <a:t>Draw the top part</a:t>
+              <a:t>  # Draw the top part</a:t>
             </a:r>
             <a:endParaRPr lang="en-US" b="1" i="1" noProof="1">
               <a:solidFill>
@@ -19967,58 +19460,7 @@
                 <a:latin typeface="Consolas" pitchFamily="49" charset="0"/>
                 <a:cs typeface="Consolas" pitchFamily="49" charset="0"/>
               </a:rPr>
-              <a:t>  sys.stdout.write</a:t>
-            </a:r>
-            <a:r>
-              <a:rPr lang="en-US" b="1" noProof="1" smtClean="0">
-                <a:solidFill>
-                  <a:srgbClr val="FBEEE1"/>
-                </a:solidFill>
-                <a:effectLst>
-                  <a:outerShdw blurRad="38100" dist="38100" dir="2700000" algn="tl">
-                    <a:srgbClr val="000000">
-                      <a:alpha val="43137"/>
-                    </a:srgbClr>
-                  </a:outerShdw>
-                </a:effectLst>
-                <a:latin typeface="Consolas" pitchFamily="49" charset="0"/>
-                <a:cs typeface="Consolas" pitchFamily="49" charset="0"/>
-              </a:rPr>
-              <a:t>('-' * </a:t>
-            </a:r>
-            <a:r>
-              <a:rPr lang="en-US" b="1" noProof="1" smtClean="0">
-                <a:solidFill>
-                  <a:srgbClr val="FBEEE1"/>
-                </a:solidFill>
-                <a:effectLst>
-                  <a:outerShdw blurRad="38100" dist="38100" dir="2700000" algn="tl">
-                    <a:srgbClr val="000000">
-                      <a:alpha val="43137"/>
-                    </a:srgbClr>
-                  </a:outerShdw>
-                </a:effectLst>
-                <a:latin typeface="Consolas" pitchFamily="49" charset="0"/>
-                <a:cs typeface="Consolas" pitchFamily="49" charset="0"/>
-              </a:rPr>
-              <a:t>leftRight</a:t>
-            </a:r>
-            <a:r>
-              <a:rPr lang="en-US" b="1" noProof="1" smtClean="0">
-                <a:solidFill>
-                  <a:srgbClr val="FBEEE1"/>
-                </a:solidFill>
-                <a:effectLst>
-                  <a:outerShdw blurRad="38100" dist="38100" dir="2700000" algn="tl">
-                    <a:srgbClr val="000000">
-                      <a:alpha val="43137"/>
-                    </a:srgbClr>
-                  </a:outerShdw>
-                </a:effectLst>
-                <a:latin typeface="Consolas" pitchFamily="49" charset="0"/>
-                <a:cs typeface="Consolas" pitchFamily="49" charset="0"/>
-              </a:rPr>
-              <a:t>)</a:t>
+              <a:t>  sys.stdout.write('-' * leftRight)</a:t>
             </a:r>
             <a:endParaRPr lang="en-US" b="1" noProof="1">
               <a:solidFill>
@@ -20051,24 +19493,7 @@
                 <a:latin typeface="Consolas" pitchFamily="49" charset="0"/>
                 <a:cs typeface="Consolas" pitchFamily="49" charset="0"/>
               </a:rPr>
-              <a:t>  sys.stdout.write</a:t>
-            </a:r>
-            <a:r>
-              <a:rPr lang="en-US" b="1" noProof="1" smtClean="0">
-                <a:solidFill>
-                  <a:srgbClr val="FBEEE1"/>
-                </a:solidFill>
-                <a:effectLst>
-                  <a:outerShdw blurRad="38100" dist="38100" dir="2700000" algn="tl">
-                    <a:srgbClr val="000000">
-                      <a:alpha val="43137"/>
-                    </a:srgbClr>
-                  </a:outerShdw>
-                </a:effectLst>
-                <a:latin typeface="Consolas" pitchFamily="49" charset="0"/>
-                <a:cs typeface="Consolas" pitchFamily="49" charset="0"/>
-              </a:rPr>
-              <a:t>('*')</a:t>
+              <a:t>  sys.stdout.write('*')</a:t>
             </a:r>
             <a:endParaRPr lang="en-US" b="1" noProof="1">
               <a:solidFill>
@@ -20101,7 +19526,24 @@
                 <a:latin typeface="Consolas" pitchFamily="49" charset="0"/>
                 <a:cs typeface="Consolas" pitchFamily="49" charset="0"/>
               </a:rPr>
-              <a:t>  </a:t>
+              <a:t>  mid </a:t>
+            </a:r>
+            <a:r>
+              <a:rPr lang="en-US" b="1" noProof="1">
+                <a:solidFill>
+                  <a:srgbClr val="FBEEE1"/>
+                </a:solidFill>
+                <a:effectLst>
+                  <a:outerShdw blurRad="38100" dist="38100" dir="2700000" algn="tl">
+                    <a:srgbClr val="000000">
+                      <a:alpha val="43137"/>
+                    </a:srgbClr>
+                  </a:outerShdw>
+                </a:effectLst>
+                <a:latin typeface="Consolas" pitchFamily="49" charset="0"/>
+                <a:cs typeface="Consolas" pitchFamily="49" charset="0"/>
+              </a:rPr>
+              <a:t>= n - 2 * </a:t>
             </a:r>
             <a:r>
               <a:rPr lang="en-US" b="1" noProof="1" smtClean="0">
@@ -20118,58 +19560,7 @@
                 <a:latin typeface="Consolas" pitchFamily="49" charset="0"/>
                 <a:cs typeface="Consolas" pitchFamily="49" charset="0"/>
               </a:rPr>
-              <a:t>mid </a:t>
-            </a:r>
-            <a:r>
-              <a:rPr lang="en-US" b="1" noProof="1">
-                <a:solidFill>
-                  <a:srgbClr val="FBEEE1"/>
-                </a:solidFill>
-                <a:effectLst>
-                  <a:outerShdw blurRad="38100" dist="38100" dir="2700000" algn="tl">
-                    <a:srgbClr val="000000">
-                      <a:alpha val="43137"/>
-                    </a:srgbClr>
-                  </a:outerShdw>
-                </a:effectLst>
-                <a:latin typeface="Consolas" pitchFamily="49" charset="0"/>
-                <a:cs typeface="Consolas" pitchFamily="49" charset="0"/>
-              </a:rPr>
-              <a:t>= n - 2 * </a:t>
-            </a:r>
-            <a:r>
-              <a:rPr lang="en-US" b="1" noProof="1" smtClean="0">
-                <a:solidFill>
-                  <a:srgbClr val="FBEEE1"/>
-                </a:solidFill>
-                <a:effectLst>
-                  <a:outerShdw blurRad="38100" dist="38100" dir="2700000" algn="tl">
-                    <a:srgbClr val="000000">
-                      <a:alpha val="43137"/>
-                    </a:srgbClr>
-                  </a:outerShdw>
-                </a:effectLst>
-                <a:latin typeface="Consolas" pitchFamily="49" charset="0"/>
-                <a:cs typeface="Consolas" pitchFamily="49" charset="0"/>
-              </a:rPr>
-              <a:t>leftRight </a:t>
-            </a:r>
-            <a:r>
-              <a:rPr lang="en-US" b="1" noProof="1" smtClean="0">
-                <a:solidFill>
-                  <a:srgbClr val="FBEEE1"/>
-                </a:solidFill>
-                <a:effectLst>
-                  <a:outerShdw blurRad="38100" dist="38100" dir="2700000" algn="tl">
-                    <a:srgbClr val="000000">
-                      <a:alpha val="43137"/>
-                    </a:srgbClr>
-                  </a:outerShdw>
-                </a:effectLst>
-                <a:latin typeface="Consolas" pitchFamily="49" charset="0"/>
-                <a:cs typeface="Consolas" pitchFamily="49" charset="0"/>
-              </a:rPr>
-              <a:t>– 2</a:t>
+              <a:t>leftRight – 2</a:t>
             </a:r>
           </a:p>
           <a:p>
@@ -20291,6 +19682,25 @@
               </a:rPr>
               <a:t>:</a:t>
             </a:r>
+          </a:p>
+          <a:p>
+            <a:r>
+              <a:rPr lang="en-US" b="1" noProof="1" smtClean="0">
+                <a:solidFill>
+                  <a:srgbClr val="FBEEE1"/>
+                </a:solidFill>
+                <a:effectLst>
+                  <a:outerShdw blurRad="38100" dist="38100" dir="2700000" algn="tl">
+                    <a:srgbClr val="000000">
+                      <a:alpha val="43137"/>
+                    </a:srgbClr>
+                  </a:outerShdw>
+                </a:effectLst>
+                <a:latin typeface="Consolas" pitchFamily="49" charset="0"/>
+                <a:cs typeface="Consolas" pitchFamily="49" charset="0"/>
+              </a:rPr>
+              <a:t>    sys.stdout.write('-' * mid)</a:t>
+            </a:r>
             <a:endParaRPr lang="en-US" b="1" noProof="1">
               <a:solidFill>
                 <a:srgbClr val="FBEEE1"/>
@@ -20322,59 +19732,10 @@
                 <a:latin typeface="Consolas" pitchFamily="49" charset="0"/>
                 <a:cs typeface="Consolas" pitchFamily="49" charset="0"/>
               </a:rPr>
-              <a:t>    sys.stdout.write</a:t>
-            </a:r>
-            <a:r>
-              <a:rPr lang="en-US" b="1" noProof="1" smtClean="0">
-                <a:solidFill>
-                  <a:srgbClr val="FBEEE1"/>
-                </a:solidFill>
-                <a:effectLst>
-                  <a:outerShdw blurRad="38100" dist="38100" dir="2700000" algn="tl">
-                    <a:srgbClr val="000000">
-                      <a:alpha val="43137"/>
-                    </a:srgbClr>
-                  </a:outerShdw>
-                </a:effectLst>
-                <a:latin typeface="Consolas" pitchFamily="49" charset="0"/>
-                <a:cs typeface="Consolas" pitchFamily="49" charset="0"/>
-              </a:rPr>
-              <a:t>('-' * </a:t>
-            </a:r>
-            <a:r>
-              <a:rPr lang="en-US" b="1" noProof="1" smtClean="0">
-                <a:solidFill>
-                  <a:srgbClr val="FBEEE1"/>
-                </a:solidFill>
-                <a:effectLst>
-                  <a:outerShdw blurRad="38100" dist="38100" dir="2700000" algn="tl">
-                    <a:srgbClr val="000000">
-                      <a:alpha val="43137"/>
-                    </a:srgbClr>
-                  </a:outerShdw>
-                </a:effectLst>
-                <a:latin typeface="Consolas" pitchFamily="49" charset="0"/>
-                <a:cs typeface="Consolas" pitchFamily="49" charset="0"/>
-              </a:rPr>
-              <a:t>mid</a:t>
-            </a:r>
-            <a:r>
-              <a:rPr lang="en-US" b="1" noProof="1" smtClean="0">
-                <a:solidFill>
-                  <a:srgbClr val="FBEEE1"/>
-                </a:solidFill>
-                <a:effectLst>
-                  <a:outerShdw blurRad="38100" dist="38100" dir="2700000" algn="tl">
-                    <a:srgbClr val="000000">
-                      <a:alpha val="43137"/>
-                    </a:srgbClr>
-                  </a:outerShdw>
-                </a:effectLst>
-                <a:latin typeface="Consolas" pitchFamily="49" charset="0"/>
-                <a:cs typeface="Consolas" pitchFamily="49" charset="0"/>
-              </a:rPr>
-              <a:t>)</a:t>
-            </a:r>
+              <a:t>    sys.stdout.write('*')</a:t>
+            </a:r>
+          </a:p>
+          <a:p>
             <a:endParaRPr lang="en-US" b="1" noProof="1">
               <a:solidFill>
                 <a:srgbClr val="FBEEE1"/>
@@ -20406,27 +19767,8 @@
                 <a:latin typeface="Consolas" pitchFamily="49" charset="0"/>
                 <a:cs typeface="Consolas" pitchFamily="49" charset="0"/>
               </a:rPr>
-              <a:t>    sys.stdout.write</a:t>
-            </a:r>
-            <a:r>
-              <a:rPr lang="en-US" b="1" noProof="1" smtClean="0">
-                <a:solidFill>
-                  <a:srgbClr val="FBEEE1"/>
-                </a:solidFill>
-                <a:effectLst>
-                  <a:outerShdw blurRad="38100" dist="38100" dir="2700000" algn="tl">
-                    <a:srgbClr val="000000">
-                      <a:alpha val="43137"/>
-                    </a:srgbClr>
-                  </a:outerShdw>
-                </a:effectLst>
-                <a:latin typeface="Consolas" pitchFamily="49" charset="0"/>
-                <a:cs typeface="Consolas" pitchFamily="49" charset="0"/>
-              </a:rPr>
-              <a:t>('*')</a:t>
-            </a:r>
-          </a:p>
-          <a:p>
+              <a:t>  print('-' * leftRight)</a:t>
+            </a:r>
             <a:endParaRPr lang="en-US" b="1" noProof="1">
               <a:solidFill>
                 <a:srgbClr val="FBEEE1"/>
@@ -20458,58 +19800,7 @@
                 <a:latin typeface="Consolas" pitchFamily="49" charset="0"/>
                 <a:cs typeface="Consolas" pitchFamily="49" charset="0"/>
               </a:rPr>
-              <a:t>  print</a:t>
-            </a:r>
-            <a:r>
-              <a:rPr lang="en-US" b="1" noProof="1" smtClean="0">
-                <a:solidFill>
-                  <a:srgbClr val="FBEEE1"/>
-                </a:solidFill>
-                <a:effectLst>
-                  <a:outerShdw blurRad="38100" dist="38100" dir="2700000" algn="tl">
-                    <a:srgbClr val="000000">
-                      <a:alpha val="43137"/>
-                    </a:srgbClr>
-                  </a:outerShdw>
-                </a:effectLst>
-                <a:latin typeface="Consolas" pitchFamily="49" charset="0"/>
-                <a:cs typeface="Consolas" pitchFamily="49" charset="0"/>
-              </a:rPr>
-              <a:t>('-' * </a:t>
-            </a:r>
-            <a:r>
-              <a:rPr lang="en-US" b="1" noProof="1" smtClean="0">
-                <a:solidFill>
-                  <a:srgbClr val="FBEEE1"/>
-                </a:solidFill>
-                <a:effectLst>
-                  <a:outerShdw blurRad="38100" dist="38100" dir="2700000" algn="tl">
-                    <a:srgbClr val="000000">
-                      <a:alpha val="43137"/>
-                    </a:srgbClr>
-                  </a:outerShdw>
-                </a:effectLst>
-                <a:latin typeface="Consolas" pitchFamily="49" charset="0"/>
-                <a:cs typeface="Consolas" pitchFamily="49" charset="0"/>
-              </a:rPr>
-              <a:t>leftRight</a:t>
-            </a:r>
-            <a:r>
-              <a:rPr lang="en-US" b="1" noProof="1" smtClean="0">
-                <a:solidFill>
-                  <a:srgbClr val="FBEEE1"/>
-                </a:solidFill>
-                <a:effectLst>
-                  <a:outerShdw blurRad="38100" dist="38100" dir="2700000" algn="tl">
-                    <a:srgbClr val="000000">
-                      <a:alpha val="43137"/>
-                    </a:srgbClr>
-                  </a:outerShdw>
-                </a:effectLst>
-                <a:latin typeface="Consolas" pitchFamily="49" charset="0"/>
-                <a:cs typeface="Consolas" pitchFamily="49" charset="0"/>
-              </a:rPr>
-              <a:t>)</a:t>
+              <a:t>  leftRight-=1</a:t>
             </a:r>
             <a:endParaRPr lang="en-US" b="1" noProof="1">
               <a:solidFill>
@@ -20528,56 +19819,6 @@
           </a:p>
           <a:p>
             <a:r>
-              <a:rPr lang="en-US" b="1" noProof="1" smtClean="0">
-                <a:solidFill>
-                  <a:srgbClr val="FBEEE1"/>
-                </a:solidFill>
-                <a:effectLst>
-                  <a:outerShdw blurRad="38100" dist="38100" dir="2700000" algn="tl">
-                    <a:srgbClr val="000000">
-                      <a:alpha val="43137"/>
-                    </a:srgbClr>
-                  </a:outerShdw>
-                </a:effectLst>
-                <a:latin typeface="Consolas" pitchFamily="49" charset="0"/>
-                <a:cs typeface="Consolas" pitchFamily="49" charset="0"/>
-              </a:rPr>
-              <a:t>  </a:t>
-            </a:r>
-            <a:r>
-              <a:rPr lang="en-US" b="1" noProof="1" smtClean="0">
-                <a:solidFill>
-                  <a:srgbClr val="FBEEE1"/>
-                </a:solidFill>
-                <a:effectLst>
-                  <a:outerShdw blurRad="38100" dist="38100" dir="2700000" algn="tl">
-                    <a:srgbClr val="000000">
-                      <a:alpha val="43137"/>
-                    </a:srgbClr>
-                  </a:outerShdw>
-                </a:effectLst>
-                <a:latin typeface="Consolas" pitchFamily="49" charset="0"/>
-                <a:cs typeface="Consolas" pitchFamily="49" charset="0"/>
-              </a:rPr>
-              <a:t>leftRight-=1</a:t>
-            </a:r>
-            <a:endParaRPr lang="en-US" b="1" noProof="1">
-              <a:solidFill>
-                <a:srgbClr val="FBEEE1"/>
-              </a:solidFill>
-              <a:effectLst>
-                <a:outerShdw blurRad="38100" dist="38100" dir="2700000" algn="tl">
-                  <a:srgbClr val="000000">
-                    <a:alpha val="43137"/>
-                  </a:srgbClr>
-                </a:outerShdw>
-              </a:effectLst>
-              <a:latin typeface="Consolas" pitchFamily="49" charset="0"/>
-              <a:cs typeface="Consolas" pitchFamily="49" charset="0"/>
-            </a:endParaRPr>
-          </a:p>
-          <a:p>
-            <a:r>
               <a:rPr lang="en-US" b="1" i="1" noProof="1" smtClean="0">
                 <a:solidFill>
                   <a:schemeClr val="tx2">
@@ -20613,26 +19854,7 @@
                 <a:latin typeface="Consolas" pitchFamily="49" charset="0"/>
                 <a:cs typeface="Consolas" pitchFamily="49" charset="0"/>
               </a:rPr>
-              <a:t>TODO</a:t>
-            </a:r>
-            <a:r>
-              <a:rPr lang="en-US" b="1" noProof="1" smtClean="0">
-                <a:solidFill>
-                  <a:schemeClr val="tx2">
-                    <a:lumMod val="75000"/>
-                  </a:schemeClr>
-                </a:solidFill>
-                <a:effectLst>
-                  <a:outerShdw blurRad="38100" dist="38100" dir="2700000" algn="tl">
-                    <a:srgbClr val="000000">
-                      <a:alpha val="43137"/>
-                    </a:srgbClr>
-                  </a:outerShdw>
-                </a:effectLst>
-                <a:latin typeface="Consolas" pitchFamily="49" charset="0"/>
-                <a:cs typeface="Consolas" pitchFamily="49" charset="0"/>
-              </a:rPr>
-              <a:t>:</a:t>
+              <a:t>TODO:</a:t>
             </a:r>
             <a:r>
               <a:rPr lang="en-US" b="1" i="1" noProof="1" smtClean="0">
@@ -22354,24 +21576,7 @@
                 <a:latin typeface="Consolas" pitchFamily="49" charset="0"/>
                 <a:cs typeface="Consolas" pitchFamily="49" charset="0"/>
               </a:rPr>
-              <a:t>   sys.stdout.write</a:t>
-            </a:r>
-            <a:r>
-              <a:rPr lang="en-US" sz="3000" b="1" noProof="1" smtClean="0">
-                <a:solidFill>
-                  <a:srgbClr val="FBEEDC"/>
-                </a:solidFill>
-                <a:effectLst>
-                  <a:outerShdw blurRad="38100" dist="38100" dir="2700000" algn="tl">
-                    <a:srgbClr val="000000">
-                      <a:alpha val="43137"/>
-                    </a:srgbClr>
-                  </a:outerShdw>
-                </a:effectLst>
-                <a:latin typeface="Consolas" pitchFamily="49" charset="0"/>
-                <a:cs typeface="Consolas" pitchFamily="49" charset="0"/>
-              </a:rPr>
-              <a:t>('</a:t>
+              <a:t>   sys.stdout.write('</a:t>
             </a:r>
             <a:r>
               <a:rPr lang="en-US" sz="3000" b="1" noProof="1" smtClean="0">
@@ -22533,24 +21738,7 @@
                 <a:latin typeface="Consolas" pitchFamily="49" charset="0"/>
                 <a:cs typeface="Consolas" pitchFamily="49" charset="0"/>
               </a:rPr>
-              <a:t>      sys.stdout.write</a:t>
-            </a:r>
-            <a:r>
-              <a:rPr lang="en-US" sz="3000" b="1" noProof="1" smtClean="0">
-                <a:solidFill>
-                  <a:srgbClr val="FBEEDC"/>
-                </a:solidFill>
-                <a:effectLst>
-                  <a:outerShdw blurRad="38100" dist="38100" dir="2700000" algn="tl">
-                    <a:srgbClr val="000000">
-                      <a:alpha val="43137"/>
-                    </a:srgbClr>
-                  </a:outerShdw>
-                </a:effectLst>
-                <a:latin typeface="Consolas" pitchFamily="49" charset="0"/>
-                <a:cs typeface="Consolas" pitchFamily="49" charset="0"/>
-              </a:rPr>
-              <a:t>('</a:t>
+              <a:t>      sys.stdout.write('</a:t>
             </a:r>
             <a:r>
               <a:rPr lang="en-US" sz="3000" b="1" noProof="1" smtClean="0">
@@ -22785,7 +21973,9 @@
             <a:r>
               <a:rPr lang="sv-SE" sz="3000" b="1" noProof="1" smtClean="0">
                 <a:solidFill>
-                  <a:srgbClr val="FBEEDC"/>
+                  <a:schemeClr val="tx2">
+                    <a:lumMod val="75000"/>
+                  </a:schemeClr>
                 </a:solidFill>
                 <a:effectLst>
                   <a:outerShdw blurRad="38100" dist="38100" dir="2700000" algn="tl">
@@ -22816,7 +22006,9 @@
             <a:r>
               <a:rPr lang="sv-SE" sz="3000" b="1" noProof="1" smtClean="0">
                 <a:solidFill>
-                  <a:srgbClr val="FBEEDC"/>
+                  <a:schemeClr val="tx2">
+                    <a:lumMod val="75000"/>
+                  </a:schemeClr>
                 </a:solidFill>
                 <a:effectLst>
                   <a:outerShdw blurRad="38100" dist="38100" dir="2700000" algn="tl">
@@ -22833,19 +22025,57 @@
             <a:r>
               <a:rPr lang="en-US" sz="3000" b="1" noProof="1" smtClean="0">
                 <a:solidFill>
-                  <a:srgbClr val="FBEEDC"/>
-                </a:solidFill>
-                <a:effectLst>
-                  <a:outerShdw blurRad="38100" dist="38100" dir="2700000" algn="tl">
-                    <a:srgbClr val="000000">
-                      <a:alpha val="43137"/>
-                    </a:srgbClr>
-                  </a:outerShdw>
-                </a:effectLst>
-                <a:latin typeface="Consolas" pitchFamily="49" charset="0"/>
-                <a:cs typeface="Consolas" pitchFamily="49" charset="0"/>
-              </a:rPr>
-              <a:t>('Some text')</a:t>
+                  <a:schemeClr val="tx2">
+                    <a:lumMod val="75000"/>
+                  </a:schemeClr>
+                </a:solidFill>
+                <a:effectLst>
+                  <a:outerShdw blurRad="38100" dist="38100" dir="2700000" algn="tl">
+                    <a:srgbClr val="000000">
+                      <a:alpha val="43137"/>
+                    </a:srgbClr>
+                  </a:outerShdw>
+                </a:effectLst>
+                <a:latin typeface="Consolas" pitchFamily="49" charset="0"/>
+                <a:cs typeface="Consolas" pitchFamily="49" charset="0"/>
+              </a:rPr>
+              <a:t>(</a:t>
+            </a:r>
+            <a:r>
+              <a:rPr lang="en-US" sz="3000" b="1" noProof="1" smtClean="0">
+                <a:solidFill>
+                  <a:srgbClr val="FBEEDC"/>
+                </a:solidFill>
+                <a:effectLst>
+                  <a:outerShdw blurRad="38100" dist="38100" dir="2700000" algn="tl">
+                    <a:srgbClr val="000000">
+                      <a:alpha val="43137"/>
+                    </a:srgbClr>
+                  </a:outerShdw>
+                </a:effectLst>
+                <a:latin typeface="Consolas" pitchFamily="49" charset="0"/>
+                <a:cs typeface="Consolas" pitchFamily="49" charset="0"/>
+              </a:rPr>
+              <a:t>'Some text'</a:t>
+            </a:r>
+            <a:r>
+              <a:rPr lang="en-US" sz="3000" b="1" noProof="1" smtClean="0">
+                <a:solidFill>
+                  <a:schemeClr val="tx2">
+                    <a:lumMod val="75000"/>
+                  </a:schemeClr>
+                </a:solidFill>
+                <a:effectLst>
+                  <a:outerShdw blurRad="38100" dist="38100" dir="2700000" algn="tl">
+                    <a:srgbClr val="000000">
+                      <a:alpha val="43137"/>
+                    </a:srgbClr>
+                  </a:outerShdw>
+                </a:effectLst>
+                <a:latin typeface="Consolas" pitchFamily="49" charset="0"/>
+                <a:cs typeface="Consolas" pitchFamily="49" charset="0"/>
+              </a:rPr>
+              <a:t>)</a:t>
             </a:r>
           </a:p>
         </p:txBody>
@@ -23439,33 +22669,17 @@
               <a:rPr lang="bg-BG" sz="2000" dirty="0" smtClean="0">
                 <a:hlinkClick r:id="rId4"/>
               </a:rPr>
-              <a:t>Основи </a:t>
-            </a:r>
-            <a:r>
-              <a:rPr lang="bg-BG" sz="2000" dirty="0" smtClean="0">
-                <a:hlinkClick r:id="rId4"/>
-              </a:rPr>
-              <a:t>на програмирането със </a:t>
+              <a:t>Основи на програмирането със </a:t>
             </a:r>
             <a:r>
               <a:rPr lang="en-US" sz="2000" dirty="0" smtClean="0">
                 <a:hlinkClick r:id="rId4"/>
               </a:rPr>
-              <a:t>C</a:t>
-            </a:r>
-            <a:r>
-              <a:rPr lang="en-US" sz="2000" dirty="0" smtClean="0">
-                <a:hlinkClick r:id="rId4"/>
-              </a:rPr>
-              <a:t>#'</a:t>
+              <a:t>C#'</a:t>
             </a:r>
             <a:r>
               <a:rPr lang="bg-BG" sz="2000" dirty="0" smtClean="0"/>
-              <a:t> </a:t>
-            </a:r>
-            <a:r>
-              <a:rPr lang="bg-BG" sz="2000" dirty="0" smtClean="0"/>
-              <a:t>от Светлин Наков и колектив с лиценз</a:t>
+              <a:t> от Светлин Наков и колектив с лиценз</a:t>
             </a:r>
             <a:r>
               <a:rPr lang="en-US" sz="2000" dirty="0" smtClean="0"/>
@@ -23666,11 +22880,7 @@
             </a:pPr>
             <a:r>
               <a:rPr lang="bg-BG" sz="3200" dirty="0" smtClean="0"/>
-              <a:t>Фондация </a:t>
-            </a:r>
-            <a:r>
-              <a:rPr lang="bg-BG" sz="3200" dirty="0" smtClean="0"/>
-              <a:t>'Софтуерен университет' </a:t>
+              <a:t>Фондация 'Софтуерен университет' </a:t>
             </a:r>
             <a:r>
               <a:rPr lang="en-US" sz="3200" dirty="0" smtClean="0"/>
@@ -26075,24 +25285,7 @@
                 <a:latin typeface="Consolas" pitchFamily="49" charset="0"/>
                 <a:cs typeface="Consolas" pitchFamily="49" charset="0"/>
               </a:rPr>
-              <a:t>      sys.stdout.write</a:t>
-            </a:r>
-            <a:r>
-              <a:rPr lang="en-US" sz="2800" b="1" noProof="1" smtClean="0">
-                <a:solidFill>
-                  <a:srgbClr val="FBEEDC"/>
-                </a:solidFill>
-                <a:effectLst>
-                  <a:outerShdw blurRad="38100" dist="38100" dir="2700000" algn="tl">
-                    <a:srgbClr val="000000">
-                      <a:alpha val="43137"/>
-                    </a:srgbClr>
-                  </a:outerShdw>
-                </a:effectLst>
-                <a:latin typeface="Consolas" pitchFamily="49" charset="0"/>
-                <a:cs typeface="Consolas" pitchFamily="49" charset="0"/>
-              </a:rPr>
-              <a:t>('*')</a:t>
+              <a:t>      sys.stdout.write('*')</a:t>
             </a:r>
             <a:endParaRPr lang="en-US" sz="2800" b="1" noProof="1">
               <a:solidFill>
@@ -26483,182 +25676,9 @@
   <p:timing>
     <p:tnLst>
       <p:par>
-        <p:cTn id="1" dur="indefinite" restart="never" nodeType="tmRoot">
-          <p:childTnLst>
-            <p:seq concurrent="1" nextAc="seek">
-              <p:cTn id="2" dur="indefinite" nodeType="mainSeq">
-                <p:childTnLst>
-                  <p:par>
-                    <p:cTn id="3" fill="hold">
-                      <p:stCondLst>
-                        <p:cond delay="indefinite"/>
-                      </p:stCondLst>
-                      <p:childTnLst>
-                        <p:par>
-                          <p:cTn id="4" fill="hold">
-                            <p:stCondLst>
-                              <p:cond delay="0"/>
-                            </p:stCondLst>
-                            <p:childTnLst>
-                              <p:par>
-                                <p:cTn id="5" presetID="1" presetClass="entr" presetSubtype="0" fill="hold" grpId="0" nodeType="clickEffect">
-                                  <p:stCondLst>
-                                    <p:cond delay="0"/>
-                                  </p:stCondLst>
-                                  <p:childTnLst>
-                                    <p:set>
-                                      <p:cBhvr>
-                                        <p:cTn id="6" dur="1" fill="hold">
-                                          <p:stCondLst>
-                                            <p:cond delay="0"/>
-                                          </p:stCondLst>
-                                        </p:cTn>
-                                        <p:tgtEl>
-                                          <p:spTgt spid="8"/>
-                                        </p:tgtEl>
-                                        <p:attrNameLst>
-                                          <p:attrName>style.visibility</p:attrName>
-                                        </p:attrNameLst>
-                                      </p:cBhvr>
-                                      <p:to>
-                                        <p:strVal val="visible"/>
-                                      </p:to>
-                                    </p:set>
-                                  </p:childTnLst>
-                                </p:cTn>
-                              </p:par>
-                              <p:par>
-                                <p:cTn id="7" presetID="1" presetClass="entr" presetSubtype="0" fill="hold" grpId="0" nodeType="withEffect">
-                                  <p:stCondLst>
-                                    <p:cond delay="0"/>
-                                  </p:stCondLst>
-                                  <p:childTnLst>
-                                    <p:set>
-                                      <p:cBhvr>
-                                        <p:cTn id="8" dur="1" fill="hold">
-                                          <p:stCondLst>
-                                            <p:cond delay="0"/>
-                                          </p:stCondLst>
-                                        </p:cTn>
-                                        <p:tgtEl>
-                                          <p:spTgt spid="7"/>
-                                        </p:tgtEl>
-                                        <p:attrNameLst>
-                                          <p:attrName>style.visibility</p:attrName>
-                                        </p:attrNameLst>
-                                      </p:cBhvr>
-                                      <p:to>
-                                        <p:strVal val="visible"/>
-                                      </p:to>
-                                    </p:set>
-                                  </p:childTnLst>
-                                </p:cTn>
-                              </p:par>
-                            </p:childTnLst>
-                          </p:cTn>
-                        </p:par>
-                      </p:childTnLst>
-                    </p:cTn>
-                  </p:par>
-                  <p:par>
-                    <p:cTn id="9" fill="hold">
-                      <p:stCondLst>
-                        <p:cond delay="indefinite"/>
-                      </p:stCondLst>
-                      <p:childTnLst>
-                        <p:par>
-                          <p:cTn id="10" fill="hold">
-                            <p:stCondLst>
-                              <p:cond delay="0"/>
-                            </p:stCondLst>
-                            <p:childTnLst>
-                              <p:par>
-                                <p:cTn id="11" presetID="1" presetClass="entr" presetSubtype="0" fill="hold" grpId="0" nodeType="clickEffect">
-                                  <p:stCondLst>
-                                    <p:cond delay="0"/>
-                                  </p:stCondLst>
-                                  <p:childTnLst>
-                                    <p:set>
-                                      <p:cBhvr>
-                                        <p:cTn id="12" dur="1" fill="hold">
-                                          <p:stCondLst>
-                                            <p:cond delay="0"/>
-                                          </p:stCondLst>
-                                        </p:cTn>
-                                        <p:tgtEl>
-                                          <p:spTgt spid="10"/>
-                                        </p:tgtEl>
-                                        <p:attrNameLst>
-                                          <p:attrName>style.visibility</p:attrName>
-                                        </p:attrNameLst>
-                                      </p:cBhvr>
-                                      <p:to>
-                                        <p:strVal val="visible"/>
-                                      </p:to>
-                                    </p:set>
-                                  </p:childTnLst>
-                                </p:cTn>
-                              </p:par>
-                              <p:par>
-                                <p:cTn id="13" presetID="1" presetClass="entr" presetSubtype="0" fill="hold" grpId="0" nodeType="withEffect">
-                                  <p:stCondLst>
-                                    <p:cond delay="0"/>
-                                  </p:stCondLst>
-                                  <p:childTnLst>
-                                    <p:set>
-                                      <p:cBhvr>
-                                        <p:cTn id="14" dur="1" fill="hold">
-                                          <p:stCondLst>
-                                            <p:cond delay="0"/>
-                                          </p:stCondLst>
-                                        </p:cTn>
-                                        <p:tgtEl>
-                                          <p:spTgt spid="11"/>
-                                        </p:tgtEl>
-                                        <p:attrNameLst>
-                                          <p:attrName>style.visibility</p:attrName>
-                                        </p:attrNameLst>
-                                      </p:cBhvr>
-                                      <p:to>
-                                        <p:strVal val="visible"/>
-                                      </p:to>
-                                    </p:set>
-                                  </p:childTnLst>
-                                </p:cTn>
-                              </p:par>
-                            </p:childTnLst>
-                          </p:cTn>
-                        </p:par>
-                      </p:childTnLst>
-                    </p:cTn>
-                  </p:par>
-                </p:childTnLst>
-              </p:cTn>
-              <p:prevCondLst>
-                <p:cond evt="onPrev" delay="0">
-                  <p:tgtEl>
-                    <p:sldTgt/>
-                  </p:tgtEl>
-                </p:cond>
-              </p:prevCondLst>
-              <p:nextCondLst>
-                <p:cond evt="onNext" delay="0">
-                  <p:tgtEl>
-                    <p:sldTgt/>
-                  </p:tgtEl>
-                </p:cond>
-              </p:nextCondLst>
-            </p:seq>
-          </p:childTnLst>
-        </p:cTn>
+        <p:cTn id="1" dur="indefinite" restart="never" nodeType="tmRoot"/>
       </p:par>
     </p:tnLst>
-    <p:bldLst>
-      <p:bldP spid="7" grpId="0" animBg="1"/>
-      <p:bldP spid="11" grpId="0" animBg="1"/>
-      <p:bldP spid="8" grpId="0" animBg="1"/>
-      <p:bldP spid="10" grpId="0" animBg="1"/>
-    </p:bldLst>
   </p:timing>
 </p:sld>
 </file>
@@ -27163,24 +26183,7 @@
                 <a:latin typeface="Consolas" pitchFamily="49" charset="0"/>
                 <a:cs typeface="Consolas" pitchFamily="49" charset="0"/>
               </a:rPr>
-              <a:t>sys.stdout.write</a:t>
-            </a:r>
-            <a:r>
-              <a:rPr lang="en-US" sz="2800" b="1" noProof="1" smtClean="0">
-                <a:solidFill>
-                  <a:srgbClr val="FBEEDC"/>
-                </a:solidFill>
-                <a:effectLst>
-                  <a:outerShdw blurRad="38100" dist="38100" dir="2700000" algn="tl">
-                    <a:srgbClr val="000000">
-                      <a:alpha val="43137"/>
-                    </a:srgbClr>
-                  </a:outerShdw>
-                </a:effectLst>
-                <a:latin typeface="Consolas" pitchFamily="49" charset="0"/>
-                <a:cs typeface="Consolas" pitchFamily="49" charset="0"/>
-              </a:rPr>
-              <a:t>('</a:t>
+              <a:t>sys.stdout.write('</a:t>
             </a:r>
             <a:r>
               <a:rPr lang="en-US" sz="2800" b="1" noProof="1" smtClean="0">
@@ -27431,24 +26434,7 @@
                 <a:latin typeface="Consolas" pitchFamily="49" charset="0"/>
                 <a:cs typeface="Consolas" pitchFamily="49" charset="0"/>
               </a:rPr>
-              <a:t>      sys.stdout.write</a:t>
-            </a:r>
-            <a:r>
-              <a:rPr lang="en-US" sz="2800" b="1" noProof="1" smtClean="0">
-                <a:solidFill>
-                  <a:srgbClr val="FBEEDC"/>
-                </a:solidFill>
-                <a:effectLst>
-                  <a:outerShdw blurRad="38100" dist="38100" dir="2700000" algn="tl">
-                    <a:srgbClr val="000000">
-                      <a:alpha val="43137"/>
-                    </a:srgbClr>
-                  </a:outerShdw>
-                </a:effectLst>
-                <a:latin typeface="Consolas" pitchFamily="49" charset="0"/>
-                <a:cs typeface="Consolas" pitchFamily="49" charset="0"/>
-              </a:rPr>
-              <a:t>('</a:t>
+              <a:t>      sys.stdout.write('</a:t>
             </a:r>
             <a:r>
               <a:rPr lang="en-US" sz="2800" b="1" noProof="1" smtClean="0">
@@ -28459,24 +27445,7 @@
                 <a:latin typeface="Consolas" pitchFamily="49" charset="0"/>
                 <a:cs typeface="Consolas" pitchFamily="49" charset="0"/>
               </a:rPr>
-              <a:t>sys.stdout.write</a:t>
-            </a:r>
-            <a:r>
-              <a:rPr lang="en-US" sz="2800" b="1" noProof="1" smtClean="0">
-                <a:solidFill>
-                  <a:srgbClr val="FBEEDC"/>
-                </a:solidFill>
-                <a:effectLst>
-                  <a:outerShdw blurRad="38100" dist="38100" dir="2700000" algn="tl">
-                    <a:srgbClr val="000000">
-                      <a:alpha val="43137"/>
-                    </a:srgbClr>
-                  </a:outerShdw>
-                </a:effectLst>
-                <a:latin typeface="Consolas" pitchFamily="49" charset="0"/>
-                <a:cs typeface="Consolas" pitchFamily="49" charset="0"/>
-              </a:rPr>
-              <a:t>('</a:t>
+              <a:t>sys.stdout.write('</a:t>
             </a:r>
             <a:r>
               <a:rPr lang="en-US" sz="2800" b="1" noProof="1" smtClean="0">
@@ -28693,24 +27662,7 @@
                 <a:latin typeface="Consolas" pitchFamily="49" charset="0"/>
                 <a:cs typeface="Consolas" pitchFamily="49" charset="0"/>
               </a:rPr>
-              <a:t>      sys.stdout.write</a:t>
-            </a:r>
-            <a:r>
-              <a:rPr lang="en-US" sz="2800" b="1" noProof="1" smtClean="0">
-                <a:solidFill>
-                  <a:srgbClr val="FBEEDC"/>
-                </a:solidFill>
-                <a:effectLst>
-                  <a:outerShdw blurRad="38100" dist="38100" dir="2700000" algn="tl">
-                    <a:srgbClr val="000000">
-                      <a:alpha val="43137"/>
-                    </a:srgbClr>
-                  </a:outerShdw>
-                </a:effectLst>
-                <a:latin typeface="Consolas" pitchFamily="49" charset="0"/>
-                <a:cs typeface="Consolas" pitchFamily="49" charset="0"/>
-              </a:rPr>
-              <a:t>(' </a:t>
+              <a:t>      sys.stdout.write(' </a:t>
             </a:r>
             <a:r>
               <a:rPr lang="en-US" sz="2800" b="1" noProof="1" smtClean="0">
@@ -29499,24 +28451,7 @@
                 <a:latin typeface="Consolas" pitchFamily="49" charset="0"/>
                 <a:cs typeface="Consolas" pitchFamily="49" charset="0"/>
               </a:rPr>
-              <a:t>sys.stdout.write</a:t>
-            </a:r>
-            <a:r>
-              <a:rPr lang="en-US" sz="2800" b="1" noProof="1" smtClean="0">
-                <a:solidFill>
-                  <a:srgbClr val="FBEEDC"/>
-                </a:solidFill>
-                <a:effectLst>
-                  <a:outerShdw blurRad="38100" dist="38100" dir="2700000" algn="tl">
-                    <a:srgbClr val="000000">
-                      <a:alpha val="43137"/>
-                    </a:srgbClr>
-                  </a:outerShdw>
-                </a:effectLst>
-                <a:latin typeface="Consolas" pitchFamily="49" charset="0"/>
-                <a:cs typeface="Consolas" pitchFamily="49" charset="0"/>
-              </a:rPr>
-              <a:t>('+')</a:t>
+              <a:t>sys.stdout.write('+')</a:t>
             </a:r>
             <a:endParaRPr lang="en-US" sz="2800" b="1" noProof="1">
               <a:solidFill>
@@ -29640,24 +28575,7 @@
                 <a:latin typeface="Consolas" pitchFamily="49" charset="0"/>
                 <a:cs typeface="Consolas" pitchFamily="49" charset="0"/>
               </a:rPr>
-              <a:t>sys.stdout.write</a:t>
-            </a:r>
-            <a:r>
-              <a:rPr lang="en-US" sz="2800" b="1" noProof="1" smtClean="0">
-                <a:solidFill>
-                  <a:srgbClr val="FBEEDC"/>
-                </a:solidFill>
-                <a:effectLst>
-                  <a:outerShdw blurRad="38100" dist="38100" dir="2700000" algn="tl">
-                    <a:srgbClr val="000000">
-                      <a:alpha val="43137"/>
-                    </a:srgbClr>
-                  </a:outerShdw>
-                </a:effectLst>
-                <a:latin typeface="Consolas" pitchFamily="49" charset="0"/>
-                <a:cs typeface="Consolas" pitchFamily="49" charset="0"/>
-              </a:rPr>
-              <a:t>(' -')</a:t>
+              <a:t>sys.stdout.write(' -')</a:t>
             </a:r>
             <a:endParaRPr lang="en-US" sz="2800" b="1" noProof="1">
               <a:solidFill>
@@ -29702,24 +28620,7 @@
                 <a:latin typeface="Consolas" pitchFamily="49" charset="0"/>
                 <a:cs typeface="Consolas" pitchFamily="49" charset="0"/>
               </a:rPr>
-              <a:t>print</a:t>
-            </a:r>
-            <a:r>
-              <a:rPr lang="en-US" sz="2800" b="1" noProof="1" smtClean="0">
-                <a:solidFill>
-                  <a:srgbClr val="FBEEDC"/>
-                </a:solidFill>
-                <a:effectLst>
-                  <a:outerShdw blurRad="38100" dist="38100" dir="2700000" algn="tl">
-                    <a:srgbClr val="000000">
-                      <a:alpha val="43137"/>
-                    </a:srgbClr>
-                  </a:outerShdw>
-                </a:effectLst>
-                <a:latin typeface="Consolas" pitchFamily="49" charset="0"/>
-                <a:cs typeface="Consolas" pitchFamily="49" charset="0"/>
-              </a:rPr>
-              <a:t>(' +')</a:t>
+              <a:t>print(' +')</a:t>
             </a:r>
             <a:endParaRPr lang="en-US" sz="2800" b="1" noProof="1">
               <a:solidFill>
@@ -29767,24 +28668,7 @@
                 <a:latin typeface="Consolas" pitchFamily="49" charset="0"/>
                 <a:cs typeface="Consolas" pitchFamily="49" charset="0"/>
               </a:rPr>
-              <a:t>for </a:t>
-            </a:r>
-            <a:r>
-              <a:rPr lang="en-US" sz="2800" b="1" noProof="1" smtClean="0">
-                <a:solidFill>
-                  <a:srgbClr val="FBEEDC"/>
-                </a:solidFill>
-                <a:effectLst>
-                  <a:outerShdw blurRad="38100" dist="38100" dir="2700000" algn="tl">
-                    <a:srgbClr val="000000">
-                      <a:alpha val="43137"/>
-                    </a:srgbClr>
-                  </a:outerShdw>
-                </a:effectLst>
-                <a:latin typeface="Consolas" pitchFamily="49" charset="0"/>
-                <a:cs typeface="Consolas" pitchFamily="49" charset="0"/>
-              </a:rPr>
-              <a:t>row in range(n-2):</a:t>
+              <a:t>for row in range(n-2):</a:t>
             </a:r>
             <a:endParaRPr lang="en-US" sz="2800" b="1" noProof="1">
               <a:solidFill>
@@ -29869,26 +28753,7 @@
                 <a:latin typeface="Consolas" pitchFamily="49" charset="0"/>
                 <a:cs typeface="Consolas" pitchFamily="49" charset="0"/>
               </a:rPr>
-              <a:t> </a:t>
-            </a:r>
-            <a:r>
-              <a:rPr lang="en-US" sz="2800" b="1" noProof="1" smtClean="0">
-                <a:solidFill>
-                  <a:schemeClr val="tx2">
-                    <a:lumMod val="75000"/>
-                  </a:schemeClr>
-                </a:solidFill>
-                <a:effectLst>
-                  <a:outerShdw blurRad="38100" dist="38100" dir="2700000" algn="tl">
-                    <a:srgbClr val="000000">
-                      <a:alpha val="43137"/>
-                    </a:srgbClr>
-                  </a:outerShdw>
-                </a:effectLst>
-                <a:latin typeface="Consolas" pitchFamily="49" charset="0"/>
-                <a:cs typeface="Consolas" pitchFamily="49" charset="0"/>
-              </a:rPr>
-              <a:t>TODO: </a:t>
+              <a:t> TODO: </a:t>
             </a:r>
             <a:r>
               <a:rPr lang="en-US" sz="2800" b="1" i="1" noProof="1" smtClean="0">

--- a/6. Drawing-with-Loops/6. Drawing-with-Loops.pptx
+++ b/6. Drawing-with-Loops/6. Drawing-with-Loops.pptx
@@ -251,7 +251,7 @@
             <a:fld id="{FE5B4EDC-59C0-49C7-8ADA-5A781B329E02}" type="datetimeFigureOut">
               <a:rPr lang="en-US"/>
               <a:pPr/>
-              <a:t>2/19/2017</a:t>
+              <a:t>2/28/2017</a:t>
             </a:fld>
             <a:endParaRPr dirty="0"/>
           </a:p>
@@ -450,7 +450,7 @@
             <a:fld id="{F2D8D46A-B586-417D-BFBD-8C8FE0AAF762}" type="datetimeFigureOut">
               <a:rPr lang="en-US" smtClean="0"/>
               <a:pPr/>
-              <a:t>2/19/2017</a:t>
+              <a:t>2/28/2017</a:t>
             </a:fld>
             <a:endParaRPr lang="en-US"/>
           </a:p>
@@ -2740,7 +2740,7 @@
             <a:fld id="{055373AC-9AA7-423B-BA00-BA1C74164DBD}" type="datetime1">
               <a:rPr lang="en-US" smtClean="0"/>
               <a:pPr/>
-              <a:t>2/19/2017</a:t>
+              <a:t>2/28/2017</a:t>
             </a:fld>
             <a:endParaRPr lang="en-US" dirty="0"/>
           </a:p>
@@ -4014,7 +4014,7 @@
             <a:fld id="{055373AC-9AA7-423B-BA00-BA1C74164DBD}" type="datetime1">
               <a:rPr lang="en-US" smtClean="0"/>
               <a:pPr/>
-              <a:t>2/19/2017</a:t>
+              <a:t>2/28/2017</a:t>
             </a:fld>
             <a:endParaRPr lang="en-US" dirty="0"/>
           </a:p>
@@ -5568,7 +5568,7 @@
         <p:spPr bwMode="auto">
           <a:xfrm>
             <a:off x="3083009" y="2261901"/>
-            <a:ext cx="8193002" cy="3133165"/>
+            <a:ext cx="8193002" cy="3191643"/>
           </a:xfrm>
           <a:prstGeom prst="rect">
             <a:avLst/>
@@ -5715,23 +5715,6 @@
               <a:buSzPct val="70000"/>
             </a:pPr>
             <a:r>
-              <a:rPr lang="en-US" sz="2600" b="1" noProof="1">
-                <a:solidFill>
-                  <a:srgbClr val="FBEEDC"/>
-                </a:solidFill>
-                <a:effectLst>
-                  <a:outerShdw blurRad="38100" dist="38100" dir="2700000" algn="tl">
-                    <a:srgbClr val="000000">
-                      <a:alpha val="43137"/>
-                    </a:srgbClr>
-                  </a:outerShdw>
-                </a:effectLst>
-                <a:latin typeface="Consolas" pitchFamily="49" charset="0"/>
-                <a:cs typeface="Consolas" pitchFamily="49" charset="0"/>
-              </a:rPr>
-              <a:t>        </a:t>
-            </a:r>
-            <a:r>
               <a:rPr lang="en-US" sz="2600" b="1" noProof="1" smtClean="0">
                 <a:solidFill>
                   <a:srgbClr val="FBEEDC"/>
@@ -5746,7 +5729,199 @@
                 <a:latin typeface="Consolas" pitchFamily="49" charset="0"/>
                 <a:cs typeface="Consolas" pitchFamily="49" charset="0"/>
               </a:rPr>
-              <a:t>sys.stdout.write(' ')</a:t>
+              <a:t>       </a:t>
+            </a:r>
+            <a:r>
+              <a:rPr lang="en-US" b="1" noProof="1" smtClean="0">
+                <a:solidFill>
+                  <a:srgbClr val="FBEEDC"/>
+                </a:solidFill>
+                <a:effectLst>
+                  <a:outerShdw blurRad="38100" dist="38100" dir="2700000" algn="tl">
+                    <a:srgbClr val="000000">
+                      <a:alpha val="43137"/>
+                    </a:srgbClr>
+                  </a:outerShdw>
+                </a:effectLst>
+                <a:latin typeface="Consolas" pitchFamily="49" charset="0"/>
+                <a:cs typeface="Consolas" pitchFamily="49" charset="0"/>
+              </a:rPr>
+              <a:t>print</a:t>
+            </a:r>
+            <a:r>
+              <a:rPr lang="en-US" b="1" noProof="1">
+                <a:solidFill>
+                  <a:srgbClr val="FBEEDC"/>
+                </a:solidFill>
+                <a:effectLst>
+                  <a:outerShdw blurRad="38100" dist="38100" dir="2700000" algn="tl">
+                    <a:srgbClr val="000000">
+                      <a:alpha val="43137"/>
+                    </a:srgbClr>
+                  </a:outerShdw>
+                </a:effectLst>
+                <a:latin typeface="Consolas" pitchFamily="49" charset="0"/>
+                <a:cs typeface="Consolas" pitchFamily="49" charset="0"/>
+              </a:rPr>
+              <a:t>(' </a:t>
+            </a:r>
+            <a:r>
+              <a:rPr lang="en-US" b="1" noProof="1" smtClean="0">
+                <a:solidFill>
+                  <a:srgbClr val="FBEEDC"/>
+                </a:solidFill>
+                <a:effectLst>
+                  <a:outerShdw blurRad="38100" dist="38100" dir="2700000" algn="tl">
+                    <a:srgbClr val="000000">
+                      <a:alpha val="43137"/>
+                    </a:srgbClr>
+                  </a:outerShdw>
+                </a:effectLst>
+                <a:latin typeface="Consolas" pitchFamily="49" charset="0"/>
+                <a:cs typeface="Consolas" pitchFamily="49" charset="0"/>
+              </a:rPr>
+              <a:t>', </a:t>
+            </a:r>
+            <a:r>
+              <a:rPr lang="en-US" b="1" noProof="1">
+                <a:solidFill>
+                  <a:srgbClr val="FBEEDC"/>
+                </a:solidFill>
+                <a:effectLst>
+                  <a:outerShdw blurRad="38100" dist="38100" dir="2700000" algn="tl">
+                    <a:srgbClr val="000000">
+                      <a:alpha val="43137"/>
+                    </a:srgbClr>
+                  </a:outerShdw>
+                </a:effectLst>
+                <a:latin typeface="Consolas" pitchFamily="49" charset="0"/>
+                <a:cs typeface="Consolas" pitchFamily="49" charset="0"/>
+              </a:rPr>
+              <a:t>end='')</a:t>
+            </a:r>
+            <a:endParaRPr lang="en-US" sz="2600" b="1" noProof="1" smtClean="0">
+              <a:solidFill>
+                <a:srgbClr val="FBEEDC"/>
+              </a:solidFill>
+              <a:effectLst>
+                <a:outerShdw blurRad="38100" dist="38100" dir="2700000" algn="tl">
+                  <a:srgbClr val="000000">
+                    <a:alpha val="43137"/>
+                  </a:srgbClr>
+                </a:outerShdw>
+              </a:effectLst>
+              <a:latin typeface="Consolas" pitchFamily="49" charset="0"/>
+              <a:cs typeface="Consolas" pitchFamily="49" charset="0"/>
+            </a:endParaRPr>
+          </a:p>
+          <a:p>
+            <a:pPr eaLnBrk="0" hangingPunct="0">
+              <a:lnSpc>
+                <a:spcPct val="95000"/>
+              </a:lnSpc>
+              <a:buClr>
+                <a:schemeClr val="accent5">
+                  <a:lumMod val="40000"/>
+                  <a:lumOff val="60000"/>
+                </a:schemeClr>
+              </a:buClr>
+              <a:buSzPct val="70000"/>
+            </a:pPr>
+            <a:r>
+              <a:rPr lang="en-US" sz="2600" b="1" noProof="1" smtClean="0">
+                <a:solidFill>
+                  <a:srgbClr val="FBEEDC"/>
+                </a:solidFill>
+                <a:effectLst>
+                  <a:outerShdw blurRad="38100" dist="38100" dir="2700000" algn="tl">
+                    <a:srgbClr val="000000">
+                      <a:alpha val="43137"/>
+                    </a:srgbClr>
+                  </a:outerShdw>
+                </a:effectLst>
+                <a:latin typeface="Consolas" pitchFamily="49" charset="0"/>
+                <a:cs typeface="Consolas" pitchFamily="49" charset="0"/>
+              </a:rPr>
+              <a:t>    </a:t>
+            </a:r>
+            <a:r>
+              <a:rPr lang="en-US" sz="2800" b="1" noProof="1" smtClean="0">
+                <a:solidFill>
+                  <a:srgbClr val="FBEEDC"/>
+                </a:solidFill>
+                <a:effectLst>
+                  <a:outerShdw blurRad="38100" dist="38100" dir="2700000" algn="tl">
+                    <a:srgbClr val="000000">
+                      <a:alpha val="43137"/>
+                    </a:srgbClr>
+                  </a:outerShdw>
+                </a:effectLst>
+                <a:latin typeface="Consolas" pitchFamily="49" charset="0"/>
+                <a:cs typeface="Consolas" pitchFamily="49" charset="0"/>
+              </a:rPr>
+              <a:t>print('*', </a:t>
+            </a:r>
+            <a:r>
+              <a:rPr lang="en-US" sz="2800" b="1" noProof="1">
+                <a:solidFill>
+                  <a:srgbClr val="FBEEDC"/>
+                </a:solidFill>
+                <a:effectLst>
+                  <a:outerShdw blurRad="38100" dist="38100" dir="2700000" algn="tl">
+                    <a:srgbClr val="000000">
+                      <a:alpha val="43137"/>
+                    </a:srgbClr>
+                  </a:outerShdw>
+                </a:effectLst>
+                <a:latin typeface="Consolas" pitchFamily="49" charset="0"/>
+                <a:cs typeface="Consolas" pitchFamily="49" charset="0"/>
+              </a:rPr>
+              <a:t>end='')</a:t>
+            </a:r>
+            <a:endParaRPr lang="en-US" sz="3200" b="1" noProof="1">
+              <a:solidFill>
+                <a:srgbClr val="FBEEDC"/>
+              </a:solidFill>
+              <a:effectLst>
+                <a:outerShdw blurRad="38100" dist="38100" dir="2700000" algn="tl">
+                  <a:srgbClr val="000000">
+                    <a:alpha val="43137"/>
+                  </a:srgbClr>
+                </a:outerShdw>
+              </a:effectLst>
+              <a:latin typeface="Consolas" pitchFamily="49" charset="0"/>
+              <a:cs typeface="Consolas" pitchFamily="49" charset="0"/>
+            </a:endParaRPr>
+          </a:p>
+          <a:p>
+            <a:pPr eaLnBrk="0" hangingPunct="0">
+              <a:lnSpc>
+                <a:spcPct val="95000"/>
+              </a:lnSpc>
+              <a:buClr>
+                <a:schemeClr val="accent5">
+                  <a:lumMod val="40000"/>
+                  <a:lumOff val="60000"/>
+                </a:schemeClr>
+              </a:buClr>
+              <a:buSzPct val="70000"/>
+            </a:pPr>
+            <a:r>
+              <a:rPr lang="en-US" sz="2600" b="1" noProof="1" smtClean="0">
+                <a:solidFill>
+                  <a:srgbClr val="FBEEDC"/>
+                </a:solidFill>
+                <a:effectLst>
+                  <a:outerShdw blurRad="38100" dist="38100" dir="2700000" algn="tl">
+                    <a:srgbClr val="000000">
+                      <a:alpha val="43137"/>
+                    </a:srgbClr>
+                  </a:outerShdw>
+                </a:effectLst>
+                <a:latin typeface="Consolas" pitchFamily="49" charset="0"/>
+                <a:cs typeface="Consolas" pitchFamily="49" charset="0"/>
+              </a:rPr>
+              <a:t>    for col in range(row):</a:t>
             </a:r>
             <a:endParaRPr lang="en-US" sz="2600" b="1" noProof="1">
               <a:solidFill>
@@ -5777,23 +5952,6 @@
               <a:buSzPct val="70000"/>
             </a:pPr>
             <a:r>
-              <a:rPr lang="en-US" sz="2600" b="1" noProof="1">
-                <a:solidFill>
-                  <a:srgbClr val="FBEEDC"/>
-                </a:solidFill>
-                <a:effectLst>
-                  <a:outerShdw blurRad="38100" dist="38100" dir="2700000" algn="tl">
-                    <a:srgbClr val="000000">
-                      <a:alpha val="43137"/>
-                    </a:srgbClr>
-                  </a:outerShdw>
-                </a:effectLst>
-                <a:latin typeface="Consolas" pitchFamily="49" charset="0"/>
-                <a:cs typeface="Consolas" pitchFamily="49" charset="0"/>
-              </a:rPr>
-              <a:t>    </a:t>
-            </a:r>
-            <a:r>
               <a:rPr lang="en-US" sz="2600" b="1" noProof="1" smtClean="0">
                 <a:solidFill>
                   <a:srgbClr val="FBEEDC"/>
@@ -5808,9 +5966,43 @@
                 <a:latin typeface="Consolas" pitchFamily="49" charset="0"/>
                 <a:cs typeface="Consolas" pitchFamily="49" charset="0"/>
               </a:rPr>
-              <a:t>sys.stdout.write('*')</a:t>
-            </a:r>
-            <a:endParaRPr lang="en-US" sz="2600" b="1" noProof="1">
+              <a:t>        </a:t>
+            </a:r>
+            <a:r>
+              <a:rPr lang="en-US" b="1" noProof="1" smtClean="0">
+                <a:solidFill>
+                  <a:srgbClr val="FBEEDC"/>
+                </a:solidFill>
+                <a:effectLst>
+                  <a:outerShdw blurRad="38100" dist="38100" dir="2700000" algn="tl">
+                    <a:srgbClr val="000000">
+                      <a:alpha val="43137"/>
+                    </a:srgbClr>
+                  </a:outerShdw>
+                </a:effectLst>
+                <a:latin typeface="Consolas" pitchFamily="49" charset="0"/>
+                <a:cs typeface="Consolas" pitchFamily="49" charset="0"/>
+              </a:rPr>
+              <a:t>print(' *', </a:t>
+            </a:r>
+            <a:r>
+              <a:rPr lang="en-US" b="1" noProof="1">
+                <a:solidFill>
+                  <a:srgbClr val="FBEEDC"/>
+                </a:solidFill>
+                <a:effectLst>
+                  <a:outerShdw blurRad="38100" dist="38100" dir="2700000" algn="tl">
+                    <a:srgbClr val="000000">
+                      <a:alpha val="43137"/>
+                    </a:srgbClr>
+                  </a:outerShdw>
+                </a:effectLst>
+                <a:latin typeface="Consolas" pitchFamily="49" charset="0"/>
+                <a:cs typeface="Consolas" pitchFamily="49" charset="0"/>
+              </a:rPr>
+              <a:t>end='')</a:t>
+            </a:r>
+            <a:endParaRPr lang="en-US" sz="2800" b="1" noProof="1">
               <a:solidFill>
                 <a:srgbClr val="FBEEDC"/>
               </a:solidFill>
@@ -5853,131 +6045,7 @@
                 <a:latin typeface="Consolas" pitchFamily="49" charset="0"/>
                 <a:cs typeface="Consolas" pitchFamily="49" charset="0"/>
               </a:rPr>
-              <a:t>    for col in range(row):</a:t>
-            </a:r>
-            <a:endParaRPr lang="en-US" sz="2600" b="1" noProof="1">
-              <a:solidFill>
-                <a:srgbClr val="FBEEDC"/>
-              </a:solidFill>
-              <a:effectLst>
-                <a:outerShdw blurRad="38100" dist="38100" dir="2700000" algn="tl">
-                  <a:srgbClr val="000000">
-                    <a:alpha val="43137"/>
-                  </a:srgbClr>
-                </a:outerShdw>
-              </a:effectLst>
-              <a:latin typeface="Consolas" pitchFamily="49" charset="0"/>
-              <a:cs typeface="Consolas" pitchFamily="49" charset="0"/>
-            </a:endParaRPr>
-          </a:p>
-          <a:p>
-            <a:pPr eaLnBrk="0" hangingPunct="0">
-              <a:lnSpc>
-                <a:spcPct val="95000"/>
-              </a:lnSpc>
-              <a:buClr>
-                <a:schemeClr val="accent5">
-                  <a:lumMod val="40000"/>
-                  <a:lumOff val="60000"/>
-                </a:schemeClr>
-              </a:buClr>
-              <a:buSzPct val="70000"/>
-            </a:pPr>
-            <a:r>
-              <a:rPr lang="en-US" sz="2600" b="1" noProof="1">
-                <a:solidFill>
-                  <a:srgbClr val="FBEEDC"/>
-                </a:solidFill>
-                <a:effectLst>
-                  <a:outerShdw blurRad="38100" dist="38100" dir="2700000" algn="tl">
-                    <a:srgbClr val="000000">
-                      <a:alpha val="43137"/>
-                    </a:srgbClr>
-                  </a:outerShdw>
-                </a:effectLst>
-                <a:latin typeface="Consolas" pitchFamily="49" charset="0"/>
-                <a:cs typeface="Consolas" pitchFamily="49" charset="0"/>
-              </a:rPr>
-              <a:t>        </a:t>
-            </a:r>
-            <a:r>
-              <a:rPr lang="en-US" sz="2600" b="1" noProof="1" smtClean="0">
-                <a:solidFill>
-                  <a:srgbClr val="FBEEDC"/>
-                </a:solidFill>
-                <a:effectLst>
-                  <a:outerShdw blurRad="38100" dist="38100" dir="2700000" algn="tl">
-                    <a:srgbClr val="000000">
-                      <a:alpha val="43137"/>
-                    </a:srgbClr>
-                  </a:outerShdw>
-                </a:effectLst>
-                <a:latin typeface="Consolas" pitchFamily="49" charset="0"/>
-                <a:cs typeface="Consolas" pitchFamily="49" charset="0"/>
-              </a:rPr>
-              <a:t>sys.stdout.write(' *')</a:t>
-            </a:r>
-            <a:endParaRPr lang="en-US" sz="2600" b="1" noProof="1">
-              <a:solidFill>
-                <a:srgbClr val="FBEEDC"/>
-              </a:solidFill>
-              <a:effectLst>
-                <a:outerShdw blurRad="38100" dist="38100" dir="2700000" algn="tl">
-                  <a:srgbClr val="000000">
-                    <a:alpha val="43137"/>
-                  </a:srgbClr>
-                </a:outerShdw>
-              </a:effectLst>
-              <a:latin typeface="Consolas" pitchFamily="49" charset="0"/>
-              <a:cs typeface="Consolas" pitchFamily="49" charset="0"/>
-            </a:endParaRPr>
-          </a:p>
-          <a:p>
-            <a:pPr eaLnBrk="0" hangingPunct="0">
-              <a:lnSpc>
-                <a:spcPct val="95000"/>
-              </a:lnSpc>
-              <a:buClr>
-                <a:schemeClr val="accent5">
-                  <a:lumMod val="40000"/>
-                  <a:lumOff val="60000"/>
-                </a:schemeClr>
-              </a:buClr>
-              <a:buSzPct val="70000"/>
-            </a:pPr>
-            <a:r>
-              <a:rPr lang="en-US" sz="2600" b="1" noProof="1">
-                <a:solidFill>
-                  <a:srgbClr val="FBEEDC"/>
-                </a:solidFill>
-                <a:effectLst>
-                  <a:outerShdw blurRad="38100" dist="38100" dir="2700000" algn="tl">
-                    <a:srgbClr val="000000">
-                      <a:alpha val="43137"/>
-                    </a:srgbClr>
-                  </a:outerShdw>
-                </a:effectLst>
-                <a:latin typeface="Consolas" pitchFamily="49" charset="0"/>
-                <a:cs typeface="Consolas" pitchFamily="49" charset="0"/>
-              </a:rPr>
-              <a:t>    </a:t>
-            </a:r>
-            <a:r>
-              <a:rPr lang="en-US" sz="2600" b="1" noProof="1" smtClean="0">
-                <a:solidFill>
-                  <a:srgbClr val="FBEEDC"/>
-                </a:solidFill>
-                <a:effectLst>
-                  <a:outerShdw blurRad="38100" dist="38100" dir="2700000" algn="tl">
-                    <a:srgbClr val="000000">
-                      <a:alpha val="43137"/>
-                    </a:srgbClr>
-                  </a:outerShdw>
-                </a:effectLst>
-                <a:latin typeface="Consolas" pitchFamily="49" charset="0"/>
-                <a:cs typeface="Consolas" pitchFamily="49" charset="0"/>
-              </a:rPr>
-              <a:t>print()</a:t>
+              <a:t>    print()</a:t>
             </a:r>
           </a:p>
           <a:p>
@@ -7959,7 +8027,7 @@
                 <a:latin typeface="Consolas" pitchFamily="49" charset="0"/>
                 <a:cs typeface="Consolas" pitchFamily="49" charset="0"/>
               </a:rPr>
-              <a:t>' ' * (n – i)</a:t>
+              <a:t>' ' * (n - i)</a:t>
             </a:r>
             <a:endParaRPr lang="en-US" sz="3000" b="1" noProof="1">
               <a:solidFill>
@@ -7992,7 +8060,7 @@
                 <a:latin typeface="Consolas" pitchFamily="49" charset="0"/>
                 <a:cs typeface="Consolas" pitchFamily="49" charset="0"/>
               </a:rPr>
-              <a:t>   sys.stdout.write(</a:t>
+              <a:t>   print(</a:t>
             </a:r>
             <a:r>
               <a:rPr lang="en-US" sz="3000" b="1" noProof="1" smtClean="0">
@@ -8028,7 +8096,7 @@
                 <a:latin typeface="Consolas" pitchFamily="49" charset="0"/>
                 <a:cs typeface="Consolas" pitchFamily="49" charset="0"/>
               </a:rPr>
-              <a:t>)</a:t>
+              <a:t>, end='')</a:t>
             </a:r>
             <a:endParaRPr lang="en-US" sz="3000" b="1" noProof="1">
               <a:solidFill>
@@ -8078,7 +8146,7 @@
                 <a:latin typeface="Consolas" pitchFamily="49" charset="0"/>
                 <a:cs typeface="Consolas" pitchFamily="49" charset="0"/>
               </a:rPr>
-              <a:t>sys.stdout.write(</a:t>
+              <a:t>print(</a:t>
             </a:r>
             <a:r>
               <a:rPr lang="en-US" sz="3000" b="1" noProof="1" smtClean="0">
@@ -8100,6 +8168,25 @@
               <a:t>stars</a:t>
             </a:r>
             <a:r>
+              <a:rPr lang="en-US" sz="3000" b="1" noProof="1">
+                <a:solidFill>
+                  <a:srgbClr val="FBEEE1"/>
+                </a:solidFill>
+                <a:effectLst>
+                  <a:outerShdw blurRad="38100" dist="38100" dir="2700000" algn="tl">
+                    <a:srgbClr val="000000">
+                      <a:alpha val="43137"/>
+                    </a:srgbClr>
+                  </a:outerShdw>
+                </a:effectLst>
+                <a:latin typeface="Consolas" pitchFamily="49" charset="0"/>
+                <a:cs typeface="Consolas" pitchFamily="49" charset="0"/>
+              </a:rPr>
+              <a:t>, end='')</a:t>
+            </a:r>
+          </a:p>
+          <a:p>
+            <a:r>
               <a:rPr lang="en-US" sz="3000" b="1" noProof="1" smtClean="0">
                 <a:solidFill>
                   <a:srgbClr val="FBEEE1"/>
@@ -8114,57 +8201,7 @@
                 <a:latin typeface="Consolas" pitchFamily="49" charset="0"/>
                 <a:cs typeface="Consolas" pitchFamily="49" charset="0"/>
               </a:rPr>
-              <a:t>)</a:t>
-            </a:r>
-            <a:endParaRPr lang="en-US" sz="3000" b="1" noProof="1">
-              <a:solidFill>
-                <a:srgbClr val="FBEEE1"/>
-              </a:solidFill>
-              <a:effectLst>
-                <a:outerShdw blurRad="38100" dist="38100" dir="2700000" algn="tl">
-                  <a:srgbClr val="000000">
-                    <a:alpha val="43137"/>
-                  </a:srgbClr>
-                </a:outerShdw>
-              </a:effectLst>
-              <a:latin typeface="Consolas" pitchFamily="49" charset="0"/>
-              <a:cs typeface="Consolas" pitchFamily="49" charset="0"/>
-            </a:endParaRPr>
-          </a:p>
-          <a:p>
-            <a:r>
-              <a:rPr lang="en-US" sz="3000" b="1" noProof="1">
-                <a:solidFill>
-                  <a:srgbClr val="FBEEE1"/>
-                </a:solidFill>
-                <a:effectLst>
-                  <a:outerShdw blurRad="38100" dist="38100" dir="2700000" algn="tl">
-                    <a:srgbClr val="000000">
-                      <a:alpha val="43137"/>
-                    </a:srgbClr>
-                  </a:outerShdw>
-                </a:effectLst>
-                <a:latin typeface="Consolas" pitchFamily="49" charset="0"/>
-                <a:cs typeface="Consolas" pitchFamily="49" charset="0"/>
-              </a:rPr>
-              <a:t>   </a:t>
-            </a:r>
-            <a:r>
-              <a:rPr lang="en-US" sz="3000" b="1" noProof="1" smtClean="0">
-                <a:solidFill>
-                  <a:srgbClr val="FBEEE1"/>
-                </a:solidFill>
-                <a:effectLst>
-                  <a:outerShdw blurRad="38100" dist="38100" dir="2700000" algn="tl">
-                    <a:srgbClr val="000000">
-                      <a:alpha val="43137"/>
-                    </a:srgbClr>
-                  </a:outerShdw>
-                </a:effectLst>
-                <a:latin typeface="Consolas" pitchFamily="49" charset="0"/>
-                <a:cs typeface="Consolas" pitchFamily="49" charset="0"/>
-              </a:rPr>
-              <a:t>sys.stdout.write('</a:t>
+              <a:t>   print('</a:t>
             </a:r>
             <a:r>
               <a:rPr lang="en-US" sz="3000" b="1" noProof="1" smtClean="0">
@@ -8205,6 +8242,25 @@
               <a:t>| </a:t>
             </a:r>
             <a:r>
+              <a:rPr lang="en-US" sz="3000" b="1" noProof="1">
+                <a:solidFill>
+                  <a:srgbClr val="FBEEE1"/>
+                </a:solidFill>
+                <a:effectLst>
+                  <a:outerShdw blurRad="38100" dist="38100" dir="2700000" algn="tl">
+                    <a:srgbClr val="000000">
+                      <a:alpha val="43137"/>
+                    </a:srgbClr>
+                  </a:outerShdw>
+                </a:effectLst>
+                <a:latin typeface="Consolas" pitchFamily="49" charset="0"/>
+                <a:cs typeface="Consolas" pitchFamily="49" charset="0"/>
+              </a:rPr>
+              <a:t>', end='')</a:t>
+            </a:r>
+          </a:p>
+          <a:p>
+            <a:r>
               <a:rPr lang="en-US" sz="3000" b="1" noProof="1" smtClean="0">
                 <a:solidFill>
                   <a:srgbClr val="FBEEE1"/>
@@ -8219,57 +8275,7 @@
                 <a:latin typeface="Consolas" pitchFamily="49" charset="0"/>
                 <a:cs typeface="Consolas" pitchFamily="49" charset="0"/>
               </a:rPr>
-              <a:t>')</a:t>
-            </a:r>
-            <a:endParaRPr lang="en-US" sz="3000" b="1" noProof="1">
-              <a:solidFill>
-                <a:srgbClr val="FBEEE1"/>
-              </a:solidFill>
-              <a:effectLst>
-                <a:outerShdw blurRad="38100" dist="38100" dir="2700000" algn="tl">
-                  <a:srgbClr val="000000">
-                    <a:alpha val="43137"/>
-                  </a:srgbClr>
-                </a:outerShdw>
-              </a:effectLst>
-              <a:latin typeface="Consolas" pitchFamily="49" charset="0"/>
-              <a:cs typeface="Consolas" pitchFamily="49" charset="0"/>
-            </a:endParaRPr>
-          </a:p>
-          <a:p>
-            <a:r>
-              <a:rPr lang="en-US" sz="3000" b="1" noProof="1">
-                <a:solidFill>
-                  <a:srgbClr val="FBEEE1"/>
-                </a:solidFill>
-                <a:effectLst>
-                  <a:outerShdw blurRad="38100" dist="38100" dir="2700000" algn="tl">
-                    <a:srgbClr val="000000">
-                      <a:alpha val="43137"/>
-                    </a:srgbClr>
-                  </a:outerShdw>
-                </a:effectLst>
-                <a:latin typeface="Consolas" pitchFamily="49" charset="0"/>
-                <a:cs typeface="Consolas" pitchFamily="49" charset="0"/>
-              </a:rPr>
-              <a:t>   </a:t>
-            </a:r>
-            <a:r>
-              <a:rPr lang="en-US" sz="3000" b="1" noProof="1" smtClean="0">
-                <a:solidFill>
-                  <a:srgbClr val="FBEEE1"/>
-                </a:solidFill>
-                <a:effectLst>
-                  <a:outerShdw blurRad="38100" dist="38100" dir="2700000" algn="tl">
-                    <a:srgbClr val="000000">
-                      <a:alpha val="43137"/>
-                    </a:srgbClr>
-                  </a:outerShdw>
-                </a:effectLst>
-                <a:latin typeface="Consolas" pitchFamily="49" charset="0"/>
-                <a:cs typeface="Consolas" pitchFamily="49" charset="0"/>
-              </a:rPr>
-              <a:t>sys.stdout.write(</a:t>
+              <a:t>   print(</a:t>
             </a:r>
             <a:r>
               <a:rPr lang="en-US" sz="3000" b="1" noProof="1" smtClean="0">
@@ -8291,6 +8297,25 @@
               <a:t>stars</a:t>
             </a:r>
             <a:r>
+              <a:rPr lang="en-US" sz="3000" b="1" noProof="1">
+                <a:solidFill>
+                  <a:srgbClr val="FBEEE1"/>
+                </a:solidFill>
+                <a:effectLst>
+                  <a:outerShdw blurRad="38100" dist="38100" dir="2700000" algn="tl">
+                    <a:srgbClr val="000000">
+                      <a:alpha val="43137"/>
+                    </a:srgbClr>
+                  </a:outerShdw>
+                </a:effectLst>
+                <a:latin typeface="Consolas" pitchFamily="49" charset="0"/>
+                <a:cs typeface="Consolas" pitchFamily="49" charset="0"/>
+              </a:rPr>
+              <a:t>, end='')</a:t>
+            </a:r>
+          </a:p>
+          <a:p>
+            <a:r>
               <a:rPr lang="en-US" sz="3000" b="1" noProof="1" smtClean="0">
                 <a:solidFill>
                   <a:srgbClr val="FBEEE1"/>
@@ -8305,57 +8330,7 @@
                 <a:latin typeface="Consolas" pitchFamily="49" charset="0"/>
                 <a:cs typeface="Consolas" pitchFamily="49" charset="0"/>
               </a:rPr>
-              <a:t>)</a:t>
-            </a:r>
-            <a:endParaRPr lang="en-US" sz="3000" b="1" noProof="1">
-              <a:solidFill>
-                <a:srgbClr val="FBEEE1"/>
-              </a:solidFill>
-              <a:effectLst>
-                <a:outerShdw blurRad="38100" dist="38100" dir="2700000" algn="tl">
-                  <a:srgbClr val="000000">
-                    <a:alpha val="43137"/>
-                  </a:srgbClr>
-                </a:outerShdw>
-              </a:effectLst>
-              <a:latin typeface="Consolas" pitchFamily="49" charset="0"/>
-              <a:cs typeface="Consolas" pitchFamily="49" charset="0"/>
-            </a:endParaRPr>
-          </a:p>
-          <a:p>
-            <a:r>
-              <a:rPr lang="en-US" sz="3000" b="1" noProof="1">
-                <a:solidFill>
-                  <a:srgbClr val="FBEEE1"/>
-                </a:solidFill>
-                <a:effectLst>
-                  <a:outerShdw blurRad="38100" dist="38100" dir="2700000" algn="tl">
-                    <a:srgbClr val="000000">
-                      <a:alpha val="43137"/>
-                    </a:srgbClr>
-                  </a:outerShdw>
-                </a:effectLst>
-                <a:latin typeface="Consolas" pitchFamily="49" charset="0"/>
-                <a:cs typeface="Consolas" pitchFamily="49" charset="0"/>
-              </a:rPr>
-              <a:t>   </a:t>
-            </a:r>
-            <a:r>
-              <a:rPr lang="en-US" sz="3000" b="1" noProof="1" smtClean="0">
-                <a:solidFill>
-                  <a:srgbClr val="FBEEE1"/>
-                </a:solidFill>
-                <a:effectLst>
-                  <a:outerShdw blurRad="38100" dist="38100" dir="2700000" algn="tl">
-                    <a:srgbClr val="000000">
-                      <a:alpha val="43137"/>
-                    </a:srgbClr>
-                  </a:outerShdw>
-                </a:effectLst>
-                <a:latin typeface="Consolas" pitchFamily="49" charset="0"/>
-                <a:cs typeface="Consolas" pitchFamily="49" charset="0"/>
-              </a:rPr>
-              <a:t>print(</a:t>
+              <a:t>   print(</a:t>
             </a:r>
             <a:r>
               <a:rPr lang="en-US" sz="3000" b="1" noProof="1" smtClean="0">
@@ -10551,7 +10526,7 @@
         <p:spPr bwMode="auto">
           <a:xfrm>
             <a:off x="760414" y="1095208"/>
-            <a:ext cx="10667998" cy="4526981"/>
+            <a:ext cx="10667998" cy="4650092"/>
           </a:xfrm>
           <a:prstGeom prst="rect">
             <a:avLst/>
@@ -10652,7 +10627,7 @@
                 <a:latin typeface="Consolas" pitchFamily="49" charset="0"/>
                 <a:cs typeface="Consolas" pitchFamily="49" charset="0"/>
               </a:rPr>
-              <a:t>sys.stdout.write('</a:t>
+              <a:t>print('</a:t>
             </a:r>
             <a:r>
               <a:rPr lang="en-US" sz="2600" b="1" noProof="1" smtClean="0">
@@ -10707,11 +10682,30 @@
                 <a:latin typeface="Consolas" pitchFamily="49" charset="0"/>
                 <a:cs typeface="Consolas" pitchFamily="49" charset="0"/>
               </a:rPr>
-              <a:t>2 * n</a:t>
+              <a:t>2 * </a:t>
             </a:r>
             <a:r>
               <a:rPr lang="en-US" sz="2600" b="1" noProof="1" smtClean="0">
                 <a:solidFill>
+                  <a:schemeClr val="tx2">
+                    <a:lumMod val="75000"/>
+                  </a:schemeClr>
+                </a:solidFill>
+                <a:effectLst>
+                  <a:outerShdw blurRad="38100" dist="38100" dir="2700000" algn="tl">
+                    <a:srgbClr val="000000">
+                      <a:alpha val="43137"/>
+                    </a:srgbClr>
+                  </a:outerShdw>
+                </a:effectLst>
+                <a:latin typeface="Consolas" pitchFamily="49" charset="0"/>
+                <a:cs typeface="Consolas" pitchFamily="49" charset="0"/>
+              </a:rPr>
+              <a:t>n</a:t>
+            </a:r>
+            <a:r>
+              <a:rPr lang="en-US" sz="2800" b="1" noProof="1">
+                <a:solidFill>
                   <a:srgbClr val="FBEEE1"/>
                 </a:solidFill>
                 <a:effectLst>
@@ -10724,7 +10718,24 @@
                 <a:latin typeface="Consolas" pitchFamily="49" charset="0"/>
                 <a:cs typeface="Consolas" pitchFamily="49" charset="0"/>
               </a:rPr>
-              <a:t>)</a:t>
+              <a:t>, end</a:t>
+            </a:r>
+            <a:r>
+              <a:rPr lang="en-US" sz="2800" b="1" noProof="1" smtClean="0">
+                <a:solidFill>
+                  <a:srgbClr val="FBEEE1"/>
+                </a:solidFill>
+                <a:effectLst>
+                  <a:outerShdw blurRad="38100" dist="38100" dir="2700000" algn="tl">
+                    <a:srgbClr val="000000">
+                      <a:alpha val="43137"/>
+                    </a:srgbClr>
+                  </a:outerShdw>
+                </a:effectLst>
+                <a:latin typeface="Consolas" pitchFamily="49" charset="0"/>
+                <a:cs typeface="Consolas" pitchFamily="49" charset="0"/>
+              </a:rPr>
+              <a:t>='')</a:t>
             </a:r>
             <a:endParaRPr lang="en-US" sz="2600" b="1" noProof="1">
               <a:solidFill>
@@ -10757,7 +10768,7 @@
                 <a:latin typeface="Consolas" pitchFamily="49" charset="0"/>
                 <a:cs typeface="Consolas" pitchFamily="49" charset="0"/>
               </a:rPr>
-              <a:t>sys.stdout.write('</a:t>
+              <a:t>print('</a:t>
             </a:r>
             <a:r>
               <a:rPr lang="en-US" sz="2600" b="1" noProof="1" smtClean="0">
@@ -10815,7 +10826,7 @@
               <a:t>n</a:t>
             </a:r>
             <a:r>
-              <a:rPr lang="en-US" sz="2600" b="1" noProof="1" smtClean="0">
+              <a:rPr lang="en-US" sz="2800" b="1" noProof="1">
                 <a:solidFill>
                   <a:srgbClr val="FBEEE1"/>
                 </a:solidFill>
@@ -10829,7 +10840,24 @@
                 <a:latin typeface="Consolas" pitchFamily="49" charset="0"/>
                 <a:cs typeface="Consolas" pitchFamily="49" charset="0"/>
               </a:rPr>
-              <a:t>)</a:t>
+              <a:t>, end</a:t>
+            </a:r>
+            <a:r>
+              <a:rPr lang="en-US" sz="2800" b="1" noProof="1" smtClean="0">
+                <a:solidFill>
+                  <a:srgbClr val="FBEEE1"/>
+                </a:solidFill>
+                <a:effectLst>
+                  <a:outerShdw blurRad="38100" dist="38100" dir="2700000" algn="tl">
+                    <a:srgbClr val="000000">
+                      <a:alpha val="43137"/>
+                    </a:srgbClr>
+                  </a:outerShdw>
+                </a:effectLst>
+                <a:latin typeface="Consolas" pitchFamily="49" charset="0"/>
+                <a:cs typeface="Consolas" pitchFamily="49" charset="0"/>
+              </a:rPr>
+              <a:t>='')</a:t>
             </a:r>
             <a:endParaRPr lang="en-US" sz="2600" b="1" noProof="1">
               <a:solidFill>
@@ -11183,7 +11211,7 @@
                 <a:latin typeface="Consolas" pitchFamily="49" charset="0"/>
                 <a:cs typeface="Consolas" pitchFamily="49" charset="0"/>
               </a:rPr>
-              <a:t>sys.stdout.write('</a:t>
+              <a:t>print('</a:t>
             </a:r>
             <a:r>
               <a:rPr lang="en-US" sz="2600" b="1" noProof="1">
@@ -11241,6 +11269,39 @@
               <a:t>2 * n</a:t>
             </a:r>
             <a:r>
+              <a:rPr lang="en-US" sz="2800" b="1" noProof="1">
+                <a:solidFill>
+                  <a:srgbClr val="FBEEE1"/>
+                </a:solidFill>
+                <a:effectLst>
+                  <a:outerShdw blurRad="38100" dist="38100" dir="2700000" algn="tl">
+                    <a:srgbClr val="000000">
+                      <a:alpha val="43137"/>
+                    </a:srgbClr>
+                  </a:outerShdw>
+                </a:effectLst>
+                <a:latin typeface="Consolas" pitchFamily="49" charset="0"/>
+                <a:cs typeface="Consolas" pitchFamily="49" charset="0"/>
+              </a:rPr>
+              <a:t>, end='')</a:t>
+            </a:r>
+            <a:endParaRPr lang="en-US" sz="2600" b="1" noProof="1">
+              <a:solidFill>
+                <a:srgbClr val="FBEEE1"/>
+              </a:solidFill>
+              <a:effectLst>
+                <a:outerShdw blurRad="38100" dist="38100" dir="2700000" algn="tl">
+                  <a:srgbClr val="000000">
+                    <a:alpha val="43137"/>
+                  </a:srgbClr>
+                </a:outerShdw>
+              </a:effectLst>
+              <a:latin typeface="Consolas" pitchFamily="49" charset="0"/>
+              <a:cs typeface="Consolas" pitchFamily="49" charset="0"/>
+            </a:endParaRPr>
+          </a:p>
+          <a:p>
+            <a:r>
               <a:rPr lang="en-US" sz="2600" b="1" noProof="1">
                 <a:solidFill>
                   <a:srgbClr val="FBEEE1"/>
@@ -11255,26 +11316,7 @@
                 <a:latin typeface="Consolas" pitchFamily="49" charset="0"/>
                 <a:cs typeface="Consolas" pitchFamily="49" charset="0"/>
               </a:rPr>
-              <a:t>)</a:t>
-            </a:r>
-          </a:p>
-          <a:p>
-            <a:r>
-              <a:rPr lang="en-US" sz="2600" b="1" noProof="1">
-                <a:solidFill>
-                  <a:srgbClr val="FBEEE1"/>
-                </a:solidFill>
-                <a:effectLst>
-                  <a:outerShdw blurRad="38100" dist="38100" dir="2700000" algn="tl">
-                    <a:srgbClr val="000000">
-                      <a:alpha val="43137"/>
-                    </a:srgbClr>
-                  </a:outerShdw>
-                </a:effectLst>
-                <a:latin typeface="Consolas" pitchFamily="49" charset="0"/>
-                <a:cs typeface="Consolas" pitchFamily="49" charset="0"/>
-              </a:rPr>
-              <a:t>sys.stdout.write('</a:t>
+              <a:t>print('</a:t>
             </a:r>
             <a:r>
               <a:rPr lang="en-US" sz="2600" b="1" noProof="1">
@@ -11332,7 +11374,7 @@
               <a:t>n</a:t>
             </a:r>
             <a:r>
-              <a:rPr lang="en-US" sz="2600" b="1" noProof="1">
+              <a:rPr lang="en-US" sz="2800" b="1" noProof="1">
                 <a:solidFill>
                   <a:srgbClr val="FBEEE1"/>
                 </a:solidFill>
@@ -11346,8 +11388,22 @@
                 <a:latin typeface="Consolas" pitchFamily="49" charset="0"/>
                 <a:cs typeface="Consolas" pitchFamily="49" charset="0"/>
               </a:rPr>
-              <a:t>)</a:t>
-            </a:r>
+              <a:t>, end='')</a:t>
+            </a:r>
+            <a:endParaRPr lang="en-US" sz="2600" b="1" noProof="1">
+              <a:solidFill>
+                <a:srgbClr val="FBEEE1"/>
+              </a:solidFill>
+              <a:effectLst>
+                <a:outerShdw blurRad="38100" dist="38100" dir="2700000" algn="tl">
+                  <a:srgbClr val="000000">
+                    <a:alpha val="43137"/>
+                  </a:srgbClr>
+                </a:outerShdw>
+              </a:effectLst>
+              <a:latin typeface="Consolas" pitchFamily="49" charset="0"/>
+              <a:cs typeface="Consolas" pitchFamily="49" charset="0"/>
+            </a:endParaRPr>
           </a:p>
           <a:p>
             <a:r>
@@ -11921,7 +11977,7 @@
                 <a:latin typeface="Consolas" pitchFamily="49" charset="0"/>
                 <a:cs typeface="Consolas" pitchFamily="49" charset="0"/>
               </a:rPr>
-              <a:t>for (int i = </a:t>
+              <a:t>for </a:t>
             </a:r>
             <a:r>
               <a:rPr lang="nn-NO" sz="2600" b="1" noProof="1" smtClean="0">
@@ -11938,10 +11994,10 @@
                 <a:latin typeface="Consolas" pitchFamily="49" charset="0"/>
                 <a:cs typeface="Consolas" pitchFamily="49" charset="0"/>
               </a:rPr>
-              <a:t>0 </a:t>
-            </a:r>
-            <a:r>
-              <a:rPr lang="nn-NO" sz="2600" b="1" noProof="1">
+              <a:t>i in range(n</a:t>
+            </a:r>
+            <a:r>
+              <a:rPr lang="en-US" sz="2600" b="1" noProof="1" smtClean="0">
                 <a:solidFill>
                   <a:srgbClr val="FBEEE1"/>
                 </a:solidFill>
@@ -11955,58 +12011,7 @@
                 <a:latin typeface="Consolas" pitchFamily="49" charset="0"/>
                 <a:cs typeface="Consolas" pitchFamily="49" charset="0"/>
               </a:rPr>
-              <a:t>i &lt; n - </a:t>
-            </a:r>
-            <a:r>
-              <a:rPr lang="nn-NO" sz="2600" b="1" noProof="1" smtClean="0">
-                <a:solidFill>
-                  <a:srgbClr val="FBEEE1"/>
-                </a:solidFill>
-                <a:effectLst>
-                  <a:outerShdw blurRad="38100" dist="38100" dir="2700000" algn="tl">
-                    <a:srgbClr val="000000">
-                      <a:alpha val="43137"/>
-                    </a:srgbClr>
-                  </a:outerShdw>
-                </a:effectLst>
-                <a:latin typeface="Consolas" pitchFamily="49" charset="0"/>
-                <a:cs typeface="Consolas" pitchFamily="49" charset="0"/>
-              </a:rPr>
-              <a:t>2 </a:t>
-            </a:r>
-            <a:r>
-              <a:rPr lang="nn-NO" sz="2600" b="1" noProof="1">
-                <a:solidFill>
-                  <a:srgbClr val="FBEEE1"/>
-                </a:solidFill>
-                <a:effectLst>
-                  <a:outerShdw blurRad="38100" dist="38100" dir="2700000" algn="tl">
-                    <a:srgbClr val="000000">
-                      <a:alpha val="43137"/>
-                    </a:srgbClr>
-                  </a:outerShdw>
-                </a:effectLst>
-                <a:latin typeface="Consolas" pitchFamily="49" charset="0"/>
-                <a:cs typeface="Consolas" pitchFamily="49" charset="0"/>
-              </a:rPr>
-              <a:t>i</a:t>
-            </a:r>
-            <a:r>
-              <a:rPr lang="nn-NO" sz="2600" b="1" noProof="1" smtClean="0">
-                <a:solidFill>
-                  <a:srgbClr val="FBEEE1"/>
-                </a:solidFill>
-                <a:effectLst>
-                  <a:outerShdw blurRad="38100" dist="38100" dir="2700000" algn="tl">
-                    <a:srgbClr val="000000">
-                      <a:alpha val="43137"/>
-                    </a:srgbClr>
-                  </a:outerShdw>
-                </a:effectLst>
-                <a:latin typeface="Consolas" pitchFamily="49" charset="0"/>
-                <a:cs typeface="Consolas" pitchFamily="49" charset="0"/>
-              </a:rPr>
-              <a:t>++):</a:t>
+              <a:t>-2):</a:t>
             </a:r>
             <a:endParaRPr lang="nn-NO" sz="2600" b="1" noProof="1">
               <a:solidFill>
@@ -12042,7 +12047,7 @@
               <a:t>   </a:t>
             </a:r>
             <a:r>
-              <a:rPr lang="nn-NO" sz="2600" b="1" noProof="1" smtClean="0">
+              <a:rPr lang="nn-NO" sz="2600" b="1" noProof="1">
                 <a:solidFill>
                   <a:schemeClr val="tx2">
                     <a:lumMod val="75000"/>
@@ -12058,7 +12063,26 @@
                 <a:latin typeface="Consolas" pitchFamily="49" charset="0"/>
                 <a:cs typeface="Consolas" pitchFamily="49" charset="0"/>
               </a:rPr>
-              <a:t>// TODO: </a:t>
+              <a:t>#</a:t>
+            </a:r>
+            <a:r>
+              <a:rPr lang="nn-NO" sz="2600" b="1" noProof="1" smtClean="0">
+                <a:solidFill>
+                  <a:schemeClr val="tx2">
+                    <a:lumMod val="75000"/>
+                  </a:schemeClr>
+                </a:solidFill>
+                <a:effectLst>
+                  <a:outerShdw blurRad="38100" dist="38100" dir="2700000" algn="tl">
+                    <a:srgbClr val="000000">
+                      <a:alpha val="43137"/>
+                    </a:srgbClr>
+                  </a:outerShdw>
+                </a:effectLst>
+                <a:latin typeface="Consolas" pitchFamily="49" charset="0"/>
+                <a:cs typeface="Consolas" pitchFamily="49" charset="0"/>
+              </a:rPr>
+              <a:t> TODO: </a:t>
             </a:r>
             <a:r>
               <a:rPr lang="nn-NO" sz="2600" b="1" i="1" noProof="1" smtClean="0">
@@ -12207,7 +12231,7 @@
                 <a:latin typeface="Consolas" pitchFamily="49" charset="0"/>
                 <a:cs typeface="Consolas" pitchFamily="49" charset="0"/>
               </a:rPr>
-              <a:t>== (n-1) / 2 </a:t>
+              <a:t>== (n-1) / 2 -</a:t>
             </a:r>
             <a:r>
               <a:rPr lang="nn-NO" sz="2600" b="1" noProof="1" smtClean="0">
@@ -12224,7 +12248,7 @@
                 <a:latin typeface="Consolas" pitchFamily="49" charset="0"/>
                 <a:cs typeface="Consolas" pitchFamily="49" charset="0"/>
               </a:rPr>
-              <a:t>– 1:</a:t>
+              <a:t> 1:</a:t>
             </a:r>
             <a:endParaRPr lang="nn-NO" sz="2600" b="1" noProof="1">
               <a:solidFill>
@@ -12274,7 +12298,41 @@
                 <a:latin typeface="Consolas" pitchFamily="49" charset="0"/>
                 <a:cs typeface="Consolas" pitchFamily="49" charset="0"/>
               </a:rPr>
-              <a:t>   sys.stdout.write('</a:t>
+              <a:t>   </a:t>
+            </a:r>
+            <a:r>
+              <a:rPr lang="en-US" sz="2600" b="1" noProof="1" smtClean="0">
+                <a:solidFill>
+                  <a:srgbClr val="FBEEE1"/>
+                </a:solidFill>
+                <a:effectLst>
+                  <a:outerShdw blurRad="38100" dist="38100" dir="2700000" algn="tl">
+                    <a:srgbClr val="000000">
+                      <a:alpha val="43137"/>
+                    </a:srgbClr>
+                  </a:outerShdw>
+                </a:effectLst>
+                <a:latin typeface="Consolas" pitchFamily="49" charset="0"/>
+                <a:cs typeface="Consolas" pitchFamily="49" charset="0"/>
+              </a:rPr>
+              <a:t>print</a:t>
+            </a:r>
+            <a:r>
+              <a:rPr lang="nn-NO" sz="2600" b="1" noProof="1" smtClean="0">
+                <a:solidFill>
+                  <a:srgbClr val="FBEEE1"/>
+                </a:solidFill>
+                <a:effectLst>
+                  <a:outerShdw blurRad="38100" dist="38100" dir="2700000" algn="tl">
+                    <a:srgbClr val="000000">
+                      <a:alpha val="43137"/>
+                    </a:srgbClr>
+                  </a:outerShdw>
+                </a:effectLst>
+                <a:latin typeface="Consolas" pitchFamily="49" charset="0"/>
+                <a:cs typeface="Consolas" pitchFamily="49" charset="0"/>
+              </a:rPr>
+              <a:t>('</a:t>
             </a:r>
             <a:r>
               <a:rPr lang="nn-NO" sz="2600" b="1" noProof="1" smtClean="0">
@@ -12310,10 +12368,10 @@
                 <a:latin typeface="Consolas" pitchFamily="49" charset="0"/>
                 <a:cs typeface="Consolas" pitchFamily="49" charset="0"/>
               </a:rPr>
-              <a:t>' * </a:t>
-            </a:r>
-            <a:r>
-              <a:rPr lang="nn-NO" sz="2600" b="1" noProof="1">
+              <a:t>' * n</a:t>
+            </a:r>
+            <a:r>
+              <a:rPr lang="en-US" b="1" noProof="1">
                 <a:solidFill>
                   <a:srgbClr val="FBEEE1"/>
                 </a:solidFill>
@@ -12327,10 +12385,10 @@
                 <a:latin typeface="Consolas" pitchFamily="49" charset="0"/>
                 <a:cs typeface="Consolas" pitchFamily="49" charset="0"/>
               </a:rPr>
-              <a:t>n</a:t>
-            </a:r>
-            <a:r>
-              <a:rPr lang="nn-NO" sz="2600" b="1" noProof="1" smtClean="0">
+              <a:t>, end</a:t>
+            </a:r>
+            <a:r>
+              <a:rPr lang="en-US" b="1" noProof="1" smtClean="0">
                 <a:solidFill>
                   <a:srgbClr val="FBEEE1"/>
                 </a:solidFill>
@@ -12344,7 +12402,7 @@
                 <a:latin typeface="Consolas" pitchFamily="49" charset="0"/>
                 <a:cs typeface="Consolas" pitchFamily="49" charset="0"/>
               </a:rPr>
-              <a:t>)</a:t>
+              <a:t>='')</a:t>
             </a:r>
             <a:endParaRPr lang="nn-NO" sz="2600" b="1" noProof="1">
               <a:solidFill>
@@ -12444,10 +12502,10 @@
                 <a:latin typeface="Consolas" pitchFamily="49" charset="0"/>
                 <a:cs typeface="Consolas" pitchFamily="49" charset="0"/>
               </a:rPr>
-              <a:t>   sys.stdout.write(' ' * </a:t>
-            </a:r>
-            <a:r>
-              <a:rPr lang="nn-NO" sz="2600" b="1" noProof="1">
+              <a:t>   print(' ' * n</a:t>
+            </a:r>
+            <a:r>
+              <a:rPr lang="en-US" b="1" noProof="1">
                 <a:solidFill>
                   <a:srgbClr val="FBEEE1"/>
                 </a:solidFill>
@@ -12461,10 +12519,10 @@
                 <a:latin typeface="Consolas" pitchFamily="49" charset="0"/>
                 <a:cs typeface="Consolas" pitchFamily="49" charset="0"/>
               </a:rPr>
-              <a:t>n</a:t>
-            </a:r>
-            <a:r>
-              <a:rPr lang="nn-NO" sz="2600" b="1" noProof="1" smtClean="0">
+              <a:t>, end</a:t>
+            </a:r>
+            <a:r>
+              <a:rPr lang="en-US" b="1" noProof="1" smtClean="0">
                 <a:solidFill>
                   <a:srgbClr val="FBEEE1"/>
                 </a:solidFill>
@@ -12478,7 +12536,7 @@
                 <a:latin typeface="Consolas" pitchFamily="49" charset="0"/>
                 <a:cs typeface="Consolas" pitchFamily="49" charset="0"/>
               </a:rPr>
-              <a:t>)</a:t>
+              <a:t>='')</a:t>
             </a:r>
             <a:endParaRPr lang="nn-NO" sz="2600" b="1" noProof="1">
               <a:solidFill>
@@ -14360,7 +14418,7 @@
         <p:spPr bwMode="auto">
           <a:xfrm>
             <a:off x="622414" y="895930"/>
-            <a:ext cx="10943998" cy="5727310"/>
+            <a:ext cx="10943998" cy="5788865"/>
           </a:xfrm>
           <a:prstGeom prst="rect">
             <a:avLst/>
@@ -14788,10 +14846,10 @@
                 <a:latin typeface="Consolas" pitchFamily="49" charset="0"/>
                 <a:cs typeface="Consolas" pitchFamily="49" charset="0"/>
               </a:rPr>
-              <a:t>  sys.stdout.write('-' * </a:t>
-            </a:r>
-            <a:r>
-              <a:rPr lang="en-US" sz="2600" b="1" noProof="1">
+              <a:t>  print('-' * padding</a:t>
+            </a:r>
+            <a:r>
+              <a:rPr lang="en-US" sz="2800" b="1" noProof="1">
                 <a:solidFill>
                   <a:srgbClr val="FBEEE1"/>
                 </a:solidFill>
@@ -14805,10 +14863,10 @@
                 <a:latin typeface="Consolas" pitchFamily="49" charset="0"/>
                 <a:cs typeface="Consolas" pitchFamily="49" charset="0"/>
               </a:rPr>
-              <a:t>padding</a:t>
-            </a:r>
-            <a:r>
-              <a:rPr lang="en-US" sz="2600" b="1" noProof="1" smtClean="0">
+              <a:t>, end</a:t>
+            </a:r>
+            <a:r>
+              <a:rPr lang="en-US" sz="2800" b="1" noProof="1" smtClean="0">
                 <a:solidFill>
                   <a:srgbClr val="FBEEE1"/>
                 </a:solidFill>
@@ -14822,7 +14880,7 @@
                 <a:latin typeface="Consolas" pitchFamily="49" charset="0"/>
                 <a:cs typeface="Consolas" pitchFamily="49" charset="0"/>
               </a:rPr>
-              <a:t>)</a:t>
+              <a:t>='')</a:t>
             </a:r>
             <a:endParaRPr lang="en-US" sz="2600" b="1" noProof="1">
               <a:solidFill>
@@ -14855,10 +14913,10 @@
                 <a:latin typeface="Consolas" pitchFamily="49" charset="0"/>
                 <a:cs typeface="Consolas" pitchFamily="49" charset="0"/>
               </a:rPr>
-              <a:t>  sys.stdout.write('*' * </a:t>
-            </a:r>
-            <a:r>
-              <a:rPr lang="en-US" sz="2600" b="1" noProof="1">
+              <a:t>  print('*' * stars</a:t>
+            </a:r>
+            <a:r>
+              <a:rPr lang="en-US" sz="2800" b="1" noProof="1">
                 <a:solidFill>
                   <a:srgbClr val="FBEEE1"/>
                 </a:solidFill>
@@ -14872,10 +14930,10 @@
                 <a:latin typeface="Consolas" pitchFamily="49" charset="0"/>
                 <a:cs typeface="Consolas" pitchFamily="49" charset="0"/>
               </a:rPr>
-              <a:t>stars</a:t>
-            </a:r>
-            <a:r>
-              <a:rPr lang="en-US" sz="2600" b="1" noProof="1" smtClean="0">
+              <a:t>, end</a:t>
+            </a:r>
+            <a:r>
+              <a:rPr lang="en-US" sz="2800" b="1" noProof="1" smtClean="0">
                 <a:solidFill>
                   <a:srgbClr val="FBEEE1"/>
                 </a:solidFill>
@@ -14889,7 +14947,7 @@
                 <a:latin typeface="Consolas" pitchFamily="49" charset="0"/>
                 <a:cs typeface="Consolas" pitchFamily="49" charset="0"/>
               </a:rPr>
-              <a:t>)</a:t>
+              <a:t>='')</a:t>
             </a:r>
             <a:endParaRPr lang="en-US" sz="2600" b="1" noProof="1">
               <a:solidFill>
@@ -19230,7 +19288,7 @@
         <p:spPr bwMode="auto">
           <a:xfrm>
             <a:off x="760414" y="1143000"/>
-            <a:ext cx="10667998" cy="5388756"/>
+            <a:ext cx="10667998" cy="5450311"/>
           </a:xfrm>
           <a:prstGeom prst="rect">
             <a:avLst/>
@@ -19460,8 +19518,116 @@
                 <a:latin typeface="Consolas" pitchFamily="49" charset="0"/>
                 <a:cs typeface="Consolas" pitchFamily="49" charset="0"/>
               </a:rPr>
-              <a:t>  sys.stdout.write('-' * leftRight)</a:t>
-            </a:r>
+              <a:t>  print('-' * leftRight, </a:t>
+            </a:r>
+            <a:r>
+              <a:rPr lang="en-US" b="1" noProof="1">
+                <a:solidFill>
+                  <a:srgbClr val="FBEEE1"/>
+                </a:solidFill>
+                <a:effectLst>
+                  <a:outerShdw blurRad="38100" dist="38100" dir="2700000" algn="tl">
+                    <a:srgbClr val="000000">
+                      <a:alpha val="43137"/>
+                    </a:srgbClr>
+                  </a:outerShdw>
+                </a:effectLst>
+                <a:latin typeface="Consolas" pitchFamily="49" charset="0"/>
+                <a:cs typeface="Consolas" pitchFamily="49" charset="0"/>
+              </a:rPr>
+              <a:t>end='')</a:t>
+            </a:r>
+          </a:p>
+          <a:p>
+            <a:r>
+              <a:rPr lang="en-US" b="1" noProof="1" smtClean="0">
+                <a:solidFill>
+                  <a:srgbClr val="FBEEE1"/>
+                </a:solidFill>
+                <a:effectLst>
+                  <a:outerShdw blurRad="38100" dist="38100" dir="2700000" algn="tl">
+                    <a:srgbClr val="000000">
+                      <a:alpha val="43137"/>
+                    </a:srgbClr>
+                  </a:outerShdw>
+                </a:effectLst>
+                <a:latin typeface="Consolas" pitchFamily="49" charset="0"/>
+                <a:cs typeface="Consolas" pitchFamily="49" charset="0"/>
+              </a:rPr>
+              <a:t>  print('*', </a:t>
+            </a:r>
+            <a:r>
+              <a:rPr lang="en-US" b="1" noProof="1">
+                <a:solidFill>
+                  <a:srgbClr val="FBEEE1"/>
+                </a:solidFill>
+                <a:effectLst>
+                  <a:outerShdw blurRad="38100" dist="38100" dir="2700000" algn="tl">
+                    <a:srgbClr val="000000">
+                      <a:alpha val="43137"/>
+                    </a:srgbClr>
+                  </a:outerShdw>
+                </a:effectLst>
+                <a:latin typeface="Consolas" pitchFamily="49" charset="0"/>
+                <a:cs typeface="Consolas" pitchFamily="49" charset="0"/>
+              </a:rPr>
+              <a:t>end='')</a:t>
+            </a:r>
+          </a:p>
+          <a:p>
+            <a:r>
+              <a:rPr lang="en-US" b="1" noProof="1" smtClean="0">
+                <a:solidFill>
+                  <a:srgbClr val="FBEEE1"/>
+                </a:solidFill>
+                <a:effectLst>
+                  <a:outerShdw blurRad="38100" dist="38100" dir="2700000" algn="tl">
+                    <a:srgbClr val="000000">
+                      <a:alpha val="43137"/>
+                    </a:srgbClr>
+                  </a:outerShdw>
+                </a:effectLst>
+                <a:latin typeface="Consolas" pitchFamily="49" charset="0"/>
+                <a:cs typeface="Consolas" pitchFamily="49" charset="0"/>
+              </a:rPr>
+              <a:t>  mid </a:t>
+            </a:r>
+            <a:r>
+              <a:rPr lang="en-US" b="1" noProof="1">
+                <a:solidFill>
+                  <a:srgbClr val="FBEEE1"/>
+                </a:solidFill>
+                <a:effectLst>
+                  <a:outerShdw blurRad="38100" dist="38100" dir="2700000" algn="tl">
+                    <a:srgbClr val="000000">
+                      <a:alpha val="43137"/>
+                    </a:srgbClr>
+                  </a:outerShdw>
+                </a:effectLst>
+                <a:latin typeface="Consolas" pitchFamily="49" charset="0"/>
+                <a:cs typeface="Consolas" pitchFamily="49" charset="0"/>
+              </a:rPr>
+              <a:t>= n - 2 * </a:t>
+            </a:r>
+            <a:r>
+              <a:rPr lang="en-US" b="1" noProof="1" smtClean="0">
+                <a:solidFill>
+                  <a:srgbClr val="FBEEE1"/>
+                </a:solidFill>
+                <a:effectLst>
+                  <a:outerShdw blurRad="38100" dist="38100" dir="2700000" algn="tl">
+                    <a:srgbClr val="000000">
+                      <a:alpha val="43137"/>
+                    </a:srgbClr>
+                  </a:outerShdw>
+                </a:effectLst>
+                <a:latin typeface="Consolas" pitchFamily="49" charset="0"/>
+                <a:cs typeface="Consolas" pitchFamily="49" charset="0"/>
+              </a:rPr>
+              <a:t>leftRight - 2</a:t>
+            </a:r>
+          </a:p>
+          <a:p>
             <a:endParaRPr lang="en-US" b="1" noProof="1">
               <a:solidFill>
                 <a:srgbClr val="FBEEE1"/>
@@ -19493,8 +19659,181 @@
                 <a:latin typeface="Consolas" pitchFamily="49" charset="0"/>
                 <a:cs typeface="Consolas" pitchFamily="49" charset="0"/>
               </a:rPr>
-              <a:t>  sys.stdout.write('*')</a:t>
-            </a:r>
+              <a:t>  </a:t>
+            </a:r>
+            <a:r>
+              <a:rPr lang="en-US" b="1" noProof="1">
+                <a:solidFill>
+                  <a:srgbClr val="FBEEE1"/>
+                </a:solidFill>
+                <a:effectLst>
+                  <a:outerShdw blurRad="38100" dist="38100" dir="2700000" algn="tl">
+                    <a:srgbClr val="000000">
+                      <a:alpha val="43137"/>
+                    </a:srgbClr>
+                  </a:outerShdw>
+                </a:effectLst>
+                <a:latin typeface="Consolas" pitchFamily="49" charset="0"/>
+                <a:cs typeface="Consolas" pitchFamily="49" charset="0"/>
+              </a:rPr>
+              <a:t>if </a:t>
+            </a:r>
+            <a:r>
+              <a:rPr lang="en-US" b="1" noProof="1" smtClean="0">
+                <a:solidFill>
+                  <a:srgbClr val="FBEEE1"/>
+                </a:solidFill>
+                <a:effectLst>
+                  <a:outerShdw blurRad="38100" dist="38100" dir="2700000" algn="tl">
+                    <a:srgbClr val="000000">
+                      <a:alpha val="43137"/>
+                    </a:srgbClr>
+                  </a:outerShdw>
+                </a:effectLst>
+                <a:latin typeface="Consolas" pitchFamily="49" charset="0"/>
+                <a:cs typeface="Consolas" pitchFamily="49" charset="0"/>
+              </a:rPr>
+              <a:t>mid </a:t>
+            </a:r>
+            <a:r>
+              <a:rPr lang="en-US" b="1" noProof="1">
+                <a:solidFill>
+                  <a:srgbClr val="FBEEE1"/>
+                </a:solidFill>
+                <a:effectLst>
+                  <a:outerShdw blurRad="38100" dist="38100" dir="2700000" algn="tl">
+                    <a:srgbClr val="000000">
+                      <a:alpha val="43137"/>
+                    </a:srgbClr>
+                  </a:outerShdw>
+                </a:effectLst>
+                <a:latin typeface="Consolas" pitchFamily="49" charset="0"/>
+                <a:cs typeface="Consolas" pitchFamily="49" charset="0"/>
+              </a:rPr>
+              <a:t>&gt;= </a:t>
+            </a:r>
+            <a:r>
+              <a:rPr lang="en-US" b="1" noProof="1" smtClean="0">
+                <a:solidFill>
+                  <a:srgbClr val="FBEEE1"/>
+                </a:solidFill>
+                <a:effectLst>
+                  <a:outerShdw blurRad="38100" dist="38100" dir="2700000" algn="tl">
+                    <a:srgbClr val="000000">
+                      <a:alpha val="43137"/>
+                    </a:srgbClr>
+                  </a:outerShdw>
+                </a:effectLst>
+                <a:latin typeface="Consolas" pitchFamily="49" charset="0"/>
+                <a:cs typeface="Consolas" pitchFamily="49" charset="0"/>
+              </a:rPr>
+              <a:t>0</a:t>
+            </a:r>
+            <a:r>
+              <a:rPr lang="en-US" b="1" noProof="1">
+                <a:solidFill>
+                  <a:srgbClr val="FBEEE1"/>
+                </a:solidFill>
+                <a:effectLst>
+                  <a:outerShdw blurRad="38100" dist="38100" dir="2700000" algn="tl">
+                    <a:srgbClr val="000000">
+                      <a:alpha val="43137"/>
+                    </a:srgbClr>
+                  </a:outerShdw>
+                </a:effectLst>
+                <a:latin typeface="Consolas" pitchFamily="49" charset="0"/>
+                <a:cs typeface="Consolas" pitchFamily="49" charset="0"/>
+              </a:rPr>
+              <a:t>:</a:t>
+            </a:r>
+          </a:p>
+          <a:p>
+            <a:r>
+              <a:rPr lang="en-US" b="1" noProof="1" smtClean="0">
+                <a:solidFill>
+                  <a:srgbClr val="FBEEE1"/>
+                </a:solidFill>
+                <a:effectLst>
+                  <a:outerShdw blurRad="38100" dist="38100" dir="2700000" algn="tl">
+                    <a:srgbClr val="000000">
+                      <a:alpha val="43137"/>
+                    </a:srgbClr>
+                  </a:outerShdw>
+                </a:effectLst>
+                <a:latin typeface="Consolas" pitchFamily="49" charset="0"/>
+                <a:cs typeface="Consolas" pitchFamily="49" charset="0"/>
+              </a:rPr>
+              <a:t>    print('-' * mid, </a:t>
+            </a:r>
+            <a:r>
+              <a:rPr lang="en-US" b="1" noProof="1">
+                <a:solidFill>
+                  <a:srgbClr val="FBEEE1"/>
+                </a:solidFill>
+                <a:effectLst>
+                  <a:outerShdw blurRad="38100" dist="38100" dir="2700000" algn="tl">
+                    <a:srgbClr val="000000">
+                      <a:alpha val="43137"/>
+                    </a:srgbClr>
+                  </a:outerShdw>
+                </a:effectLst>
+                <a:latin typeface="Consolas" pitchFamily="49" charset="0"/>
+                <a:cs typeface="Consolas" pitchFamily="49" charset="0"/>
+              </a:rPr>
+              <a:t>end='')</a:t>
+            </a:r>
+          </a:p>
+          <a:p>
+            <a:r>
+              <a:rPr lang="en-US" b="1" noProof="1" smtClean="0">
+                <a:solidFill>
+                  <a:srgbClr val="FBEEE1"/>
+                </a:solidFill>
+                <a:effectLst>
+                  <a:outerShdw blurRad="38100" dist="38100" dir="2700000" algn="tl">
+                    <a:srgbClr val="000000">
+                      <a:alpha val="43137"/>
+                    </a:srgbClr>
+                  </a:outerShdw>
+                </a:effectLst>
+                <a:latin typeface="Consolas" pitchFamily="49" charset="0"/>
+                <a:cs typeface="Consolas" pitchFamily="49" charset="0"/>
+              </a:rPr>
+              <a:t>    print('*', </a:t>
+            </a:r>
+            <a:r>
+              <a:rPr lang="en-US" b="1" noProof="1">
+                <a:solidFill>
+                  <a:srgbClr val="FBEEE1"/>
+                </a:solidFill>
+                <a:effectLst>
+                  <a:outerShdw blurRad="38100" dist="38100" dir="2700000" algn="tl">
+                    <a:srgbClr val="000000">
+                      <a:alpha val="43137"/>
+                    </a:srgbClr>
+                  </a:outerShdw>
+                </a:effectLst>
+                <a:latin typeface="Consolas" pitchFamily="49" charset="0"/>
+                <a:cs typeface="Consolas" pitchFamily="49" charset="0"/>
+              </a:rPr>
+              <a:t>end='')</a:t>
+            </a:r>
+            <a:endParaRPr lang="en-US" b="1" noProof="1" smtClean="0">
+              <a:solidFill>
+                <a:srgbClr val="FBEEE1"/>
+              </a:solidFill>
+              <a:effectLst>
+                <a:outerShdw blurRad="38100" dist="38100" dir="2700000" algn="tl">
+                  <a:srgbClr val="000000">
+                    <a:alpha val="43137"/>
+                  </a:srgbClr>
+                </a:outerShdw>
+              </a:effectLst>
+              <a:latin typeface="Consolas" pitchFamily="49" charset="0"/>
+              <a:cs typeface="Consolas" pitchFamily="49" charset="0"/>
+            </a:endParaRPr>
+          </a:p>
+          <a:p>
             <a:endParaRPr lang="en-US" b="1" noProof="1">
               <a:solidFill>
                 <a:srgbClr val="FBEEE1"/>
@@ -19526,10 +19865,10 @@
                 <a:latin typeface="Consolas" pitchFamily="49" charset="0"/>
                 <a:cs typeface="Consolas" pitchFamily="49" charset="0"/>
               </a:rPr>
-              <a:t>  mid </a:t>
-            </a:r>
-            <a:r>
-              <a:rPr lang="en-US" b="1" noProof="1">
+              <a:t>  print('-' * leftRight</a:t>
+            </a:r>
+            <a:r>
+              <a:rPr lang="bg-BG" b="1" noProof="1">
                 <a:solidFill>
                   <a:srgbClr val="FBEEE1"/>
                 </a:solidFill>
@@ -19543,231 +19882,7 @@
                 <a:latin typeface="Consolas" pitchFamily="49" charset="0"/>
                 <a:cs typeface="Consolas" pitchFamily="49" charset="0"/>
               </a:rPr>
-              <a:t>= n - 2 * </a:t>
-            </a:r>
-            <a:r>
-              <a:rPr lang="en-US" b="1" noProof="1" smtClean="0">
-                <a:solidFill>
-                  <a:srgbClr val="FBEEE1"/>
-                </a:solidFill>
-                <a:effectLst>
-                  <a:outerShdw blurRad="38100" dist="38100" dir="2700000" algn="tl">
-                    <a:srgbClr val="000000">
-                      <a:alpha val="43137"/>
-                    </a:srgbClr>
-                  </a:outerShdw>
-                </a:effectLst>
-                <a:latin typeface="Consolas" pitchFamily="49" charset="0"/>
-                <a:cs typeface="Consolas" pitchFamily="49" charset="0"/>
-              </a:rPr>
-              <a:t>leftRight – 2</a:t>
-            </a:r>
-          </a:p>
-          <a:p>
-            <a:endParaRPr lang="en-US" b="1" noProof="1">
-              <a:solidFill>
-                <a:srgbClr val="FBEEE1"/>
-              </a:solidFill>
-              <a:effectLst>
-                <a:outerShdw blurRad="38100" dist="38100" dir="2700000" algn="tl">
-                  <a:srgbClr val="000000">
-                    <a:alpha val="43137"/>
-                  </a:srgbClr>
-                </a:outerShdw>
-              </a:effectLst>
-              <a:latin typeface="Consolas" pitchFamily="49" charset="0"/>
-              <a:cs typeface="Consolas" pitchFamily="49" charset="0"/>
-            </a:endParaRPr>
-          </a:p>
-          <a:p>
-            <a:r>
-              <a:rPr lang="en-US" b="1" noProof="1" smtClean="0">
-                <a:solidFill>
-                  <a:srgbClr val="FBEEE1"/>
-                </a:solidFill>
-                <a:effectLst>
-                  <a:outerShdw blurRad="38100" dist="38100" dir="2700000" algn="tl">
-                    <a:srgbClr val="000000">
-                      <a:alpha val="43137"/>
-                    </a:srgbClr>
-                  </a:outerShdw>
-                </a:effectLst>
-                <a:latin typeface="Consolas" pitchFamily="49" charset="0"/>
-                <a:cs typeface="Consolas" pitchFamily="49" charset="0"/>
-              </a:rPr>
-              <a:t>  </a:t>
-            </a:r>
-            <a:r>
-              <a:rPr lang="en-US" b="1" noProof="1">
-                <a:solidFill>
-                  <a:srgbClr val="FBEEE1"/>
-                </a:solidFill>
-                <a:effectLst>
-                  <a:outerShdw blurRad="38100" dist="38100" dir="2700000" algn="tl">
-                    <a:srgbClr val="000000">
-                      <a:alpha val="43137"/>
-                    </a:srgbClr>
-                  </a:outerShdw>
-                </a:effectLst>
-                <a:latin typeface="Consolas" pitchFamily="49" charset="0"/>
-                <a:cs typeface="Consolas" pitchFamily="49" charset="0"/>
-              </a:rPr>
-              <a:t>if </a:t>
-            </a:r>
-            <a:r>
-              <a:rPr lang="en-US" b="1" noProof="1" smtClean="0">
-                <a:solidFill>
-                  <a:srgbClr val="FBEEE1"/>
-                </a:solidFill>
-                <a:effectLst>
-                  <a:outerShdw blurRad="38100" dist="38100" dir="2700000" algn="tl">
-                    <a:srgbClr val="000000">
-                      <a:alpha val="43137"/>
-                    </a:srgbClr>
-                  </a:outerShdw>
-                </a:effectLst>
-                <a:latin typeface="Consolas" pitchFamily="49" charset="0"/>
-                <a:cs typeface="Consolas" pitchFamily="49" charset="0"/>
-              </a:rPr>
-              <a:t>mid </a:t>
-            </a:r>
-            <a:r>
-              <a:rPr lang="en-US" b="1" noProof="1">
-                <a:solidFill>
-                  <a:srgbClr val="FBEEE1"/>
-                </a:solidFill>
-                <a:effectLst>
-                  <a:outerShdw blurRad="38100" dist="38100" dir="2700000" algn="tl">
-                    <a:srgbClr val="000000">
-                      <a:alpha val="43137"/>
-                    </a:srgbClr>
-                  </a:outerShdw>
-                </a:effectLst>
-                <a:latin typeface="Consolas" pitchFamily="49" charset="0"/>
-                <a:cs typeface="Consolas" pitchFamily="49" charset="0"/>
-              </a:rPr>
-              <a:t>&gt;= </a:t>
-            </a:r>
-            <a:r>
-              <a:rPr lang="en-US" b="1" noProof="1" smtClean="0">
-                <a:solidFill>
-                  <a:srgbClr val="FBEEE1"/>
-                </a:solidFill>
-                <a:effectLst>
-                  <a:outerShdw blurRad="38100" dist="38100" dir="2700000" algn="tl">
-                    <a:srgbClr val="000000">
-                      <a:alpha val="43137"/>
-                    </a:srgbClr>
-                  </a:outerShdw>
-                </a:effectLst>
-                <a:latin typeface="Consolas" pitchFamily="49" charset="0"/>
-                <a:cs typeface="Consolas" pitchFamily="49" charset="0"/>
-              </a:rPr>
-              <a:t>0</a:t>
-            </a:r>
-            <a:r>
-              <a:rPr lang="en-US" b="1" noProof="1">
-                <a:solidFill>
-                  <a:srgbClr val="FBEEE1"/>
-                </a:solidFill>
-                <a:effectLst>
-                  <a:outerShdw blurRad="38100" dist="38100" dir="2700000" algn="tl">
-                    <a:srgbClr val="000000">
-                      <a:alpha val="43137"/>
-                    </a:srgbClr>
-                  </a:outerShdw>
-                </a:effectLst>
-                <a:latin typeface="Consolas" pitchFamily="49" charset="0"/>
-                <a:cs typeface="Consolas" pitchFamily="49" charset="0"/>
-              </a:rPr>
-              <a:t>:</a:t>
-            </a:r>
-          </a:p>
-          <a:p>
-            <a:r>
-              <a:rPr lang="en-US" b="1" noProof="1" smtClean="0">
-                <a:solidFill>
-                  <a:srgbClr val="FBEEE1"/>
-                </a:solidFill>
-                <a:effectLst>
-                  <a:outerShdw blurRad="38100" dist="38100" dir="2700000" algn="tl">
-                    <a:srgbClr val="000000">
-                      <a:alpha val="43137"/>
-                    </a:srgbClr>
-                  </a:outerShdw>
-                </a:effectLst>
-                <a:latin typeface="Consolas" pitchFamily="49" charset="0"/>
-                <a:cs typeface="Consolas" pitchFamily="49" charset="0"/>
-              </a:rPr>
-              <a:t>    sys.stdout.write('-' * mid)</a:t>
-            </a:r>
-            <a:endParaRPr lang="en-US" b="1" noProof="1">
-              <a:solidFill>
-                <a:srgbClr val="FBEEE1"/>
-              </a:solidFill>
-              <a:effectLst>
-                <a:outerShdw blurRad="38100" dist="38100" dir="2700000" algn="tl">
-                  <a:srgbClr val="000000">
-                    <a:alpha val="43137"/>
-                  </a:srgbClr>
-                </a:outerShdw>
-              </a:effectLst>
-              <a:latin typeface="Consolas" pitchFamily="49" charset="0"/>
-              <a:cs typeface="Consolas" pitchFamily="49" charset="0"/>
-            </a:endParaRPr>
-          </a:p>
-          <a:p>
-            <a:r>
-              <a:rPr lang="en-US" b="1" noProof="1" smtClean="0">
-                <a:solidFill>
-                  <a:srgbClr val="FBEEE1"/>
-                </a:solidFill>
-                <a:effectLst>
-                  <a:outerShdw blurRad="38100" dist="38100" dir="2700000" algn="tl">
-                    <a:srgbClr val="000000">
-                      <a:alpha val="43137"/>
-                    </a:srgbClr>
-                  </a:outerShdw>
-                </a:effectLst>
-                <a:latin typeface="Consolas" pitchFamily="49" charset="0"/>
-                <a:cs typeface="Consolas" pitchFamily="49" charset="0"/>
-              </a:rPr>
-              <a:t>    sys.stdout.write('*')</a:t>
-            </a:r>
-          </a:p>
-          <a:p>
-            <a:endParaRPr lang="en-US" b="1" noProof="1">
-              <a:solidFill>
-                <a:srgbClr val="FBEEE1"/>
-              </a:solidFill>
-              <a:effectLst>
-                <a:outerShdw blurRad="38100" dist="38100" dir="2700000" algn="tl">
-                  <a:srgbClr val="000000">
-                    <a:alpha val="43137"/>
-                  </a:srgbClr>
-                </a:outerShdw>
-              </a:effectLst>
-              <a:latin typeface="Consolas" pitchFamily="49" charset="0"/>
-              <a:cs typeface="Consolas" pitchFamily="49" charset="0"/>
-            </a:endParaRPr>
-          </a:p>
-          <a:p>
-            <a:r>
-              <a:rPr lang="en-US" b="1" noProof="1" smtClean="0">
-                <a:solidFill>
-                  <a:srgbClr val="FBEEE1"/>
-                </a:solidFill>
-                <a:effectLst>
-                  <a:outerShdw blurRad="38100" dist="38100" dir="2700000" algn="tl">
-                    <a:srgbClr val="000000">
-                      <a:alpha val="43137"/>
-                    </a:srgbClr>
-                  </a:outerShdw>
-                </a:effectLst>
-                <a:latin typeface="Consolas" pitchFamily="49" charset="0"/>
-                <a:cs typeface="Consolas" pitchFamily="49" charset="0"/>
-              </a:rPr>
-              <a:t>  print('-' * leftRight)</a:t>
+              <a:t>)</a:t>
             </a:r>
             <a:endParaRPr lang="en-US" b="1" noProof="1">
               <a:solidFill>
@@ -19942,7 +20057,7 @@
         </p:nvSpPr>
         <p:spPr bwMode="auto">
           <a:xfrm>
-            <a:off x="9192854" y="3175716"/>
+            <a:off x="9192854" y="3490567"/>
             <a:ext cx="1949700" cy="1929783"/>
           </a:xfrm>
           <a:prstGeom prst="rect">
@@ -19982,6 +20097,23 @@
             <a:r>
               <a:rPr lang="en-US" sz="2800" b="1" noProof="1" smtClean="0">
                 <a:solidFill>
+                  <a:srgbClr val="FBEEDC"/>
+                </a:solidFill>
+                <a:effectLst>
+                  <a:outerShdw blurRad="38100" dist="38100" dir="2700000" algn="tl">
+                    <a:srgbClr val="000000">
+                      <a:alpha val="43137"/>
+                    </a:srgbClr>
+                  </a:outerShdw>
+                </a:effectLst>
+                <a:latin typeface="Consolas" pitchFamily="49" charset="0"/>
+                <a:cs typeface="Consolas" pitchFamily="49" charset="0"/>
+              </a:rPr>
+              <a:t>-</a:t>
+            </a:r>
+            <a:r>
+              <a:rPr lang="en-US" sz="2800" b="1" noProof="1" smtClean="0">
+                <a:solidFill>
                   <a:schemeClr val="tx2">
                     <a:lumMod val="75000"/>
                   </a:schemeClr>
@@ -20013,7 +20145,7 @@
                 <a:latin typeface="Consolas" pitchFamily="49" charset="0"/>
                 <a:cs typeface="Consolas" pitchFamily="49" charset="0"/>
               </a:rPr>
-              <a:t>-----</a:t>
+              <a:t>---</a:t>
             </a:r>
             <a:r>
               <a:rPr lang="en-US" sz="2800" b="1" noProof="1" smtClean="0">
@@ -20034,11 +20166,26 @@
               </a:rPr>
               <a:t>*</a:t>
             </a:r>
+            <a:r>
+              <a:rPr lang="en-US" sz="2800" b="1" noProof="1" smtClean="0">
+                <a:solidFill>
+                  <a:srgbClr val="FBEEDC"/>
+                </a:solidFill>
+                <a:effectLst>
+                  <a:outerShdw blurRad="38100" dist="38100" dir="2700000" algn="tl">
+                    <a:srgbClr val="000000">
+                      <a:alpha val="43137"/>
+                    </a:srgbClr>
+                  </a:outerShdw>
+                </a:effectLst>
+                <a:latin typeface="Consolas" pitchFamily="49" charset="0"/>
+                <a:cs typeface="Consolas" pitchFamily="49" charset="0"/>
+              </a:rPr>
+              <a:t>-</a:t>
+            </a:r>
             <a:endParaRPr lang="en-US" sz="2800" b="1" noProof="1">
               <a:solidFill>
-                <a:schemeClr val="tx2">
-                  <a:lumMod val="75000"/>
-                </a:schemeClr>
+                <a:srgbClr val="FBEEDC"/>
               </a:solidFill>
               <a:effectLst>
                 <a:outerShdw blurRad="38100" dist="38100" dir="2700000" algn="tl">
@@ -20050,106 +20197,6 @@
               <a:latin typeface="Consolas" pitchFamily="49" charset="0"/>
               <a:cs typeface="Consolas" pitchFamily="49" charset="0"/>
             </a:endParaRPr>
-          </a:p>
-          <a:p>
-            <a:pPr algn="ctr" eaLnBrk="0" hangingPunct="0">
-              <a:buClr>
-                <a:schemeClr val="accent5">
-                  <a:lumMod val="40000"/>
-                  <a:lumOff val="60000"/>
-                </a:schemeClr>
-              </a:buClr>
-              <a:buSzPct val="70000"/>
-            </a:pPr>
-            <a:r>
-              <a:rPr lang="en-US" sz="2800" b="1" noProof="1">
-                <a:solidFill>
-                  <a:srgbClr val="FBEEDC"/>
-                </a:solidFill>
-                <a:effectLst>
-                  <a:outerShdw blurRad="38100" dist="38100" dir="2700000" algn="tl">
-                    <a:srgbClr val="000000">
-                      <a:alpha val="43137"/>
-                    </a:srgbClr>
-                  </a:outerShdw>
-                </a:effectLst>
-                <a:latin typeface="Consolas" pitchFamily="49" charset="0"/>
-                <a:cs typeface="Consolas" pitchFamily="49" charset="0"/>
-              </a:rPr>
-              <a:t>-</a:t>
-            </a:r>
-            <a:r>
-              <a:rPr lang="en-US" sz="2800" b="1" noProof="1">
-                <a:solidFill>
-                  <a:schemeClr val="tx2">
-                    <a:lumMod val="75000"/>
-                  </a:schemeClr>
-                </a:solidFill>
-                <a:effectLst>
-                  <a:outerShdw blurRad="38100" dist="38100" dir="2700000" algn="tl">
-                    <a:srgbClr val="000000">
-                      <a:alpha val="43137"/>
-                    </a:srgbClr>
-                  </a:outerShdw>
-                </a:effectLst>
-                <a:latin typeface="Consolas" pitchFamily="49" charset="0"/>
-                <a:cs typeface="Consolas" pitchFamily="49" charset="0"/>
-              </a:rPr>
-              <a:t>*</a:t>
-            </a:r>
-            <a:r>
-              <a:rPr lang="en-US" sz="2800" b="1" noProof="1">
-                <a:solidFill>
-                  <a:srgbClr val="FBEEDC"/>
-                </a:solidFill>
-                <a:effectLst>
-                  <a:outerShdw blurRad="38100" dist="38100" dir="2700000" algn="tl">
-                    <a:srgbClr val="000000">
-                      <a:alpha val="43137"/>
-                    </a:srgbClr>
-                  </a:outerShdw>
-                </a:effectLst>
-                <a:latin typeface="Consolas" pitchFamily="49" charset="0"/>
-                <a:cs typeface="Consolas" pitchFamily="49" charset="0"/>
-              </a:rPr>
-              <a:t>---</a:t>
-            </a:r>
-            <a:r>
-              <a:rPr lang="en-US" sz="2800" b="1" noProof="1">
-                <a:solidFill>
-                  <a:schemeClr val="tx2">
-                    <a:lumMod val="75000"/>
-                  </a:schemeClr>
-                </a:solidFill>
-                <a:effectLst>
-                  <a:outerShdw blurRad="38100" dist="38100" dir="2700000" algn="tl">
-                    <a:srgbClr val="000000">
-                      <a:alpha val="43137"/>
-                    </a:srgbClr>
-                  </a:outerShdw>
-                </a:effectLst>
-                <a:latin typeface="Consolas" pitchFamily="49" charset="0"/>
-                <a:cs typeface="Consolas" pitchFamily="49" charset="0"/>
-              </a:rPr>
-              <a:t>*</a:t>
-            </a:r>
-            <a:r>
-              <a:rPr lang="en-US" sz="2800" b="1" noProof="1">
-                <a:solidFill>
-                  <a:srgbClr val="FBEEDC"/>
-                </a:solidFill>
-                <a:effectLst>
-                  <a:outerShdw blurRad="38100" dist="38100" dir="2700000" algn="tl">
-                    <a:srgbClr val="000000">
-                      <a:alpha val="43137"/>
-                    </a:srgbClr>
-                  </a:outerShdw>
-                </a:effectLst>
-                <a:latin typeface="Consolas" pitchFamily="49" charset="0"/>
-                <a:cs typeface="Consolas" pitchFamily="49" charset="0"/>
-              </a:rPr>
-              <a:t>-</a:t>
-            </a:r>
           </a:p>
           <a:p>
             <a:pPr algn="ctr" eaLnBrk="0" hangingPunct="0">
@@ -20328,7 +20375,7 @@
         <p:spPr bwMode="auto">
           <a:xfrm>
             <a:off x="9192854" y="1447800"/>
-            <a:ext cx="1949700" cy="1437925"/>
+            <a:ext cx="1949700" cy="1905000"/>
           </a:xfrm>
           <a:prstGeom prst="rect">
             <a:avLst/>
@@ -20631,9 +20678,91 @@
               </a:rPr>
               <a:t>-</a:t>
             </a:r>
+            <a:endParaRPr lang="bg-BG" sz="2800" b="1" noProof="1" smtClean="0">
+              <a:solidFill>
+                <a:srgbClr val="FBEEDC"/>
+              </a:solidFill>
+              <a:effectLst>
+                <a:outerShdw blurRad="38100" dist="38100" dir="2700000" algn="tl">
+                  <a:srgbClr val="000000">
+                    <a:alpha val="43137"/>
+                  </a:srgbClr>
+                </a:outerShdw>
+              </a:effectLst>
+              <a:latin typeface="Consolas" pitchFamily="49" charset="0"/>
+              <a:cs typeface="Consolas" pitchFamily="49" charset="0"/>
+            </a:endParaRPr>
+          </a:p>
+          <a:p>
+            <a:pPr algn="ctr" eaLnBrk="0" hangingPunct="0">
+              <a:buClr>
+                <a:schemeClr val="accent5">
+                  <a:lumMod val="40000"/>
+                  <a:lumOff val="60000"/>
+                </a:schemeClr>
+              </a:buClr>
+              <a:buSzPct val="70000"/>
+            </a:pPr>
+            <a:r>
+              <a:rPr lang="en-US" sz="2800" b="1" noProof="1" smtClean="0">
+                <a:solidFill>
+                  <a:schemeClr val="tx2">
+                    <a:lumMod val="75000"/>
+                  </a:schemeClr>
+                </a:solidFill>
+                <a:effectLst>
+                  <a:outerShdw blurRad="38100" dist="38100" dir="2700000" algn="tl">
+                    <a:srgbClr val="000000">
+                      <a:alpha val="43137"/>
+                    </a:srgbClr>
+                  </a:outerShdw>
+                </a:effectLst>
+                <a:latin typeface="Consolas" pitchFamily="49" charset="0"/>
+                <a:cs typeface="Consolas" pitchFamily="49" charset="0"/>
+              </a:rPr>
+              <a:t>*</a:t>
+            </a:r>
+            <a:r>
+              <a:rPr lang="en-US" sz="2800" b="1" noProof="1" smtClean="0">
+                <a:solidFill>
+                  <a:srgbClr val="FBEEDC"/>
+                </a:solidFill>
+                <a:effectLst>
+                  <a:outerShdw blurRad="38100" dist="38100" dir="2700000" algn="tl">
+                    <a:srgbClr val="000000">
+                      <a:alpha val="43137"/>
+                    </a:srgbClr>
+                  </a:outerShdw>
+                </a:effectLst>
+                <a:latin typeface="Consolas" pitchFamily="49" charset="0"/>
+                <a:cs typeface="Consolas" pitchFamily="49" charset="0"/>
+              </a:rPr>
+              <a:t>-----</a:t>
+            </a:r>
+            <a:r>
+              <a:rPr lang="en-US" sz="2800" b="1" noProof="1" smtClean="0">
+                <a:solidFill>
+                  <a:schemeClr val="tx2">
+                    <a:lumMod val="75000"/>
+                  </a:schemeClr>
+                </a:solidFill>
+                <a:effectLst>
+                  <a:outerShdw blurRad="38100" dist="38100" dir="2700000" algn="tl">
+                    <a:srgbClr val="000000">
+                      <a:alpha val="43137"/>
+                    </a:srgbClr>
+                  </a:outerShdw>
+                </a:effectLst>
+                <a:latin typeface="Consolas" pitchFamily="49" charset="0"/>
+                <a:cs typeface="Consolas" pitchFamily="49" charset="0"/>
+              </a:rPr>
+              <a:t>*</a:t>
+            </a:r>
             <a:endParaRPr lang="en-US" sz="2800" b="1" noProof="1">
               <a:solidFill>
-                <a:srgbClr val="FBEEDC"/>
+                <a:schemeClr val="tx2">
+                  <a:lumMod val="75000"/>
+                </a:schemeClr>
               </a:solidFill>
               <a:effectLst>
                 <a:outerShdw blurRad="38100" dist="38100" dir="2700000" algn="tl">
@@ -21576,7 +21705,24 @@
                 <a:latin typeface="Consolas" pitchFamily="49" charset="0"/>
                 <a:cs typeface="Consolas" pitchFamily="49" charset="0"/>
               </a:rPr>
-              <a:t>   sys.stdout.write('</a:t>
+              <a:t>   </a:t>
+            </a:r>
+            <a:r>
+              <a:rPr lang="en-US" sz="3000" b="1" noProof="1" smtClean="0">
+                <a:solidFill>
+                  <a:srgbClr val="FBEEDC"/>
+                </a:solidFill>
+                <a:effectLst>
+                  <a:outerShdw blurRad="38100" dist="38100" dir="2700000" algn="tl">
+                    <a:srgbClr val="000000">
+                      <a:alpha val="43137"/>
+                    </a:srgbClr>
+                  </a:outerShdw>
+                </a:effectLst>
+                <a:latin typeface="Consolas" pitchFamily="49" charset="0"/>
+                <a:cs typeface="Consolas" pitchFamily="49" charset="0"/>
+              </a:rPr>
+              <a:t>print('</a:t>
             </a:r>
             <a:r>
               <a:rPr lang="en-US" sz="3000" b="1" noProof="1" smtClean="0">
@@ -21612,7 +21758,45 @@
                 <a:latin typeface="Consolas" pitchFamily="49" charset="0"/>
                 <a:cs typeface="Consolas" pitchFamily="49" charset="0"/>
               </a:rPr>
-              <a:t>')</a:t>
+              <a:t>'</a:t>
+            </a:r>
+            <a:r>
+              <a:rPr lang="en-US" sz="2800" b="1" noProof="1" smtClean="0">
+                <a:solidFill>
+                  <a:schemeClr val="tx2">
+                    <a:lumMod val="75000"/>
+                  </a:schemeClr>
+                </a:solidFill>
+                <a:effectLst>
+                  <a:outerShdw blurRad="38100" dist="38100" dir="2700000" algn="tl">
+                    <a:srgbClr val="000000">
+                      <a:alpha val="43137"/>
+                    </a:srgbClr>
+                  </a:outerShdw>
+                </a:effectLst>
+                <a:latin typeface="Consolas" pitchFamily="49" charset="0"/>
+                <a:cs typeface="Consolas" pitchFamily="49" charset="0"/>
+              </a:rPr>
+              <a:t>, </a:t>
+            </a:r>
+            <a:r>
+              <a:rPr lang="en-US" sz="2800" b="1" noProof="1">
+                <a:solidFill>
+                  <a:schemeClr val="tx2">
+                    <a:lumMod val="75000"/>
+                  </a:schemeClr>
+                </a:solidFill>
+                <a:effectLst>
+                  <a:outerShdw blurRad="38100" dist="38100" dir="2700000" algn="tl">
+                    <a:srgbClr val="000000">
+                      <a:alpha val="43137"/>
+                    </a:srgbClr>
+                  </a:outerShdw>
+                </a:effectLst>
+                <a:latin typeface="Consolas" pitchFamily="49" charset="0"/>
+                <a:cs typeface="Consolas" pitchFamily="49" charset="0"/>
+              </a:rPr>
+              <a:t>end='')</a:t>
             </a:r>
             <a:endParaRPr lang="en-US" sz="3000" b="1" noProof="1">
               <a:solidFill>
@@ -21738,7 +21922,41 @@
                 <a:latin typeface="Consolas" pitchFamily="49" charset="0"/>
                 <a:cs typeface="Consolas" pitchFamily="49" charset="0"/>
               </a:rPr>
-              <a:t>      sys.stdout.write('</a:t>
+              <a:t>      </a:t>
+            </a:r>
+            <a:r>
+              <a:rPr lang="en-US" sz="3000" b="1" noProof="1" smtClean="0">
+                <a:solidFill>
+                  <a:srgbClr val="FBEEDC"/>
+                </a:solidFill>
+                <a:effectLst>
+                  <a:outerShdw blurRad="38100" dist="38100" dir="2700000" algn="tl">
+                    <a:srgbClr val="000000">
+                      <a:alpha val="43137"/>
+                    </a:srgbClr>
+                  </a:outerShdw>
+                </a:effectLst>
+                <a:latin typeface="Consolas" pitchFamily="49" charset="0"/>
+                <a:cs typeface="Consolas" pitchFamily="49" charset="0"/>
+              </a:rPr>
+              <a:t>print</a:t>
+            </a:r>
+            <a:r>
+              <a:rPr lang="en-US" sz="3000" b="1" noProof="1" smtClean="0">
+                <a:solidFill>
+                  <a:srgbClr val="FBEEDC"/>
+                </a:solidFill>
+                <a:effectLst>
+                  <a:outerShdw blurRad="38100" dist="38100" dir="2700000" algn="tl">
+                    <a:srgbClr val="000000">
+                      <a:alpha val="43137"/>
+                    </a:srgbClr>
+                  </a:outerShdw>
+                </a:effectLst>
+                <a:latin typeface="Consolas" pitchFamily="49" charset="0"/>
+                <a:cs typeface="Consolas" pitchFamily="49" charset="0"/>
+              </a:rPr>
+              <a:t>('</a:t>
             </a:r>
             <a:r>
               <a:rPr lang="en-US" sz="3000" b="1" noProof="1" smtClean="0">
@@ -21774,7 +21992,26 @@
                 <a:latin typeface="Consolas" pitchFamily="49" charset="0"/>
                 <a:cs typeface="Consolas" pitchFamily="49" charset="0"/>
               </a:rPr>
-              <a:t>')</a:t>
+              <a:t>'</a:t>
+            </a:r>
+            <a:r>
+              <a:rPr lang="en-US" sz="2800" b="1" noProof="1">
+                <a:solidFill>
+                  <a:schemeClr val="tx2">
+                    <a:lumMod val="75000"/>
+                  </a:schemeClr>
+                </a:solidFill>
+                <a:effectLst>
+                  <a:outerShdw blurRad="38100" dist="38100" dir="2700000" algn="tl">
+                    <a:srgbClr val="000000">
+                      <a:alpha val="43137"/>
+                    </a:srgbClr>
+                  </a:outerShdw>
+                </a:effectLst>
+                <a:latin typeface="Consolas" pitchFamily="49" charset="0"/>
+                <a:cs typeface="Consolas" pitchFamily="49" charset="0"/>
+              </a:rPr>
+              <a:t>, end='')</a:t>
             </a:r>
             <a:endParaRPr lang="en-US" sz="3000" b="1" noProof="1">
               <a:solidFill>
@@ -21930,8 +22167,8 @@
         </p:nvSpPr>
         <p:spPr bwMode="auto">
           <a:xfrm>
-            <a:off x="815015" y="1619313"/>
-            <a:ext cx="6713944" cy="1292662"/>
+            <a:off x="755536" y="1901610"/>
+            <a:ext cx="6713944" cy="678006"/>
           </a:xfrm>
           <a:prstGeom prst="rect">
             <a:avLst/>
@@ -21987,24 +22224,10 @@
                 <a:latin typeface="Consolas" pitchFamily="49" charset="0"/>
                 <a:cs typeface="Consolas" pitchFamily="49" charset="0"/>
               </a:rPr>
-              <a:t>import sys</a:t>
-            </a:r>
-          </a:p>
-          <a:p>
-            <a:pPr eaLnBrk="0" hangingPunct="0">
-              <a:lnSpc>
-                <a:spcPct val="130000"/>
-              </a:lnSpc>
-              <a:buClr>
-                <a:schemeClr val="accent5">
-                  <a:lumMod val="40000"/>
-                  <a:lumOff val="60000"/>
-                </a:schemeClr>
-              </a:buClr>
-              <a:buSzPct val="70000"/>
-            </a:pPr>
-            <a:r>
-              <a:rPr lang="sv-SE" sz="3000" b="1" noProof="1" smtClean="0">
+              <a:t>print</a:t>
+            </a:r>
+            <a:r>
+              <a:rPr lang="en-US" sz="3000" b="1" noProof="1" smtClean="0">
                 <a:solidFill>
                   <a:schemeClr val="tx2">
                     <a:lumMod val="75000"/>
@@ -22020,10 +22243,44 @@
                 <a:latin typeface="Consolas" pitchFamily="49" charset="0"/>
                 <a:cs typeface="Consolas" pitchFamily="49" charset="0"/>
               </a:rPr>
-              <a:t>sys.stdout.write</a:t>
+              <a:t>(</a:t>
             </a:r>
             <a:r>
               <a:rPr lang="en-US" sz="3000" b="1" noProof="1" smtClean="0">
+                <a:solidFill>
+                  <a:srgbClr val="FBEEDC"/>
+                </a:solidFill>
+                <a:effectLst>
+                  <a:outerShdw blurRad="38100" dist="38100" dir="2700000" algn="tl">
+                    <a:srgbClr val="000000">
+                      <a:alpha val="43137"/>
+                    </a:srgbClr>
+                  </a:outerShdw>
+                </a:effectLst>
+                <a:latin typeface="Consolas" pitchFamily="49" charset="0"/>
+                <a:cs typeface="Consolas" pitchFamily="49" charset="0"/>
+              </a:rPr>
+              <a:t>'Some text</a:t>
+            </a:r>
+            <a:r>
+              <a:rPr lang="en-US" sz="3000" b="1" noProof="1" smtClean="0">
+                <a:solidFill>
+                  <a:srgbClr val="FBEEDC"/>
+                </a:solidFill>
+                <a:effectLst>
+                  <a:outerShdw blurRad="38100" dist="38100" dir="2700000" algn="tl">
+                    <a:srgbClr val="000000">
+                      <a:alpha val="43137"/>
+                    </a:srgbClr>
+                  </a:outerShdw>
+                </a:effectLst>
+                <a:latin typeface="Consolas" pitchFamily="49" charset="0"/>
+                <a:cs typeface="Consolas" pitchFamily="49" charset="0"/>
+              </a:rPr>
+              <a:t>'</a:t>
+            </a:r>
+            <a:r>
+              <a:rPr lang="en-US" sz="3200" b="1" noProof="1">
                 <a:solidFill>
                   <a:schemeClr val="tx2">
                     <a:lumMod val="75000"/>
@@ -22039,27 +22296,10 @@
                 <a:latin typeface="Consolas" pitchFamily="49" charset="0"/>
                 <a:cs typeface="Consolas" pitchFamily="49" charset="0"/>
               </a:rPr>
-              <a:t>(</a:t>
-            </a:r>
-            <a:r>
-              <a:rPr lang="en-US" sz="3000" b="1" noProof="1" smtClean="0">
-                <a:solidFill>
-                  <a:srgbClr val="FBEEDC"/>
-                </a:solidFill>
-                <a:effectLst>
-                  <a:outerShdw blurRad="38100" dist="38100" dir="2700000" algn="tl">
-                    <a:srgbClr val="000000">
-                      <a:alpha val="43137"/>
-                    </a:srgbClr>
-                  </a:outerShdw>
-                </a:effectLst>
-                <a:latin typeface="Consolas" pitchFamily="49" charset="0"/>
-                <a:cs typeface="Consolas" pitchFamily="49" charset="0"/>
-              </a:rPr>
-              <a:t>'Some text'</a:t>
-            </a:r>
-            <a:r>
-              <a:rPr lang="en-US" sz="3000" b="1" noProof="1" smtClean="0">
+              <a:t>, </a:t>
+            </a:r>
+            <a:r>
+              <a:rPr lang="en-US" sz="3200" b="1" noProof="1">
                 <a:solidFill>
                   <a:schemeClr val="tx2">
                     <a:lumMod val="75000"/>
@@ -22075,8 +22315,43 @@
                 <a:latin typeface="Consolas" pitchFamily="49" charset="0"/>
                 <a:cs typeface="Consolas" pitchFamily="49" charset="0"/>
               </a:rPr>
-              <a:t>)</a:t>
-            </a:r>
+              <a:t>end</a:t>
+            </a:r>
+            <a:r>
+              <a:rPr lang="en-US" sz="3200" b="1" noProof="1" smtClean="0">
+                <a:solidFill>
+                  <a:schemeClr val="tx2">
+                    <a:lumMod val="75000"/>
+                  </a:schemeClr>
+                </a:solidFill>
+                <a:effectLst>
+                  <a:outerShdw blurRad="38100" dist="38100" dir="2700000" algn="tl">
+                    <a:srgbClr val="000000">
+                      <a:alpha val="43137"/>
+                    </a:srgbClr>
+                  </a:outerShdw>
+                </a:effectLst>
+                <a:latin typeface="Consolas" pitchFamily="49" charset="0"/>
+                <a:cs typeface="Consolas" pitchFamily="49" charset="0"/>
+              </a:rPr>
+              <a:t>='')</a:t>
+            </a:r>
+            <a:endParaRPr lang="en-US" sz="3000" b="1" noProof="1" smtClean="0">
+              <a:solidFill>
+                <a:schemeClr val="tx2">
+                  <a:lumMod val="75000"/>
+                </a:schemeClr>
+              </a:solidFill>
+              <a:effectLst>
+                <a:outerShdw blurRad="38100" dist="38100" dir="2700000" algn="tl">
+                  <a:srgbClr val="000000">
+                    <a:alpha val="43137"/>
+                  </a:srgbClr>
+                </a:outerShdw>
+              </a:effectLst>
+              <a:latin typeface="Consolas" pitchFamily="49" charset="0"/>
+              <a:cs typeface="Consolas" pitchFamily="49" charset="0"/>
+            </a:endParaRPr>
           </a:p>
         </p:txBody>
       </p:sp>
@@ -24316,24 +24591,7 @@
               <a:buSzPct val="70000"/>
             </a:pPr>
             <a:r>
-              <a:rPr lang="en-US" sz="3000" b="1" noProof="1">
-                <a:solidFill>
-                  <a:srgbClr val="FBEEDC"/>
-                </a:solidFill>
-                <a:effectLst>
-                  <a:outerShdw blurRad="38100" dist="38100" dir="2700000" algn="tl">
-                    <a:srgbClr val="000000">
-                      <a:alpha val="43137"/>
-                    </a:srgbClr>
-                  </a:outerShdw>
-                </a:effectLst>
-                <a:latin typeface="Consolas" pitchFamily="49" charset="0"/>
-                <a:cs typeface="Consolas" pitchFamily="49" charset="0"/>
-              </a:rPr>
-              <a:t>int </a:t>
-            </a:r>
-            <a:r>
-              <a:rPr lang="en-US" sz="3000" b="1" noProof="1">
+              <a:rPr lang="en-US" sz="3000" b="1" noProof="1" smtClean="0">
                 <a:solidFill>
                   <a:schemeClr val="tx2">
                     <a:lumMod val="75000"/>
@@ -24352,6 +24610,23 @@
               <a:t>n</a:t>
             </a:r>
             <a:r>
+              <a:rPr lang="en-US" sz="3000" b="1" noProof="1" smtClean="0">
+                <a:solidFill>
+                  <a:srgbClr val="FBEEDC"/>
+                </a:solidFill>
+                <a:effectLst>
+                  <a:outerShdw blurRad="38100" dist="38100" dir="2700000" algn="tl">
+                    <a:srgbClr val="000000">
+                      <a:alpha val="43137"/>
+                    </a:srgbClr>
+                  </a:outerShdw>
+                </a:effectLst>
+                <a:latin typeface="Consolas" pitchFamily="49" charset="0"/>
+                <a:cs typeface="Consolas" pitchFamily="49" charset="0"/>
+              </a:rPr>
+              <a:t> </a:t>
+            </a:r>
+            <a:r>
               <a:rPr lang="en-US" sz="3000" b="1" noProof="1">
                 <a:solidFill>
                   <a:srgbClr val="FBEEDC"/>
@@ -24366,7 +24641,7 @@
                 <a:latin typeface="Consolas" pitchFamily="49" charset="0"/>
                 <a:cs typeface="Consolas" pitchFamily="49" charset="0"/>
               </a:rPr>
-              <a:t> = </a:t>
+              <a:t>= </a:t>
             </a:r>
             <a:r>
               <a:rPr lang="en-US" sz="3000" b="1" noProof="1" smtClean="0">
@@ -24961,8 +25236,8 @@
         </p:nvSpPr>
         <p:spPr bwMode="auto">
           <a:xfrm>
-            <a:off x="682625" y="3404286"/>
-            <a:ext cx="10820398" cy="2462213"/>
+            <a:off x="682625" y="3889062"/>
+            <a:ext cx="10820398" cy="1988237"/>
           </a:xfrm>
           <a:prstGeom prst="rect">
             <a:avLst/>
@@ -25018,39 +25293,6 @@
                 <a:latin typeface="Consolas" pitchFamily="49" charset="0"/>
                 <a:cs typeface="Consolas" pitchFamily="49" charset="0"/>
               </a:rPr>
-              <a:t>import sys</a:t>
-            </a:r>
-          </a:p>
-          <a:p>
-            <a:pPr eaLnBrk="0" hangingPunct="0">
-              <a:lnSpc>
-                <a:spcPct val="110000"/>
-              </a:lnSpc>
-              <a:buClr>
-                <a:schemeClr val="accent5">
-                  <a:lumMod val="40000"/>
-                  <a:lumOff val="60000"/>
-                </a:schemeClr>
-              </a:buClr>
-              <a:buSzPct val="70000"/>
-            </a:pPr>
-            <a:r>
-              <a:rPr lang="en-US" sz="2800" b="1" noProof="1" smtClean="0">
-                <a:solidFill>
-                  <a:schemeClr val="tx2">
-                    <a:lumMod val="75000"/>
-                  </a:schemeClr>
-                </a:solidFill>
-                <a:effectLst>
-                  <a:outerShdw blurRad="38100" dist="38100" dir="2700000" algn="tl">
-                    <a:srgbClr val="000000">
-                      <a:alpha val="43137"/>
-                    </a:srgbClr>
-                  </a:outerShdw>
-                </a:effectLst>
-                <a:latin typeface="Consolas" pitchFamily="49" charset="0"/>
-                <a:cs typeface="Consolas" pitchFamily="49" charset="0"/>
-              </a:rPr>
               <a:t>for</a:t>
             </a:r>
             <a:r>
@@ -25285,7 +25527,7 @@
                 <a:latin typeface="Consolas" pitchFamily="49" charset="0"/>
                 <a:cs typeface="Consolas" pitchFamily="49" charset="0"/>
               </a:rPr>
-              <a:t>      sys.stdout.write('*')</a:t>
+              <a:t>      print('*', end='')</a:t>
             </a:r>
             <a:endParaRPr lang="en-US" sz="2800" b="1" noProof="1">
               <a:solidFill>
@@ -25846,8 +26088,8 @@
         </p:nvSpPr>
         <p:spPr bwMode="auto">
           <a:xfrm>
-            <a:off x="760414" y="2281306"/>
-            <a:ext cx="10667998" cy="3410164"/>
+            <a:off x="760414" y="2518294"/>
+            <a:ext cx="10667998" cy="2936188"/>
           </a:xfrm>
           <a:prstGeom prst="rect">
             <a:avLst/>
@@ -25903,39 +26145,6 @@
                 <a:latin typeface="Consolas" pitchFamily="49" charset="0"/>
                 <a:cs typeface="Consolas" pitchFamily="49" charset="0"/>
               </a:rPr>
-              <a:t>import sys</a:t>
-            </a:r>
-          </a:p>
-          <a:p>
-            <a:pPr eaLnBrk="0" hangingPunct="0">
-              <a:lnSpc>
-                <a:spcPct val="110000"/>
-              </a:lnSpc>
-              <a:buClr>
-                <a:schemeClr val="accent5">
-                  <a:lumMod val="40000"/>
-                  <a:lumOff val="60000"/>
-                </a:schemeClr>
-              </a:buClr>
-              <a:buSzPct val="70000"/>
-            </a:pPr>
-            <a:r>
-              <a:rPr lang="en-US" sz="2800" b="1" noProof="1" smtClean="0">
-                <a:solidFill>
-                  <a:schemeClr val="tx2">
-                    <a:lumMod val="75000"/>
-                  </a:schemeClr>
-                </a:solidFill>
-                <a:effectLst>
-                  <a:outerShdw blurRad="38100" dist="38100" dir="2700000" algn="tl">
-                    <a:srgbClr val="000000">
-                      <a:alpha val="43137"/>
-                    </a:srgbClr>
-                  </a:outerShdw>
-                </a:effectLst>
-                <a:latin typeface="Consolas" pitchFamily="49" charset="0"/>
-                <a:cs typeface="Consolas" pitchFamily="49" charset="0"/>
-              </a:rPr>
               <a:t>n</a:t>
             </a:r>
             <a:r>
@@ -26166,27 +26375,41 @@
                 <a:latin typeface="Consolas" pitchFamily="49" charset="0"/>
                 <a:cs typeface="Consolas" pitchFamily="49" charset="0"/>
               </a:rPr>
+              <a:t>   print('*', end='')</a:t>
+            </a:r>
+          </a:p>
+          <a:p>
+            <a:pPr eaLnBrk="0" hangingPunct="0">
+              <a:lnSpc>
+                <a:spcPct val="110000"/>
+              </a:lnSpc>
+              <a:buClr>
+                <a:schemeClr val="accent5">
+                  <a:lumMod val="40000"/>
+                  <a:lumOff val="60000"/>
+                </a:schemeClr>
+              </a:buClr>
+              <a:buSzPct val="70000"/>
+            </a:pPr>
+            <a:r>
+              <a:rPr lang="en-US" sz="2800" b="1" noProof="1" smtClean="0">
+                <a:solidFill>
+                  <a:srgbClr val="FBEEDC"/>
+                </a:solidFill>
+                <a:effectLst>
+                  <a:outerShdw blurRad="38100" dist="38100" dir="2700000" algn="tl">
+                    <a:srgbClr val="000000">
+                      <a:alpha val="43137"/>
+                    </a:srgbClr>
+                  </a:outerShdw>
+                </a:effectLst>
+                <a:latin typeface="Consolas" pitchFamily="49" charset="0"/>
+                <a:cs typeface="Consolas" pitchFamily="49" charset="0"/>
+              </a:rPr>
               <a:t>   </a:t>
             </a:r>
             <a:r>
-              <a:rPr lang="en-US" sz="2800" b="1" noProof="1" smtClean="0">
-                <a:solidFill>
-                  <a:srgbClr val="FBEEDC"/>
-                </a:solidFill>
-                <a:effectLst>
-                  <a:outerShdw blurRad="38100" dist="38100" dir="2700000" algn="tl">
-                    <a:srgbClr val="000000">
-                      <a:alpha val="43137"/>
-                    </a:srgbClr>
-                  </a:outerShdw>
-                </a:effectLst>
-                <a:latin typeface="Consolas" pitchFamily="49" charset="0"/>
-                <a:cs typeface="Consolas" pitchFamily="49" charset="0"/>
-              </a:rPr>
-              <a:t>sys.stdout.write('</a:t>
-            </a:r>
-            <a:r>
-              <a:rPr lang="en-US" sz="2800" b="1" noProof="1" smtClean="0">
+              <a:rPr lang="en-US" sz="2800" b="1" noProof="1">
                 <a:solidFill>
                   <a:schemeClr val="tx2">
                     <a:lumMod val="75000"/>
@@ -26202,7 +26425,24 @@
                 <a:latin typeface="Consolas" pitchFamily="49" charset="0"/>
                 <a:cs typeface="Consolas" pitchFamily="49" charset="0"/>
               </a:rPr>
-              <a:t>*</a:t>
+              <a:t>for</a:t>
+            </a:r>
+            <a:r>
+              <a:rPr lang="en-US" sz="2800" b="1" noProof="1">
+                <a:solidFill>
+                  <a:srgbClr val="FBEEDC"/>
+                </a:solidFill>
+                <a:effectLst>
+                  <a:outerShdw blurRad="38100" dist="38100" dir="2700000" algn="tl">
+                    <a:srgbClr val="000000">
+                      <a:alpha val="43137"/>
+                    </a:srgbClr>
+                  </a:outerShdw>
+                </a:effectLst>
+                <a:latin typeface="Consolas" pitchFamily="49" charset="0"/>
+                <a:cs typeface="Consolas" pitchFamily="49" charset="0"/>
+              </a:rPr>
+              <a:t> </a:t>
             </a:r>
             <a:r>
               <a:rPr lang="en-US" sz="2800" b="1" noProof="1" smtClean="0">
@@ -26219,7 +26459,79 @@
                 <a:latin typeface="Consolas" pitchFamily="49" charset="0"/>
                 <a:cs typeface="Consolas" pitchFamily="49" charset="0"/>
               </a:rPr>
-              <a:t>')</a:t>
+              <a:t>c</a:t>
+            </a:r>
+            <a:r>
+              <a:rPr lang="en-US" sz="2800" b="1" noProof="1" smtClean="0">
+                <a:solidFill>
+                  <a:schemeClr val="tx2">
+                    <a:lumMod val="75000"/>
+                  </a:schemeClr>
+                </a:solidFill>
+                <a:effectLst>
+                  <a:outerShdw blurRad="38100" dist="38100" dir="2700000" algn="tl">
+                    <a:srgbClr val="000000">
+                      <a:alpha val="43137"/>
+                    </a:srgbClr>
+                  </a:outerShdw>
+                </a:effectLst>
+                <a:latin typeface="Consolas" pitchFamily="49" charset="0"/>
+                <a:cs typeface="Consolas" pitchFamily="49" charset="0"/>
+              </a:rPr>
+              <a:t> </a:t>
+            </a:r>
+            <a:r>
+              <a:rPr lang="en-US" sz="2800" b="1" noProof="1">
+                <a:solidFill>
+                  <a:schemeClr val="tx2">
+                    <a:lumMod val="75000"/>
+                  </a:schemeClr>
+                </a:solidFill>
+                <a:effectLst>
+                  <a:outerShdw blurRad="38100" dist="38100" dir="2700000" algn="tl">
+                    <a:srgbClr val="000000">
+                      <a:alpha val="43137"/>
+                    </a:srgbClr>
+                  </a:outerShdw>
+                </a:effectLst>
+                <a:latin typeface="Consolas" pitchFamily="49" charset="0"/>
+                <a:cs typeface="Consolas" pitchFamily="49" charset="0"/>
+              </a:rPr>
+              <a:t>in range</a:t>
+            </a:r>
+            <a:r>
+              <a:rPr lang="en-US" sz="2800" b="1" noProof="1">
+                <a:solidFill>
+                  <a:srgbClr val="FBEEDC"/>
+                </a:solidFill>
+                <a:effectLst>
+                  <a:outerShdw blurRad="38100" dist="38100" dir="2700000" algn="tl">
+                    <a:srgbClr val="000000">
+                      <a:alpha val="43137"/>
+                    </a:srgbClr>
+                  </a:outerShdw>
+                </a:effectLst>
+                <a:latin typeface="Consolas" pitchFamily="49" charset="0"/>
+                <a:cs typeface="Consolas" pitchFamily="49" charset="0"/>
+              </a:rPr>
+              <a:t>(n</a:t>
+            </a:r>
+            <a:r>
+              <a:rPr lang="en-US" sz="2800" b="1" noProof="1" smtClean="0">
+                <a:solidFill>
+                  <a:srgbClr val="FBEEDC"/>
+                </a:solidFill>
+                <a:effectLst>
+                  <a:outerShdw blurRad="38100" dist="38100" dir="2700000" algn="tl">
+                    <a:srgbClr val="000000">
+                      <a:alpha val="43137"/>
+                    </a:srgbClr>
+                  </a:outerShdw>
+                </a:effectLst>
+                <a:latin typeface="Consolas" pitchFamily="49" charset="0"/>
+                <a:cs typeface="Consolas" pitchFamily="49" charset="0"/>
+              </a:rPr>
+              <a:t>):</a:t>
             </a:r>
             <a:endParaRPr lang="en-US" sz="2800" b="1" noProof="1">
               <a:solidFill>
@@ -26264,26 +26576,41 @@
                 <a:latin typeface="Consolas" pitchFamily="49" charset="0"/>
                 <a:cs typeface="Consolas" pitchFamily="49" charset="0"/>
               </a:rPr>
-              <a:t>   </a:t>
+              <a:t>      </a:t>
             </a:r>
             <a:r>
               <a:rPr lang="en-US" sz="2800" b="1" noProof="1">
                 <a:solidFill>
-                  <a:schemeClr val="tx2">
-                    <a:lumMod val="75000"/>
-                  </a:schemeClr>
-                </a:solidFill>
-                <a:effectLst>
-                  <a:outerShdw blurRad="38100" dist="38100" dir="2700000" algn="tl">
-                    <a:srgbClr val="000000">
-                      <a:alpha val="43137"/>
-                    </a:srgbClr>
-                  </a:outerShdw>
-                </a:effectLst>
-                <a:latin typeface="Consolas" pitchFamily="49" charset="0"/>
-                <a:cs typeface="Consolas" pitchFamily="49" charset="0"/>
-              </a:rPr>
-              <a:t>for</a:t>
+                  <a:srgbClr val="FBEEDC"/>
+                </a:solidFill>
+                <a:effectLst>
+                  <a:outerShdw blurRad="38100" dist="38100" dir="2700000" algn="tl">
+                    <a:srgbClr val="000000">
+                      <a:alpha val="43137"/>
+                    </a:srgbClr>
+                  </a:outerShdw>
+                </a:effectLst>
+                <a:latin typeface="Consolas" pitchFamily="49" charset="0"/>
+                <a:cs typeface="Consolas" pitchFamily="49" charset="0"/>
+              </a:rPr>
+              <a:t>print</a:t>
+            </a:r>
+            <a:r>
+              <a:rPr lang="en-US" sz="2800" b="1" noProof="1" smtClean="0">
+                <a:solidFill>
+                  <a:srgbClr val="FBEEDC"/>
+                </a:solidFill>
+                <a:effectLst>
+                  <a:outerShdw blurRad="38100" dist="38100" dir="2700000" algn="tl">
+                    <a:srgbClr val="000000">
+                      <a:alpha val="43137"/>
+                    </a:srgbClr>
+                  </a:outerShdw>
+                </a:effectLst>
+                <a:latin typeface="Consolas" pitchFamily="49" charset="0"/>
+                <a:cs typeface="Consolas" pitchFamily="49" charset="0"/>
+              </a:rPr>
+              <a:t>(' *', </a:t>
             </a:r>
             <a:r>
               <a:rPr lang="en-US" sz="2800" b="1" noProof="1">
@@ -26300,192 +26627,8 @@
                 <a:latin typeface="Consolas" pitchFamily="49" charset="0"/>
                 <a:cs typeface="Consolas" pitchFamily="49" charset="0"/>
               </a:rPr>
-              <a:t> </a:t>
-            </a:r>
-            <a:r>
-              <a:rPr lang="en-US" sz="2800" b="1" noProof="1" smtClean="0">
-                <a:solidFill>
-                  <a:srgbClr val="FBEEDC"/>
-                </a:solidFill>
-                <a:effectLst>
-                  <a:outerShdw blurRad="38100" dist="38100" dir="2700000" algn="tl">
-                    <a:srgbClr val="000000">
-                      <a:alpha val="43137"/>
-                    </a:srgbClr>
-                  </a:outerShdw>
-                </a:effectLst>
-                <a:latin typeface="Consolas" pitchFamily="49" charset="0"/>
-                <a:cs typeface="Consolas" pitchFamily="49" charset="0"/>
-              </a:rPr>
-              <a:t>c</a:t>
-            </a:r>
-            <a:r>
-              <a:rPr lang="en-US" sz="2800" b="1" noProof="1" smtClean="0">
-                <a:solidFill>
-                  <a:schemeClr val="tx2">
-                    <a:lumMod val="75000"/>
-                  </a:schemeClr>
-                </a:solidFill>
-                <a:effectLst>
-                  <a:outerShdw blurRad="38100" dist="38100" dir="2700000" algn="tl">
-                    <a:srgbClr val="000000">
-                      <a:alpha val="43137"/>
-                    </a:srgbClr>
-                  </a:outerShdw>
-                </a:effectLst>
-                <a:latin typeface="Consolas" pitchFamily="49" charset="0"/>
-                <a:cs typeface="Consolas" pitchFamily="49" charset="0"/>
-              </a:rPr>
-              <a:t> </a:t>
-            </a:r>
-            <a:r>
-              <a:rPr lang="en-US" sz="2800" b="1" noProof="1">
-                <a:solidFill>
-                  <a:schemeClr val="tx2">
-                    <a:lumMod val="75000"/>
-                  </a:schemeClr>
-                </a:solidFill>
-                <a:effectLst>
-                  <a:outerShdw blurRad="38100" dist="38100" dir="2700000" algn="tl">
-                    <a:srgbClr val="000000">
-                      <a:alpha val="43137"/>
-                    </a:srgbClr>
-                  </a:outerShdw>
-                </a:effectLst>
-                <a:latin typeface="Consolas" pitchFamily="49" charset="0"/>
-                <a:cs typeface="Consolas" pitchFamily="49" charset="0"/>
-              </a:rPr>
-              <a:t>in range</a:t>
-            </a:r>
-            <a:r>
-              <a:rPr lang="en-US" sz="2800" b="1" noProof="1">
-                <a:solidFill>
-                  <a:srgbClr val="FBEEDC"/>
-                </a:solidFill>
-                <a:effectLst>
-                  <a:outerShdw blurRad="38100" dist="38100" dir="2700000" algn="tl">
-                    <a:srgbClr val="000000">
-                      <a:alpha val="43137"/>
-                    </a:srgbClr>
-                  </a:outerShdw>
-                </a:effectLst>
-                <a:latin typeface="Consolas" pitchFamily="49" charset="0"/>
-                <a:cs typeface="Consolas" pitchFamily="49" charset="0"/>
-              </a:rPr>
-              <a:t>(n</a:t>
-            </a:r>
-            <a:r>
-              <a:rPr lang="en-US" sz="2800" b="1" noProof="1" smtClean="0">
-                <a:solidFill>
-                  <a:srgbClr val="FBEEDC"/>
-                </a:solidFill>
-                <a:effectLst>
-                  <a:outerShdw blurRad="38100" dist="38100" dir="2700000" algn="tl">
-                    <a:srgbClr val="000000">
-                      <a:alpha val="43137"/>
-                    </a:srgbClr>
-                  </a:outerShdw>
-                </a:effectLst>
-                <a:latin typeface="Consolas" pitchFamily="49" charset="0"/>
-                <a:cs typeface="Consolas" pitchFamily="49" charset="0"/>
-              </a:rPr>
-              <a:t>):</a:t>
-            </a:r>
-            <a:endParaRPr lang="en-US" sz="2800" b="1" noProof="1">
-              <a:solidFill>
-                <a:srgbClr val="FBEEDC"/>
-              </a:solidFill>
-              <a:effectLst>
-                <a:outerShdw blurRad="38100" dist="38100" dir="2700000" algn="tl">
-                  <a:srgbClr val="000000">
-                    <a:alpha val="43137"/>
-                  </a:srgbClr>
-                </a:outerShdw>
-              </a:effectLst>
-              <a:latin typeface="Consolas" pitchFamily="49" charset="0"/>
-              <a:cs typeface="Consolas" pitchFamily="49" charset="0"/>
-            </a:endParaRPr>
-          </a:p>
-          <a:p>
-            <a:pPr eaLnBrk="0" hangingPunct="0">
-              <a:lnSpc>
-                <a:spcPct val="110000"/>
-              </a:lnSpc>
-              <a:buClr>
-                <a:schemeClr val="accent5">
-                  <a:lumMod val="40000"/>
-                  <a:lumOff val="60000"/>
-                </a:schemeClr>
-              </a:buClr>
-              <a:buSzPct val="70000"/>
-            </a:pPr>
-            <a:r>
-              <a:rPr lang="en-US" sz="2800" b="1" noProof="1" smtClean="0">
-                <a:solidFill>
-                  <a:srgbClr val="FBEEDC"/>
-                </a:solidFill>
-                <a:effectLst>
-                  <a:outerShdw blurRad="38100" dist="38100" dir="2700000" algn="tl">
-                    <a:srgbClr val="000000">
-                      <a:alpha val="43137"/>
-                    </a:srgbClr>
-                  </a:outerShdw>
-                </a:effectLst>
-                <a:latin typeface="Consolas" pitchFamily="49" charset="0"/>
-                <a:cs typeface="Consolas" pitchFamily="49" charset="0"/>
-              </a:rPr>
-              <a:t>      sys.stdout.write('</a:t>
-            </a:r>
-            <a:r>
-              <a:rPr lang="en-US" sz="2800" b="1" noProof="1" smtClean="0">
-                <a:solidFill>
-                  <a:schemeClr val="tx2">
-                    <a:lumMod val="75000"/>
-                  </a:schemeClr>
-                </a:solidFill>
-                <a:effectLst>
-                  <a:outerShdw blurRad="38100" dist="38100" dir="2700000" algn="tl">
-                    <a:srgbClr val="000000">
-                      <a:alpha val="43137"/>
-                    </a:srgbClr>
-                  </a:outerShdw>
-                </a:effectLst>
-                <a:latin typeface="Consolas" pitchFamily="49" charset="0"/>
-                <a:cs typeface="Consolas" pitchFamily="49" charset="0"/>
-              </a:rPr>
-              <a:t> *</a:t>
-            </a:r>
-            <a:r>
-              <a:rPr lang="en-US" sz="2800" b="1" noProof="1" smtClean="0">
-                <a:solidFill>
-                  <a:srgbClr val="FBEEDC"/>
-                </a:solidFill>
-                <a:effectLst>
-                  <a:outerShdw blurRad="38100" dist="38100" dir="2700000" algn="tl">
-                    <a:srgbClr val="000000">
-                      <a:alpha val="43137"/>
-                    </a:srgbClr>
-                  </a:outerShdw>
-                </a:effectLst>
-                <a:latin typeface="Consolas" pitchFamily="49" charset="0"/>
-                <a:cs typeface="Consolas" pitchFamily="49" charset="0"/>
-              </a:rPr>
-              <a:t>')</a:t>
-            </a:r>
-            <a:endParaRPr lang="en-US" sz="2800" b="1" noProof="1">
-              <a:solidFill>
-                <a:srgbClr val="FBEEDC"/>
-              </a:solidFill>
-              <a:effectLst>
-                <a:outerShdw blurRad="38100" dist="38100" dir="2700000" algn="tl">
-                  <a:srgbClr val="000000">
-                    <a:alpha val="43137"/>
-                  </a:srgbClr>
-                </a:outerShdw>
-              </a:effectLst>
-              <a:latin typeface="Consolas" pitchFamily="49" charset="0"/>
-              <a:cs typeface="Consolas" pitchFamily="49" charset="0"/>
-            </a:endParaRPr>
+              <a:t>end='')</a:t>
+            </a:r>
           </a:p>
           <a:p>
             <a:pPr eaLnBrk="0" hangingPunct="0">
@@ -27109,7 +27252,7 @@
         <p:spPr bwMode="auto">
           <a:xfrm>
             <a:off x="3447184" y="2261901"/>
-            <a:ext cx="7888200" cy="3410164"/>
+            <a:ext cx="7888200" cy="2936188"/>
           </a:xfrm>
           <a:prstGeom prst="rect">
             <a:avLst/>
@@ -27165,39 +27308,6 @@
                 <a:latin typeface="Consolas" pitchFamily="49" charset="0"/>
                 <a:cs typeface="Consolas" pitchFamily="49" charset="0"/>
               </a:rPr>
-              <a:t>import sys</a:t>
-            </a:r>
-          </a:p>
-          <a:p>
-            <a:pPr eaLnBrk="0" hangingPunct="0">
-              <a:lnSpc>
-                <a:spcPct val="110000"/>
-              </a:lnSpc>
-              <a:buClr>
-                <a:schemeClr val="accent5">
-                  <a:lumMod val="40000"/>
-                  <a:lumOff val="60000"/>
-                </a:schemeClr>
-              </a:buClr>
-              <a:buSzPct val="70000"/>
-            </a:pPr>
-            <a:r>
-              <a:rPr lang="en-US" sz="2800" b="1" noProof="1" smtClean="0">
-                <a:solidFill>
-                  <a:schemeClr val="tx2">
-                    <a:lumMod val="75000"/>
-                  </a:schemeClr>
-                </a:solidFill>
-                <a:effectLst>
-                  <a:outerShdw blurRad="38100" dist="38100" dir="2700000" algn="tl">
-                    <a:srgbClr val="000000">
-                      <a:alpha val="43137"/>
-                    </a:srgbClr>
-                  </a:outerShdw>
-                </a:effectLst>
-                <a:latin typeface="Consolas" pitchFamily="49" charset="0"/>
-                <a:cs typeface="Consolas" pitchFamily="49" charset="0"/>
-              </a:rPr>
               <a:t>n</a:t>
             </a:r>
             <a:r>
@@ -27414,6 +27524,23 @@
               <a:buSzPct val="70000"/>
             </a:pPr>
             <a:r>
+              <a:rPr lang="bg-BG" sz="2800" b="1" noProof="1" smtClean="0">
+                <a:solidFill>
+                  <a:srgbClr val="FBEEDC"/>
+                </a:solidFill>
+                <a:effectLst>
+                  <a:outerShdw blurRad="38100" dist="38100" dir="2700000" algn="tl">
+                    <a:srgbClr val="000000">
+                      <a:alpha val="43137"/>
+                    </a:srgbClr>
+                  </a:outerShdw>
+                </a:effectLst>
+                <a:latin typeface="Consolas" pitchFamily="49" charset="0"/>
+                <a:cs typeface="Consolas" pitchFamily="49" charset="0"/>
+              </a:rPr>
+              <a:t>   </a:t>
+            </a:r>
+            <a:r>
               <a:rPr lang="en-US" sz="2800" b="1" noProof="1">
                 <a:solidFill>
                   <a:srgbClr val="FBEEDC"/>
@@ -27428,7 +27555,7 @@
                 <a:latin typeface="Consolas" pitchFamily="49" charset="0"/>
                 <a:cs typeface="Consolas" pitchFamily="49" charset="0"/>
               </a:rPr>
-              <a:t>   </a:t>
+              <a:t>print</a:t>
             </a:r>
             <a:r>
               <a:rPr lang="en-US" sz="2800" b="1" noProof="1" smtClean="0">
@@ -27445,8 +27572,39 @@
                 <a:latin typeface="Consolas" pitchFamily="49" charset="0"/>
                 <a:cs typeface="Consolas" pitchFamily="49" charset="0"/>
               </a:rPr>
-              <a:t>sys.stdout.write('</a:t>
-            </a:r>
+              <a:t>('$', </a:t>
+            </a:r>
+            <a:r>
+              <a:rPr lang="en-US" sz="2800" b="1" noProof="1">
+                <a:solidFill>
+                  <a:srgbClr val="FBEEDC"/>
+                </a:solidFill>
+                <a:effectLst>
+                  <a:outerShdw blurRad="38100" dist="38100" dir="2700000" algn="tl">
+                    <a:srgbClr val="000000">
+                      <a:alpha val="43137"/>
+                    </a:srgbClr>
+                  </a:outerShdw>
+                </a:effectLst>
+                <a:latin typeface="Consolas" pitchFamily="49" charset="0"/>
+                <a:cs typeface="Consolas" pitchFamily="49" charset="0"/>
+              </a:rPr>
+              <a:t>end='')</a:t>
+            </a:r>
+          </a:p>
+          <a:p>
+            <a:pPr eaLnBrk="0" hangingPunct="0">
+              <a:lnSpc>
+                <a:spcPct val="110000"/>
+              </a:lnSpc>
+              <a:buClr>
+                <a:schemeClr val="accent5">
+                  <a:lumMod val="40000"/>
+                  <a:lumOff val="60000"/>
+                </a:schemeClr>
+              </a:buClr>
+              <a:buSzPct val="70000"/>
+            </a:pPr>
             <a:r>
               <a:rPr lang="en-US" sz="2800" b="1" noProof="1" smtClean="0">
                 <a:solidFill>
@@ -27464,7 +27622,7 @@
                 <a:latin typeface="Consolas" pitchFamily="49" charset="0"/>
                 <a:cs typeface="Consolas" pitchFamily="49" charset="0"/>
               </a:rPr>
-              <a:t>$</a:t>
+              <a:t>   for</a:t>
             </a:r>
             <a:r>
               <a:rPr lang="en-US" sz="2800" b="1" noProof="1" smtClean="0">
@@ -27481,7 +27639,79 @@
                 <a:latin typeface="Consolas" pitchFamily="49" charset="0"/>
                 <a:cs typeface="Consolas" pitchFamily="49" charset="0"/>
               </a:rPr>
-              <a:t>')</a:t>
+              <a:t> </a:t>
+            </a:r>
+            <a:r>
+              <a:rPr lang="en-US" sz="2800" b="1" noProof="1">
+                <a:solidFill>
+                  <a:srgbClr val="FBEEDC"/>
+                </a:solidFill>
+                <a:effectLst>
+                  <a:outerShdw blurRad="38100" dist="38100" dir="2700000" algn="tl">
+                    <a:srgbClr val="000000">
+                      <a:alpha val="43137"/>
+                    </a:srgbClr>
+                  </a:outerShdw>
+                </a:effectLst>
+                <a:latin typeface="Consolas" pitchFamily="49" charset="0"/>
+                <a:cs typeface="Consolas" pitchFamily="49" charset="0"/>
+              </a:rPr>
+              <a:t>col </a:t>
+            </a:r>
+            <a:r>
+              <a:rPr lang="en-US" sz="2800" b="1" noProof="1">
+                <a:solidFill>
+                  <a:schemeClr val="tx2">
+                    <a:lumMod val="75000"/>
+                  </a:schemeClr>
+                </a:solidFill>
+                <a:effectLst>
+                  <a:outerShdw blurRad="38100" dist="38100" dir="2700000" algn="tl">
+                    <a:srgbClr val="000000">
+                      <a:alpha val="43137"/>
+                    </a:srgbClr>
+                  </a:outerShdw>
+                </a:effectLst>
+                <a:latin typeface="Consolas" pitchFamily="49" charset="0"/>
+                <a:cs typeface="Consolas" pitchFamily="49" charset="0"/>
+              </a:rPr>
+              <a:t>in </a:t>
+            </a:r>
+            <a:r>
+              <a:rPr lang="en-US" sz="2800" b="1" noProof="1" smtClean="0">
+                <a:solidFill>
+                  <a:schemeClr val="tx2">
+                    <a:lumMod val="75000"/>
+                  </a:schemeClr>
+                </a:solidFill>
+                <a:effectLst>
+                  <a:outerShdw blurRad="38100" dist="38100" dir="2700000" algn="tl">
+                    <a:srgbClr val="000000">
+                      <a:alpha val="43137"/>
+                    </a:srgbClr>
+                  </a:outerShdw>
+                </a:effectLst>
+                <a:latin typeface="Consolas" pitchFamily="49" charset="0"/>
+                <a:cs typeface="Consolas" pitchFamily="49" charset="0"/>
+              </a:rPr>
+              <a:t>range</a:t>
+            </a:r>
+            <a:r>
+              <a:rPr lang="en-US" sz="2800" b="1" noProof="1" smtClean="0">
+                <a:solidFill>
+                  <a:srgbClr val="FBEEDC"/>
+                </a:solidFill>
+                <a:effectLst>
+                  <a:outerShdw blurRad="38100" dist="38100" dir="2700000" algn="tl">
+                    <a:srgbClr val="000000">
+                      <a:alpha val="43137"/>
+                    </a:srgbClr>
+                  </a:outerShdw>
+                </a:effectLst>
+                <a:latin typeface="Consolas" pitchFamily="49" charset="0"/>
+                <a:cs typeface="Consolas" pitchFamily="49" charset="0"/>
+              </a:rPr>
+              <a:t>(row):</a:t>
             </a:r>
             <a:endParaRPr lang="en-US" sz="2800" b="1" noProof="1">
               <a:solidFill>
@@ -27512,23 +27742,72 @@
               <a:buSzPct val="70000"/>
             </a:pPr>
             <a:r>
+              <a:rPr lang="bg-BG" sz="2800" b="1" noProof="1">
+                <a:solidFill>
+                  <a:srgbClr val="FBEEDC"/>
+                </a:solidFill>
+                <a:effectLst>
+                  <a:outerShdw blurRad="38100" dist="38100" dir="2700000" algn="tl">
+                    <a:srgbClr val="000000">
+                      <a:alpha val="43137"/>
+                    </a:srgbClr>
+                  </a:outerShdw>
+                </a:effectLst>
+                <a:latin typeface="Consolas" pitchFamily="49" charset="0"/>
+                <a:cs typeface="Consolas" pitchFamily="49" charset="0"/>
+              </a:rPr>
+              <a:t> </a:t>
+            </a:r>
+            <a:r>
+              <a:rPr lang="en-US" sz="2800" b="1" noProof="1">
+                <a:solidFill>
+                  <a:srgbClr val="FBEEDC"/>
+                </a:solidFill>
+                <a:effectLst>
+                  <a:outerShdw blurRad="38100" dist="38100" dir="2700000" algn="tl">
+                    <a:srgbClr val="000000">
+                      <a:alpha val="43137"/>
+                    </a:srgbClr>
+                  </a:outerShdw>
+                </a:effectLst>
+                <a:latin typeface="Consolas" pitchFamily="49" charset="0"/>
+                <a:cs typeface="Consolas" pitchFamily="49" charset="0"/>
+              </a:rPr>
+              <a:t> </a:t>
+            </a:r>
+            <a:r>
               <a:rPr lang="en-US" sz="2800" b="1" noProof="1" smtClean="0">
                 <a:solidFill>
-                  <a:schemeClr val="tx2">
-                    <a:lumMod val="75000"/>
-                  </a:schemeClr>
-                </a:solidFill>
-                <a:effectLst>
-                  <a:outerShdw blurRad="38100" dist="38100" dir="2700000" algn="tl">
-                    <a:srgbClr val="000000">
-                      <a:alpha val="43137"/>
-                    </a:srgbClr>
-                  </a:outerShdw>
-                </a:effectLst>
-                <a:latin typeface="Consolas" pitchFamily="49" charset="0"/>
-                <a:cs typeface="Consolas" pitchFamily="49" charset="0"/>
-              </a:rPr>
-              <a:t>   for</a:t>
+                  <a:srgbClr val="FBEEDC"/>
+                </a:solidFill>
+                <a:effectLst>
+                  <a:outerShdw blurRad="38100" dist="38100" dir="2700000" algn="tl">
+                    <a:srgbClr val="000000">
+                      <a:alpha val="43137"/>
+                    </a:srgbClr>
+                  </a:outerShdw>
+                </a:effectLst>
+                <a:latin typeface="Consolas" pitchFamily="49" charset="0"/>
+                <a:cs typeface="Consolas" pitchFamily="49" charset="0"/>
+              </a:rPr>
+              <a:t>    print(' $', </a:t>
+            </a:r>
+            <a:r>
+              <a:rPr lang="en-US" sz="2800" b="1" noProof="1">
+                <a:solidFill>
+                  <a:srgbClr val="FBEEDC"/>
+                </a:solidFill>
+                <a:effectLst>
+                  <a:outerShdw blurRad="38100" dist="38100" dir="2700000" algn="tl">
+                    <a:srgbClr val="000000">
+                      <a:alpha val="43137"/>
+                    </a:srgbClr>
+                  </a:outerShdw>
+                </a:effectLst>
+                <a:latin typeface="Consolas" pitchFamily="49" charset="0"/>
+                <a:cs typeface="Consolas" pitchFamily="49" charset="0"/>
+              </a:rPr>
+              <a:t>end</a:t>
             </a:r>
             <a:r>
               <a:rPr lang="en-US" sz="2800" b="1" noProof="1" smtClean="0">
@@ -27545,175 +27824,8 @@
                 <a:latin typeface="Consolas" pitchFamily="49" charset="0"/>
                 <a:cs typeface="Consolas" pitchFamily="49" charset="0"/>
               </a:rPr>
-              <a:t> </a:t>
-            </a:r>
-            <a:r>
-              <a:rPr lang="en-US" sz="2800" b="1" noProof="1">
-                <a:solidFill>
-                  <a:srgbClr val="FBEEDC"/>
-                </a:solidFill>
-                <a:effectLst>
-                  <a:outerShdw blurRad="38100" dist="38100" dir="2700000" algn="tl">
-                    <a:srgbClr val="000000">
-                      <a:alpha val="43137"/>
-                    </a:srgbClr>
-                  </a:outerShdw>
-                </a:effectLst>
-                <a:latin typeface="Consolas" pitchFamily="49" charset="0"/>
-                <a:cs typeface="Consolas" pitchFamily="49" charset="0"/>
-              </a:rPr>
-              <a:t>col </a:t>
-            </a:r>
-            <a:r>
-              <a:rPr lang="en-US" sz="2800" b="1" noProof="1">
-                <a:solidFill>
-                  <a:schemeClr val="tx2">
-                    <a:lumMod val="75000"/>
-                  </a:schemeClr>
-                </a:solidFill>
-                <a:effectLst>
-                  <a:outerShdw blurRad="38100" dist="38100" dir="2700000" algn="tl">
-                    <a:srgbClr val="000000">
-                      <a:alpha val="43137"/>
-                    </a:srgbClr>
-                  </a:outerShdw>
-                </a:effectLst>
-                <a:latin typeface="Consolas" pitchFamily="49" charset="0"/>
-                <a:cs typeface="Consolas" pitchFamily="49" charset="0"/>
-              </a:rPr>
-              <a:t>in </a:t>
-            </a:r>
-            <a:r>
-              <a:rPr lang="en-US" sz="2800" b="1" noProof="1" smtClean="0">
-                <a:solidFill>
-                  <a:schemeClr val="tx2">
-                    <a:lumMod val="75000"/>
-                  </a:schemeClr>
-                </a:solidFill>
-                <a:effectLst>
-                  <a:outerShdw blurRad="38100" dist="38100" dir="2700000" algn="tl">
-                    <a:srgbClr val="000000">
-                      <a:alpha val="43137"/>
-                    </a:srgbClr>
-                  </a:outerShdw>
-                </a:effectLst>
-                <a:latin typeface="Consolas" pitchFamily="49" charset="0"/>
-                <a:cs typeface="Consolas" pitchFamily="49" charset="0"/>
-              </a:rPr>
-              <a:t>range</a:t>
-            </a:r>
-            <a:r>
-              <a:rPr lang="en-US" sz="2800" b="1" noProof="1" smtClean="0">
-                <a:solidFill>
-                  <a:srgbClr val="FBEEDC"/>
-                </a:solidFill>
-                <a:effectLst>
-                  <a:outerShdw blurRad="38100" dist="38100" dir="2700000" algn="tl">
-                    <a:srgbClr val="000000">
-                      <a:alpha val="43137"/>
-                    </a:srgbClr>
-                  </a:outerShdw>
-                </a:effectLst>
-                <a:latin typeface="Consolas" pitchFamily="49" charset="0"/>
-                <a:cs typeface="Consolas" pitchFamily="49" charset="0"/>
-              </a:rPr>
-              <a:t>(row):</a:t>
-            </a:r>
-            <a:endParaRPr lang="en-US" sz="2800" b="1" noProof="1">
-              <a:solidFill>
-                <a:srgbClr val="FBEEDC"/>
-              </a:solidFill>
-              <a:effectLst>
-                <a:outerShdw blurRad="38100" dist="38100" dir="2700000" algn="tl">
-                  <a:srgbClr val="000000">
-                    <a:alpha val="43137"/>
-                  </a:srgbClr>
-                </a:outerShdw>
-              </a:effectLst>
-              <a:latin typeface="Consolas" pitchFamily="49" charset="0"/>
-              <a:cs typeface="Consolas" pitchFamily="49" charset="0"/>
-            </a:endParaRPr>
-          </a:p>
-          <a:p>
-            <a:pPr eaLnBrk="0" hangingPunct="0">
-              <a:lnSpc>
-                <a:spcPct val="110000"/>
-              </a:lnSpc>
-              <a:buClr>
-                <a:schemeClr val="accent5">
-                  <a:lumMod val="40000"/>
-                  <a:lumOff val="60000"/>
-                </a:schemeClr>
-              </a:buClr>
-              <a:buSzPct val="70000"/>
-            </a:pPr>
-            <a:r>
-              <a:rPr lang="en-US" sz="2800" b="1" noProof="1" smtClean="0">
-                <a:solidFill>
-                  <a:srgbClr val="FBEEDC"/>
-                </a:solidFill>
-                <a:effectLst>
-                  <a:outerShdw blurRad="38100" dist="38100" dir="2700000" algn="tl">
-                    <a:srgbClr val="000000">
-                      <a:alpha val="43137"/>
-                    </a:srgbClr>
-                  </a:outerShdw>
-                </a:effectLst>
-                <a:latin typeface="Consolas" pitchFamily="49" charset="0"/>
-                <a:cs typeface="Consolas" pitchFamily="49" charset="0"/>
-              </a:rPr>
-              <a:t>      sys.stdout.write(' </a:t>
-            </a:r>
-            <a:r>
-              <a:rPr lang="en-US" sz="2800" b="1" noProof="1" smtClean="0">
-                <a:solidFill>
-                  <a:schemeClr val="tx2">
-                    <a:lumMod val="75000"/>
-                  </a:schemeClr>
-                </a:solidFill>
-                <a:effectLst>
-                  <a:outerShdw blurRad="38100" dist="38100" dir="2700000" algn="tl">
-                    <a:srgbClr val="000000">
-                      <a:alpha val="43137"/>
-                    </a:srgbClr>
-                  </a:outerShdw>
-                </a:effectLst>
-                <a:latin typeface="Consolas" pitchFamily="49" charset="0"/>
-                <a:cs typeface="Consolas" pitchFamily="49" charset="0"/>
-              </a:rPr>
-              <a:t>$</a:t>
-            </a:r>
-            <a:r>
-              <a:rPr lang="en-US" sz="2800" b="1" noProof="1" smtClean="0">
-                <a:solidFill>
-                  <a:srgbClr val="FBEEDC"/>
-                </a:solidFill>
-                <a:effectLst>
-                  <a:outerShdw blurRad="38100" dist="38100" dir="2700000" algn="tl">
-                    <a:srgbClr val="000000">
-                      <a:alpha val="43137"/>
-                    </a:srgbClr>
-                  </a:outerShdw>
-                </a:effectLst>
-                <a:latin typeface="Consolas" pitchFamily="49" charset="0"/>
-                <a:cs typeface="Consolas" pitchFamily="49" charset="0"/>
-              </a:rPr>
-              <a:t>')</a:t>
-            </a:r>
-            <a:endParaRPr lang="en-US" sz="2800" b="1" noProof="1">
-              <a:solidFill>
-                <a:srgbClr val="FBEEDC"/>
-              </a:solidFill>
-              <a:effectLst>
-                <a:outerShdw blurRad="38100" dist="38100" dir="2700000" algn="tl">
-                  <a:srgbClr val="000000">
-                    <a:alpha val="43137"/>
-                  </a:srgbClr>
-                </a:outerShdw>
-              </a:effectLst>
-              <a:latin typeface="Consolas" pitchFamily="49" charset="0"/>
-              <a:cs typeface="Consolas" pitchFamily="49" charset="0"/>
-            </a:endParaRPr>
+              <a:t>='')</a:t>
+            </a:r>
           </a:p>
           <a:p>
             <a:pPr eaLnBrk="0" hangingPunct="0">
@@ -28451,7 +28563,120 @@
                 <a:latin typeface="Consolas" pitchFamily="49" charset="0"/>
                 <a:cs typeface="Consolas" pitchFamily="49" charset="0"/>
               </a:rPr>
-              <a:t>sys.stdout.write('+')</a:t>
+              <a:t>print('</a:t>
+            </a:r>
+            <a:r>
+              <a:rPr lang="bg-BG" sz="2800" b="1" noProof="1" smtClean="0">
+                <a:solidFill>
+                  <a:srgbClr val="FBEEDC"/>
+                </a:solidFill>
+                <a:effectLst>
+                  <a:outerShdw blurRad="38100" dist="38100" dir="2700000" algn="tl">
+                    <a:srgbClr val="000000">
+                      <a:alpha val="43137"/>
+                    </a:srgbClr>
+                  </a:outerShdw>
+                </a:effectLst>
+                <a:latin typeface="Consolas" pitchFamily="49" charset="0"/>
+                <a:cs typeface="Consolas" pitchFamily="49" charset="0"/>
+              </a:rPr>
+              <a:t>+</a:t>
+            </a:r>
+            <a:r>
+              <a:rPr lang="en-US" sz="2800" b="1" noProof="1" smtClean="0">
+                <a:solidFill>
+                  <a:srgbClr val="FBEEDC"/>
+                </a:solidFill>
+                <a:effectLst>
+                  <a:outerShdw blurRad="38100" dist="38100" dir="2700000" algn="tl">
+                    <a:srgbClr val="000000">
+                      <a:alpha val="43137"/>
+                    </a:srgbClr>
+                  </a:outerShdw>
+                </a:effectLst>
+                <a:latin typeface="Consolas" pitchFamily="49" charset="0"/>
+                <a:cs typeface="Consolas" pitchFamily="49" charset="0"/>
+              </a:rPr>
+              <a:t>', </a:t>
+            </a:r>
+            <a:r>
+              <a:rPr lang="en-US" sz="2800" b="1" noProof="1">
+                <a:solidFill>
+                  <a:srgbClr val="FBEEDC"/>
+                </a:solidFill>
+                <a:effectLst>
+                  <a:outerShdw blurRad="38100" dist="38100" dir="2700000" algn="tl">
+                    <a:srgbClr val="000000">
+                      <a:alpha val="43137"/>
+                    </a:srgbClr>
+                  </a:outerShdw>
+                </a:effectLst>
+                <a:latin typeface="Consolas" pitchFamily="49" charset="0"/>
+                <a:cs typeface="Consolas" pitchFamily="49" charset="0"/>
+              </a:rPr>
+              <a:t>end</a:t>
+            </a:r>
+            <a:r>
+              <a:rPr lang="en-US" sz="2800" b="1" noProof="1" smtClean="0">
+                <a:solidFill>
+                  <a:srgbClr val="FBEEDC"/>
+                </a:solidFill>
+                <a:effectLst>
+                  <a:outerShdw blurRad="38100" dist="38100" dir="2700000" algn="tl">
+                    <a:srgbClr val="000000">
+                      <a:alpha val="43137"/>
+                    </a:srgbClr>
+                  </a:outerShdw>
+                </a:effectLst>
+                <a:latin typeface="Consolas" pitchFamily="49" charset="0"/>
+                <a:cs typeface="Consolas" pitchFamily="49" charset="0"/>
+              </a:rPr>
+              <a:t>='')</a:t>
+            </a:r>
+            <a:endParaRPr lang="bg-BG" sz="2800" b="1" noProof="1" smtClean="0">
+              <a:solidFill>
+                <a:srgbClr val="FBEEDC"/>
+              </a:solidFill>
+              <a:effectLst>
+                <a:outerShdw blurRad="38100" dist="38100" dir="2700000" algn="tl">
+                  <a:srgbClr val="000000">
+                    <a:alpha val="43137"/>
+                  </a:srgbClr>
+                </a:outerShdw>
+              </a:effectLst>
+              <a:latin typeface="Consolas" pitchFamily="49" charset="0"/>
+              <a:cs typeface="Consolas" pitchFamily="49" charset="0"/>
+            </a:endParaRPr>
+          </a:p>
+          <a:p>
+            <a:pPr eaLnBrk="0" hangingPunct="0">
+              <a:lnSpc>
+                <a:spcPct val="105000"/>
+              </a:lnSpc>
+              <a:buClr>
+                <a:schemeClr val="accent5">
+                  <a:lumMod val="40000"/>
+                  <a:lumOff val="60000"/>
+                </a:schemeClr>
+              </a:buClr>
+              <a:buSzPct val="70000"/>
+            </a:pPr>
+            <a:r>
+              <a:rPr lang="en-US" sz="2800" b="1" noProof="1" smtClean="0">
+                <a:solidFill>
+                  <a:srgbClr val="FBEEDC"/>
+                </a:solidFill>
+                <a:effectLst>
+                  <a:outerShdw blurRad="38100" dist="38100" dir="2700000" algn="tl">
+                    <a:srgbClr val="000000">
+                      <a:alpha val="43137"/>
+                    </a:srgbClr>
+                  </a:outerShdw>
+                </a:effectLst>
+                <a:latin typeface="Consolas" pitchFamily="49" charset="0"/>
+                <a:cs typeface="Consolas" pitchFamily="49" charset="0"/>
+              </a:rPr>
+              <a:t>for i in range(n-2):</a:t>
             </a:r>
             <a:endParaRPr lang="en-US" sz="2800" b="1" noProof="1">
               <a:solidFill>
@@ -28496,7 +28721,7 @@
                 <a:latin typeface="Consolas" pitchFamily="49" charset="0"/>
                 <a:cs typeface="Consolas" pitchFamily="49" charset="0"/>
               </a:rPr>
-              <a:t>for </a:t>
+              <a:t> </a:t>
             </a:r>
             <a:r>
               <a:rPr lang="en-US" sz="2800" b="1" noProof="1" smtClean="0">
@@ -28513,36 +28738,8 @@
                 <a:latin typeface="Consolas" pitchFamily="49" charset="0"/>
                 <a:cs typeface="Consolas" pitchFamily="49" charset="0"/>
               </a:rPr>
-              <a:t>i in range(n-2):</a:t>
-            </a:r>
-            <a:endParaRPr lang="en-US" sz="2800" b="1" noProof="1">
-              <a:solidFill>
-                <a:srgbClr val="FBEEDC"/>
-              </a:solidFill>
-              <a:effectLst>
-                <a:outerShdw blurRad="38100" dist="38100" dir="2700000" algn="tl">
-                  <a:srgbClr val="000000">
-                    <a:alpha val="43137"/>
-                  </a:srgbClr>
-                </a:outerShdw>
-              </a:effectLst>
-              <a:latin typeface="Consolas" pitchFamily="49" charset="0"/>
-              <a:cs typeface="Consolas" pitchFamily="49" charset="0"/>
-            </a:endParaRPr>
-          </a:p>
-          <a:p>
-            <a:pPr eaLnBrk="0" hangingPunct="0">
-              <a:lnSpc>
-                <a:spcPct val="105000"/>
-              </a:lnSpc>
-              <a:buClr>
-                <a:schemeClr val="accent5">
-                  <a:lumMod val="40000"/>
-                  <a:lumOff val="60000"/>
-                </a:schemeClr>
-              </a:buClr>
-              <a:buSzPct val="70000"/>
-            </a:pPr>
+              <a:t>   print(' -', </a:t>
+            </a:r>
             <a:r>
               <a:rPr lang="en-US" sz="2800" b="1" noProof="1">
                 <a:solidFill>
@@ -28558,7 +28755,7 @@
                 <a:latin typeface="Consolas" pitchFamily="49" charset="0"/>
                 <a:cs typeface="Consolas" pitchFamily="49" charset="0"/>
               </a:rPr>
-              <a:t>   </a:t>
+              <a:t>end</a:t>
             </a:r>
             <a:r>
               <a:rPr lang="en-US" sz="2800" b="1" noProof="1" smtClean="0">
@@ -28575,22 +28772,8 @@
                 <a:latin typeface="Consolas" pitchFamily="49" charset="0"/>
                 <a:cs typeface="Consolas" pitchFamily="49" charset="0"/>
               </a:rPr>
-              <a:t>sys.stdout.write(' -')</a:t>
-            </a:r>
-            <a:endParaRPr lang="en-US" sz="2800" b="1" noProof="1">
-              <a:solidFill>
-                <a:srgbClr val="FBEEDC"/>
-              </a:solidFill>
-              <a:effectLst>
-                <a:outerShdw blurRad="38100" dist="38100" dir="2700000" algn="tl">
-                  <a:srgbClr val="000000">
-                    <a:alpha val="43137"/>
-                  </a:srgbClr>
-                </a:outerShdw>
-              </a:effectLst>
-              <a:latin typeface="Consolas" pitchFamily="49" charset="0"/>
-              <a:cs typeface="Consolas" pitchFamily="49" charset="0"/>
-            </a:endParaRPr>
+              <a:t>='')</a:t>
+            </a:r>
           </a:p>
           <a:p>
             <a:pPr eaLnBrk="0" hangingPunct="0">

--- a/6. Drawing-with-Loops/6. Drawing-with-Loops.pptx
+++ b/6. Drawing-with-Loops/6. Drawing-with-Loops.pptx
@@ -251,7 +251,7 @@
             <a:fld id="{FE5B4EDC-59C0-49C7-8ADA-5A781B329E02}" type="datetimeFigureOut">
               <a:rPr lang="en-US"/>
               <a:pPr/>
-              <a:t>2/28/2017</a:t>
+              <a:t>4/8/2017</a:t>
             </a:fld>
             <a:endParaRPr dirty="0"/>
           </a:p>
@@ -450,7 +450,7 @@
             <a:fld id="{F2D8D46A-B586-417D-BFBD-8C8FE0AAF762}" type="datetimeFigureOut">
               <a:rPr lang="en-US" smtClean="0"/>
               <a:pPr/>
-              <a:t>2/28/2017</a:t>
+              <a:t>4/8/2017</a:t>
             </a:fld>
             <a:endParaRPr lang="en-US"/>
           </a:p>
@@ -2740,7 +2740,7 @@
             <a:fld id="{055373AC-9AA7-423B-BA00-BA1C74164DBD}" type="datetime1">
               <a:rPr lang="en-US" smtClean="0"/>
               <a:pPr/>
-              <a:t>2/28/2017</a:t>
+              <a:t>4/8/2017</a:t>
             </a:fld>
             <a:endParaRPr lang="en-US" dirty="0"/>
           </a:p>
@@ -4014,7 +4014,7 @@
             <a:fld id="{055373AC-9AA7-423B-BA00-BA1C74164DBD}" type="datetime1">
               <a:rPr lang="en-US" smtClean="0"/>
               <a:pPr/>
-              <a:t>2/28/2017</a:t>
+              <a:t>4/8/2017</a:t>
             </a:fld>
             <a:endParaRPr lang="en-US" dirty="0"/>
           </a:p>
@@ -21705,24 +21705,7 @@
                 <a:latin typeface="Consolas" pitchFamily="49" charset="0"/>
                 <a:cs typeface="Consolas" pitchFamily="49" charset="0"/>
               </a:rPr>
-              <a:t>   </a:t>
-            </a:r>
-            <a:r>
-              <a:rPr lang="en-US" sz="3000" b="1" noProof="1" smtClean="0">
-                <a:solidFill>
-                  <a:srgbClr val="FBEEDC"/>
-                </a:solidFill>
-                <a:effectLst>
-                  <a:outerShdw blurRad="38100" dist="38100" dir="2700000" algn="tl">
-                    <a:srgbClr val="000000">
-                      <a:alpha val="43137"/>
-                    </a:srgbClr>
-                  </a:outerShdw>
-                </a:effectLst>
-                <a:latin typeface="Consolas" pitchFamily="49" charset="0"/>
-                <a:cs typeface="Consolas" pitchFamily="49" charset="0"/>
-              </a:rPr>
-              <a:t>print('</a:t>
+              <a:t>   print('</a:t>
             </a:r>
             <a:r>
               <a:rPr lang="en-US" sz="3000" b="1" noProof="1" smtClean="0">
@@ -21922,41 +21905,7 @@
                 <a:latin typeface="Consolas" pitchFamily="49" charset="0"/>
                 <a:cs typeface="Consolas" pitchFamily="49" charset="0"/>
               </a:rPr>
-              <a:t>      </a:t>
-            </a:r>
-            <a:r>
-              <a:rPr lang="en-US" sz="3000" b="1" noProof="1" smtClean="0">
-                <a:solidFill>
-                  <a:srgbClr val="FBEEDC"/>
-                </a:solidFill>
-                <a:effectLst>
-                  <a:outerShdw blurRad="38100" dist="38100" dir="2700000" algn="tl">
-                    <a:srgbClr val="000000">
-                      <a:alpha val="43137"/>
-                    </a:srgbClr>
-                  </a:outerShdw>
-                </a:effectLst>
-                <a:latin typeface="Consolas" pitchFamily="49" charset="0"/>
-                <a:cs typeface="Consolas" pitchFamily="49" charset="0"/>
-              </a:rPr>
-              <a:t>print</a:t>
-            </a:r>
-            <a:r>
-              <a:rPr lang="en-US" sz="3000" b="1" noProof="1" smtClean="0">
-                <a:solidFill>
-                  <a:srgbClr val="FBEEDC"/>
-                </a:solidFill>
-                <a:effectLst>
-                  <a:outerShdw blurRad="38100" dist="38100" dir="2700000" algn="tl">
-                    <a:srgbClr val="000000">
-                      <a:alpha val="43137"/>
-                    </a:srgbClr>
-                  </a:outerShdw>
-                </a:effectLst>
-                <a:latin typeface="Consolas" pitchFamily="49" charset="0"/>
-                <a:cs typeface="Consolas" pitchFamily="49" charset="0"/>
-              </a:rPr>
-              <a:t>('</a:t>
+              <a:t>      print('</a:t>
             </a:r>
             <a:r>
               <a:rPr lang="en-US" sz="3000" b="1" noProof="1" smtClean="0">
@@ -22260,24 +22209,7 @@
                 <a:latin typeface="Consolas" pitchFamily="49" charset="0"/>
                 <a:cs typeface="Consolas" pitchFamily="49" charset="0"/>
               </a:rPr>
-              <a:t>'Some text</a:t>
-            </a:r>
-            <a:r>
-              <a:rPr lang="en-US" sz="3000" b="1" noProof="1" smtClean="0">
-                <a:solidFill>
-                  <a:srgbClr val="FBEEDC"/>
-                </a:solidFill>
-                <a:effectLst>
-                  <a:outerShdw blurRad="38100" dist="38100" dir="2700000" algn="tl">
-                    <a:srgbClr val="000000">
-                      <a:alpha val="43137"/>
-                    </a:srgbClr>
-                  </a:outerShdw>
-                </a:effectLst>
-                <a:latin typeface="Consolas" pitchFamily="49" charset="0"/>
-                <a:cs typeface="Consolas" pitchFamily="49" charset="0"/>
-              </a:rPr>
-              <a:t>'</a:t>
+              <a:t>'Some text'</a:t>
             </a:r>
             <a:r>
               <a:rPr lang="en-US" sz="3200" b="1" noProof="1">
@@ -22296,26 +22228,7 @@
                 <a:latin typeface="Consolas" pitchFamily="49" charset="0"/>
                 <a:cs typeface="Consolas" pitchFamily="49" charset="0"/>
               </a:rPr>
-              <a:t>, </a:t>
-            </a:r>
-            <a:r>
-              <a:rPr lang="en-US" sz="3200" b="1" noProof="1">
-                <a:solidFill>
-                  <a:schemeClr val="tx2">
-                    <a:lumMod val="75000"/>
-                  </a:schemeClr>
-                </a:solidFill>
-                <a:effectLst>
-                  <a:outerShdw blurRad="38100" dist="38100" dir="2700000" algn="tl">
-                    <a:srgbClr val="000000">
-                      <a:alpha val="43137"/>
-                    </a:srgbClr>
-                  </a:outerShdw>
-                </a:effectLst>
-                <a:latin typeface="Consolas" pitchFamily="49" charset="0"/>
-                <a:cs typeface="Consolas" pitchFamily="49" charset="0"/>
-              </a:rPr>
-              <a:t>end</a:t>
+              <a:t>, end</a:t>
             </a:r>
             <a:r>
               <a:rPr lang="en-US" sz="3200" b="1" noProof="1" smtClean="0">
@@ -24330,8 +24243,8 @@
         </p:blipFill>
         <p:spPr>
           <a:xfrm>
-            <a:off x="9407762" y="1788580"/>
-            <a:ext cx="2477850" cy="2698229"/>
+            <a:off x="10072606" y="1745421"/>
+            <a:ext cx="1511531" cy="3393020"/>
           </a:xfrm>
           <a:prstGeom prst="rect">
             <a:avLst/>
@@ -24910,8 +24823,8 @@
         </p:blipFill>
         <p:spPr>
           <a:xfrm>
-            <a:off x="6780053" y="2818540"/>
-            <a:ext cx="4648359" cy="1994921"/>
+            <a:off x="6780053" y="2858399"/>
+            <a:ext cx="4648359" cy="1915203"/>
           </a:xfrm>
           <a:prstGeom prst="rect">
             <a:avLst/>
@@ -26757,8 +26670,8 @@
         </p:blipFill>
         <p:spPr>
           <a:xfrm>
-            <a:off x="7983581" y="2841396"/>
-            <a:ext cx="4011653" cy="2289985"/>
+            <a:off x="7769170" y="2738744"/>
+            <a:ext cx="4250877" cy="2366655"/>
           </a:xfrm>
           <a:prstGeom prst="rect">
             <a:avLst/>

--- a/6. Drawing-with-Loops/6. Drawing-with-Loops.pptx
+++ b/6. Drawing-with-Loops/6. Drawing-with-Loops.pptx
@@ -251,7 +251,7 @@
             <a:fld id="{FE5B4EDC-59C0-49C7-8ADA-5A781B329E02}" type="datetimeFigureOut">
               <a:rPr lang="en-US"/>
               <a:pPr/>
-              <a:t>4/8/2017</a:t>
+              <a:t>4/21/2017</a:t>
             </a:fld>
             <a:endParaRPr dirty="0"/>
           </a:p>
@@ -450,7 +450,7 @@
             <a:fld id="{F2D8D46A-B586-417D-BFBD-8C8FE0AAF762}" type="datetimeFigureOut">
               <a:rPr lang="en-US" smtClean="0"/>
               <a:pPr/>
-              <a:t>4/8/2017</a:t>
+              <a:t>4/21/2017</a:t>
             </a:fld>
             <a:endParaRPr lang="en-US"/>
           </a:p>
@@ -2740,7 +2740,7 @@
             <a:fld id="{055373AC-9AA7-423B-BA00-BA1C74164DBD}" type="datetime1">
               <a:rPr lang="en-US" smtClean="0"/>
               <a:pPr/>
-              <a:t>4/8/2017</a:t>
+              <a:t>4/21/2017</a:t>
             </a:fld>
             <a:endParaRPr lang="en-US" dirty="0"/>
           </a:p>
@@ -4014,7 +4014,7 @@
             <a:fld id="{055373AC-9AA7-423B-BA00-BA1C74164DBD}" type="datetime1">
               <a:rPr lang="en-US" smtClean="0"/>
               <a:pPr/>
-              <a:t>4/8/2017</a:t>
+              <a:t>4/21/2017</a:t>
             </a:fld>
             <a:endParaRPr lang="en-US" dirty="0"/>
           </a:p>
@@ -6161,19 +6161,11 @@
               <a:rPr lang="en-US" dirty="0" smtClean="0">
                 <a:hlinkClick r:id="rId2"/>
               </a:rPr>
-              <a:t>judge.softuni.bg/Contests/Practice/Index/15</a:t>
-            </a:r>
-            <a:r>
-              <a:rPr lang="bg-BG" dirty="0" smtClean="0">
-                <a:hlinkClick r:id="rId2"/>
-              </a:rPr>
-              <a:t>5</a:t>
-            </a:r>
-            <a:r>
-              <a:rPr lang="en-US" dirty="0" smtClean="0">
-                <a:hlinkClick r:id="rId2"/>
-              </a:rPr>
-              <a:t>#5</a:t>
+              <a:t>judge.softuni.bg/Contests/Practice/Index/491#5</a:t>
+            </a:r>
+            <a:r>
+              <a:rPr lang="en-US" dirty="0" smtClean="0"/>
+              <a:t> </a:t>
             </a:r>
             <a:endParaRPr lang="en-US" dirty="0"/>
           </a:p>
@@ -7634,7 +7626,11 @@
               <a:rPr lang="en-US" sz="2600" dirty="0" smtClean="0">
                 <a:hlinkClick r:id="rId3"/>
               </a:rPr>
-              <a:t>judge.softuni.bg/Contests/Practice/Index/155#6</a:t>
+              <a:t>judge.softuni.bg/Contests/Practice/Index/491#6</a:t>
+            </a:r>
+            <a:r>
+              <a:rPr lang="en-US" sz="2600" dirty="0" smtClean="0"/>
+              <a:t> </a:t>
             </a:r>
             <a:endParaRPr lang="en-US" sz="2600" dirty="0"/>
           </a:p>
@@ -10200,7 +10196,11 @@
               <a:rPr lang="en-US" sz="2600" dirty="0" smtClean="0">
                 <a:hlinkClick r:id="rId3"/>
               </a:rPr>
-              <a:t>judge.softuni.bg/Contests/Practice/Index/155#7</a:t>
+              <a:t>judge.softuni.bg/Contests/Practice/Index/491#7</a:t>
+            </a:r>
+            <a:r>
+              <a:rPr lang="en-US" sz="2600" dirty="0" smtClean="0"/>
+              <a:t> </a:t>
             </a:r>
             <a:endParaRPr lang="en-US" sz="2600" dirty="0"/>
           </a:p>
@@ -12231,7 +12231,41 @@
                 <a:latin typeface="Consolas" pitchFamily="49" charset="0"/>
                 <a:cs typeface="Consolas" pitchFamily="49" charset="0"/>
               </a:rPr>
-              <a:t>== (n-1) / 2 -</a:t>
+              <a:t>== (n-1) </a:t>
+            </a:r>
+            <a:r>
+              <a:rPr lang="nn-NO" sz="2600" b="1" noProof="1" smtClean="0">
+                <a:solidFill>
+                  <a:srgbClr val="FBEEE1"/>
+                </a:solidFill>
+                <a:effectLst>
+                  <a:outerShdw blurRad="38100" dist="38100" dir="2700000" algn="tl">
+                    <a:srgbClr val="000000">
+                      <a:alpha val="43137"/>
+                    </a:srgbClr>
+                  </a:outerShdw>
+                </a:effectLst>
+                <a:latin typeface="Consolas" pitchFamily="49" charset="0"/>
+                <a:cs typeface="Consolas" pitchFamily="49" charset="0"/>
+              </a:rPr>
+              <a:t>// </a:t>
+            </a:r>
+            <a:r>
+              <a:rPr lang="nn-NO" sz="2600" b="1" noProof="1">
+                <a:solidFill>
+                  <a:srgbClr val="FBEEE1"/>
+                </a:solidFill>
+                <a:effectLst>
+                  <a:outerShdw blurRad="38100" dist="38100" dir="2700000" algn="tl">
+                    <a:srgbClr val="000000">
+                      <a:alpha val="43137"/>
+                    </a:srgbClr>
+                  </a:outerShdw>
+                </a:effectLst>
+                <a:latin typeface="Consolas" pitchFamily="49" charset="0"/>
+                <a:cs typeface="Consolas" pitchFamily="49" charset="0"/>
+              </a:rPr>
+              <a:t>2 -</a:t>
             </a:r>
             <a:r>
               <a:rPr lang="nn-NO" sz="2600" b="1" noProof="1" smtClean="0">
@@ -13660,7 +13694,11 @@
               <a:rPr lang="en-US" sz="2600" dirty="0" smtClean="0">
                 <a:hlinkClick r:id="rId3"/>
               </a:rPr>
-              <a:t>judge.softuni.bg/Contests/Practice/Index/155#8</a:t>
+              <a:t>judge.softuni.bg/Contests/Practice/Index/491#8</a:t>
+            </a:r>
+            <a:r>
+              <a:rPr lang="en-US" sz="2600" dirty="0" smtClean="0"/>
+              <a:t> </a:t>
             </a:r>
             <a:endParaRPr lang="en-US" sz="2600" dirty="0"/>
           </a:p>
@@ -15104,7 +15142,7 @@
               <a:t>for i in range(n </a:t>
             </a:r>
             <a:r>
-              <a:rPr lang="en-US" sz="2600" b="1" noProof="1">
+              <a:rPr lang="en-US" sz="2600" b="1" noProof="1" smtClean="0">
                 <a:solidFill>
                   <a:srgbClr val="FBEEE1"/>
                 </a:solidFill>
@@ -15118,7 +15156,7 @@
                 <a:latin typeface="Consolas" pitchFamily="49" charset="0"/>
                 <a:cs typeface="Consolas" pitchFamily="49" charset="0"/>
               </a:rPr>
-              <a:t>/ </a:t>
+              <a:t>// </a:t>
             </a:r>
             <a:r>
               <a:rPr lang="en-US" sz="2600" b="1" noProof="1" smtClean="0">
@@ -16969,7 +17007,11 @@
               <a:rPr lang="en-US" sz="2600" dirty="0" smtClean="0">
                 <a:hlinkClick r:id="rId3"/>
               </a:rPr>
-              <a:t>judge.softuni.bg/Contests/Practice/Index/155#9</a:t>
+              <a:t>judge.softuni.bg/Contests/Practice/Index/491#9</a:t>
+            </a:r>
+            <a:r>
+              <a:rPr lang="en-US" sz="2600" dirty="0" smtClean="0"/>
+              <a:t> </a:t>
             </a:r>
             <a:endParaRPr lang="en-US" sz="2600" dirty="0"/>
           </a:p>
@@ -24203,19 +24245,11 @@
               <a:rPr lang="en-US" dirty="0" smtClean="0">
                 <a:hlinkClick r:id="rId2"/>
               </a:rPr>
-              <a:t>judge.softuni.bg/Contests/Practice/Index/15</a:t>
-            </a:r>
-            <a:r>
-              <a:rPr lang="bg-BG" dirty="0" smtClean="0">
-                <a:hlinkClick r:id="rId2"/>
-              </a:rPr>
-              <a:t>5</a:t>
-            </a:r>
-            <a:r>
-              <a:rPr lang="en-US" dirty="0" smtClean="0">
-                <a:hlinkClick r:id="rId2"/>
-              </a:rPr>
-              <a:t>#0</a:t>
+              <a:t>judge.softuni.bg/Contests/Practice/Index/491#0</a:t>
+            </a:r>
+            <a:r>
+              <a:rPr lang="en-US" dirty="0" smtClean="0"/>
+              <a:t> </a:t>
             </a:r>
             <a:endParaRPr lang="en-US" dirty="0"/>
           </a:p>
@@ -24783,19 +24817,11 @@
               <a:rPr lang="en-US" dirty="0" smtClean="0">
                 <a:hlinkClick r:id="rId2"/>
               </a:rPr>
-              <a:t>judge.softuni.bg/Contests/Practice/Index/15</a:t>
-            </a:r>
-            <a:r>
-              <a:rPr lang="bg-BG" dirty="0" smtClean="0">
-                <a:hlinkClick r:id="rId2"/>
-              </a:rPr>
-              <a:t>5</a:t>
-            </a:r>
-            <a:r>
-              <a:rPr lang="en-US" dirty="0" smtClean="0">
-                <a:hlinkClick r:id="rId2"/>
-              </a:rPr>
-              <a:t>#1</a:t>
+              <a:t>judge.softuni.bg/Contests/Practice/Index/491#1</a:t>
+            </a:r>
+            <a:r>
+              <a:rPr lang="en-US" dirty="0" smtClean="0"/>
+              <a:t> </a:t>
             </a:r>
             <a:endParaRPr lang="en-US" dirty="0"/>
           </a:p>
@@ -26410,41 +26436,43 @@
                 <a:latin typeface="Consolas" pitchFamily="49" charset="0"/>
                 <a:cs typeface="Consolas" pitchFamily="49" charset="0"/>
               </a:rPr>
-              <a:t>in range</a:t>
-            </a:r>
-            <a:r>
-              <a:rPr lang="en-US" sz="2800" b="1" noProof="1">
-                <a:solidFill>
-                  <a:srgbClr val="FBEEDC"/>
-                </a:solidFill>
-                <a:effectLst>
-                  <a:outerShdw blurRad="38100" dist="38100" dir="2700000" algn="tl">
-                    <a:srgbClr val="000000">
-                      <a:alpha val="43137"/>
-                    </a:srgbClr>
-                  </a:outerShdw>
-                </a:effectLst>
-                <a:latin typeface="Consolas" pitchFamily="49" charset="0"/>
-                <a:cs typeface="Consolas" pitchFamily="49" charset="0"/>
-              </a:rPr>
-              <a:t>(n</a:t>
+              <a:t>in </a:t>
             </a:r>
             <a:r>
               <a:rPr lang="en-US" sz="2800" b="1" noProof="1" smtClean="0">
                 <a:solidFill>
-                  <a:srgbClr val="FBEEDC"/>
-                </a:solidFill>
-                <a:effectLst>
-                  <a:outerShdw blurRad="38100" dist="38100" dir="2700000" algn="tl">
-                    <a:srgbClr val="000000">
-                      <a:alpha val="43137"/>
-                    </a:srgbClr>
-                  </a:outerShdw>
-                </a:effectLst>
-                <a:latin typeface="Consolas" pitchFamily="49" charset="0"/>
-                <a:cs typeface="Consolas" pitchFamily="49" charset="0"/>
-              </a:rPr>
-              <a:t>):</a:t>
+                  <a:schemeClr val="tx2">
+                    <a:lumMod val="75000"/>
+                  </a:schemeClr>
+                </a:solidFill>
+                <a:effectLst>
+                  <a:outerShdw blurRad="38100" dist="38100" dir="2700000" algn="tl">
+                    <a:srgbClr val="000000">
+                      <a:alpha val="43137"/>
+                    </a:srgbClr>
+                  </a:outerShdw>
+                </a:effectLst>
+                <a:latin typeface="Consolas" pitchFamily="49" charset="0"/>
+                <a:cs typeface="Consolas" pitchFamily="49" charset="0"/>
+              </a:rPr>
+              <a:t>range</a:t>
+            </a:r>
+            <a:r>
+              <a:rPr lang="en-US" sz="2800" b="1" noProof="1" smtClean="0">
+                <a:solidFill>
+                  <a:srgbClr val="FBEEDC"/>
+                </a:solidFill>
+                <a:effectLst>
+                  <a:outerShdw blurRad="38100" dist="38100" dir="2700000" algn="tl">
+                    <a:srgbClr val="000000">
+                      <a:alpha val="43137"/>
+                    </a:srgbClr>
+                  </a:outerShdw>
+                </a:effectLst>
+                <a:latin typeface="Consolas" pitchFamily="49" charset="0"/>
+                <a:cs typeface="Consolas" pitchFamily="49" charset="0"/>
+              </a:rPr>
+              <a:t>(n - 1):</a:t>
             </a:r>
             <a:endParaRPr lang="en-US" sz="2800" b="1" noProof="1">
               <a:solidFill>
@@ -26630,19 +26658,11 @@
               <a:rPr lang="en-US" dirty="0" smtClean="0">
                 <a:hlinkClick r:id="rId2"/>
               </a:rPr>
-              <a:t>judge.softuni.bg/Contests/Practice/Index/15</a:t>
-            </a:r>
-            <a:r>
-              <a:rPr lang="bg-BG" dirty="0" smtClean="0">
-                <a:hlinkClick r:id="rId2"/>
-              </a:rPr>
-              <a:t>5</a:t>
-            </a:r>
-            <a:r>
-              <a:rPr lang="en-US" dirty="0" smtClean="0">
-                <a:hlinkClick r:id="rId2"/>
-              </a:rPr>
-              <a:t>#2</a:t>
+              <a:t>judge.softuni.bg/Contests/Practice/Index/491#2</a:t>
+            </a:r>
+            <a:r>
+              <a:rPr lang="en-US" dirty="0" smtClean="0"/>
+              <a:t> </a:t>
             </a:r>
             <a:endParaRPr lang="en-US" dirty="0"/>
           </a:p>
@@ -27827,19 +27847,11 @@
               <a:rPr lang="en-US" dirty="0" smtClean="0">
                 <a:hlinkClick r:id="rId2"/>
               </a:rPr>
-              <a:t>judge.softuni.bg/Contests/Practice/Index/15</a:t>
-            </a:r>
-            <a:r>
-              <a:rPr lang="bg-BG" dirty="0" smtClean="0">
-                <a:hlinkClick r:id="rId2"/>
-              </a:rPr>
-              <a:t>5</a:t>
-            </a:r>
-            <a:r>
-              <a:rPr lang="en-US" dirty="0" smtClean="0">
-                <a:hlinkClick r:id="rId2"/>
-              </a:rPr>
-              <a:t>#3</a:t>
+              <a:t>judge.softuni.bg/Contests/Practice/Index/491#3</a:t>
+            </a:r>
+            <a:r>
+              <a:rPr lang="en-US" dirty="0" smtClean="0"/>
+              <a:t> </a:t>
             </a:r>
             <a:endParaRPr lang="en-US" dirty="0"/>
           </a:p>
@@ -29117,19 +29129,11 @@
               <a:rPr lang="en-US" dirty="0" smtClean="0">
                 <a:hlinkClick r:id="rId2"/>
               </a:rPr>
-              <a:t>judge.softuni.bg/Contests/Practice/Index/15</a:t>
-            </a:r>
-            <a:r>
-              <a:rPr lang="bg-BG" dirty="0" smtClean="0">
-                <a:hlinkClick r:id="rId2"/>
-              </a:rPr>
-              <a:t>5</a:t>
-            </a:r>
-            <a:r>
-              <a:rPr lang="en-US" dirty="0" smtClean="0">
-                <a:hlinkClick r:id="rId2"/>
-              </a:rPr>
-              <a:t>#4</a:t>
+              <a:t>judge.softuni.bg/Contests/Practice/Index/491#4</a:t>
+            </a:r>
+            <a:r>
+              <a:rPr lang="en-US" dirty="0" smtClean="0"/>
+              <a:t> </a:t>
             </a:r>
             <a:endParaRPr lang="en-US" dirty="0"/>
           </a:p>
